--- a/Python使用Pandas入门数据分析.pptx
+++ b/Python使用Pandas入门数据分析.pptx
@@ -9,7 +9,7 @@
     <p:notesMasterId r:id="rId5"/>
   </p:notesMasterIdLst>
   <p:handoutMasterIdLst>
-    <p:handoutMasterId r:id="rId73"/>
+    <p:handoutMasterId r:id="rId80"/>
   </p:handoutMasterIdLst>
   <p:sldIdLst>
     <p:sldId id="256" r:id="rId4"/>
@@ -80,6 +80,13 @@
     <p:sldId id="430" r:id="rId70"/>
     <p:sldId id="434" r:id="rId71"/>
     <p:sldId id="436" r:id="rId72"/>
+    <p:sldId id="443" r:id="rId73"/>
+    <p:sldId id="444" r:id="rId74"/>
+    <p:sldId id="445" r:id="rId75"/>
+    <p:sldId id="446" r:id="rId76"/>
+    <p:sldId id="447" r:id="rId77"/>
+    <p:sldId id="448" r:id="rId78"/>
+    <p:sldId id="449" r:id="rId79"/>
   </p:sldIdLst>
   <p:sldSz cx="12192000" cy="6858000"/>
   <p:notesSz cx="6858000" cy="9144000"/>
@@ -491,39 +498,39 @@
           <a:p>
             <a:pPr lvl="0"/>
             <a:r>
-              <a:rPr lang="zh-CN" altLang="en-US" smtClean="0"/>
+              <a:rPr lang="zh-CN" altLang="en-US"/>
               <a:t>单击此处编辑母版文本样式</a:t>
             </a:r>
-            <a:endParaRPr lang="zh-CN" altLang="en-US" smtClean="0"/>
+            <a:endParaRPr lang="zh-CN" altLang="en-US"/>
           </a:p>
           <a:p>
             <a:pPr lvl="1"/>
             <a:r>
-              <a:rPr lang="zh-CN" altLang="en-US" smtClean="0"/>
+              <a:rPr lang="zh-CN" altLang="en-US"/>
               <a:t>第二级</a:t>
             </a:r>
-            <a:endParaRPr lang="zh-CN" altLang="en-US" smtClean="0"/>
+            <a:endParaRPr lang="zh-CN" altLang="en-US"/>
           </a:p>
           <a:p>
             <a:pPr lvl="2"/>
             <a:r>
-              <a:rPr lang="zh-CN" altLang="en-US" smtClean="0"/>
+              <a:rPr lang="zh-CN" altLang="en-US"/>
               <a:t>第三级</a:t>
             </a:r>
-            <a:endParaRPr lang="zh-CN" altLang="en-US" smtClean="0"/>
+            <a:endParaRPr lang="zh-CN" altLang="en-US"/>
           </a:p>
           <a:p>
             <a:pPr lvl="3"/>
             <a:r>
-              <a:rPr lang="zh-CN" altLang="en-US" smtClean="0"/>
+              <a:rPr lang="zh-CN" altLang="en-US"/>
               <a:t>第四级</a:t>
             </a:r>
-            <a:endParaRPr lang="zh-CN" altLang="en-US" smtClean="0"/>
+            <a:endParaRPr lang="zh-CN" altLang="en-US"/>
           </a:p>
           <a:p>
             <a:pPr lvl="4"/>
             <a:r>
-              <a:rPr lang="zh-CN" altLang="en-US" smtClean="0"/>
+              <a:rPr lang="zh-CN" altLang="en-US"/>
               <a:t>第五级</a:t>
             </a:r>
             <a:endParaRPr lang="zh-CN" altLang="en-US"/>
@@ -2607,7 +2614,7 @@
           </a:lstStyle>
           <a:p>
             <a:r>
-              <a:rPr lang="zh-CN" altLang="en-US" smtClean="0"/>
+              <a:rPr lang="zh-CN" altLang="en-US"/>
               <a:t>单击此处编辑母版标题样式</a:t>
             </a:r>
             <a:endParaRPr lang="zh-CN" altLang="en-US"/>
@@ -2672,7 +2679,7 @@
           </a:lstStyle>
           <a:p>
             <a:r>
-              <a:rPr lang="zh-CN" altLang="en-US" smtClean="0"/>
+              <a:rPr lang="zh-CN" altLang="en-US"/>
               <a:t>单击此处编辑母版副标题样式</a:t>
             </a:r>
             <a:endParaRPr lang="zh-CN" altLang="en-US"/>
@@ -2783,7 +2790,7 @@
           <a:lstStyle/>
           <a:p>
             <a:r>
-              <a:rPr lang="zh-CN" altLang="en-US" smtClean="0"/>
+              <a:rPr lang="zh-CN" altLang="en-US"/>
               <a:t>单击此处编辑母版标题样式</a:t>
             </a:r>
             <a:endParaRPr lang="zh-CN" altLang="en-US"/>
@@ -2807,39 +2814,39 @@
           <a:p>
             <a:pPr lvl="0"/>
             <a:r>
-              <a:rPr lang="zh-CN" altLang="en-US" smtClean="0"/>
+              <a:rPr lang="zh-CN" altLang="en-US"/>
               <a:t>单击此处编辑母版文本样式</a:t>
             </a:r>
-            <a:endParaRPr lang="zh-CN" altLang="en-US" smtClean="0"/>
+            <a:endParaRPr lang="zh-CN" altLang="en-US"/>
           </a:p>
           <a:p>
             <a:pPr lvl="1"/>
             <a:r>
-              <a:rPr lang="zh-CN" altLang="en-US" smtClean="0"/>
+              <a:rPr lang="zh-CN" altLang="en-US"/>
               <a:t>第二级</a:t>
             </a:r>
-            <a:endParaRPr lang="zh-CN" altLang="en-US" smtClean="0"/>
+            <a:endParaRPr lang="zh-CN" altLang="en-US"/>
           </a:p>
           <a:p>
             <a:pPr lvl="2"/>
             <a:r>
-              <a:rPr lang="zh-CN" altLang="en-US" smtClean="0"/>
+              <a:rPr lang="zh-CN" altLang="en-US"/>
               <a:t>第三级</a:t>
             </a:r>
-            <a:endParaRPr lang="zh-CN" altLang="en-US" smtClean="0"/>
+            <a:endParaRPr lang="zh-CN" altLang="en-US"/>
           </a:p>
           <a:p>
             <a:pPr lvl="3"/>
             <a:r>
-              <a:rPr lang="zh-CN" altLang="en-US" smtClean="0"/>
+              <a:rPr lang="zh-CN" altLang="en-US"/>
               <a:t>第四级</a:t>
             </a:r>
-            <a:endParaRPr lang="zh-CN" altLang="en-US" smtClean="0"/>
+            <a:endParaRPr lang="zh-CN" altLang="en-US"/>
           </a:p>
           <a:p>
             <a:pPr lvl="4"/>
             <a:r>
-              <a:rPr lang="zh-CN" altLang="en-US" smtClean="0"/>
+              <a:rPr lang="zh-CN" altLang="en-US"/>
               <a:t>第五级</a:t>
             </a:r>
             <a:endParaRPr lang="zh-CN" altLang="en-US"/>
@@ -2955,7 +2962,7 @@
           <a:lstStyle/>
           <a:p>
             <a:r>
-              <a:rPr lang="zh-CN" altLang="en-US" smtClean="0"/>
+              <a:rPr lang="zh-CN" altLang="en-US"/>
               <a:t>单击此处编辑母版标题样式</a:t>
             </a:r>
             <a:endParaRPr lang="zh-CN" altLang="en-US"/>
@@ -2984,39 +2991,39 @@
           <a:p>
             <a:pPr lvl="0"/>
             <a:r>
-              <a:rPr lang="zh-CN" altLang="en-US" smtClean="0"/>
+              <a:rPr lang="zh-CN" altLang="en-US"/>
               <a:t>单击此处编辑母版文本样式</a:t>
             </a:r>
-            <a:endParaRPr lang="zh-CN" altLang="en-US" smtClean="0"/>
+            <a:endParaRPr lang="zh-CN" altLang="en-US"/>
           </a:p>
           <a:p>
             <a:pPr lvl="1"/>
             <a:r>
-              <a:rPr lang="zh-CN" altLang="en-US" smtClean="0"/>
+              <a:rPr lang="zh-CN" altLang="en-US"/>
               <a:t>第二级</a:t>
             </a:r>
-            <a:endParaRPr lang="zh-CN" altLang="en-US" smtClean="0"/>
+            <a:endParaRPr lang="zh-CN" altLang="en-US"/>
           </a:p>
           <a:p>
             <a:pPr lvl="2"/>
             <a:r>
-              <a:rPr lang="zh-CN" altLang="en-US" smtClean="0"/>
+              <a:rPr lang="zh-CN" altLang="en-US"/>
               <a:t>第三级</a:t>
             </a:r>
-            <a:endParaRPr lang="zh-CN" altLang="en-US" smtClean="0"/>
+            <a:endParaRPr lang="zh-CN" altLang="en-US"/>
           </a:p>
           <a:p>
             <a:pPr lvl="3"/>
             <a:r>
-              <a:rPr lang="zh-CN" altLang="en-US" smtClean="0"/>
+              <a:rPr lang="zh-CN" altLang="en-US"/>
               <a:t>第四级</a:t>
             </a:r>
-            <a:endParaRPr lang="zh-CN" altLang="en-US" smtClean="0"/>
+            <a:endParaRPr lang="zh-CN" altLang="en-US"/>
           </a:p>
           <a:p>
             <a:pPr lvl="4"/>
             <a:r>
-              <a:rPr lang="zh-CN" altLang="en-US" smtClean="0"/>
+              <a:rPr lang="zh-CN" altLang="en-US"/>
               <a:t>第五级</a:t>
             </a:r>
             <a:endParaRPr lang="zh-CN" altLang="en-US"/>
@@ -4236,7 +4243,7 @@
                   </a:schemeClr>
                 </a:solidFill>
                 <a:uFillTx/>
-                <a:latin typeface="Arial" panose="020B0604020202020204" pitchFamily="34" charset="0"/>
+                <a:latin typeface="Arial" panose="020B0604020202090204" pitchFamily="34" charset="0"/>
                 <a:ea typeface="微软雅黑" panose="020B0503020204020204" charset="-122"/>
                 <a:cs typeface="+mj-cs"/>
                 <a:sym typeface="+mn-ea"/>
@@ -4291,7 +4298,7 @@
               <a:spcAft>
                 <a:spcPts val="1000"/>
               </a:spcAft>
-              <a:buFont typeface="Arial" panose="020B0604020202020204" pitchFamily="34" charset="0"/>
+              <a:buFont typeface="Arial" panose="020B0604020202090204" pitchFamily="34" charset="0"/>
               <a:buChar char="•"/>
               <a:defRPr kumimoji="0" lang="zh-CN" altLang="en-US" sz="1600" b="0" i="0" u="none" strike="noStrike" kern="1200" cap="none" spc="150" normalizeH="0" baseline="0" noProof="1" dirty="0">
                 <a:solidFill>
@@ -4300,7 +4307,7 @@
                   </a:schemeClr>
                 </a:solidFill>
                 <a:uFillTx/>
-                <a:latin typeface="Arial" panose="020B0604020202020204" pitchFamily="34" charset="0"/>
+                <a:latin typeface="Arial" panose="020B0604020202090204" pitchFamily="34" charset="0"/>
                 <a:ea typeface="微软雅黑" panose="020B0503020204020204" charset="-122"/>
                 <a:cs typeface="+mn-cs"/>
                 <a:sym typeface="+mn-ea"/>
@@ -4316,7 +4323,7 @@
               <a:spcAft>
                 <a:spcPts val="1000"/>
               </a:spcAft>
-              <a:buFont typeface="Arial" panose="020B0604020202020204" pitchFamily="34" charset="0"/>
+              <a:buFont typeface="Arial" panose="020B0604020202090204" pitchFamily="34" charset="0"/>
               <a:buChar char="•"/>
               <a:tabLst>
                 <a:tab pos="1609725" algn="l"/>
@@ -4328,7 +4335,7 @@
                   </a:schemeClr>
                 </a:solidFill>
                 <a:uFillTx/>
-                <a:latin typeface="Arial" panose="020B0604020202020204" pitchFamily="34" charset="0"/>
+                <a:latin typeface="Arial" panose="020B0604020202090204" pitchFamily="34" charset="0"/>
                 <a:ea typeface="微软雅黑" panose="020B0503020204020204" charset="-122"/>
                 <a:cs typeface="+mn-cs"/>
                 <a:sym typeface="+mn-ea"/>
@@ -4344,7 +4351,7 @@
               <a:spcAft>
                 <a:spcPts val="1000"/>
               </a:spcAft>
-              <a:buFont typeface="Arial" panose="020B0604020202020204" pitchFamily="34" charset="0"/>
+              <a:buFont typeface="Arial" panose="020B0604020202090204" pitchFamily="34" charset="0"/>
               <a:buChar char="•"/>
               <a:defRPr kumimoji="0" lang="zh-CN" altLang="en-US" sz="1600" b="0" i="0" u="none" strike="noStrike" kern="1200" cap="none" spc="150" normalizeH="0" baseline="0" noProof="1" dirty="0">
                 <a:solidFill>
@@ -4353,7 +4360,7 @@
                   </a:schemeClr>
                 </a:solidFill>
                 <a:uFillTx/>
-                <a:latin typeface="Arial" panose="020B0604020202020204" pitchFamily="34" charset="0"/>
+                <a:latin typeface="Arial" panose="020B0604020202090204" pitchFamily="34" charset="0"/>
                 <a:ea typeface="微软雅黑" panose="020B0503020204020204" charset="-122"/>
                 <a:cs typeface="+mn-cs"/>
                 <a:sym typeface="+mn-ea"/>
@@ -4369,7 +4376,7 @@
               <a:spcAft>
                 <a:spcPts val="1000"/>
               </a:spcAft>
-              <a:buFont typeface="Arial" panose="020B0604020202020204" pitchFamily="34" charset="0"/>
+              <a:buFont typeface="Arial" panose="020B0604020202090204" pitchFamily="34" charset="0"/>
               <a:buChar char="•"/>
               <a:defRPr kumimoji="0" lang="zh-CN" altLang="en-US" sz="1600" b="0" i="0" u="none" strike="noStrike" kern="1200" cap="none" spc="150" normalizeH="0" baseline="0" noProof="1" dirty="0">
                 <a:solidFill>
@@ -4378,7 +4385,7 @@
                   </a:schemeClr>
                 </a:solidFill>
                 <a:uFillTx/>
-                <a:latin typeface="Arial" panose="020B0604020202020204" pitchFamily="34" charset="0"/>
+                <a:latin typeface="Arial" panose="020B0604020202090204" pitchFamily="34" charset="0"/>
                 <a:ea typeface="微软雅黑" panose="020B0503020204020204" charset="-122"/>
                 <a:cs typeface="+mn-cs"/>
                 <a:sym typeface="+mn-ea"/>
@@ -4394,7 +4401,7 @@
               <a:spcAft>
                 <a:spcPts val="1000"/>
               </a:spcAft>
-              <a:buFont typeface="Arial" panose="020B0604020202020204" pitchFamily="34" charset="0"/>
+              <a:buFont typeface="Arial" panose="020B0604020202090204" pitchFamily="34" charset="0"/>
               <a:buChar char="•"/>
               <a:defRPr kumimoji="0" lang="zh-CN" altLang="en-US" sz="1600" b="0" i="0" u="none" strike="noStrike" kern="1200" cap="none" spc="150" normalizeH="0" baseline="0" noProof="1" dirty="0">
                 <a:solidFill>
@@ -4403,7 +4410,7 @@
                   </a:schemeClr>
                 </a:solidFill>
                 <a:uFillTx/>
-                <a:latin typeface="Arial" panose="020B0604020202020204" pitchFamily="34" charset="0"/>
+                <a:latin typeface="Arial" panose="020B0604020202090204" pitchFamily="34" charset="0"/>
                 <a:ea typeface="微软雅黑" panose="020B0503020204020204" charset="-122"/>
                 <a:cs typeface="+mn-cs"/>
                 <a:sym typeface="+mn-ea"/>
@@ -4602,7 +4609,7 @@
                   </a:schemeClr>
                 </a:solidFill>
                 <a:uFillTx/>
-                <a:latin typeface="Arial" panose="020B0604020202020204" pitchFamily="34" charset="0"/>
+                <a:latin typeface="Arial" panose="020B0604020202090204" pitchFamily="34" charset="0"/>
                 <a:ea typeface="微软雅黑" panose="020B0503020204020204" charset="-122"/>
                 <a:cs typeface="+mn-cs"/>
                 <a:sym typeface="+mn-ea"/>
@@ -4907,7 +4914,7 @@
                   </a:schemeClr>
                 </a:solidFill>
                 <a:uFillTx/>
-                <a:latin typeface="Arial" panose="020B0604020202020204" pitchFamily="34" charset="0"/>
+                <a:latin typeface="Arial" panose="020B0604020202090204" pitchFamily="34" charset="0"/>
                 <a:ea typeface="汉仪旗黑-85S" panose="00020600040101010101" pitchFamily="18" charset="-122"/>
               </a:defRPr>
             </a:lvl1pPr>
@@ -4982,7 +4989,7 @@
                   </a:schemeClr>
                 </a:solidFill>
                 <a:uFillTx/>
-                <a:latin typeface="Arial" panose="020B0604020202020204" pitchFamily="34" charset="0"/>
+                <a:latin typeface="Arial" panose="020B0604020202090204" pitchFamily="34" charset="0"/>
                 <a:ea typeface="微软雅黑" panose="020B0503020204020204" charset="-122"/>
                 <a:cs typeface="+mj-cs"/>
                 <a:sym typeface="+mn-ea"/>
@@ -5037,7 +5044,7 @@
               <a:spcAft>
                 <a:spcPts val="1000"/>
               </a:spcAft>
-              <a:buFont typeface="Arial" panose="020B0604020202020204" pitchFamily="34" charset="0"/>
+              <a:buFont typeface="Arial" panose="020B0604020202090204" pitchFamily="34" charset="0"/>
               <a:buChar char="•"/>
               <a:defRPr kumimoji="0" lang="zh-CN" altLang="en-US" sz="1600" b="0" i="0" u="none" strike="noStrike" kern="1200" cap="none" spc="150" normalizeH="0" baseline="0" noProof="1" dirty="0">
                 <a:solidFill>
@@ -5046,7 +5053,7 @@
                   </a:schemeClr>
                 </a:solidFill>
                 <a:uFillTx/>
-                <a:latin typeface="Arial" panose="020B0604020202020204" pitchFamily="34" charset="0"/>
+                <a:latin typeface="Arial" panose="020B0604020202090204" pitchFamily="34" charset="0"/>
                 <a:ea typeface="微软雅黑" panose="020B0503020204020204" charset="-122"/>
                 <a:cs typeface="+mn-cs"/>
                 <a:sym typeface="+mn-ea"/>
@@ -5062,7 +5069,7 @@
               <a:spcAft>
                 <a:spcPts val="1000"/>
               </a:spcAft>
-              <a:buFont typeface="Arial" panose="020B0604020202020204" pitchFamily="34" charset="0"/>
+              <a:buFont typeface="Arial" panose="020B0604020202090204" pitchFamily="34" charset="0"/>
               <a:buChar char="•"/>
               <a:tabLst>
                 <a:tab pos="1609725" algn="l"/>
@@ -5074,7 +5081,7 @@
                   </a:schemeClr>
                 </a:solidFill>
                 <a:uFillTx/>
-                <a:latin typeface="Arial" panose="020B0604020202020204" pitchFamily="34" charset="0"/>
+                <a:latin typeface="Arial" panose="020B0604020202090204" pitchFamily="34" charset="0"/>
                 <a:ea typeface="微软雅黑" panose="020B0503020204020204" charset="-122"/>
                 <a:cs typeface="+mn-cs"/>
                 <a:sym typeface="+mn-ea"/>
@@ -5090,7 +5097,7 @@
               <a:spcAft>
                 <a:spcPts val="1000"/>
               </a:spcAft>
-              <a:buFont typeface="Arial" panose="020B0604020202020204" pitchFamily="34" charset="0"/>
+              <a:buFont typeface="Arial" panose="020B0604020202090204" pitchFamily="34" charset="0"/>
               <a:buChar char="•"/>
               <a:defRPr kumimoji="0" lang="zh-CN" altLang="en-US" sz="1600" b="0" i="0" u="none" strike="noStrike" kern="1200" cap="none" spc="150" normalizeH="0" baseline="0" noProof="1" dirty="0">
                 <a:solidFill>
@@ -5099,7 +5106,7 @@
                   </a:schemeClr>
                 </a:solidFill>
                 <a:uFillTx/>
-                <a:latin typeface="Arial" panose="020B0604020202020204" pitchFamily="34" charset="0"/>
+                <a:latin typeface="Arial" panose="020B0604020202090204" pitchFamily="34" charset="0"/>
                 <a:ea typeface="微软雅黑" panose="020B0503020204020204" charset="-122"/>
                 <a:cs typeface="+mn-cs"/>
                 <a:sym typeface="+mn-ea"/>
@@ -5115,7 +5122,7 @@
               <a:spcAft>
                 <a:spcPts val="1000"/>
               </a:spcAft>
-              <a:buFont typeface="Arial" panose="020B0604020202020204" pitchFamily="34" charset="0"/>
+              <a:buFont typeface="Arial" panose="020B0604020202090204" pitchFamily="34" charset="0"/>
               <a:buChar char="•"/>
               <a:defRPr kumimoji="0" lang="zh-CN" altLang="en-US" sz="1600" b="0" i="0" u="none" strike="noStrike" kern="1200" cap="none" spc="150" normalizeH="0" baseline="0" noProof="1" dirty="0">
                 <a:solidFill>
@@ -5124,7 +5131,7 @@
                   </a:schemeClr>
                 </a:solidFill>
                 <a:uFillTx/>
-                <a:latin typeface="Arial" panose="020B0604020202020204" pitchFamily="34" charset="0"/>
+                <a:latin typeface="Arial" panose="020B0604020202090204" pitchFamily="34" charset="0"/>
                 <a:ea typeface="微软雅黑" panose="020B0503020204020204" charset="-122"/>
                 <a:cs typeface="+mn-cs"/>
                 <a:sym typeface="+mn-ea"/>
@@ -5140,7 +5147,7 @@
               <a:spcAft>
                 <a:spcPts val="1000"/>
               </a:spcAft>
-              <a:buFont typeface="Arial" panose="020B0604020202020204" pitchFamily="34" charset="0"/>
+              <a:buFont typeface="Arial" panose="020B0604020202090204" pitchFamily="34" charset="0"/>
               <a:buChar char="•"/>
               <a:defRPr kumimoji="0" lang="zh-CN" altLang="en-US" sz="1600" b="0" i="0" u="none" strike="noStrike" kern="1200" cap="none" spc="150" normalizeH="0" baseline="0" noProof="1" dirty="0">
                 <a:solidFill>
@@ -5149,7 +5156,7 @@
                   </a:schemeClr>
                 </a:solidFill>
                 <a:uFillTx/>
-                <a:latin typeface="Arial" panose="020B0604020202020204" pitchFamily="34" charset="0"/>
+                <a:latin typeface="Arial" panose="020B0604020202090204" pitchFamily="34" charset="0"/>
                 <a:ea typeface="微软雅黑" panose="020B0503020204020204" charset="-122"/>
                 <a:cs typeface="+mn-cs"/>
                 <a:sym typeface="+mn-ea"/>
@@ -5243,7 +5250,7 @@
           </a:bodyPr>
           <a:lstStyle>
             <a:lvl1pPr marL="285750" indent="-285750">
-              <a:buFont typeface="Arial" panose="020B0604020202020204" pitchFamily="34" charset="0"/>
+              <a:buFont typeface="Arial" panose="020B0604020202090204" pitchFamily="34" charset="0"/>
               <a:buChar char="•"/>
               <a:defRPr sz="1600" u="none" strike="noStrike" kern="1200" cap="none" spc="150" normalizeH="0">
                 <a:solidFill>
@@ -5252,12 +5259,12 @@
                   </a:schemeClr>
                 </a:solidFill>
                 <a:uFillTx/>
-                <a:latin typeface="Arial" panose="020B0604020202020204" pitchFamily="34" charset="0"/>
+                <a:latin typeface="Arial" panose="020B0604020202090204" pitchFamily="34" charset="0"/>
                 <a:ea typeface="微软雅黑" panose="020B0503020204020204" charset="-122"/>
               </a:defRPr>
             </a:lvl1pPr>
             <a:lvl2pPr marL="742950" indent="-285750">
-              <a:buFont typeface="Arial" panose="020B0604020202020204" pitchFamily="34" charset="0"/>
+              <a:buFont typeface="Arial" panose="020B0604020202090204" pitchFamily="34" charset="0"/>
               <a:buChar char="•"/>
               <a:defRPr sz="1600" u="none" strike="noStrike" kern="1200" cap="none" spc="150" normalizeH="0">
                 <a:solidFill>
@@ -5266,12 +5273,12 @@
                   </a:schemeClr>
                 </a:solidFill>
                 <a:uFillTx/>
-                <a:latin typeface="Arial" panose="020B0604020202020204" pitchFamily="34" charset="0"/>
+                <a:latin typeface="Arial" panose="020B0604020202090204" pitchFamily="34" charset="0"/>
                 <a:ea typeface="微软雅黑" panose="020B0503020204020204" charset="-122"/>
               </a:defRPr>
             </a:lvl2pPr>
             <a:lvl3pPr marL="1200150" indent="-285750">
-              <a:buFont typeface="Arial" panose="020B0604020202020204" pitchFamily="34" charset="0"/>
+              <a:buFont typeface="Arial" panose="020B0604020202090204" pitchFamily="34" charset="0"/>
               <a:buChar char="•"/>
               <a:defRPr sz="1600" u="none" strike="noStrike" kern="1200" cap="none" spc="150" normalizeH="0">
                 <a:solidFill>
@@ -5280,12 +5287,12 @@
                   </a:schemeClr>
                 </a:solidFill>
                 <a:uFillTx/>
-                <a:latin typeface="Arial" panose="020B0604020202020204" pitchFamily="34" charset="0"/>
+                <a:latin typeface="Arial" panose="020B0604020202090204" pitchFamily="34" charset="0"/>
                 <a:ea typeface="微软雅黑" panose="020B0503020204020204" charset="-122"/>
               </a:defRPr>
             </a:lvl3pPr>
             <a:lvl4pPr marL="1657350" indent="-285750">
-              <a:buFont typeface="Arial" panose="020B0604020202020204" pitchFamily="34" charset="0"/>
+              <a:buFont typeface="Arial" panose="020B0604020202090204" pitchFamily="34" charset="0"/>
               <a:buChar char="•"/>
               <a:defRPr sz="1600" u="none" strike="noStrike" kern="1200" cap="none" spc="150" normalizeH="0">
                 <a:solidFill>
@@ -5294,12 +5301,12 @@
                   </a:schemeClr>
                 </a:solidFill>
                 <a:uFillTx/>
-                <a:latin typeface="Arial" panose="020B0604020202020204" pitchFamily="34" charset="0"/>
+                <a:latin typeface="Arial" panose="020B0604020202090204" pitchFamily="34" charset="0"/>
                 <a:ea typeface="微软雅黑" panose="020B0503020204020204" charset="-122"/>
               </a:defRPr>
             </a:lvl4pPr>
             <a:lvl5pPr marL="2114550" indent="-285750">
-              <a:buFont typeface="Arial" panose="020B0604020202020204" pitchFamily="34" charset="0"/>
+              <a:buFont typeface="Arial" panose="020B0604020202090204" pitchFamily="34" charset="0"/>
               <a:buChar char="•"/>
               <a:defRPr sz="1600" u="none" strike="noStrike" kern="1200" cap="none" spc="150" normalizeH="0">
                 <a:solidFill>
@@ -5308,7 +5315,7 @@
                   </a:schemeClr>
                 </a:solidFill>
                 <a:uFillTx/>
-                <a:latin typeface="Arial" panose="020B0604020202020204" pitchFamily="34" charset="0"/>
+                <a:latin typeface="Arial" panose="020B0604020202090204" pitchFamily="34" charset="0"/>
                 <a:ea typeface="微软雅黑" panose="020B0503020204020204" charset="-122"/>
               </a:defRPr>
             </a:lvl5pPr>
@@ -6034,7 +6041,7 @@
                   </a:schemeClr>
                 </a:solidFill>
                 <a:uFillTx/>
-                <a:latin typeface="Arial" panose="020B0604020202020204" pitchFamily="34" charset="0"/>
+                <a:latin typeface="Arial" panose="020B0604020202090204" pitchFamily="34" charset="0"/>
                 <a:ea typeface="微软雅黑" panose="020B0503020204020204" charset="-122"/>
                 <a:cs typeface="+mj-cs"/>
                 <a:sym typeface="+mn-ea"/>
@@ -6094,7 +6101,7 @@
                   </a:schemeClr>
                 </a:solidFill>
                 <a:uFillTx/>
-                <a:latin typeface="Arial" panose="020B0604020202020204" pitchFamily="34" charset="0"/>
+                <a:latin typeface="Arial" panose="020B0604020202090204" pitchFamily="34" charset="0"/>
                 <a:ea typeface="微软雅黑" panose="020B0503020204020204" charset="-122"/>
               </a:defRPr>
             </a:lvl1pPr>
@@ -6175,7 +6182,7 @@
               <a:spcAft>
                 <a:spcPts val="1000"/>
               </a:spcAft>
-              <a:buFont typeface="Arial" panose="020B0604020202020204" pitchFamily="34" charset="0"/>
+              <a:buFont typeface="Arial" panose="020B0604020202090204" pitchFamily="34" charset="0"/>
               <a:buChar char="•"/>
               <a:defRPr kumimoji="0" lang="zh-CN" altLang="en-US" sz="1600" b="0" i="0" u="none" strike="noStrike" kern="1200" cap="none" spc="150" normalizeH="0" baseline="0" noProof="1" dirty="0">
                 <a:solidFill>
@@ -6184,7 +6191,7 @@
                   </a:schemeClr>
                 </a:solidFill>
                 <a:uFillTx/>
-                <a:latin typeface="Arial" panose="020B0604020202020204" pitchFamily="34" charset="0"/>
+                <a:latin typeface="Arial" panose="020B0604020202090204" pitchFamily="34" charset="0"/>
                 <a:ea typeface="微软雅黑" panose="020B0503020204020204" charset="-122"/>
                 <a:cs typeface="+mn-cs"/>
                 <a:sym typeface="+mn-ea"/>
@@ -6200,7 +6207,7 @@
               <a:spcAft>
                 <a:spcPts val="1000"/>
               </a:spcAft>
-              <a:buFont typeface="Arial" panose="020B0604020202020204" pitchFamily="34" charset="0"/>
+              <a:buFont typeface="Arial" panose="020B0604020202090204" pitchFamily="34" charset="0"/>
               <a:buChar char="•"/>
               <a:tabLst>
                 <a:tab pos="1609725" algn="l"/>
@@ -6212,7 +6219,7 @@
                   </a:schemeClr>
                 </a:solidFill>
                 <a:uFillTx/>
-                <a:latin typeface="Arial" panose="020B0604020202020204" pitchFamily="34" charset="0"/>
+                <a:latin typeface="Arial" panose="020B0604020202090204" pitchFamily="34" charset="0"/>
                 <a:ea typeface="微软雅黑" panose="020B0503020204020204" charset="-122"/>
                 <a:cs typeface="+mn-cs"/>
                 <a:sym typeface="+mn-ea"/>
@@ -6228,7 +6235,7 @@
               <a:spcAft>
                 <a:spcPts val="1000"/>
               </a:spcAft>
-              <a:buFont typeface="Arial" panose="020B0604020202020204" pitchFamily="34" charset="0"/>
+              <a:buFont typeface="Arial" panose="020B0604020202090204" pitchFamily="34" charset="0"/>
               <a:buChar char="•"/>
               <a:defRPr kumimoji="0" lang="zh-CN" altLang="en-US" sz="1600" b="0" i="0" u="none" strike="noStrike" kern="1200" cap="none" spc="150" normalizeH="0" baseline="0" noProof="1" dirty="0">
                 <a:solidFill>
@@ -6237,7 +6244,7 @@
                   </a:schemeClr>
                 </a:solidFill>
                 <a:uFillTx/>
-                <a:latin typeface="Arial" panose="020B0604020202020204" pitchFamily="34" charset="0"/>
+                <a:latin typeface="Arial" panose="020B0604020202090204" pitchFamily="34" charset="0"/>
                 <a:ea typeface="微软雅黑" panose="020B0503020204020204" charset="-122"/>
                 <a:cs typeface="+mn-cs"/>
                 <a:sym typeface="+mn-ea"/>
@@ -6253,7 +6260,7 @@
               <a:spcAft>
                 <a:spcPts val="1000"/>
               </a:spcAft>
-              <a:buFont typeface="Arial" panose="020B0604020202020204" pitchFamily="34" charset="0"/>
+              <a:buFont typeface="Arial" panose="020B0604020202090204" pitchFamily="34" charset="0"/>
               <a:buChar char="•"/>
               <a:defRPr kumimoji="0" lang="zh-CN" altLang="en-US" sz="1600" b="0" i="0" u="none" strike="noStrike" kern="1200" cap="none" spc="150" normalizeH="0" baseline="0" noProof="1" dirty="0">
                 <a:solidFill>
@@ -6262,7 +6269,7 @@
                   </a:schemeClr>
                 </a:solidFill>
                 <a:uFillTx/>
-                <a:latin typeface="Arial" panose="020B0604020202020204" pitchFamily="34" charset="0"/>
+                <a:latin typeface="Arial" panose="020B0604020202090204" pitchFamily="34" charset="0"/>
                 <a:ea typeface="微软雅黑" panose="020B0503020204020204" charset="-122"/>
                 <a:cs typeface="+mn-cs"/>
                 <a:sym typeface="+mn-ea"/>
@@ -6278,7 +6285,7 @@
               <a:spcAft>
                 <a:spcPts val="1000"/>
               </a:spcAft>
-              <a:buFont typeface="Arial" panose="020B0604020202020204" pitchFamily="34" charset="0"/>
+              <a:buFont typeface="Arial" panose="020B0604020202090204" pitchFamily="34" charset="0"/>
               <a:buChar char="•"/>
               <a:defRPr kumimoji="0" lang="zh-CN" altLang="en-US" sz="1600" b="0" i="0" u="none" strike="noStrike" kern="1200" cap="none" spc="150" normalizeH="0" baseline="0" noProof="1" dirty="0">
                 <a:solidFill>
@@ -6287,7 +6294,7 @@
                   </a:schemeClr>
                 </a:solidFill>
                 <a:uFillTx/>
-                <a:latin typeface="Arial" panose="020B0604020202020204" pitchFamily="34" charset="0"/>
+                <a:latin typeface="Arial" panose="020B0604020202090204" pitchFamily="34" charset="0"/>
                 <a:ea typeface="微软雅黑" panose="020B0503020204020204" charset="-122"/>
                 <a:cs typeface="+mn-cs"/>
                 <a:sym typeface="+mn-ea"/>
@@ -6390,7 +6397,7 @@
               <a:spcAft>
                 <a:spcPts val="0"/>
               </a:spcAft>
-              <a:buFont typeface="Arial" panose="020B0604020202020204" pitchFamily="34" charset="0"/>
+              <a:buFont typeface="Arial" panose="020B0604020202090204" pitchFamily="34" charset="0"/>
               <a:buNone/>
               <a:defRPr kumimoji="0" lang="zh-CN" altLang="en-US" sz="2000" b="0" i="0" u="none" strike="noStrike" kern="1200" cap="none" spc="200" normalizeH="0" baseline="0" noProof="1" dirty="0">
                 <a:solidFill>
@@ -6399,7 +6406,7 @@
                   </a:schemeClr>
                 </a:solidFill>
                 <a:uFillTx/>
-                <a:latin typeface="Arial" panose="020B0604020202020204" pitchFamily="34" charset="0"/>
+                <a:latin typeface="Arial" panose="020B0604020202090204" pitchFamily="34" charset="0"/>
                 <a:ea typeface="微软雅黑" panose="020B0503020204020204" charset="-122"/>
                 <a:cs typeface="+mn-cs"/>
                 <a:sym typeface="+mn-ea"/>
@@ -6486,7 +6493,7 @@
               <a:spcAft>
                 <a:spcPts val="1000"/>
               </a:spcAft>
-              <a:buFont typeface="Arial" panose="020B0604020202020204" pitchFamily="34" charset="0"/>
+              <a:buFont typeface="Arial" panose="020B0604020202090204" pitchFamily="34" charset="0"/>
               <a:buChar char="•"/>
               <a:defRPr kumimoji="0" lang="zh-CN" altLang="en-US" sz="1600" b="0" i="0" u="none" strike="noStrike" kern="1200" cap="none" spc="150" normalizeH="0" baseline="0" noProof="1" dirty="0">
                 <a:solidFill>
@@ -6495,7 +6502,7 @@
                   </a:schemeClr>
                 </a:solidFill>
                 <a:uFillTx/>
-                <a:latin typeface="Arial" panose="020B0604020202020204" pitchFamily="34" charset="0"/>
+                <a:latin typeface="Arial" panose="020B0604020202090204" pitchFamily="34" charset="0"/>
                 <a:ea typeface="微软雅黑" panose="020B0503020204020204" charset="-122"/>
                 <a:cs typeface="+mn-cs"/>
                 <a:sym typeface="+mn-ea"/>
@@ -6511,7 +6518,7 @@
               <a:spcAft>
                 <a:spcPts val="1000"/>
               </a:spcAft>
-              <a:buFont typeface="Arial" panose="020B0604020202020204" pitchFamily="34" charset="0"/>
+              <a:buFont typeface="Arial" panose="020B0604020202090204" pitchFamily="34" charset="0"/>
               <a:buChar char="•"/>
               <a:tabLst>
                 <a:tab pos="1609725" algn="l"/>
@@ -6523,7 +6530,7 @@
                   </a:schemeClr>
                 </a:solidFill>
                 <a:uFillTx/>
-                <a:latin typeface="Arial" panose="020B0604020202020204" pitchFamily="34" charset="0"/>
+                <a:latin typeface="Arial" panose="020B0604020202090204" pitchFamily="34" charset="0"/>
                 <a:ea typeface="微软雅黑" panose="020B0503020204020204" charset="-122"/>
                 <a:cs typeface="+mn-cs"/>
                 <a:sym typeface="+mn-ea"/>
@@ -6539,7 +6546,7 @@
               <a:spcAft>
                 <a:spcPts val="1000"/>
               </a:spcAft>
-              <a:buFont typeface="Arial" panose="020B0604020202020204" pitchFamily="34" charset="0"/>
+              <a:buFont typeface="Arial" panose="020B0604020202090204" pitchFamily="34" charset="0"/>
               <a:buChar char="•"/>
               <a:defRPr kumimoji="0" lang="zh-CN" altLang="en-US" sz="1600" b="0" i="0" u="none" strike="noStrike" kern="1200" cap="none" spc="150" normalizeH="0" baseline="0" noProof="1" dirty="0">
                 <a:solidFill>
@@ -6548,7 +6555,7 @@
                   </a:schemeClr>
                 </a:solidFill>
                 <a:uFillTx/>
-                <a:latin typeface="Arial" panose="020B0604020202020204" pitchFamily="34" charset="0"/>
+                <a:latin typeface="Arial" panose="020B0604020202090204" pitchFamily="34" charset="0"/>
                 <a:ea typeface="微软雅黑" panose="020B0503020204020204" charset="-122"/>
                 <a:cs typeface="+mn-cs"/>
                 <a:sym typeface="+mn-ea"/>
@@ -6564,7 +6571,7 @@
               <a:spcAft>
                 <a:spcPts val="1000"/>
               </a:spcAft>
-              <a:buFont typeface="Arial" panose="020B0604020202020204" pitchFamily="34" charset="0"/>
+              <a:buFont typeface="Arial" panose="020B0604020202090204" pitchFamily="34" charset="0"/>
               <a:buChar char="•"/>
               <a:defRPr kumimoji="0" lang="zh-CN" altLang="en-US" sz="1600" b="0" i="0" u="none" strike="noStrike" kern="1200" cap="none" spc="150" normalizeH="0" baseline="0" noProof="1" dirty="0">
                 <a:solidFill>
@@ -6573,7 +6580,7 @@
                   </a:schemeClr>
                 </a:solidFill>
                 <a:uFillTx/>
-                <a:latin typeface="Arial" panose="020B0604020202020204" pitchFamily="34" charset="0"/>
+                <a:latin typeface="Arial" panose="020B0604020202090204" pitchFamily="34" charset="0"/>
                 <a:ea typeface="微软雅黑" panose="020B0503020204020204" charset="-122"/>
                 <a:cs typeface="+mn-cs"/>
                 <a:sym typeface="+mn-ea"/>
@@ -6589,7 +6596,7 @@
               <a:spcAft>
                 <a:spcPts val="1000"/>
               </a:spcAft>
-              <a:buFont typeface="Arial" panose="020B0604020202020204" pitchFamily="34" charset="0"/>
+              <a:buFont typeface="Arial" panose="020B0604020202090204" pitchFamily="34" charset="0"/>
               <a:buChar char="•"/>
               <a:defRPr kumimoji="0" lang="zh-CN" altLang="en-US" sz="1600" b="0" i="0" u="none" strike="noStrike" kern="1200" cap="none" spc="150" normalizeH="0" baseline="0" noProof="1" dirty="0">
                 <a:solidFill>
@@ -6598,7 +6605,7 @@
                   </a:schemeClr>
                 </a:solidFill>
                 <a:uFillTx/>
-                <a:latin typeface="Arial" panose="020B0604020202020204" pitchFamily="34" charset="0"/>
+                <a:latin typeface="Arial" panose="020B0604020202090204" pitchFamily="34" charset="0"/>
                 <a:ea typeface="微软雅黑" panose="020B0503020204020204" charset="-122"/>
                 <a:cs typeface="+mn-cs"/>
                 <a:sym typeface="+mn-ea"/>
@@ -6795,7 +6802,7 @@
                   </a:schemeClr>
                 </a:solidFill>
                 <a:uFillTx/>
-                <a:latin typeface="Arial" panose="020B0604020202020204" pitchFamily="34" charset="0"/>
+                <a:latin typeface="Arial" panose="020B0604020202090204" pitchFamily="34" charset="0"/>
                 <a:ea typeface="微软雅黑" panose="020B0503020204020204" charset="-122"/>
                 <a:cs typeface="+mj-cs"/>
                 <a:sym typeface="+mn-ea"/>
@@ -7319,7 +7326,7 @@
                   </a:schemeClr>
                 </a:solidFill>
                 <a:uFillTx/>
-                <a:latin typeface="Arial" panose="020B0604020202020204" pitchFamily="34" charset="0"/>
+                <a:latin typeface="Arial" panose="020B0604020202090204" pitchFamily="34" charset="0"/>
                 <a:ea typeface="微软雅黑" panose="020B0503020204020204" charset="-122"/>
                 <a:cs typeface="+mj-cs"/>
                 <a:sym typeface="+mn-ea"/>
@@ -7374,7 +7381,7 @@
               <a:spcAft>
                 <a:spcPts val="1000"/>
               </a:spcAft>
-              <a:buFont typeface="Arial" panose="020B0604020202020204" pitchFamily="34" charset="0"/>
+              <a:buFont typeface="Arial" panose="020B0604020202090204" pitchFamily="34" charset="0"/>
               <a:buNone/>
               <a:defRPr kumimoji="0" lang="zh-CN" altLang="en-US" sz="1600" b="0" i="0" u="none" strike="noStrike" kern="1200" cap="none" spc="150" normalizeH="0" baseline="0" noProof="1" dirty="0">
                 <a:solidFill>
@@ -7383,7 +7390,7 @@
                   </a:schemeClr>
                 </a:solidFill>
                 <a:uFillTx/>
-                <a:latin typeface="Arial" panose="020B0604020202020204" pitchFamily="34" charset="0"/>
+                <a:latin typeface="Arial" panose="020B0604020202090204" pitchFamily="34" charset="0"/>
                 <a:ea typeface="微软雅黑" panose="020B0503020204020204" charset="-122"/>
                 <a:cs typeface="+mn-cs"/>
                 <a:sym typeface="+mn-ea"/>
@@ -7399,7 +7406,7 @@
               <a:spcAft>
                 <a:spcPts val="1000"/>
               </a:spcAft>
-              <a:buFont typeface="Arial" panose="020B0604020202020204" pitchFamily="34" charset="0"/>
+              <a:buFont typeface="Arial" panose="020B0604020202090204" pitchFamily="34" charset="0"/>
               <a:buChar char="•"/>
               <a:tabLst>
                 <a:tab pos="1609725" algn="l"/>
@@ -7425,7 +7432,7 @@
               <a:spcAft>
                 <a:spcPts val="1000"/>
               </a:spcAft>
-              <a:buFont typeface="Arial" panose="020B0604020202020204" pitchFamily="34" charset="0"/>
+              <a:buFont typeface="Arial" panose="020B0604020202090204" pitchFamily="34" charset="0"/>
               <a:buChar char="•"/>
               <a:defRPr kumimoji="0" lang="zh-CN" altLang="en-US" sz="1600" b="0" i="0" u="none" strike="noStrike" kern="1200" cap="none" spc="150" normalizeH="0" baseline="0" noProof="1" dirty="0">
                 <a:solidFill>
@@ -7448,7 +7455,7 @@
               <a:spcAft>
                 <a:spcPts val="1000"/>
               </a:spcAft>
-              <a:buFont typeface="Arial" panose="020B0604020202020204" pitchFamily="34" charset="0"/>
+              <a:buFont typeface="Arial" panose="020B0604020202090204" pitchFamily="34" charset="0"/>
               <a:buChar char="•"/>
               <a:defRPr kumimoji="0" lang="zh-CN" altLang="en-US" sz="1600" b="0" i="0" u="none" strike="noStrike" kern="1200" cap="none" spc="150" normalizeH="0" baseline="0" noProof="1" dirty="0">
                 <a:solidFill>
@@ -7471,7 +7478,7 @@
               <a:spcAft>
                 <a:spcPts val="1000"/>
               </a:spcAft>
-              <a:buFont typeface="Arial" panose="020B0604020202020204" pitchFamily="34" charset="0"/>
+              <a:buFont typeface="Arial" panose="020B0604020202090204" pitchFamily="34" charset="0"/>
               <a:buChar char="•"/>
               <a:defRPr kumimoji="0" lang="zh-CN" altLang="en-US" sz="1600" b="0" i="0" u="none" strike="noStrike" kern="1200" cap="none" spc="150" normalizeH="0" baseline="0" noProof="1" dirty="0">
                 <a:solidFill>
@@ -7527,7 +7534,7 @@
               <a:spcAft>
                 <a:spcPts val="1000"/>
               </a:spcAft>
-              <a:buFont typeface="Arial" panose="020B0604020202020204" pitchFamily="34" charset="0"/>
+              <a:buFont typeface="Arial" panose="020B0604020202090204" pitchFamily="34" charset="0"/>
               <a:buChar char="•"/>
               <a:defRPr kumimoji="0" lang="zh-CN" altLang="en-US" sz="1600" b="0" i="0" u="none" strike="noStrike" kern="1200" cap="none" spc="150" normalizeH="0" baseline="0" noProof="1" dirty="0">
                 <a:solidFill>
@@ -7536,7 +7543,7 @@
                   </a:schemeClr>
                 </a:solidFill>
                 <a:uFillTx/>
-                <a:latin typeface="Arial" panose="020B0604020202020204" pitchFamily="34" charset="0"/>
+                <a:latin typeface="Arial" panose="020B0604020202090204" pitchFamily="34" charset="0"/>
                 <a:ea typeface="微软雅黑" panose="020B0503020204020204" charset="-122"/>
                 <a:cs typeface="+mn-cs"/>
                 <a:sym typeface="+mn-ea"/>
@@ -7670,7 +7677,7 @@
           <a:lstStyle/>
           <a:p>
             <a:r>
-              <a:rPr lang="zh-CN" altLang="en-US" smtClean="0"/>
+              <a:rPr lang="zh-CN" altLang="en-US"/>
               <a:t>单击此处编辑母版标题样式</a:t>
             </a:r>
             <a:endParaRPr lang="zh-CN" altLang="en-US"/>
@@ -7694,39 +7701,39 @@
           <a:p>
             <a:pPr lvl="0"/>
             <a:r>
-              <a:rPr lang="zh-CN" altLang="en-US" smtClean="0"/>
+              <a:rPr lang="zh-CN" altLang="en-US"/>
               <a:t>单击此处编辑母版文本样式</a:t>
             </a:r>
-            <a:endParaRPr lang="zh-CN" altLang="en-US" smtClean="0"/>
+            <a:endParaRPr lang="zh-CN" altLang="en-US"/>
           </a:p>
           <a:p>
             <a:pPr lvl="1"/>
             <a:r>
-              <a:rPr lang="zh-CN" altLang="en-US" smtClean="0"/>
+              <a:rPr lang="zh-CN" altLang="en-US"/>
               <a:t>第二级</a:t>
             </a:r>
-            <a:endParaRPr lang="zh-CN" altLang="en-US" smtClean="0"/>
+            <a:endParaRPr lang="zh-CN" altLang="en-US"/>
           </a:p>
           <a:p>
             <a:pPr lvl="2"/>
             <a:r>
-              <a:rPr lang="zh-CN" altLang="en-US" smtClean="0"/>
+              <a:rPr lang="zh-CN" altLang="en-US"/>
               <a:t>第三级</a:t>
             </a:r>
-            <a:endParaRPr lang="zh-CN" altLang="en-US" smtClean="0"/>
+            <a:endParaRPr lang="zh-CN" altLang="en-US"/>
           </a:p>
           <a:p>
             <a:pPr lvl="3"/>
             <a:r>
-              <a:rPr lang="zh-CN" altLang="en-US" smtClean="0"/>
+              <a:rPr lang="zh-CN" altLang="en-US"/>
               <a:t>第四级</a:t>
             </a:r>
-            <a:endParaRPr lang="zh-CN" altLang="en-US" smtClean="0"/>
+            <a:endParaRPr lang="zh-CN" altLang="en-US"/>
           </a:p>
           <a:p>
             <a:pPr lvl="4"/>
             <a:r>
-              <a:rPr lang="zh-CN" altLang="en-US" smtClean="0"/>
+              <a:rPr lang="zh-CN" altLang="en-US"/>
               <a:t>第五级</a:t>
             </a:r>
             <a:endParaRPr lang="zh-CN" altLang="en-US"/>
@@ -8133,7 +8140,7 @@
                   </a:schemeClr>
                 </a:solidFill>
                 <a:uFillTx/>
-                <a:latin typeface="Arial" panose="020B0604020202020204" pitchFamily="34" charset="0"/>
+                <a:latin typeface="Arial" panose="020B0604020202090204" pitchFamily="34" charset="0"/>
                 <a:ea typeface="微软雅黑" panose="020B0503020204020204" charset="-122"/>
                 <a:cs typeface="+mj-cs"/>
                 <a:sym typeface="+mn-ea"/>
@@ -8183,7 +8190,7 @@
                     <a:lumMod val="75000"/>
                   </a:schemeClr>
                 </a:solidFill>
-                <a:latin typeface="Arial" panose="020B0604020202020204" pitchFamily="34" charset="0"/>
+                <a:latin typeface="Arial" panose="020B0604020202090204" pitchFamily="34" charset="0"/>
                 <a:ea typeface="微软雅黑" panose="020B0503020204020204" charset="-122"/>
               </a:defRPr>
             </a:lvl1pPr>
@@ -8194,7 +8201,7 @@
                     <a:lumMod val="75000"/>
                   </a:schemeClr>
                 </a:solidFill>
-                <a:latin typeface="Arial" panose="020B0604020202020204" pitchFamily="34" charset="0"/>
+                <a:latin typeface="Arial" panose="020B0604020202090204" pitchFamily="34" charset="0"/>
                 <a:ea typeface="微软雅黑" panose="020B0503020204020204" charset="-122"/>
               </a:defRPr>
             </a:lvl2pPr>
@@ -8205,7 +8212,7 @@
                     <a:lumMod val="75000"/>
                   </a:schemeClr>
                 </a:solidFill>
-                <a:latin typeface="Arial" panose="020B0604020202020204" pitchFamily="34" charset="0"/>
+                <a:latin typeface="Arial" panose="020B0604020202090204" pitchFamily="34" charset="0"/>
                 <a:ea typeface="微软雅黑" panose="020B0503020204020204" charset="-122"/>
               </a:defRPr>
             </a:lvl3pPr>
@@ -8216,7 +8223,7 @@
                     <a:lumMod val="75000"/>
                   </a:schemeClr>
                 </a:solidFill>
-                <a:latin typeface="Arial" panose="020B0604020202020204" pitchFamily="34" charset="0"/>
+                <a:latin typeface="Arial" panose="020B0604020202090204" pitchFamily="34" charset="0"/>
                 <a:ea typeface="微软雅黑" panose="020B0503020204020204" charset="-122"/>
               </a:defRPr>
             </a:lvl4pPr>
@@ -8227,7 +8234,7 @@
                     <a:lumMod val="75000"/>
                   </a:schemeClr>
                 </a:solidFill>
-                <a:latin typeface="Arial" panose="020B0604020202020204" pitchFamily="34" charset="0"/>
+                <a:latin typeface="Arial" panose="020B0604020202090204" pitchFamily="34" charset="0"/>
                 <a:ea typeface="微软雅黑" panose="020B0503020204020204" charset="-122"/>
               </a:defRPr>
             </a:lvl5pPr>
@@ -9006,7 +9013,7 @@
                   <a:schemeClr val="tx1"/>
                 </a:solidFill>
                 <a:uFillTx/>
-                <a:latin typeface="Arial" panose="020B0604020202020204" pitchFamily="34" charset="0"/>
+                <a:latin typeface="Arial" panose="020B0604020202090204" pitchFamily="34" charset="0"/>
                 <a:ea typeface="汉仪旗黑-85S" panose="00020600040101010101" pitchFamily="18" charset="-122"/>
                 <a:cs typeface="+mj-cs"/>
                 <a:sym typeface="+mn-ea"/>
@@ -10232,7 +10239,7 @@
                   </a:schemeClr>
                 </a:solidFill>
                 <a:uFillTx/>
-                <a:latin typeface="Arial" panose="020B0604020202020204" pitchFamily="34" charset="0"/>
+                <a:latin typeface="Arial" panose="020B0604020202090204" pitchFamily="34" charset="0"/>
                 <a:ea typeface="微软雅黑" panose="020B0503020204020204" charset="-122"/>
               </a:defRPr>
             </a:lvl1pPr>
@@ -10271,7 +10278,7 @@
           </a:bodyPr>
           <a:lstStyle>
             <a:lvl1pPr marL="285750" indent="-285750">
-              <a:buFont typeface="Arial" panose="020B0604020202020204" pitchFamily="34" charset="0"/>
+              <a:buFont typeface="Arial" panose="020B0604020202090204" pitchFamily="34" charset="0"/>
               <a:buChar char="•"/>
               <a:defRPr sz="1600" u="none" strike="noStrike" kern="1200" cap="none" spc="150" normalizeH="0" baseline="0">
                 <a:solidFill>
@@ -10280,7 +10287,7 @@
                   </a:schemeClr>
                 </a:solidFill>
                 <a:uFillTx/>
-                <a:latin typeface="Arial" panose="020B0604020202020204" pitchFamily="34" charset="0"/>
+                <a:latin typeface="Arial" panose="020B0604020202090204" pitchFamily="34" charset="0"/>
                 <a:ea typeface="微软雅黑" panose="020B0503020204020204" charset="-122"/>
               </a:defRPr>
             </a:lvl1pPr>
@@ -10776,7 +10783,7 @@
                   </a:schemeClr>
                 </a:solidFill>
                 <a:uFillTx/>
-                <a:latin typeface="Arial" panose="020B0604020202020204" pitchFamily="34" charset="0"/>
+                <a:latin typeface="Arial" panose="020B0604020202090204" pitchFamily="34" charset="0"/>
                 <a:ea typeface="微软雅黑" panose="020B0503020204020204" charset="-122"/>
               </a:defRPr>
             </a:lvl1pPr>
@@ -10893,7 +10900,7 @@
               <a:spcAft>
                 <a:spcPts val="1000"/>
               </a:spcAft>
-              <a:buFont typeface="Arial" panose="020B0604020202020204" pitchFamily="34" charset="0"/>
+              <a:buFont typeface="Arial" panose="020B0604020202090204" pitchFamily="34" charset="0"/>
               <a:buChar char="•"/>
               <a:defRPr sz="1600" u="none" strike="noStrike" kern="1200" cap="none" spc="150" normalizeH="0" baseline="0">
                 <a:solidFill>
@@ -10902,7 +10909,7 @@
                   </a:schemeClr>
                 </a:solidFill>
                 <a:uFillTx/>
-                <a:latin typeface="Arial" panose="020B0604020202020204" pitchFamily="34" charset="0"/>
+                <a:latin typeface="Arial" panose="020B0604020202090204" pitchFamily="34" charset="0"/>
                 <a:ea typeface="微软雅黑" panose="020B0503020204020204" charset="-122"/>
               </a:defRPr>
             </a:lvl1pPr>
@@ -10913,7 +10920,7 @@
               <a:spcAft>
                 <a:spcPts val="1000"/>
               </a:spcAft>
-              <a:buFont typeface="Arial" panose="020B0604020202020204" pitchFamily="34" charset="0"/>
+              <a:buFont typeface="Arial" panose="020B0604020202090204" pitchFamily="34" charset="0"/>
               <a:buChar char="•"/>
               <a:defRPr sz="1600" u="none" strike="noStrike" kern="1200" cap="none" spc="150" normalizeH="0" baseline="0">
                 <a:solidFill>
@@ -10922,7 +10929,7 @@
                   </a:schemeClr>
                 </a:solidFill>
                 <a:uFillTx/>
-                <a:latin typeface="Arial" panose="020B0604020202020204" pitchFamily="34" charset="0"/>
+                <a:latin typeface="Arial" panose="020B0604020202090204" pitchFamily="34" charset="0"/>
                 <a:ea typeface="微软雅黑" panose="020B0503020204020204" charset="-122"/>
               </a:defRPr>
             </a:lvl2pPr>
@@ -10933,7 +10940,7 @@
               <a:spcAft>
                 <a:spcPts val="1000"/>
               </a:spcAft>
-              <a:buFont typeface="Arial" panose="020B0604020202020204" pitchFamily="34" charset="0"/>
+              <a:buFont typeface="Arial" panose="020B0604020202090204" pitchFamily="34" charset="0"/>
               <a:buChar char="•"/>
               <a:defRPr sz="1600" u="none" strike="noStrike" kern="1200" cap="none" spc="150" normalizeH="0" baseline="0">
                 <a:solidFill>
@@ -10942,7 +10949,7 @@
                   </a:schemeClr>
                 </a:solidFill>
                 <a:uFillTx/>
-                <a:latin typeface="Arial" panose="020B0604020202020204" pitchFamily="34" charset="0"/>
+                <a:latin typeface="Arial" panose="020B0604020202090204" pitchFamily="34" charset="0"/>
                 <a:ea typeface="微软雅黑" panose="020B0503020204020204" charset="-122"/>
               </a:defRPr>
             </a:lvl3pPr>
@@ -10953,7 +10960,7 @@
               <a:spcAft>
                 <a:spcPts val="1000"/>
               </a:spcAft>
-              <a:buFont typeface="Arial" panose="020B0604020202020204" pitchFamily="34" charset="0"/>
+              <a:buFont typeface="Arial" panose="020B0604020202090204" pitchFamily="34" charset="0"/>
               <a:buChar char="•"/>
               <a:defRPr sz="1600" u="none" strike="noStrike" kern="1200" cap="none" spc="150" normalizeH="0" baseline="0">
                 <a:solidFill>
@@ -10962,7 +10969,7 @@
                   </a:schemeClr>
                 </a:solidFill>
                 <a:uFillTx/>
-                <a:latin typeface="Arial" panose="020B0604020202020204" pitchFamily="34" charset="0"/>
+                <a:latin typeface="Arial" panose="020B0604020202090204" pitchFamily="34" charset="0"/>
                 <a:ea typeface="微软雅黑" panose="020B0503020204020204" charset="-122"/>
               </a:defRPr>
             </a:lvl4pPr>
@@ -10973,7 +10980,7 @@
               <a:spcAft>
                 <a:spcPts val="1000"/>
               </a:spcAft>
-              <a:buFont typeface="Arial" panose="020B0604020202020204" pitchFamily="34" charset="0"/>
+              <a:buFont typeface="Arial" panose="020B0604020202090204" pitchFamily="34" charset="0"/>
               <a:buChar char="•"/>
               <a:defRPr sz="1600" u="none" strike="noStrike" kern="1200" cap="none" spc="150" normalizeH="0" baseline="0">
                 <a:solidFill>
@@ -10982,7 +10989,7 @@
                   </a:schemeClr>
                 </a:solidFill>
                 <a:uFillTx/>
-                <a:latin typeface="Arial" panose="020B0604020202020204" pitchFamily="34" charset="0"/>
+                <a:latin typeface="Arial" panose="020B0604020202090204" pitchFamily="34" charset="0"/>
                 <a:ea typeface="微软雅黑" panose="020B0503020204020204" charset="-122"/>
               </a:defRPr>
             </a:lvl5pPr>
@@ -11091,7 +11098,7 @@
                   </a:schemeClr>
                 </a:solidFill>
                 <a:uFillTx/>
-                <a:latin typeface="Arial" panose="020B0604020202020204" pitchFamily="34" charset="0"/>
+                <a:latin typeface="Arial" panose="020B0604020202090204" pitchFamily="34" charset="0"/>
                 <a:ea typeface="微软雅黑" panose="020B0503020204020204" charset="-122"/>
               </a:defRPr>
             </a:lvl1pPr>
@@ -11109,7 +11116,7 @@
                   </a:schemeClr>
                 </a:solidFill>
                 <a:uFillTx/>
-                <a:latin typeface="Arial" panose="020B0604020202020204" pitchFamily="34" charset="0"/>
+                <a:latin typeface="Arial" panose="020B0604020202090204" pitchFamily="34" charset="0"/>
                 <a:ea typeface="微软雅黑" panose="020B0503020204020204" charset="-122"/>
               </a:defRPr>
             </a:lvl2pPr>
@@ -11127,7 +11134,7 @@
                   </a:schemeClr>
                 </a:solidFill>
                 <a:uFillTx/>
-                <a:latin typeface="Arial" panose="020B0604020202020204" pitchFamily="34" charset="0"/>
+                <a:latin typeface="Arial" panose="020B0604020202090204" pitchFamily="34" charset="0"/>
                 <a:ea typeface="微软雅黑" panose="020B0503020204020204" charset="-122"/>
               </a:defRPr>
             </a:lvl3pPr>
@@ -11145,7 +11152,7 @@
                   </a:schemeClr>
                 </a:solidFill>
                 <a:uFillTx/>
-                <a:latin typeface="Arial" panose="020B0604020202020204" pitchFamily="34" charset="0"/>
+                <a:latin typeface="Arial" panose="020B0604020202090204" pitchFamily="34" charset="0"/>
                 <a:ea typeface="微软雅黑" panose="020B0503020204020204" charset="-122"/>
               </a:defRPr>
             </a:lvl4pPr>
@@ -11163,7 +11170,7 @@
                   </a:schemeClr>
                 </a:solidFill>
                 <a:uFillTx/>
-                <a:latin typeface="Arial" panose="020B0604020202020204" pitchFamily="34" charset="0"/>
+                <a:latin typeface="Arial" panose="020B0604020202090204" pitchFamily="34" charset="0"/>
                 <a:ea typeface="微软雅黑" panose="020B0503020204020204" charset="-122"/>
               </a:defRPr>
             </a:lvl5pPr>
@@ -11619,7 +11626,7 @@
                   </a:schemeClr>
                 </a:solidFill>
                 <a:uFillTx/>
-                <a:latin typeface="Arial" panose="020B0604020202020204" pitchFamily="34" charset="0"/>
+                <a:latin typeface="Arial" panose="020B0604020202090204" pitchFamily="34" charset="0"/>
                 <a:ea typeface="微软雅黑" panose="020B0503020204020204" charset="-122"/>
               </a:defRPr>
             </a:lvl1pPr>
@@ -11746,7 +11753,7 @@
                   </a:schemeClr>
                 </a:solidFill>
                 <a:uFillTx/>
-                <a:latin typeface="Arial" panose="020B0604020202020204" pitchFamily="34" charset="0"/>
+                <a:latin typeface="Arial" panose="020B0604020202090204" pitchFamily="34" charset="0"/>
                 <a:ea typeface="微软雅黑" panose="020B0503020204020204" charset="-122"/>
               </a:defRPr>
             </a:lvl1pPr>
@@ -11799,7 +11806,7 @@
                   </a:schemeClr>
                 </a:solidFill>
                 <a:uFillTx/>
-                <a:latin typeface="Arial" panose="020B0604020202020204" pitchFamily="34" charset="0"/>
+                <a:latin typeface="Arial" panose="020B0604020202090204" pitchFamily="34" charset="0"/>
                 <a:ea typeface="微软雅黑" panose="020B0503020204020204" charset="-122"/>
               </a:defRPr>
             </a:lvl1pPr>
@@ -11817,7 +11824,7 @@
                   </a:schemeClr>
                 </a:solidFill>
                 <a:uFillTx/>
-                <a:latin typeface="Arial" panose="020B0604020202020204" pitchFamily="34" charset="0"/>
+                <a:latin typeface="Arial" panose="020B0604020202090204" pitchFamily="34" charset="0"/>
                 <a:ea typeface="微软雅黑" panose="020B0503020204020204" charset="-122"/>
               </a:defRPr>
             </a:lvl2pPr>
@@ -11835,7 +11842,7 @@
                   </a:schemeClr>
                 </a:solidFill>
                 <a:uFillTx/>
-                <a:latin typeface="Arial" panose="020B0604020202020204" pitchFamily="34" charset="0"/>
+                <a:latin typeface="Arial" panose="020B0604020202090204" pitchFamily="34" charset="0"/>
                 <a:ea typeface="微软雅黑" panose="020B0503020204020204" charset="-122"/>
               </a:defRPr>
             </a:lvl3pPr>
@@ -11853,7 +11860,7 @@
                   </a:schemeClr>
                 </a:solidFill>
                 <a:uFillTx/>
-                <a:latin typeface="Arial" panose="020B0604020202020204" pitchFamily="34" charset="0"/>
+                <a:latin typeface="Arial" panose="020B0604020202090204" pitchFamily="34" charset="0"/>
                 <a:ea typeface="微软雅黑" panose="020B0503020204020204" charset="-122"/>
               </a:defRPr>
             </a:lvl4pPr>
@@ -11871,7 +11878,7 @@
                   </a:schemeClr>
                 </a:solidFill>
                 <a:uFillTx/>
-                <a:latin typeface="Arial" panose="020B0604020202020204" pitchFamily="34" charset="0"/>
+                <a:latin typeface="Arial" panose="020B0604020202090204" pitchFamily="34" charset="0"/>
                 <a:ea typeface="微软雅黑" panose="020B0503020204020204" charset="-122"/>
               </a:defRPr>
             </a:lvl5pPr>
@@ -12330,7 +12337,7 @@
                   </a:schemeClr>
                 </a:solidFill>
                 <a:uFillTx/>
-                <a:latin typeface="Arial" panose="020B0604020202020204" pitchFamily="34" charset="0"/>
+                <a:latin typeface="Arial" panose="020B0604020202090204" pitchFamily="34" charset="0"/>
                 <a:ea typeface="微软雅黑" panose="020B0503020204020204" charset="-122"/>
               </a:defRPr>
             </a:lvl1pPr>
@@ -12454,7 +12461,7 @@
                   </a:schemeClr>
                 </a:solidFill>
                 <a:uFillTx/>
-                <a:latin typeface="Arial" panose="020B0604020202020204" pitchFamily="34" charset="0"/>
+                <a:latin typeface="Arial" panose="020B0604020202090204" pitchFamily="34" charset="0"/>
                 <a:ea typeface="微软雅黑" panose="020B0503020204020204" charset="-122"/>
               </a:defRPr>
             </a:lvl1pPr>
@@ -12472,7 +12479,7 @@
                   </a:schemeClr>
                 </a:solidFill>
                 <a:uFillTx/>
-                <a:latin typeface="Arial" panose="020B0604020202020204" pitchFamily="34" charset="0"/>
+                <a:latin typeface="Arial" panose="020B0604020202090204" pitchFamily="34" charset="0"/>
                 <a:ea typeface="微软雅黑" panose="020B0503020204020204" charset="-122"/>
               </a:defRPr>
             </a:lvl2pPr>
@@ -12490,7 +12497,7 @@
                   </a:schemeClr>
                 </a:solidFill>
                 <a:uFillTx/>
-                <a:latin typeface="Arial" panose="020B0604020202020204" pitchFamily="34" charset="0"/>
+                <a:latin typeface="Arial" panose="020B0604020202090204" pitchFamily="34" charset="0"/>
                 <a:ea typeface="微软雅黑" panose="020B0503020204020204" charset="-122"/>
               </a:defRPr>
             </a:lvl3pPr>
@@ -12508,7 +12515,7 @@
                   </a:schemeClr>
                 </a:solidFill>
                 <a:uFillTx/>
-                <a:latin typeface="Arial" panose="020B0604020202020204" pitchFamily="34" charset="0"/>
+                <a:latin typeface="Arial" panose="020B0604020202090204" pitchFamily="34" charset="0"/>
                 <a:ea typeface="微软雅黑" panose="020B0503020204020204" charset="-122"/>
               </a:defRPr>
             </a:lvl4pPr>
@@ -12526,7 +12533,7 @@
                   </a:schemeClr>
                 </a:solidFill>
                 <a:uFillTx/>
-                <a:latin typeface="Arial" panose="020B0604020202020204" pitchFamily="34" charset="0"/>
+                <a:latin typeface="Arial" panose="020B0604020202090204" pitchFamily="34" charset="0"/>
                 <a:ea typeface="微软雅黑" panose="020B0503020204020204" charset="-122"/>
               </a:defRPr>
             </a:lvl5pPr>
@@ -12639,7 +12646,7 @@
                   </a:schemeClr>
                 </a:solidFill>
                 <a:uFillTx/>
-                <a:latin typeface="Arial" panose="020B0604020202020204" pitchFamily="34" charset="0"/>
+                <a:latin typeface="Arial" panose="020B0604020202090204" pitchFamily="34" charset="0"/>
                 <a:ea typeface="微软雅黑" panose="020B0503020204020204" charset="-122"/>
               </a:defRPr>
             </a:lvl1pPr>
@@ -13034,7 +13041,7 @@
                   </a:schemeClr>
                 </a:solidFill>
                 <a:uFillTx/>
-                <a:latin typeface="Arial" panose="020B0604020202020204" pitchFamily="34" charset="0"/>
+                <a:latin typeface="Arial" panose="020B0604020202090204" pitchFamily="34" charset="0"/>
                 <a:ea typeface="微软雅黑" panose="020B0503020204020204" charset="-122"/>
               </a:defRPr>
             </a:lvl1pPr>
@@ -13084,7 +13091,7 @@
                   </a:schemeClr>
                 </a:solidFill>
                 <a:uFillTx/>
-                <a:latin typeface="Arial" panose="020B0604020202020204" pitchFamily="34" charset="0"/>
+                <a:latin typeface="Arial" panose="020B0604020202090204" pitchFamily="34" charset="0"/>
                 <a:ea typeface="微软雅黑" panose="020B0503020204020204" charset="-122"/>
               </a:defRPr>
             </a:lvl1pPr>
@@ -13102,7 +13109,7 @@
                   </a:schemeClr>
                 </a:solidFill>
                 <a:uFillTx/>
-                <a:latin typeface="Arial" panose="020B0604020202020204" pitchFamily="34" charset="0"/>
+                <a:latin typeface="Arial" panose="020B0604020202090204" pitchFamily="34" charset="0"/>
                 <a:ea typeface="微软雅黑" panose="020B0503020204020204" charset="-122"/>
               </a:defRPr>
             </a:lvl2pPr>
@@ -13120,7 +13127,7 @@
                   </a:schemeClr>
                 </a:solidFill>
                 <a:uFillTx/>
-                <a:latin typeface="Arial" panose="020B0604020202020204" pitchFamily="34" charset="0"/>
+                <a:latin typeface="Arial" panose="020B0604020202090204" pitchFamily="34" charset="0"/>
                 <a:ea typeface="微软雅黑" panose="020B0503020204020204" charset="-122"/>
               </a:defRPr>
             </a:lvl3pPr>
@@ -13138,7 +13145,7 @@
                   </a:schemeClr>
                 </a:solidFill>
                 <a:uFillTx/>
-                <a:latin typeface="Arial" panose="020B0604020202020204" pitchFamily="34" charset="0"/>
+                <a:latin typeface="Arial" panose="020B0604020202090204" pitchFamily="34" charset="0"/>
                 <a:ea typeface="微软雅黑" panose="020B0503020204020204" charset="-122"/>
               </a:defRPr>
             </a:lvl4pPr>
@@ -13156,7 +13163,7 @@
                   </a:schemeClr>
                 </a:solidFill>
                 <a:uFillTx/>
-                <a:latin typeface="Arial" panose="020B0604020202020204" pitchFamily="34" charset="0"/>
+                <a:latin typeface="Arial" panose="020B0604020202090204" pitchFamily="34" charset="0"/>
                 <a:ea typeface="微软雅黑" panose="020B0503020204020204" charset="-122"/>
               </a:defRPr>
             </a:lvl5pPr>
@@ -13337,7 +13344,7 @@
                   </a:schemeClr>
                 </a:solidFill>
                 <a:uFillTx/>
-                <a:latin typeface="Arial" panose="020B0604020202020204" pitchFamily="34" charset="0"/>
+                <a:latin typeface="Arial" panose="020B0604020202090204" pitchFamily="34" charset="0"/>
                 <a:ea typeface="微软雅黑" panose="020B0503020204020204" charset="-122"/>
               </a:defRPr>
             </a:lvl1pPr>
@@ -13355,7 +13362,7 @@
                   </a:schemeClr>
                 </a:solidFill>
                 <a:uFillTx/>
-                <a:latin typeface="Arial" panose="020B0604020202020204" pitchFamily="34" charset="0"/>
+                <a:latin typeface="Arial" panose="020B0604020202090204" pitchFamily="34" charset="0"/>
                 <a:ea typeface="微软雅黑" panose="020B0503020204020204" charset="-122"/>
               </a:defRPr>
             </a:lvl2pPr>
@@ -13373,7 +13380,7 @@
                   </a:schemeClr>
                 </a:solidFill>
                 <a:uFillTx/>
-                <a:latin typeface="Arial" panose="020B0604020202020204" pitchFamily="34" charset="0"/>
+                <a:latin typeface="Arial" panose="020B0604020202090204" pitchFamily="34" charset="0"/>
                 <a:ea typeface="微软雅黑" panose="020B0503020204020204" charset="-122"/>
               </a:defRPr>
             </a:lvl3pPr>
@@ -13391,7 +13398,7 @@
                   </a:schemeClr>
                 </a:solidFill>
                 <a:uFillTx/>
-                <a:latin typeface="Arial" panose="020B0604020202020204" pitchFamily="34" charset="0"/>
+                <a:latin typeface="Arial" panose="020B0604020202090204" pitchFamily="34" charset="0"/>
                 <a:ea typeface="微软雅黑" panose="020B0503020204020204" charset="-122"/>
               </a:defRPr>
             </a:lvl4pPr>
@@ -13409,7 +13416,7 @@
                   </a:schemeClr>
                 </a:solidFill>
                 <a:uFillTx/>
-                <a:latin typeface="Arial" panose="020B0604020202020204" pitchFamily="34" charset="0"/>
+                <a:latin typeface="Arial" panose="020B0604020202090204" pitchFamily="34" charset="0"/>
                 <a:ea typeface="微软雅黑" panose="020B0503020204020204" charset="-122"/>
               </a:defRPr>
             </a:lvl5pPr>
@@ -13521,7 +13528,7 @@
                   </a:schemeClr>
                 </a:solidFill>
                 <a:uFillTx/>
-                <a:latin typeface="Arial" panose="020B0604020202020204" pitchFamily="34" charset="0"/>
+                <a:latin typeface="Arial" panose="020B0604020202090204" pitchFamily="34" charset="0"/>
                 <a:ea typeface="微软雅黑" panose="020B0503020204020204" charset="-122"/>
               </a:defRPr>
             </a:lvl1pPr>
@@ -13577,7 +13584,7 @@
                   </a:schemeClr>
                 </a:solidFill>
                 <a:uFillTx/>
-                <a:latin typeface="Arial" panose="020B0604020202020204" pitchFamily="34" charset="0"/>
+                <a:latin typeface="Arial" panose="020B0604020202090204" pitchFamily="34" charset="0"/>
                 <a:ea typeface="微软雅黑" panose="020B0503020204020204" charset="-122"/>
               </a:defRPr>
             </a:lvl1pPr>
@@ -14225,7 +14232,7 @@
                   </a:schemeClr>
                 </a:solidFill>
                 <a:uFillTx/>
-                <a:latin typeface="Arial" panose="020B0604020202020204" pitchFamily="34" charset="0"/>
+                <a:latin typeface="Arial" panose="020B0604020202090204" pitchFamily="34" charset="0"/>
                 <a:ea typeface="微软雅黑" panose="020B0503020204020204" charset="-122"/>
               </a:defRPr>
             </a:lvl1pPr>
@@ -14353,7 +14360,7 @@
                   </a:schemeClr>
                 </a:solidFill>
                 <a:uFillTx/>
-                <a:latin typeface="Arial" panose="020B0604020202020204" pitchFamily="34" charset="0"/>
+                <a:latin typeface="Arial" panose="020B0604020202090204" pitchFamily="34" charset="0"/>
                 <a:ea typeface="微软雅黑" panose="020B0503020204020204" charset="-122"/>
               </a:defRPr>
             </a:lvl1pPr>
@@ -14418,7 +14425,7 @@
           </a:lstStyle>
           <a:p>
             <a:r>
-              <a:rPr lang="zh-CN" altLang="en-US" smtClean="0"/>
+              <a:rPr lang="zh-CN" altLang="en-US"/>
               <a:t>单击此处编辑母版标题样式</a:t>
             </a:r>
             <a:endParaRPr lang="zh-CN" altLang="en-US"/>
@@ -14538,10 +14545,10 @@
           <a:p>
             <a:pPr lvl="0"/>
             <a:r>
-              <a:rPr lang="zh-CN" altLang="en-US" smtClean="0"/>
+              <a:rPr lang="zh-CN" altLang="en-US"/>
               <a:t>单击此处编辑母版文本样式</a:t>
             </a:r>
-            <a:endParaRPr lang="zh-CN" altLang="en-US" smtClean="0"/>
+            <a:endParaRPr lang="zh-CN" altLang="en-US"/>
           </a:p>
         </p:txBody>
       </p:sp>
@@ -14737,7 +14744,7 @@
           <a:lstStyle/>
           <a:p>
             <a:r>
-              <a:rPr lang="zh-CN" altLang="en-US" smtClean="0"/>
+              <a:rPr lang="zh-CN" altLang="en-US"/>
               <a:t>单击此处编辑母版标题样式</a:t>
             </a:r>
             <a:endParaRPr lang="zh-CN" altLang="en-US"/>
@@ -14766,39 +14773,39 @@
           <a:p>
             <a:pPr lvl="0"/>
             <a:r>
-              <a:rPr lang="zh-CN" altLang="en-US" smtClean="0"/>
+              <a:rPr lang="zh-CN" altLang="en-US"/>
               <a:t>单击此处编辑母版文本样式</a:t>
             </a:r>
-            <a:endParaRPr lang="zh-CN" altLang="en-US" smtClean="0"/>
+            <a:endParaRPr lang="zh-CN" altLang="en-US"/>
           </a:p>
           <a:p>
             <a:pPr lvl="1"/>
             <a:r>
-              <a:rPr lang="zh-CN" altLang="en-US" smtClean="0"/>
+              <a:rPr lang="zh-CN" altLang="en-US"/>
               <a:t>第二级</a:t>
             </a:r>
-            <a:endParaRPr lang="zh-CN" altLang="en-US" smtClean="0"/>
+            <a:endParaRPr lang="zh-CN" altLang="en-US"/>
           </a:p>
           <a:p>
             <a:pPr lvl="2"/>
             <a:r>
-              <a:rPr lang="zh-CN" altLang="en-US" smtClean="0"/>
+              <a:rPr lang="zh-CN" altLang="en-US"/>
               <a:t>第三级</a:t>
             </a:r>
-            <a:endParaRPr lang="zh-CN" altLang="en-US" smtClean="0"/>
+            <a:endParaRPr lang="zh-CN" altLang="en-US"/>
           </a:p>
           <a:p>
             <a:pPr lvl="3"/>
             <a:r>
-              <a:rPr lang="zh-CN" altLang="en-US" smtClean="0"/>
+              <a:rPr lang="zh-CN" altLang="en-US"/>
               <a:t>第四级</a:t>
             </a:r>
-            <a:endParaRPr lang="zh-CN" altLang="en-US" smtClean="0"/>
+            <a:endParaRPr lang="zh-CN" altLang="en-US"/>
           </a:p>
           <a:p>
             <a:pPr lvl="4"/>
             <a:r>
-              <a:rPr lang="zh-CN" altLang="en-US" smtClean="0"/>
+              <a:rPr lang="zh-CN" altLang="en-US"/>
               <a:t>第五级</a:t>
             </a:r>
             <a:endParaRPr lang="zh-CN" altLang="en-US"/>
@@ -14827,39 +14834,39 @@
           <a:p>
             <a:pPr lvl="0"/>
             <a:r>
-              <a:rPr lang="zh-CN" altLang="en-US" smtClean="0"/>
+              <a:rPr lang="zh-CN" altLang="en-US"/>
               <a:t>单击此处编辑母版文本样式</a:t>
             </a:r>
-            <a:endParaRPr lang="zh-CN" altLang="en-US" smtClean="0"/>
+            <a:endParaRPr lang="zh-CN" altLang="en-US"/>
           </a:p>
           <a:p>
             <a:pPr lvl="1"/>
             <a:r>
-              <a:rPr lang="zh-CN" altLang="en-US" smtClean="0"/>
+              <a:rPr lang="zh-CN" altLang="en-US"/>
               <a:t>第二级</a:t>
             </a:r>
-            <a:endParaRPr lang="zh-CN" altLang="en-US" smtClean="0"/>
+            <a:endParaRPr lang="zh-CN" altLang="en-US"/>
           </a:p>
           <a:p>
             <a:pPr lvl="2"/>
             <a:r>
-              <a:rPr lang="zh-CN" altLang="en-US" smtClean="0"/>
+              <a:rPr lang="zh-CN" altLang="en-US"/>
               <a:t>第三级</a:t>
             </a:r>
-            <a:endParaRPr lang="zh-CN" altLang="en-US" smtClean="0"/>
+            <a:endParaRPr lang="zh-CN" altLang="en-US"/>
           </a:p>
           <a:p>
             <a:pPr lvl="3"/>
             <a:r>
-              <a:rPr lang="zh-CN" altLang="en-US" smtClean="0"/>
+              <a:rPr lang="zh-CN" altLang="en-US"/>
               <a:t>第四级</a:t>
             </a:r>
-            <a:endParaRPr lang="zh-CN" altLang="en-US" smtClean="0"/>
+            <a:endParaRPr lang="zh-CN" altLang="en-US"/>
           </a:p>
           <a:p>
             <a:pPr lvl="4"/>
             <a:r>
-              <a:rPr lang="zh-CN" altLang="en-US" smtClean="0"/>
+              <a:rPr lang="zh-CN" altLang="en-US"/>
               <a:t>第五级</a:t>
             </a:r>
             <a:endParaRPr lang="zh-CN" altLang="en-US"/>
@@ -14975,7 +14982,7 @@
           <a:lstStyle/>
           <a:p>
             <a:r>
-              <a:rPr lang="zh-CN" altLang="en-US" smtClean="0"/>
+              <a:rPr lang="zh-CN" altLang="en-US"/>
               <a:t>单击此处编辑母版标题样式</a:t>
             </a:r>
             <a:endParaRPr lang="zh-CN" altLang="en-US"/>
@@ -15041,10 +15048,10 @@
           <a:p>
             <a:pPr lvl="0"/>
             <a:r>
-              <a:rPr lang="zh-CN" altLang="en-US" smtClean="0"/>
+              <a:rPr lang="zh-CN" altLang="en-US"/>
               <a:t>单击此处编辑母版文本样式</a:t>
             </a:r>
-            <a:endParaRPr lang="zh-CN" altLang="en-US" smtClean="0"/>
+            <a:endParaRPr lang="zh-CN" altLang="en-US"/>
           </a:p>
         </p:txBody>
       </p:sp>
@@ -15070,39 +15077,39 @@
           <a:p>
             <a:pPr lvl="0"/>
             <a:r>
-              <a:rPr lang="zh-CN" altLang="en-US" smtClean="0"/>
+              <a:rPr lang="zh-CN" altLang="en-US"/>
               <a:t>单击此处编辑母版文本样式</a:t>
             </a:r>
-            <a:endParaRPr lang="zh-CN" altLang="en-US" smtClean="0"/>
+            <a:endParaRPr lang="zh-CN" altLang="en-US"/>
           </a:p>
           <a:p>
             <a:pPr lvl="1"/>
             <a:r>
-              <a:rPr lang="zh-CN" altLang="en-US" smtClean="0"/>
+              <a:rPr lang="zh-CN" altLang="en-US"/>
               <a:t>第二级</a:t>
             </a:r>
-            <a:endParaRPr lang="zh-CN" altLang="en-US" smtClean="0"/>
+            <a:endParaRPr lang="zh-CN" altLang="en-US"/>
           </a:p>
           <a:p>
             <a:pPr lvl="2"/>
             <a:r>
-              <a:rPr lang="zh-CN" altLang="en-US" smtClean="0"/>
+              <a:rPr lang="zh-CN" altLang="en-US"/>
               <a:t>第三级</a:t>
             </a:r>
-            <a:endParaRPr lang="zh-CN" altLang="en-US" smtClean="0"/>
+            <a:endParaRPr lang="zh-CN" altLang="en-US"/>
           </a:p>
           <a:p>
             <a:pPr lvl="3"/>
             <a:r>
-              <a:rPr lang="zh-CN" altLang="en-US" smtClean="0"/>
+              <a:rPr lang="zh-CN" altLang="en-US"/>
               <a:t>第四级</a:t>
             </a:r>
-            <a:endParaRPr lang="zh-CN" altLang="en-US" smtClean="0"/>
+            <a:endParaRPr lang="zh-CN" altLang="en-US"/>
           </a:p>
           <a:p>
             <a:pPr lvl="4"/>
             <a:r>
-              <a:rPr lang="zh-CN" altLang="en-US" smtClean="0"/>
+              <a:rPr lang="zh-CN" altLang="en-US"/>
               <a:t>第五级</a:t>
             </a:r>
             <a:endParaRPr lang="zh-CN" altLang="en-US"/>
@@ -15168,10 +15175,10 @@
           <a:p>
             <a:pPr lvl="0"/>
             <a:r>
-              <a:rPr lang="zh-CN" altLang="en-US" smtClean="0"/>
+              <a:rPr lang="zh-CN" altLang="en-US"/>
               <a:t>单击此处编辑母版文本样式</a:t>
             </a:r>
-            <a:endParaRPr lang="zh-CN" altLang="en-US" smtClean="0"/>
+            <a:endParaRPr lang="zh-CN" altLang="en-US"/>
           </a:p>
         </p:txBody>
       </p:sp>
@@ -15197,39 +15204,39 @@
           <a:p>
             <a:pPr lvl="0"/>
             <a:r>
-              <a:rPr lang="zh-CN" altLang="en-US" smtClean="0"/>
+              <a:rPr lang="zh-CN" altLang="en-US"/>
               <a:t>单击此处编辑母版文本样式</a:t>
             </a:r>
-            <a:endParaRPr lang="zh-CN" altLang="en-US" smtClean="0"/>
+            <a:endParaRPr lang="zh-CN" altLang="en-US"/>
           </a:p>
           <a:p>
             <a:pPr lvl="1"/>
             <a:r>
-              <a:rPr lang="zh-CN" altLang="en-US" smtClean="0"/>
+              <a:rPr lang="zh-CN" altLang="en-US"/>
               <a:t>第二级</a:t>
             </a:r>
-            <a:endParaRPr lang="zh-CN" altLang="en-US" smtClean="0"/>
+            <a:endParaRPr lang="zh-CN" altLang="en-US"/>
           </a:p>
           <a:p>
             <a:pPr lvl="2"/>
             <a:r>
-              <a:rPr lang="zh-CN" altLang="en-US" smtClean="0"/>
+              <a:rPr lang="zh-CN" altLang="en-US"/>
               <a:t>第三级</a:t>
             </a:r>
-            <a:endParaRPr lang="zh-CN" altLang="en-US" smtClean="0"/>
+            <a:endParaRPr lang="zh-CN" altLang="en-US"/>
           </a:p>
           <a:p>
             <a:pPr lvl="3"/>
             <a:r>
-              <a:rPr lang="zh-CN" altLang="en-US" smtClean="0"/>
+              <a:rPr lang="zh-CN" altLang="en-US"/>
               <a:t>第四级</a:t>
             </a:r>
-            <a:endParaRPr lang="zh-CN" altLang="en-US" smtClean="0"/>
+            <a:endParaRPr lang="zh-CN" altLang="en-US"/>
           </a:p>
           <a:p>
             <a:pPr lvl="4"/>
             <a:r>
-              <a:rPr lang="zh-CN" altLang="en-US" smtClean="0"/>
+              <a:rPr lang="zh-CN" altLang="en-US"/>
               <a:t>第五级</a:t>
             </a:r>
             <a:endParaRPr lang="zh-CN" altLang="en-US"/>
@@ -15340,7 +15347,7 @@
           <a:lstStyle/>
           <a:p>
             <a:r>
-              <a:rPr lang="zh-CN" altLang="en-US" smtClean="0"/>
+              <a:rPr lang="zh-CN" altLang="en-US"/>
               <a:t>单击此处编辑母版标题样式</a:t>
             </a:r>
             <a:endParaRPr lang="zh-CN" altLang="en-US"/>
@@ -15548,7 +15555,7 @@
           </a:lstStyle>
           <a:p>
             <a:r>
-              <a:rPr lang="zh-CN" altLang="en-US" smtClean="0"/>
+              <a:rPr lang="zh-CN" altLang="en-US"/>
               <a:t>单击此处编辑母版标题样式</a:t>
             </a:r>
             <a:endParaRPr lang="zh-CN" altLang="en-US"/>
@@ -15605,39 +15612,39 @@
           <a:p>
             <a:pPr lvl="0"/>
             <a:r>
-              <a:rPr lang="zh-CN" altLang="en-US" smtClean="0"/>
+              <a:rPr lang="zh-CN" altLang="en-US"/>
               <a:t>单击此处编辑母版文本样式</a:t>
             </a:r>
-            <a:endParaRPr lang="zh-CN" altLang="en-US" smtClean="0"/>
+            <a:endParaRPr lang="zh-CN" altLang="en-US"/>
           </a:p>
           <a:p>
             <a:pPr lvl="1"/>
             <a:r>
-              <a:rPr lang="zh-CN" altLang="en-US" smtClean="0"/>
+              <a:rPr lang="zh-CN" altLang="en-US"/>
               <a:t>第二级</a:t>
             </a:r>
-            <a:endParaRPr lang="zh-CN" altLang="en-US" smtClean="0"/>
+            <a:endParaRPr lang="zh-CN" altLang="en-US"/>
           </a:p>
           <a:p>
             <a:pPr lvl="2"/>
             <a:r>
-              <a:rPr lang="zh-CN" altLang="en-US" smtClean="0"/>
+              <a:rPr lang="zh-CN" altLang="en-US"/>
               <a:t>第三级</a:t>
             </a:r>
-            <a:endParaRPr lang="zh-CN" altLang="en-US" smtClean="0"/>
+            <a:endParaRPr lang="zh-CN" altLang="en-US"/>
           </a:p>
           <a:p>
             <a:pPr lvl="3"/>
             <a:r>
-              <a:rPr lang="zh-CN" altLang="en-US" smtClean="0"/>
+              <a:rPr lang="zh-CN" altLang="en-US"/>
               <a:t>第四级</a:t>
             </a:r>
-            <a:endParaRPr lang="zh-CN" altLang="en-US" smtClean="0"/>
+            <a:endParaRPr lang="zh-CN" altLang="en-US"/>
           </a:p>
           <a:p>
             <a:pPr lvl="4"/>
             <a:r>
-              <a:rPr lang="zh-CN" altLang="en-US" smtClean="0"/>
+              <a:rPr lang="zh-CN" altLang="en-US"/>
               <a:t>第五级</a:t>
             </a:r>
             <a:endParaRPr lang="zh-CN" altLang="en-US"/>
@@ -15703,10 +15710,10 @@
           <a:p>
             <a:pPr lvl="0"/>
             <a:r>
-              <a:rPr lang="zh-CN" altLang="en-US" smtClean="0"/>
+              <a:rPr lang="zh-CN" altLang="en-US"/>
               <a:t>单击此处编辑母版文本样式</a:t>
             </a:r>
-            <a:endParaRPr lang="zh-CN" altLang="en-US" smtClean="0"/>
+            <a:endParaRPr lang="zh-CN" altLang="en-US"/>
           </a:p>
         </p:txBody>
       </p:sp>
@@ -15823,7 +15830,7 @@
           </a:lstStyle>
           <a:p>
             <a:r>
-              <a:rPr lang="zh-CN" altLang="en-US" smtClean="0"/>
+              <a:rPr lang="zh-CN" altLang="en-US"/>
               <a:t>单击此处编辑母版标题样式</a:t>
             </a:r>
             <a:endParaRPr lang="zh-CN" altLang="en-US"/>
@@ -15950,10 +15957,10 @@
           <a:p>
             <a:pPr lvl="0"/>
             <a:r>
-              <a:rPr lang="zh-CN" altLang="en-US" smtClean="0"/>
+              <a:rPr lang="zh-CN" altLang="en-US"/>
               <a:t>单击此处编辑母版文本样式</a:t>
             </a:r>
-            <a:endParaRPr lang="zh-CN" altLang="en-US" smtClean="0"/>
+            <a:endParaRPr lang="zh-CN" altLang="en-US"/>
           </a:p>
         </p:txBody>
       </p:sp>
@@ -16076,7 +16083,7 @@
           <a:lstStyle/>
           <a:p>
             <a:r>
-              <a:rPr lang="zh-CN" altLang="en-US" smtClean="0"/>
+              <a:rPr lang="zh-CN" altLang="en-US"/>
               <a:t>单击此处编辑母版标题样式</a:t>
             </a:r>
             <a:endParaRPr lang="zh-CN" altLang="en-US"/>
@@ -16110,39 +16117,39 @@
           <a:p>
             <a:pPr lvl="0"/>
             <a:r>
-              <a:rPr lang="zh-CN" altLang="en-US" smtClean="0"/>
+              <a:rPr lang="zh-CN" altLang="en-US"/>
               <a:t>单击此处编辑母版文本样式</a:t>
             </a:r>
-            <a:endParaRPr lang="zh-CN" altLang="en-US" smtClean="0"/>
+            <a:endParaRPr lang="zh-CN" altLang="en-US"/>
           </a:p>
           <a:p>
             <a:pPr lvl="1"/>
             <a:r>
-              <a:rPr lang="zh-CN" altLang="en-US" smtClean="0"/>
+              <a:rPr lang="zh-CN" altLang="en-US"/>
               <a:t>第二级</a:t>
             </a:r>
-            <a:endParaRPr lang="zh-CN" altLang="en-US" smtClean="0"/>
+            <a:endParaRPr lang="zh-CN" altLang="en-US"/>
           </a:p>
           <a:p>
             <a:pPr lvl="2"/>
             <a:r>
-              <a:rPr lang="zh-CN" altLang="en-US" smtClean="0"/>
+              <a:rPr lang="zh-CN" altLang="en-US"/>
               <a:t>第三级</a:t>
             </a:r>
-            <a:endParaRPr lang="zh-CN" altLang="en-US" smtClean="0"/>
+            <a:endParaRPr lang="zh-CN" altLang="en-US"/>
           </a:p>
           <a:p>
             <a:pPr lvl="3"/>
             <a:r>
-              <a:rPr lang="zh-CN" altLang="en-US" smtClean="0"/>
+              <a:rPr lang="zh-CN" altLang="en-US"/>
               <a:t>第四级</a:t>
             </a:r>
-            <a:endParaRPr lang="zh-CN" altLang="en-US" smtClean="0"/>
+            <a:endParaRPr lang="zh-CN" altLang="en-US"/>
           </a:p>
           <a:p>
             <a:pPr lvl="4"/>
             <a:r>
-              <a:rPr lang="zh-CN" altLang="en-US" smtClean="0"/>
+              <a:rPr lang="zh-CN" altLang="en-US"/>
               <a:t>第五级</a:t>
             </a:r>
             <a:endParaRPr lang="zh-CN" altLang="en-US"/>
@@ -16310,7 +16317,7 @@
         <a:spcBef>
           <a:spcPts val="1000"/>
         </a:spcBef>
-        <a:buFont typeface="Arial" panose="020B0604020202020204" pitchFamily="34" charset="0"/>
+        <a:buFont typeface="Arial" panose="020B0604020202090204" pitchFamily="34" charset="0"/>
         <a:buChar char="•"/>
         <a:defRPr sz="2800" kern="1200">
           <a:solidFill>
@@ -16328,7 +16335,7 @@
         <a:spcBef>
           <a:spcPts val="500"/>
         </a:spcBef>
-        <a:buFont typeface="Arial" panose="020B0604020202020204" pitchFamily="34" charset="0"/>
+        <a:buFont typeface="Arial" panose="020B0604020202090204" pitchFamily="34" charset="0"/>
         <a:buChar char="•"/>
         <a:defRPr sz="2400" kern="1200">
           <a:solidFill>
@@ -16346,7 +16353,7 @@
         <a:spcBef>
           <a:spcPts val="500"/>
         </a:spcBef>
-        <a:buFont typeface="Arial" panose="020B0604020202020204" pitchFamily="34" charset="0"/>
+        <a:buFont typeface="Arial" panose="020B0604020202090204" pitchFamily="34" charset="0"/>
         <a:buChar char="•"/>
         <a:defRPr sz="2000" kern="1200">
           <a:solidFill>
@@ -16364,7 +16371,7 @@
         <a:spcBef>
           <a:spcPts val="500"/>
         </a:spcBef>
-        <a:buFont typeface="Arial" panose="020B0604020202020204" pitchFamily="34" charset="0"/>
+        <a:buFont typeface="Arial" panose="020B0604020202090204" pitchFamily="34" charset="0"/>
         <a:buChar char="•"/>
         <a:defRPr sz="1800" kern="1200">
           <a:solidFill>
@@ -16382,7 +16389,7 @@
         <a:spcBef>
           <a:spcPts val="500"/>
         </a:spcBef>
-        <a:buFont typeface="Arial" panose="020B0604020202020204" pitchFamily="34" charset="0"/>
+        <a:buFont typeface="Arial" panose="020B0604020202090204" pitchFamily="34" charset="0"/>
         <a:buChar char="•"/>
         <a:defRPr sz="1800" kern="1200">
           <a:solidFill>
@@ -16400,7 +16407,7 @@
         <a:spcBef>
           <a:spcPts val="500"/>
         </a:spcBef>
-        <a:buFont typeface="Arial" panose="020B0604020202020204" pitchFamily="34" charset="0"/>
+        <a:buFont typeface="Arial" panose="020B0604020202090204" pitchFamily="34" charset="0"/>
         <a:buChar char="•"/>
         <a:defRPr sz="1800" kern="1200">
           <a:solidFill>
@@ -16418,7 +16425,7 @@
         <a:spcBef>
           <a:spcPts val="500"/>
         </a:spcBef>
-        <a:buFont typeface="Arial" panose="020B0604020202020204" pitchFamily="34" charset="0"/>
+        <a:buFont typeface="Arial" panose="020B0604020202090204" pitchFamily="34" charset="0"/>
         <a:buChar char="•"/>
         <a:defRPr sz="1800" kern="1200">
           <a:solidFill>
@@ -16436,7 +16443,7 @@
         <a:spcBef>
           <a:spcPts val="500"/>
         </a:spcBef>
-        <a:buFont typeface="Arial" panose="020B0604020202020204" pitchFamily="34" charset="0"/>
+        <a:buFont typeface="Arial" panose="020B0604020202090204" pitchFamily="34" charset="0"/>
         <a:buChar char="•"/>
         <a:defRPr sz="1800" kern="1200">
           <a:solidFill>
@@ -16454,7 +16461,7 @@
         <a:spcBef>
           <a:spcPts val="500"/>
         </a:spcBef>
-        <a:buFont typeface="Arial" panose="020B0604020202020204" pitchFamily="34" charset="0"/>
+        <a:buFont typeface="Arial" panose="020B0604020202090204" pitchFamily="34" charset="0"/>
         <a:buChar char="•"/>
         <a:defRPr sz="1800" kern="1200">
           <a:solidFill>
@@ -16912,7 +16919,7 @@
             </a:schemeClr>
           </a:solidFill>
           <a:uFillTx/>
-          <a:latin typeface="Arial" panose="020B0604020202020204" pitchFamily="34" charset="0"/>
+          <a:latin typeface="Arial" panose="020B0604020202090204" pitchFamily="34" charset="0"/>
           <a:ea typeface="微软雅黑" panose="020B0503020204020204" charset="-122"/>
           <a:cs typeface="+mj-cs"/>
         </a:defRPr>
@@ -16929,7 +16936,7 @@
         <a:spcAft>
           <a:spcPts val="1000"/>
         </a:spcAft>
-        <a:buFont typeface="Arial" panose="020B0604020202020204" pitchFamily="34" charset="0"/>
+        <a:buFont typeface="Arial" panose="020B0604020202090204" pitchFamily="34" charset="0"/>
         <a:buChar char="•"/>
         <a:defRPr sz="1600" u="none" strike="noStrike" kern="1200" cap="none" spc="150" normalizeH="0" baseline="0">
           <a:solidFill>
@@ -16938,7 +16945,7 @@
             </a:schemeClr>
           </a:solidFill>
           <a:uFillTx/>
-          <a:latin typeface="Arial" panose="020B0604020202020204" pitchFamily="34" charset="0"/>
+          <a:latin typeface="Arial" panose="020B0604020202090204" pitchFamily="34" charset="0"/>
           <a:ea typeface="微软雅黑" panose="020B0503020204020204" charset="-122"/>
           <a:cs typeface="+mn-cs"/>
         </a:defRPr>
@@ -16953,7 +16960,7 @@
         <a:spcAft>
           <a:spcPts val="1000"/>
         </a:spcAft>
-        <a:buFont typeface="Arial" panose="020B0604020202020204" pitchFamily="34" charset="0"/>
+        <a:buFont typeface="Arial" panose="020B0604020202090204" pitchFamily="34" charset="0"/>
         <a:buChar char="•"/>
         <a:tabLst>
           <a:tab pos="1609725" algn="l"/>
@@ -16965,7 +16972,7 @@
             </a:schemeClr>
           </a:solidFill>
           <a:uFillTx/>
-          <a:latin typeface="Arial" panose="020B0604020202020204" pitchFamily="34" charset="0"/>
+          <a:latin typeface="Arial" panose="020B0604020202090204" pitchFamily="34" charset="0"/>
           <a:ea typeface="微软雅黑" panose="020B0503020204020204" charset="-122"/>
           <a:cs typeface="+mn-cs"/>
         </a:defRPr>
@@ -16980,7 +16987,7 @@
         <a:spcAft>
           <a:spcPts val="1000"/>
         </a:spcAft>
-        <a:buFont typeface="Arial" panose="020B0604020202020204" pitchFamily="34" charset="0"/>
+        <a:buFont typeface="Arial" panose="020B0604020202090204" pitchFamily="34" charset="0"/>
         <a:buChar char="•"/>
         <a:defRPr sz="1600" u="none" strike="noStrike" kern="1200" cap="none" spc="150" normalizeH="0" baseline="0">
           <a:solidFill>
@@ -16989,7 +16996,7 @@
             </a:schemeClr>
           </a:solidFill>
           <a:uFillTx/>
-          <a:latin typeface="Arial" panose="020B0604020202020204" pitchFamily="34" charset="0"/>
+          <a:latin typeface="Arial" panose="020B0604020202090204" pitchFamily="34" charset="0"/>
           <a:ea typeface="微软雅黑" panose="020B0503020204020204" charset="-122"/>
           <a:cs typeface="+mn-cs"/>
         </a:defRPr>
@@ -17004,7 +17011,7 @@
         <a:spcAft>
           <a:spcPts val="1000"/>
         </a:spcAft>
-        <a:buFont typeface="Arial" panose="020B0604020202020204" pitchFamily="34" charset="0"/>
+        <a:buFont typeface="Arial" panose="020B0604020202090204" pitchFamily="34" charset="0"/>
         <a:buChar char="•"/>
         <a:defRPr sz="1600" u="none" strike="noStrike" kern="1200" cap="none" spc="150" normalizeH="0" baseline="0">
           <a:solidFill>
@@ -17013,7 +17020,7 @@
             </a:schemeClr>
           </a:solidFill>
           <a:uFillTx/>
-          <a:latin typeface="Arial" panose="020B0604020202020204" pitchFamily="34" charset="0"/>
+          <a:latin typeface="Arial" panose="020B0604020202090204" pitchFamily="34" charset="0"/>
           <a:ea typeface="微软雅黑" panose="020B0503020204020204" charset="-122"/>
           <a:cs typeface="+mn-cs"/>
         </a:defRPr>
@@ -17028,7 +17035,7 @@
         <a:spcAft>
           <a:spcPts val="1000"/>
         </a:spcAft>
-        <a:buFont typeface="Arial" panose="020B0604020202020204" pitchFamily="34" charset="0"/>
+        <a:buFont typeface="Arial" panose="020B0604020202090204" pitchFamily="34" charset="0"/>
         <a:buChar char="•"/>
         <a:defRPr sz="1600" u="none" strike="noStrike" kern="1200" cap="none" spc="150" normalizeH="0" baseline="0">
           <a:solidFill>
@@ -17037,7 +17044,7 @@
             </a:schemeClr>
           </a:solidFill>
           <a:uFillTx/>
-          <a:latin typeface="Arial" panose="020B0604020202020204" pitchFamily="34" charset="0"/>
+          <a:latin typeface="Arial" panose="020B0604020202090204" pitchFamily="34" charset="0"/>
           <a:ea typeface="微软雅黑" panose="020B0503020204020204" charset="-122"/>
           <a:cs typeface="+mn-cs"/>
         </a:defRPr>
@@ -17049,7 +17056,7 @@
         <a:spcBef>
           <a:spcPts val="500"/>
         </a:spcBef>
-        <a:buFont typeface="Arial" panose="020B0604020202020204" pitchFamily="34" charset="0"/>
+        <a:buFont typeface="Arial" panose="020B0604020202090204" pitchFamily="34" charset="0"/>
         <a:buChar char="•"/>
         <a:defRPr sz="1800" kern="1200">
           <a:solidFill>
@@ -17067,7 +17074,7 @@
         <a:spcBef>
           <a:spcPts val="500"/>
         </a:spcBef>
-        <a:buFont typeface="Arial" panose="020B0604020202020204" pitchFamily="34" charset="0"/>
+        <a:buFont typeface="Arial" panose="020B0604020202090204" pitchFamily="34" charset="0"/>
         <a:buChar char="•"/>
         <a:defRPr sz="1800" kern="1200">
           <a:solidFill>
@@ -17085,7 +17092,7 @@
         <a:spcBef>
           <a:spcPts val="500"/>
         </a:spcBef>
-        <a:buFont typeface="Arial" panose="020B0604020202020204" pitchFamily="34" charset="0"/>
+        <a:buFont typeface="Arial" panose="020B0604020202090204" pitchFamily="34" charset="0"/>
         <a:buChar char="•"/>
         <a:defRPr sz="1800" kern="1200">
           <a:solidFill>
@@ -17103,7 +17110,7 @@
         <a:spcBef>
           <a:spcPts val="500"/>
         </a:spcBef>
-        <a:buFont typeface="Arial" panose="020B0604020202020204" pitchFamily="34" charset="0"/>
+        <a:buFont typeface="Arial" panose="020B0604020202090204" pitchFamily="34" charset="0"/>
         <a:buChar char="•"/>
         <a:defRPr sz="1800" kern="1200">
           <a:solidFill>
@@ -17665,7 +17672,9 @@
       <p:sp>
         <p:nvSpPr>
           <p:cNvPr id="2" name="标题 1"/>
-          <p:cNvSpPr/>
+          <p:cNvSpPr>
+            <a:spLocks noGrp="1"/>
+          </p:cNvSpPr>
           <p:nvPr>
             <p:ph type="title"/>
           </p:nvPr>
@@ -17678,6 +17687,7 @@
         </p:spPr>
         <p:txBody>
           <a:bodyPr/>
+          <a:lstStyle/>
           <a:p>
             <a:pPr algn="ctr"/>
             <a:r>
@@ -18015,6 +18025,7 @@
                 <a:tc>
                   <a:txBody>
                     <a:bodyPr/>
+                    <a:lstStyle/>
                     <a:p>
                       <a:pPr>
                         <a:lnSpc>
@@ -18029,11 +18040,12 @@
                       <a:endParaRPr lang="zh-CN" altLang="en-US"/>
                     </a:p>
                   </a:txBody>
-                  <a:tcPr anchor="ctr" anchorCtr="0"/>
+                  <a:tcPr anchor="ctr"/>
                 </a:tc>
                 <a:tc>
                   <a:txBody>
                     <a:bodyPr/>
+                    <a:lstStyle/>
                     <a:p>
                       <a:pPr>
                         <a:lnSpc>
@@ -18048,11 +18060,12 @@
                       <a:endParaRPr lang="zh-CN" altLang="en-US"/>
                     </a:p>
                   </a:txBody>
-                  <a:tcPr anchor="ctr" anchorCtr="0"/>
+                  <a:tcPr anchor="ctr"/>
                 </a:tc>
                 <a:tc>
                   <a:txBody>
                     <a:bodyPr/>
+                    <a:lstStyle/>
                     <a:p>
                       <a:pPr>
                         <a:lnSpc>
@@ -18071,13 +18084,14 @@
                       <a:endParaRPr lang="zh-CN" altLang="en-US"/>
                     </a:p>
                   </a:txBody>
-                  <a:tcPr anchor="ctr" anchorCtr="0"/>
+                  <a:tcPr anchor="ctr"/>
                 </a:tc>
               </a:tr>
               <a:tr h="381000">
                 <a:tc>
                   <a:txBody>
                     <a:bodyPr/>
+                    <a:lstStyle/>
                     <a:p>
                       <a:pPr>
                         <a:lnSpc>
@@ -18143,11 +18157,12 @@
                       <a:endParaRPr lang="zh-CN" altLang="en-US"/>
                     </a:p>
                   </a:txBody>
-                  <a:tcPr anchor="ctr" anchorCtr="0"/>
+                  <a:tcPr anchor="ctr"/>
                 </a:tc>
                 <a:tc>
                   <a:txBody>
                     <a:bodyPr/>
+                    <a:lstStyle/>
                     <a:p>
                       <a:pPr>
                         <a:lnSpc>
@@ -18191,11 +18206,12 @@
                       <a:endParaRPr lang="zh-CN" altLang="en-US"/>
                     </a:p>
                   </a:txBody>
-                  <a:tcPr anchor="ctr" anchorCtr="0"/>
+                  <a:tcPr anchor="ctr"/>
                 </a:tc>
                 <a:tc>
                   <a:txBody>
                     <a:bodyPr/>
+                    <a:lstStyle/>
                     <a:p>
                       <a:pPr>
                         <a:lnSpc>
@@ -18210,13 +18226,14 @@
                       <a:endParaRPr lang="en-US" altLang="zh-CN"/>
                     </a:p>
                   </a:txBody>
-                  <a:tcPr anchor="ctr" anchorCtr="0"/>
+                  <a:tcPr anchor="ctr"/>
                 </a:tc>
               </a:tr>
               <a:tr h="381000">
                 <a:tc>
                   <a:txBody>
                     <a:bodyPr/>
+                    <a:lstStyle/>
                     <a:p>
                       <a:pPr>
                         <a:lnSpc>
@@ -18238,11 +18255,12 @@
                       <a:endParaRPr lang="zh-CN" altLang="en-US"/>
                     </a:p>
                   </a:txBody>
-                  <a:tcPr anchor="ctr" anchorCtr="0"/>
+                  <a:tcPr anchor="ctr"/>
                 </a:tc>
                 <a:tc>
                   <a:txBody>
                     <a:bodyPr/>
+                    <a:lstStyle/>
                     <a:p>
                       <a:pPr>
                         <a:lnSpc>
@@ -18308,11 +18326,12 @@
                       <a:endParaRPr lang="zh-CN" altLang="en-US"/>
                     </a:p>
                   </a:txBody>
-                  <a:tcPr anchor="ctr" anchorCtr="0"/>
+                  <a:tcPr anchor="ctr"/>
                 </a:tc>
                 <a:tc>
                   <a:txBody>
                     <a:bodyPr/>
+                    <a:lstStyle/>
                     <a:p>
                       <a:pPr>
                         <a:lnSpc>
@@ -18327,13 +18346,14 @@
                       <a:endParaRPr lang="en-US" altLang="zh-CN"/>
                     </a:p>
                   </a:txBody>
-                  <a:tcPr anchor="ctr" anchorCtr="0"/>
+                  <a:tcPr anchor="ctr"/>
                 </a:tc>
               </a:tr>
               <a:tr h="381000">
                 <a:tc>
                   <a:txBody>
                     <a:bodyPr/>
+                    <a:lstStyle/>
                     <a:p>
                       <a:pPr>
                         <a:lnSpc>
@@ -18355,11 +18375,12 @@
                       <a:endParaRPr lang="zh-CN" altLang="en-US"/>
                     </a:p>
                   </a:txBody>
-                  <a:tcPr anchor="ctr" anchorCtr="0"/>
+                  <a:tcPr anchor="ctr"/>
                 </a:tc>
                 <a:tc>
                   <a:txBody>
                     <a:bodyPr/>
+                    <a:lstStyle/>
                     <a:p>
                       <a:pPr>
                         <a:lnSpc>
@@ -18381,11 +18402,12 @@
                       <a:endParaRPr lang="zh-CN" altLang="en-US"/>
                     </a:p>
                   </a:txBody>
-                  <a:tcPr anchor="ctr" anchorCtr="0"/>
+                  <a:tcPr anchor="ctr"/>
                 </a:tc>
                 <a:tc>
                   <a:txBody>
                     <a:bodyPr/>
+                    <a:lstStyle/>
                     <a:p>
                       <a:pPr>
                         <a:lnSpc>
@@ -18400,7 +18422,7 @@
                       <a:endParaRPr lang="en-US" altLang="zh-CN"/>
                     </a:p>
                   </a:txBody>
-                  <a:tcPr anchor="ctr" anchorCtr="0"/>
+                  <a:tcPr anchor="ctr"/>
                 </a:tc>
               </a:tr>
             </a:tbl>
@@ -18543,7 +18565,14 @@
         <p:cNvGrpSpPr/>
         <p:nvPr/>
       </p:nvGrpSpPr>
-      <p:grpSpPr/>
+      <p:grpSpPr>
+        <a:xfrm>
+          <a:off x="0" y="0"/>
+          <a:ext cx="0" cy="0"/>
+          <a:chOff x="0" y="0"/>
+          <a:chExt cx="0" cy="0"/>
+        </a:xfrm>
+      </p:grpSpPr>
       <p:sp>
         <p:nvSpPr>
           <p:cNvPr id="9" name="标题 2"/>
@@ -18565,6 +18594,7 @@
         </p:spPr>
         <p:txBody>
           <a:bodyPr/>
+          <a:lstStyle/>
           <a:p>
             <a:r>
               <a:rPr lang="en-US" altLang="zh-CN" sz="3600" dirty="0">
@@ -18625,6 +18655,7 @@
                 <a:tc>
                   <a:txBody>
                     <a:bodyPr/>
+                    <a:lstStyle/>
                     <a:p>
                       <a:pPr indent="0" algn="ctr">
                         <a:buNone/>
@@ -18638,7 +18669,7 @@
                       </a:endParaRPr>
                     </a:p>
                   </a:txBody>
-                  <a:tcPr marL="12700" marR="12700" marT="12700" vert="horz" anchor="ctr">
+                  <a:tcPr marL="12700" marR="12700" marT="12700" anchor="ctr">
                     <a:lnL w="12700">
                       <a:solidFill>
                         <a:schemeClr val="tx1"/>
@@ -18677,6 +18708,7 @@
                 <a:tc>
                   <a:txBody>
                     <a:bodyPr/>
+                    <a:lstStyle/>
                     <a:p>
                       <a:pPr indent="0" algn="ctr">
                         <a:buNone/>
@@ -18700,7 +18732,7 @@
                       </a:endParaRPr>
                     </a:p>
                   </a:txBody>
-                  <a:tcPr marL="12700" marR="12700" marT="12700" vert="horz" anchor="ctr">
+                  <a:tcPr marL="12700" marR="12700" marT="12700" anchor="ctr">
                     <a:lnL w="12700">
                       <a:solidFill>
                         <a:schemeClr val="tx1"/>
@@ -18741,6 +18773,7 @@
                 <a:tc>
                   <a:txBody>
                     <a:bodyPr/>
+                    <a:lstStyle/>
                     <a:p>
                       <a:pPr indent="0" algn="ctr">
                         <a:buNone/>
@@ -18764,7 +18797,7 @@
                       </a:endParaRPr>
                     </a:p>
                   </a:txBody>
-                  <a:tcPr marL="12700" marR="12700" marT="12700" vert="horz" anchor="ctr">
+                  <a:tcPr marL="12700" marR="12700" marT="12700" anchor="ctr">
                     <a:lnL w="12700">
                       <a:solidFill>
                         <a:schemeClr val="tx1"/>
@@ -18807,6 +18840,7 @@
                 <a:tc>
                   <a:txBody>
                     <a:bodyPr/>
+                    <a:lstStyle/>
                     <a:p>
                       <a:pPr indent="0" algn="ctr">
                         <a:buNone/>
@@ -18830,7 +18864,7 @@
                       </a:endParaRPr>
                     </a:p>
                   </a:txBody>
-                  <a:tcPr marL="12700" marR="12700" marT="12700" vert="horz" anchor="ctr">
+                  <a:tcPr marL="12700" marR="12700" marT="12700" anchor="ctr">
                     <a:lnL w="12700">
                       <a:solidFill>
                         <a:schemeClr val="tx1"/>
@@ -18871,6 +18905,7 @@
                 <a:tc>
                   <a:txBody>
                     <a:bodyPr/>
+                    <a:lstStyle/>
                     <a:p>
                       <a:pPr indent="0" algn="ctr">
                         <a:buNone/>
@@ -18884,7 +18919,7 @@
                       </a:endParaRPr>
                     </a:p>
                   </a:txBody>
-                  <a:tcPr marL="12700" marR="12700" marT="12700" vert="horz" anchor="ctr">
+                  <a:tcPr marL="12700" marR="12700" marT="12700" anchor="ctr">
                     <a:lnL w="12700">
                       <a:solidFill>
                         <a:schemeClr val="tx1"/>
@@ -18923,6 +18958,7 @@
                 <a:tc>
                   <a:txBody>
                     <a:bodyPr/>
+                    <a:lstStyle/>
                     <a:p>
                       <a:pPr indent="0" algn="ctr">
                         <a:buNone/>
@@ -18936,7 +18972,7 @@
                       </a:endParaRPr>
                     </a:p>
                   </a:txBody>
-                  <a:tcPr marL="12700" marR="12700" marT="12700" vert="horz" anchor="ctr">
+                  <a:tcPr marL="12700" marR="12700" marT="12700" anchor="ctr">
                     <a:lnL w="12700">
                       <a:solidFill>
                         <a:schemeClr val="tx1"/>
@@ -18977,6 +19013,7 @@
                 <a:tc>
                   <a:txBody>
                     <a:bodyPr/>
+                    <a:lstStyle/>
                     <a:p>
                       <a:pPr indent="0" algn="ctr">
                         <a:buNone/>
@@ -19000,7 +19037,7 @@
                       </a:endParaRPr>
                     </a:p>
                   </a:txBody>
-                  <a:tcPr marL="12700" marR="12700" marT="12700" vert="horz" anchor="ctr">
+                  <a:tcPr marL="12700" marR="12700" marT="12700" anchor="ctr">
                     <a:lnL w="12700">
                       <a:solidFill>
                         <a:schemeClr val="tx1"/>
@@ -19041,6 +19078,7 @@
                 <a:tc>
                   <a:txBody>
                     <a:bodyPr/>
+                    <a:lstStyle/>
                     <a:p>
                       <a:pPr indent="0" algn="ctr">
                         <a:buNone/>
@@ -19064,7 +19102,7 @@
                       </a:endParaRPr>
                     </a:p>
                   </a:txBody>
-                  <a:tcPr marL="12700" marR="12700" marT="12700" vert="horz" anchor="ctr">
+                  <a:tcPr marL="12700" marR="12700" marT="12700" anchor="ctr">
                     <a:lnL w="12700">
                       <a:solidFill>
                         <a:schemeClr val="tx1"/>
@@ -19103,6 +19141,7 @@
                 <a:tc>
                   <a:txBody>
                     <a:bodyPr/>
+                    <a:lstStyle/>
                     <a:p>
                       <a:pPr indent="0" algn="ctr">
                         <a:buNone/>
@@ -19126,7 +19165,7 @@
                       </a:endParaRPr>
                     </a:p>
                   </a:txBody>
-                  <a:tcPr marL="12700" marR="12700" marT="12700" vert="horz" anchor="ctr">
+                  <a:tcPr marL="12700" marR="12700" marT="12700" anchor="ctr">
                     <a:lnL w="12700">
                       <a:solidFill>
                         <a:schemeClr val="tx1"/>
@@ -19167,6 +19206,7 @@
                 <a:tc>
                   <a:txBody>
                     <a:bodyPr/>
+                    <a:lstStyle/>
                     <a:p>
                       <a:pPr indent="0" algn="ctr">
                         <a:buNone/>
@@ -19190,7 +19230,7 @@
                       </a:endParaRPr>
                     </a:p>
                   </a:txBody>
-                  <a:tcPr marL="12700" marR="12700" marT="12700" vert="horz" anchor="ctr">
+                  <a:tcPr marL="12700" marR="12700" marT="12700" anchor="ctr">
                     <a:lnL w="12700">
                       <a:solidFill>
                         <a:schemeClr val="tx1"/>
@@ -19231,6 +19271,7 @@
                 <a:tc>
                   <a:txBody>
                     <a:bodyPr/>
+                    <a:lstStyle/>
                     <a:p>
                       <a:pPr indent="0" algn="ctr">
                         <a:buNone/>
@@ -19254,7 +19295,7 @@
                       </a:endParaRPr>
                     </a:p>
                   </a:txBody>
-                  <a:tcPr marL="12700" marR="12700" marT="12700" vert="horz" anchor="ctr">
+                  <a:tcPr marL="12700" marR="12700" marT="12700" anchor="ctr">
                     <a:lnL w="12700">
                       <a:solidFill>
                         <a:schemeClr val="tx1"/>
@@ -19293,6 +19334,7 @@
                 <a:tc>
                   <a:txBody>
                     <a:bodyPr/>
+                    <a:lstStyle/>
                     <a:p>
                       <a:pPr indent="0" algn="ctr">
                         <a:buNone/>
@@ -19316,7 +19358,7 @@
                       </a:endParaRPr>
                     </a:p>
                   </a:txBody>
-                  <a:tcPr marL="12700" marR="12700" marT="12700" vert="horz" anchor="ctr">
+                  <a:tcPr marL="12700" marR="12700" marT="12700" anchor="ctr">
                     <a:lnL w="12700">
                       <a:solidFill>
                         <a:schemeClr val="tx1"/>
@@ -19357,6 +19399,7 @@
                 <a:tc>
                   <a:txBody>
                     <a:bodyPr/>
+                    <a:lstStyle/>
                     <a:p>
                       <a:pPr indent="0" algn="ctr">
                         <a:buNone/>
@@ -19380,7 +19423,7 @@
                       </a:endParaRPr>
                     </a:p>
                   </a:txBody>
-                  <a:tcPr marL="12700" marR="12700" marT="12700" vert="horz" anchor="ctr">
+                  <a:tcPr marL="12700" marR="12700" marT="12700" anchor="ctr">
                     <a:lnL w="12700">
                       <a:solidFill>
                         <a:schemeClr val="tx1"/>
@@ -19421,6 +19464,7 @@
                 <a:tc>
                   <a:txBody>
                     <a:bodyPr/>
+                    <a:lstStyle/>
                     <a:p>
                       <a:pPr indent="0" algn="ctr">
                         <a:buNone/>
@@ -19444,7 +19488,7 @@
                       </a:endParaRPr>
                     </a:p>
                   </a:txBody>
-                  <a:tcPr marL="12700" marR="12700" marT="12700" vert="horz" anchor="ctr">
+                  <a:tcPr marL="12700" marR="12700" marT="12700" anchor="ctr">
                     <a:lnL w="12700">
                       <a:solidFill>
                         <a:schemeClr val="tx1"/>
@@ -19483,6 +19527,7 @@
                 <a:tc>
                   <a:txBody>
                     <a:bodyPr/>
+                    <a:lstStyle/>
                     <a:p>
                       <a:pPr indent="0" algn="ctr">
                         <a:buNone/>
@@ -19506,7 +19551,7 @@
                       </a:endParaRPr>
                     </a:p>
                   </a:txBody>
-                  <a:tcPr marL="12700" marR="12700" marT="12700" vert="horz" anchor="ctr">
+                  <a:tcPr marL="12700" marR="12700" marT="12700" anchor="ctr">
                     <a:lnL w="12700">
                       <a:solidFill>
                         <a:schemeClr val="tx1"/>
@@ -19547,6 +19592,7 @@
                 <a:tc>
                   <a:txBody>
                     <a:bodyPr/>
+                    <a:lstStyle/>
                     <a:p>
                       <a:pPr indent="0" algn="ctr">
                         <a:buNone/>
@@ -19570,7 +19616,7 @@
                       </a:endParaRPr>
                     </a:p>
                   </a:txBody>
-                  <a:tcPr marL="12700" marR="12700" marT="12700" vert="horz" anchor="ctr">
+                  <a:tcPr marL="12700" marR="12700" marT="12700" anchor="ctr">
                     <a:lnL w="12700">
                       <a:solidFill>
                         <a:schemeClr val="tx1"/>
@@ -19611,6 +19657,7 @@
                 <a:tc>
                   <a:txBody>
                     <a:bodyPr/>
+                    <a:lstStyle/>
                     <a:p>
                       <a:pPr indent="0" algn="ctr">
                         <a:buNone/>
@@ -19634,7 +19681,7 @@
                       </a:endParaRPr>
                     </a:p>
                   </a:txBody>
-                  <a:tcPr marL="12700" marR="12700" marT="12700" vert="horz" anchor="ctr">
+                  <a:tcPr marL="12700" marR="12700" marT="12700" anchor="ctr">
                     <a:lnL w="12700">
                       <a:solidFill>
                         <a:schemeClr val="tx1"/>
@@ -19673,6 +19720,7 @@
                 <a:tc>
                   <a:txBody>
                     <a:bodyPr/>
+                    <a:lstStyle/>
                     <a:p>
                       <a:pPr indent="0" algn="ctr">
                         <a:buNone/>
@@ -19696,7 +19744,7 @@
                       </a:endParaRPr>
                     </a:p>
                   </a:txBody>
-                  <a:tcPr marL="12700" marR="12700" marT="12700" vert="horz" anchor="ctr">
+                  <a:tcPr marL="12700" marR="12700" marT="12700" anchor="ctr">
                     <a:lnL w="12700">
                       <a:solidFill>
                         <a:schemeClr val="tx1"/>
@@ -19737,6 +19785,7 @@
                 <a:tc>
                   <a:txBody>
                     <a:bodyPr/>
+                    <a:lstStyle/>
                     <a:p>
                       <a:pPr indent="0" algn="ctr">
                         <a:buNone/>
@@ -19760,7 +19809,7 @@
                       </a:endParaRPr>
                     </a:p>
                   </a:txBody>
-                  <a:tcPr marL="12700" marR="12700" marT="12700" vert="horz" anchor="ctr">
+                  <a:tcPr marL="12700" marR="12700" marT="12700" anchor="ctr">
                     <a:lnL w="12700">
                       <a:solidFill>
                         <a:schemeClr val="tx1"/>
@@ -19801,6 +19850,7 @@
                 <a:tc>
                   <a:txBody>
                     <a:bodyPr/>
+                    <a:lstStyle/>
                     <a:p>
                       <a:pPr indent="0" algn="ctr">
                         <a:buNone/>
@@ -19824,7 +19874,7 @@
                       </a:endParaRPr>
                     </a:p>
                   </a:txBody>
-                  <a:tcPr marL="12700" marR="12700" marT="12700" vert="horz" anchor="ctr">
+                  <a:tcPr marL="12700" marR="12700" marT="12700" anchor="ctr">
                     <a:lnL w="12700">
                       <a:solidFill>
                         <a:schemeClr val="tx1"/>
@@ -19863,6 +19913,7 @@
                 <a:tc>
                   <a:txBody>
                     <a:bodyPr/>
+                    <a:lstStyle/>
                     <a:p>
                       <a:pPr indent="0" algn="ctr">
                         <a:buNone/>
@@ -19886,7 +19937,7 @@
                       </a:endParaRPr>
                     </a:p>
                   </a:txBody>
-                  <a:tcPr marL="12700" marR="12700" marT="12700" vert="horz" anchor="ctr">
+                  <a:tcPr marL="12700" marR="12700" marT="12700" anchor="ctr">
                     <a:lnL w="12700">
                       <a:solidFill>
                         <a:schemeClr val="tx1"/>
@@ -19947,6 +19998,7 @@
           <a:bodyPr wrap="none" rtlCol="0">
             <a:spAutoFit/>
           </a:bodyPr>
+          <a:lstStyle/>
           <a:p>
             <a:r>
               <a:rPr lang="en-US" altLang="zh-CN" sz="2400" b="1">
@@ -20021,6 +20073,7 @@
         </p:style>
         <p:txBody>
           <a:bodyPr rtlCol="0" anchor="ctr"/>
+          <a:lstStyle/>
           <a:p>
             <a:pPr algn="ctr"/>
             <a:endParaRPr lang="zh-CN" altLang="en-US"/>
@@ -20076,6 +20129,7 @@
         </p:style>
         <p:txBody>
           <a:bodyPr rtlCol="0" anchor="ctr"/>
+          <a:lstStyle/>
           <a:p>
             <a:pPr algn="ctr"/>
             <a:endParaRPr lang="zh-CN" altLang="en-US"/>
@@ -20131,6 +20185,7 @@
         </p:style>
         <p:txBody>
           <a:bodyPr rtlCol="0" anchor="ctr"/>
+          <a:lstStyle/>
           <a:p>
             <a:pPr algn="ctr"/>
             <a:endParaRPr lang="zh-CN" altLang="en-US"/>
@@ -20157,6 +20212,7 @@
           <a:bodyPr wrap="none" rtlCol="0">
             <a:spAutoFit/>
           </a:bodyPr>
+          <a:lstStyle/>
           <a:p>
             <a:r>
               <a:rPr lang="en-US" altLang="zh-CN" sz="2400" b="1">
@@ -20202,6 +20258,7 @@
           <a:bodyPr wrap="none" rtlCol="0">
             <a:spAutoFit/>
           </a:bodyPr>
+          <a:lstStyle/>
           <a:p>
             <a:r>
               <a:rPr lang="en-US" altLang="zh-CN"/>
@@ -20242,6 +20299,7 @@
         </p:style>
         <p:txBody>
           <a:bodyPr rtlCol="0" anchor="ctr"/>
+          <a:lstStyle/>
           <a:p>
             <a:pPr algn="ctr"/>
             <a:endParaRPr lang="zh-CN" altLang="en-US"/>
@@ -20284,6 +20342,7 @@
           <a:bodyPr vertOverflow="overflow" horzOverflow="overflow" vert="horz" wrap="square" numCol="1" spcCol="0" rtlCol="0" fromWordArt="0" anchor="ctr" anchorCtr="0" forceAA="0" compatLnSpc="1">
             <a:noAutofit/>
           </a:bodyPr>
+          <a:lstStyle/>
           <a:p>
             <a:pPr lvl="0" algn="ctr">
               <a:buClrTx/>
@@ -20316,6 +20375,7 @@
           <a:bodyPr wrap="none" rtlCol="0">
             <a:spAutoFit/>
           </a:bodyPr>
+          <a:lstStyle/>
           <a:p>
             <a:r>
               <a:rPr lang="en-US" altLang="zh-CN"/>
@@ -20674,12 +20734,12 @@
     </p:tnLst>
     <p:bldLst>
       <p:bldP spid="11" grpId="0" animBg="1"/>
+      <p:bldP spid="11" grpId="1" animBg="1"/>
       <p:bldP spid="12" grpId="0" animBg="1"/>
+      <p:bldP spid="12" grpId="1" animBg="1"/>
       <p:bldP spid="13" grpId="0" animBg="1"/>
+      <p:bldP spid="13" grpId="1" animBg="1"/>
       <p:bldP spid="14" grpId="0"/>
-      <p:bldP spid="11" grpId="1" animBg="1"/>
-      <p:bldP spid="12" grpId="1" animBg="1"/>
-      <p:bldP spid="13" grpId="1" animBg="1"/>
       <p:bldP spid="14" grpId="1"/>
     </p:bldLst>
   </p:timing>
@@ -21614,7 +21674,14 @@
         <p:cNvGrpSpPr/>
         <p:nvPr/>
       </p:nvGrpSpPr>
-      <p:grpSpPr/>
+      <p:grpSpPr>
+        <a:xfrm>
+          <a:off x="0" y="0"/>
+          <a:ext cx="0" cy="0"/>
+          <a:chOff x="0" y="0"/>
+          <a:chExt cx="0" cy="0"/>
+        </a:xfrm>
+      </p:grpSpPr>
       <p:graphicFrame>
         <p:nvGraphicFramePr>
           <p:cNvPr id="2" name="表格 1"/>
@@ -21642,6 +21709,7 @@
                 <a:tc>
                   <a:txBody>
                     <a:bodyPr/>
+                    <a:lstStyle/>
                     <a:p>
                       <a:pPr>
                         <a:buNone/>
@@ -21649,11 +21717,12 @@
                       <a:endParaRPr lang="zh-CN" altLang="en-US"/>
                     </a:p>
                   </a:txBody>
-                  <a:tcPr anchor="ctr" anchorCtr="0"/>
+                  <a:tcPr anchor="ctr"/>
                 </a:tc>
                 <a:tc>
                   <a:txBody>
                     <a:bodyPr/>
+                    <a:lstStyle/>
                     <a:p>
                       <a:pPr>
                         <a:buNone/>
@@ -21665,11 +21734,12 @@
                       <a:endParaRPr lang="en-US" altLang="zh-CN"/>
                     </a:p>
                   </a:txBody>
-                  <a:tcPr anchor="ctr" anchorCtr="0"/>
+                  <a:tcPr anchor="ctr"/>
                 </a:tc>
                 <a:tc>
                   <a:txBody>
                     <a:bodyPr/>
+                    <a:lstStyle/>
                     <a:p>
                       <a:pPr>
                         <a:buNone/>
@@ -21681,11 +21751,12 @@
                       <a:endParaRPr lang="en-US" altLang="zh-CN"/>
                     </a:p>
                   </a:txBody>
-                  <a:tcPr anchor="ctr" anchorCtr="0"/>
+                  <a:tcPr anchor="ctr"/>
                 </a:tc>
                 <a:tc>
                   <a:txBody>
                     <a:bodyPr/>
+                    <a:lstStyle/>
                     <a:p>
                       <a:pPr>
                         <a:buNone/>
@@ -21697,11 +21768,12 @@
                       <a:endParaRPr lang="en-US" altLang="zh-CN"/>
                     </a:p>
                   </a:txBody>
-                  <a:tcPr anchor="ctr" anchorCtr="0"/>
+                  <a:tcPr anchor="ctr"/>
                 </a:tc>
                 <a:tc>
                   <a:txBody>
                     <a:bodyPr/>
+                    <a:lstStyle/>
                     <a:p>
                       <a:pPr>
                         <a:buNone/>
@@ -21713,13 +21785,14 @@
                       <a:endParaRPr lang="en-US" altLang="zh-CN"/>
                     </a:p>
                   </a:txBody>
-                  <a:tcPr anchor="ctr" anchorCtr="0"/>
+                  <a:tcPr anchor="ctr"/>
                 </a:tc>
               </a:tr>
               <a:tr h="465455">
                 <a:tc>
                   <a:txBody>
                     <a:bodyPr/>
+                    <a:lstStyle/>
                     <a:p>
                       <a:pPr>
                         <a:buNone/>
@@ -21731,11 +21804,12 @@
                       <a:endParaRPr lang="en-US" altLang="zh-CN"/>
                     </a:p>
                   </a:txBody>
-                  <a:tcPr anchor="ctr" anchorCtr="0"/>
+                  <a:tcPr anchor="ctr"/>
                 </a:tc>
                 <a:tc>
                   <a:txBody>
                     <a:bodyPr/>
+                    <a:lstStyle/>
                     <a:p>
                       <a:pPr>
                         <a:buNone/>
@@ -21747,11 +21821,12 @@
                       <a:endParaRPr lang="en-US" altLang="zh-CN"/>
                     </a:p>
                   </a:txBody>
-                  <a:tcPr anchor="ctr" anchorCtr="0"/>
+                  <a:tcPr anchor="ctr"/>
                 </a:tc>
                 <a:tc>
                   <a:txBody>
                     <a:bodyPr/>
+                    <a:lstStyle/>
                     <a:p>
                       <a:pPr>
                         <a:buNone/>
@@ -21763,11 +21838,12 @@
                       <a:endParaRPr lang="en-US" altLang="zh-CN"/>
                     </a:p>
                   </a:txBody>
-                  <a:tcPr anchor="ctr" anchorCtr="0"/>
+                  <a:tcPr anchor="ctr"/>
                 </a:tc>
                 <a:tc>
                   <a:txBody>
                     <a:bodyPr/>
+                    <a:lstStyle/>
                     <a:p>
                       <a:pPr>
                         <a:buNone/>
@@ -21779,11 +21855,12 @@
                       <a:endParaRPr lang="en-US" altLang="zh-CN"/>
                     </a:p>
                   </a:txBody>
-                  <a:tcPr anchor="ctr" anchorCtr="0"/>
+                  <a:tcPr anchor="ctr"/>
                 </a:tc>
                 <a:tc>
                   <a:txBody>
                     <a:bodyPr/>
+                    <a:lstStyle/>
                     <a:p>
                       <a:pPr>
                         <a:buNone/>
@@ -21795,13 +21872,14 @@
                       <a:endParaRPr lang="en-US" altLang="zh-CN"/>
                     </a:p>
                   </a:txBody>
-                  <a:tcPr anchor="ctr" anchorCtr="0"/>
+                  <a:tcPr anchor="ctr"/>
                 </a:tc>
               </a:tr>
               <a:tr h="465455">
                 <a:tc>
                   <a:txBody>
                     <a:bodyPr/>
+                    <a:lstStyle/>
                     <a:p>
                       <a:pPr>
                         <a:buNone/>
@@ -21813,11 +21891,12 @@
                       <a:endParaRPr lang="en-US" altLang="zh-CN"/>
                     </a:p>
                   </a:txBody>
-                  <a:tcPr anchor="ctr" anchorCtr="0"/>
+                  <a:tcPr anchor="ctr"/>
                 </a:tc>
                 <a:tc>
                   <a:txBody>
                     <a:bodyPr/>
+                    <a:lstStyle/>
                     <a:p>
                       <a:pPr>
                         <a:buNone/>
@@ -21829,11 +21908,12 @@
                       <a:endParaRPr lang="en-US" altLang="zh-CN"/>
                     </a:p>
                   </a:txBody>
-                  <a:tcPr anchor="ctr" anchorCtr="0"/>
+                  <a:tcPr anchor="ctr"/>
                 </a:tc>
                 <a:tc>
                   <a:txBody>
                     <a:bodyPr/>
+                    <a:lstStyle/>
                     <a:p>
                       <a:pPr>
                         <a:buNone/>
@@ -21845,11 +21925,12 @@
                       <a:endParaRPr lang="en-US" altLang="zh-CN"/>
                     </a:p>
                   </a:txBody>
-                  <a:tcPr anchor="ctr" anchorCtr="0"/>
+                  <a:tcPr anchor="ctr"/>
                 </a:tc>
                 <a:tc>
                   <a:txBody>
                     <a:bodyPr/>
+                    <a:lstStyle/>
                     <a:p>
                       <a:pPr>
                         <a:buNone/>
@@ -21861,11 +21942,12 @@
                       <a:endParaRPr lang="en-US" altLang="zh-CN"/>
                     </a:p>
                   </a:txBody>
-                  <a:tcPr anchor="ctr" anchorCtr="0"/>
+                  <a:tcPr anchor="ctr"/>
                 </a:tc>
                 <a:tc>
                   <a:txBody>
                     <a:bodyPr/>
+                    <a:lstStyle/>
                     <a:p>
                       <a:pPr>
                         <a:buNone/>
@@ -21877,13 +21959,14 @@
                       <a:endParaRPr lang="en-US" altLang="zh-CN"/>
                     </a:p>
                   </a:txBody>
-                  <a:tcPr anchor="ctr" anchorCtr="0"/>
+                  <a:tcPr anchor="ctr"/>
                 </a:tc>
               </a:tr>
               <a:tr h="465455">
                 <a:tc>
                   <a:txBody>
                     <a:bodyPr/>
+                    <a:lstStyle/>
                     <a:p>
                       <a:pPr>
                         <a:buNone/>
@@ -21895,11 +21978,12 @@
                       <a:endParaRPr lang="en-US" altLang="zh-CN"/>
                     </a:p>
                   </a:txBody>
-                  <a:tcPr anchor="ctr" anchorCtr="0"/>
+                  <a:tcPr anchor="ctr"/>
                 </a:tc>
                 <a:tc>
                   <a:txBody>
                     <a:bodyPr/>
+                    <a:lstStyle/>
                     <a:p>
                       <a:pPr>
                         <a:buNone/>
@@ -21911,11 +21995,12 @@
                       <a:endParaRPr lang="en-US" altLang="zh-CN"/>
                     </a:p>
                   </a:txBody>
-                  <a:tcPr anchor="ctr" anchorCtr="0"/>
+                  <a:tcPr anchor="ctr"/>
                 </a:tc>
                 <a:tc>
                   <a:txBody>
                     <a:bodyPr/>
+                    <a:lstStyle/>
                     <a:p>
                       <a:pPr>
                         <a:buNone/>
@@ -21927,11 +22012,12 @@
                       <a:endParaRPr lang="en-US" altLang="zh-CN"/>
                     </a:p>
                   </a:txBody>
-                  <a:tcPr anchor="ctr" anchorCtr="0"/>
+                  <a:tcPr anchor="ctr"/>
                 </a:tc>
                 <a:tc>
                   <a:txBody>
                     <a:bodyPr/>
+                    <a:lstStyle/>
                     <a:p>
                       <a:pPr>
                         <a:buNone/>
@@ -21943,11 +22029,12 @@
                       <a:endParaRPr lang="en-US" altLang="zh-CN"/>
                     </a:p>
                   </a:txBody>
-                  <a:tcPr anchor="ctr" anchorCtr="0"/>
+                  <a:tcPr anchor="ctr"/>
                 </a:tc>
                 <a:tc>
                   <a:txBody>
                     <a:bodyPr/>
+                    <a:lstStyle/>
                     <a:p>
                       <a:pPr>
                         <a:buNone/>
@@ -21959,7 +22046,7 @@
                       <a:endParaRPr lang="en-US" altLang="zh-CN"/>
                     </a:p>
                   </a:txBody>
-                  <a:tcPr anchor="ctr" anchorCtr="0"/>
+                  <a:tcPr anchor="ctr"/>
                 </a:tc>
               </a:tr>
             </a:tbl>
@@ -21974,7 +22061,7 @@
         </p:nvGraphicFramePr>
         <p:xfrm>
           <a:off x="983615" y="4937125"/>
-          <a:ext cx="4787900" cy="1861820"/>
+          <a:ext cx="4787900" cy="930910"/>
         </p:xfrm>
         <a:graphic>
           <a:graphicData uri="http://schemas.openxmlformats.org/drawingml/2006/table">
@@ -21993,6 +22080,7 @@
                 <a:tc rowSpan="2">
                   <a:txBody>
                     <a:bodyPr/>
+                    <a:lstStyle/>
                     <a:p>
                       <a:pPr algn="ctr">
                         <a:buNone/>
@@ -22016,7 +22104,7 @@
                       </a:endParaRPr>
                     </a:p>
                   </a:txBody>
-                  <a:tcPr anchor="ctr" anchorCtr="0">
+                  <a:tcPr anchor="ctr">
                     <a:solidFill>
                       <a:schemeClr val="bg1"/>
                     </a:solidFill>
@@ -22025,6 +22113,7 @@
                 <a:tc>
                   <a:txBody>
                     <a:bodyPr/>
+                    <a:lstStyle/>
                     <a:p>
                       <a:pPr>
                         <a:buNone/>
@@ -22036,11 +22125,12 @@
                       <a:endParaRPr lang="en-US" altLang="zh-CN"/>
                     </a:p>
                   </a:txBody>
-                  <a:tcPr anchor="ctr" anchorCtr="0"/>
+                  <a:tcPr anchor="ctr"/>
                 </a:tc>
                 <a:tc>
                   <a:txBody>
                     <a:bodyPr/>
+                    <a:lstStyle/>
                     <a:p>
                       <a:pPr>
                         <a:buNone/>
@@ -22052,11 +22142,12 @@
                       <a:endParaRPr lang="en-US" altLang="zh-CN"/>
                     </a:p>
                   </a:txBody>
-                  <a:tcPr anchor="ctr" anchorCtr="0"/>
+                  <a:tcPr anchor="ctr"/>
                 </a:tc>
                 <a:tc>
                   <a:txBody>
                     <a:bodyPr/>
+                    <a:lstStyle/>
                     <a:p>
                       <a:pPr>
                         <a:buNone/>
@@ -22068,11 +22159,12 @@
                       <a:endParaRPr lang="en-US" altLang="zh-CN"/>
                     </a:p>
                   </a:txBody>
-                  <a:tcPr anchor="ctr" anchorCtr="0"/>
+                  <a:tcPr anchor="ctr"/>
                 </a:tc>
                 <a:tc>
                   <a:txBody>
                     <a:bodyPr/>
+                    <a:lstStyle/>
                     <a:p>
                       <a:pPr>
                         <a:buNone/>
@@ -22084,16 +22176,17 @@
                       <a:endParaRPr lang="en-US" altLang="zh-CN"/>
                     </a:p>
                   </a:txBody>
-                  <a:tcPr anchor="ctr" anchorCtr="0"/>
+                  <a:tcPr anchor="ctr"/>
                 </a:tc>
               </a:tr>
               <a:tr h="465455">
                 <a:tc vMerge="1">
-                  <a:tcPr anchor="ctr" anchorCtr="0"/>
+                  <a:tcPr anchor="ctr"/>
                 </a:tc>
                 <a:tc>
                   <a:txBody>
                     <a:bodyPr/>
+                    <a:lstStyle/>
                     <a:p>
                       <a:pPr>
                         <a:buNone/>
@@ -22105,11 +22198,12 @@
                       <a:endParaRPr lang="en-US" altLang="zh-CN"/>
                     </a:p>
                   </a:txBody>
-                  <a:tcPr anchor="ctr" anchorCtr="0"/>
+                  <a:tcPr anchor="ctr"/>
                 </a:tc>
                 <a:tc>
                   <a:txBody>
                     <a:bodyPr/>
+                    <a:lstStyle/>
                     <a:p>
                       <a:pPr>
                         <a:buNone/>
@@ -22121,11 +22215,12 @@
                       <a:endParaRPr lang="en-US" altLang="zh-CN"/>
                     </a:p>
                   </a:txBody>
-                  <a:tcPr anchor="ctr" anchorCtr="0"/>
+                  <a:tcPr anchor="ctr"/>
                 </a:tc>
                 <a:tc>
                   <a:txBody>
                     <a:bodyPr/>
+                    <a:lstStyle/>
                     <a:p>
                       <a:pPr>
                         <a:buNone/>
@@ -22137,11 +22232,12 @@
                       <a:endParaRPr lang="en-US" altLang="zh-CN"/>
                     </a:p>
                   </a:txBody>
-                  <a:tcPr anchor="ctr" anchorCtr="0"/>
+                  <a:tcPr anchor="ctr"/>
                 </a:tc>
                 <a:tc>
                   <a:txBody>
                     <a:bodyPr/>
+                    <a:lstStyle/>
                     <a:p>
                       <a:pPr>
                         <a:buNone/>
@@ -22153,7 +22249,7 @@
                       <a:endParaRPr lang="en-US" altLang="zh-CN"/>
                     </a:p>
                   </a:txBody>
-                  <a:tcPr anchor="ctr" anchorCtr="0"/>
+                  <a:tcPr anchor="ctr"/>
                 </a:tc>
               </a:tr>
             </a:tbl>
@@ -22180,6 +22276,7 @@
           <a:bodyPr wrap="none" rtlCol="0">
             <a:spAutoFit/>
           </a:bodyPr>
+          <a:lstStyle/>
           <a:p>
             <a:pPr algn="l"/>
             <a:r>
@@ -22249,6 +22346,7 @@
           <a:bodyPr wrap="none" rtlCol="0">
             <a:spAutoFit/>
           </a:bodyPr>
+          <a:lstStyle/>
           <a:p>
             <a:r>
               <a:rPr lang="en-US" altLang="zh-CN"/>
@@ -22516,7 +22614,14 @@
         <p:cNvGrpSpPr/>
         <p:nvPr/>
       </p:nvGrpSpPr>
-      <p:grpSpPr/>
+      <p:grpSpPr>
+        <a:xfrm>
+          <a:off x="0" y="0"/>
+          <a:ext cx="0" cy="0"/>
+          <a:chOff x="0" y="0"/>
+          <a:chExt cx="0" cy="0"/>
+        </a:xfrm>
+      </p:grpSpPr>
       <p:graphicFrame>
         <p:nvGraphicFramePr>
           <p:cNvPr id="2" name="表格 1"/>
@@ -22544,6 +22649,7 @@
                 <a:tc>
                   <a:txBody>
                     <a:bodyPr/>
+                    <a:lstStyle/>
                     <a:p>
                       <a:pPr>
                         <a:buNone/>
@@ -22551,11 +22657,12 @@
                       <a:endParaRPr lang="zh-CN" altLang="en-US"/>
                     </a:p>
                   </a:txBody>
-                  <a:tcPr anchor="ctr" anchorCtr="0"/>
+                  <a:tcPr anchor="ctr"/>
                 </a:tc>
                 <a:tc>
                   <a:txBody>
                     <a:bodyPr/>
+                    <a:lstStyle/>
                     <a:p>
                       <a:pPr>
                         <a:buNone/>
@@ -22567,11 +22674,12 @@
                       <a:endParaRPr lang="en-US" altLang="zh-CN"/>
                     </a:p>
                   </a:txBody>
-                  <a:tcPr anchor="ctr" anchorCtr="0"/>
+                  <a:tcPr anchor="ctr"/>
                 </a:tc>
                 <a:tc>
                   <a:txBody>
                     <a:bodyPr/>
+                    <a:lstStyle/>
                     <a:p>
                       <a:pPr>
                         <a:buNone/>
@@ -22583,11 +22691,12 @@
                       <a:endParaRPr lang="en-US" altLang="zh-CN"/>
                     </a:p>
                   </a:txBody>
-                  <a:tcPr anchor="ctr" anchorCtr="0"/>
+                  <a:tcPr anchor="ctr"/>
                 </a:tc>
                 <a:tc>
                   <a:txBody>
                     <a:bodyPr/>
+                    <a:lstStyle/>
                     <a:p>
                       <a:pPr>
                         <a:buNone/>
@@ -22599,11 +22708,12 @@
                       <a:endParaRPr lang="en-US" altLang="zh-CN"/>
                     </a:p>
                   </a:txBody>
-                  <a:tcPr anchor="ctr" anchorCtr="0"/>
+                  <a:tcPr anchor="ctr"/>
                 </a:tc>
                 <a:tc>
                   <a:txBody>
                     <a:bodyPr/>
+                    <a:lstStyle/>
                     <a:p>
                       <a:pPr>
                         <a:buNone/>
@@ -22615,13 +22725,14 @@
                       <a:endParaRPr lang="en-US" altLang="zh-CN"/>
                     </a:p>
                   </a:txBody>
-                  <a:tcPr anchor="ctr" anchorCtr="0"/>
+                  <a:tcPr anchor="ctr"/>
                 </a:tc>
               </a:tr>
               <a:tr h="465455">
                 <a:tc>
                   <a:txBody>
                     <a:bodyPr/>
+                    <a:lstStyle/>
                     <a:p>
                       <a:pPr>
                         <a:buNone/>
@@ -22633,11 +22744,12 @@
                       <a:endParaRPr lang="en-US" altLang="zh-CN"/>
                     </a:p>
                   </a:txBody>
-                  <a:tcPr anchor="ctr" anchorCtr="0"/>
+                  <a:tcPr anchor="ctr"/>
                 </a:tc>
                 <a:tc>
                   <a:txBody>
                     <a:bodyPr/>
+                    <a:lstStyle/>
                     <a:p>
                       <a:pPr>
                         <a:buNone/>
@@ -22649,11 +22761,12 @@
                       <a:endParaRPr lang="en-US" altLang="zh-CN"/>
                     </a:p>
                   </a:txBody>
-                  <a:tcPr anchor="ctr" anchorCtr="0"/>
+                  <a:tcPr anchor="ctr"/>
                 </a:tc>
                 <a:tc>
                   <a:txBody>
                     <a:bodyPr/>
+                    <a:lstStyle/>
                     <a:p>
                       <a:pPr>
                         <a:buNone/>
@@ -22665,11 +22778,12 @@
                       <a:endParaRPr lang="en-US" altLang="zh-CN"/>
                     </a:p>
                   </a:txBody>
-                  <a:tcPr anchor="ctr" anchorCtr="0"/>
+                  <a:tcPr anchor="ctr"/>
                 </a:tc>
                 <a:tc>
                   <a:txBody>
                     <a:bodyPr/>
+                    <a:lstStyle/>
                     <a:p>
                       <a:pPr>
                         <a:buNone/>
@@ -22681,11 +22795,12 @@
                       <a:endParaRPr lang="en-US" altLang="zh-CN"/>
                     </a:p>
                   </a:txBody>
-                  <a:tcPr anchor="ctr" anchorCtr="0"/>
+                  <a:tcPr anchor="ctr"/>
                 </a:tc>
                 <a:tc>
                   <a:txBody>
                     <a:bodyPr/>
+                    <a:lstStyle/>
                     <a:p>
                       <a:pPr>
                         <a:buNone/>
@@ -22697,13 +22812,14 @@
                       <a:endParaRPr lang="en-US" altLang="zh-CN"/>
                     </a:p>
                   </a:txBody>
-                  <a:tcPr anchor="ctr" anchorCtr="0"/>
+                  <a:tcPr anchor="ctr"/>
                 </a:tc>
               </a:tr>
               <a:tr h="465455">
                 <a:tc>
                   <a:txBody>
                     <a:bodyPr/>
+                    <a:lstStyle/>
                     <a:p>
                       <a:pPr>
                         <a:buNone/>
@@ -22715,11 +22831,12 @@
                       <a:endParaRPr lang="en-US" altLang="zh-CN"/>
                     </a:p>
                   </a:txBody>
-                  <a:tcPr anchor="ctr" anchorCtr="0"/>
+                  <a:tcPr anchor="ctr"/>
                 </a:tc>
                 <a:tc>
                   <a:txBody>
                     <a:bodyPr/>
+                    <a:lstStyle/>
                     <a:p>
                       <a:pPr>
                         <a:buNone/>
@@ -22731,11 +22848,12 @@
                       <a:endParaRPr lang="en-US" altLang="zh-CN"/>
                     </a:p>
                   </a:txBody>
-                  <a:tcPr anchor="ctr" anchorCtr="0"/>
+                  <a:tcPr anchor="ctr"/>
                 </a:tc>
                 <a:tc>
                   <a:txBody>
                     <a:bodyPr/>
+                    <a:lstStyle/>
                     <a:p>
                       <a:pPr>
                         <a:buNone/>
@@ -22747,11 +22865,12 @@
                       <a:endParaRPr lang="en-US" altLang="zh-CN"/>
                     </a:p>
                   </a:txBody>
-                  <a:tcPr anchor="ctr" anchorCtr="0"/>
+                  <a:tcPr anchor="ctr"/>
                 </a:tc>
                 <a:tc>
                   <a:txBody>
                     <a:bodyPr/>
+                    <a:lstStyle/>
                     <a:p>
                       <a:pPr>
                         <a:buNone/>
@@ -22763,11 +22882,12 @@
                       <a:endParaRPr lang="en-US" altLang="zh-CN"/>
                     </a:p>
                   </a:txBody>
-                  <a:tcPr anchor="ctr" anchorCtr="0"/>
+                  <a:tcPr anchor="ctr"/>
                 </a:tc>
                 <a:tc>
                   <a:txBody>
                     <a:bodyPr/>
+                    <a:lstStyle/>
                     <a:p>
                       <a:pPr>
                         <a:buNone/>
@@ -22779,13 +22899,14 @@
                       <a:endParaRPr lang="en-US" altLang="zh-CN"/>
                     </a:p>
                   </a:txBody>
-                  <a:tcPr anchor="ctr" anchorCtr="0"/>
+                  <a:tcPr anchor="ctr"/>
                 </a:tc>
               </a:tr>
               <a:tr h="465455">
                 <a:tc>
                   <a:txBody>
                     <a:bodyPr/>
+                    <a:lstStyle/>
                     <a:p>
                       <a:pPr>
                         <a:buNone/>
@@ -22797,11 +22918,12 @@
                       <a:endParaRPr lang="en-US" altLang="zh-CN"/>
                     </a:p>
                   </a:txBody>
-                  <a:tcPr anchor="ctr" anchorCtr="0"/>
+                  <a:tcPr anchor="ctr"/>
                 </a:tc>
                 <a:tc>
                   <a:txBody>
                     <a:bodyPr/>
+                    <a:lstStyle/>
                     <a:p>
                       <a:pPr>
                         <a:buNone/>
@@ -22813,11 +22935,12 @@
                       <a:endParaRPr lang="en-US" altLang="zh-CN"/>
                     </a:p>
                   </a:txBody>
-                  <a:tcPr anchor="ctr" anchorCtr="0"/>
+                  <a:tcPr anchor="ctr"/>
                 </a:tc>
                 <a:tc>
                   <a:txBody>
                     <a:bodyPr/>
+                    <a:lstStyle/>
                     <a:p>
                       <a:pPr>
                         <a:buNone/>
@@ -22829,11 +22952,12 @@
                       <a:endParaRPr lang="en-US" altLang="zh-CN"/>
                     </a:p>
                   </a:txBody>
-                  <a:tcPr anchor="ctr" anchorCtr="0"/>
+                  <a:tcPr anchor="ctr"/>
                 </a:tc>
                 <a:tc>
                   <a:txBody>
                     <a:bodyPr/>
+                    <a:lstStyle/>
                     <a:p>
                       <a:pPr>
                         <a:buNone/>
@@ -22845,11 +22969,12 @@
                       <a:endParaRPr lang="en-US" altLang="zh-CN"/>
                     </a:p>
                   </a:txBody>
-                  <a:tcPr anchor="ctr" anchorCtr="0"/>
+                  <a:tcPr anchor="ctr"/>
                 </a:tc>
                 <a:tc>
                   <a:txBody>
                     <a:bodyPr/>
+                    <a:lstStyle/>
                     <a:p>
                       <a:pPr>
                         <a:buNone/>
@@ -22861,7 +22986,7 @@
                       <a:endParaRPr lang="en-US" altLang="zh-CN"/>
                     </a:p>
                   </a:txBody>
-                  <a:tcPr anchor="ctr" anchorCtr="0"/>
+                  <a:tcPr anchor="ctr"/>
                 </a:tc>
               </a:tr>
             </a:tbl>
@@ -22888,6 +23013,7 @@
           <a:bodyPr wrap="none" rtlCol="0">
             <a:spAutoFit/>
           </a:bodyPr>
+          <a:lstStyle/>
           <a:p>
             <a:r>
               <a:rPr lang="en-US" altLang="zh-CN">
@@ -22985,6 +23111,7 @@
                 <a:tc gridSpan="2">
                   <a:txBody>
                     <a:bodyPr/>
+                    <a:lstStyle/>
                     <a:p>
                       <a:pPr algn="ctr">
                         <a:buNone/>
@@ -23004,20 +23131,21 @@
                       </a:endParaRPr>
                     </a:p>
                   </a:txBody>
-                  <a:tcPr anchor="ctr" anchorCtr="0">
+                  <a:tcPr anchor="ctr">
                     <a:solidFill>
                       <a:schemeClr val="bg1"/>
                     </a:solidFill>
                   </a:tcPr>
                 </a:tc>
                 <a:tc hMerge="1">
-                  <a:tcPr anchor="ctr" anchorCtr="0"/>
+                  <a:tcPr anchor="ctr"/>
                 </a:tc>
               </a:tr>
               <a:tr h="465455">
                 <a:tc>
                   <a:txBody>
                     <a:bodyPr/>
+                    <a:lstStyle/>
                     <a:p>
                       <a:pPr>
                         <a:buNone/>
@@ -23029,11 +23157,12 @@
                       <a:endParaRPr lang="en-US" altLang="zh-CN"/>
                     </a:p>
                   </a:txBody>
-                  <a:tcPr anchor="ctr" anchorCtr="0"/>
+                  <a:tcPr anchor="ctr"/>
                 </a:tc>
                 <a:tc>
                   <a:txBody>
                     <a:bodyPr/>
+                    <a:lstStyle/>
                     <a:p>
                       <a:pPr>
                         <a:buNone/>
@@ -23045,13 +23174,14 @@
                       <a:endParaRPr lang="en-US" altLang="zh-CN"/>
                     </a:p>
                   </a:txBody>
-                  <a:tcPr anchor="ctr" anchorCtr="0"/>
+                  <a:tcPr anchor="ctr"/>
                 </a:tc>
               </a:tr>
               <a:tr h="465455">
                 <a:tc>
                   <a:txBody>
                     <a:bodyPr/>
+                    <a:lstStyle/>
                     <a:p>
                       <a:pPr>
                         <a:buNone/>
@@ -23063,11 +23193,12 @@
                       <a:endParaRPr lang="en-US" altLang="zh-CN"/>
                     </a:p>
                   </a:txBody>
-                  <a:tcPr anchor="ctr" anchorCtr="0"/>
+                  <a:tcPr anchor="ctr"/>
                 </a:tc>
                 <a:tc>
                   <a:txBody>
                     <a:bodyPr/>
+                    <a:lstStyle/>
                     <a:p>
                       <a:pPr>
                         <a:buNone/>
@@ -23079,13 +23210,14 @@
                       <a:endParaRPr lang="en-US" altLang="zh-CN"/>
                     </a:p>
                   </a:txBody>
-                  <a:tcPr anchor="ctr" anchorCtr="0"/>
+                  <a:tcPr anchor="ctr"/>
                 </a:tc>
               </a:tr>
               <a:tr h="465455">
                 <a:tc>
                   <a:txBody>
                     <a:bodyPr/>
+                    <a:lstStyle/>
                     <a:p>
                       <a:pPr>
                         <a:buNone/>
@@ -23097,11 +23229,12 @@
                       <a:endParaRPr lang="en-US" altLang="zh-CN"/>
                     </a:p>
                   </a:txBody>
-                  <a:tcPr anchor="ctr" anchorCtr="0"/>
+                  <a:tcPr anchor="ctr"/>
                 </a:tc>
                 <a:tc>
                   <a:txBody>
                     <a:bodyPr/>
+                    <a:lstStyle/>
                     <a:p>
                       <a:pPr>
                         <a:buNone/>
@@ -23113,7 +23246,7 @@
                       <a:endParaRPr lang="en-US" altLang="zh-CN"/>
                     </a:p>
                   </a:txBody>
-                  <a:tcPr anchor="ctr" anchorCtr="0"/>
+                  <a:tcPr anchor="ctr"/>
                 </a:tc>
               </a:tr>
             </a:tbl>
@@ -23993,6 +24126,7 @@
           <a:bodyPr wrap="none" rtlCol="0">
             <a:spAutoFit/>
           </a:bodyPr>
+          <a:lstStyle/>
           <a:p>
             <a:pPr algn="dist"/>
             <a:r>
@@ -24582,7 +24716,14 @@
         <p:cNvGrpSpPr/>
         <p:nvPr/>
       </p:nvGrpSpPr>
-      <p:grpSpPr/>
+      <p:grpSpPr>
+        <a:xfrm>
+          <a:off x="0" y="0"/>
+          <a:ext cx="0" cy="0"/>
+          <a:chOff x="0" y="0"/>
+          <a:chExt cx="0" cy="0"/>
+        </a:xfrm>
+      </p:grpSpPr>
       <p:sp>
         <p:nvSpPr>
           <p:cNvPr id="2" name="标题 1"/>
@@ -24606,6 +24747,7 @@
           <a:bodyPr anchor="ctr" anchorCtr="0">
             <a:noAutofit/>
           </a:bodyPr>
+          <a:lstStyle/>
           <a:p>
             <a:pPr algn="ctr">
               <a:lnSpc>
@@ -24683,7 +24825,14 @@
         <p:cNvGrpSpPr/>
         <p:nvPr/>
       </p:nvGrpSpPr>
-      <p:grpSpPr/>
+      <p:grpSpPr>
+        <a:xfrm>
+          <a:off x="0" y="0"/>
+          <a:ext cx="0" cy="0"/>
+          <a:chOff x="0" y="0"/>
+          <a:chExt cx="0" cy="0"/>
+        </a:xfrm>
+      </p:grpSpPr>
       <p:sp>
         <p:nvSpPr>
           <p:cNvPr id="2" name="标题 1"/>
@@ -24707,6 +24856,7 @@
           <a:bodyPr anchor="ctr" anchorCtr="0">
             <a:noAutofit/>
           </a:bodyPr>
+          <a:lstStyle/>
           <a:p>
             <a:pPr algn="ctr">
               <a:lnSpc>
@@ -24775,7 +24925,14 @@
         <p:cNvGrpSpPr/>
         <p:nvPr/>
       </p:nvGrpSpPr>
-      <p:grpSpPr/>
+      <p:grpSpPr>
+        <a:xfrm>
+          <a:off x="0" y="0"/>
+          <a:ext cx="0" cy="0"/>
+          <a:chOff x="0" y="0"/>
+          <a:chExt cx="0" cy="0"/>
+        </a:xfrm>
+      </p:grpSpPr>
       <p:sp>
         <p:nvSpPr>
           <p:cNvPr id="2" name="标题 1"/>
@@ -24799,6 +24956,7 @@
           <a:bodyPr anchor="ctr" anchorCtr="0">
             <a:noAutofit/>
           </a:bodyPr>
+          <a:lstStyle/>
           <a:p>
             <a:pPr algn="ctr">
               <a:lnSpc>
@@ -24863,7 +25021,14 @@
         <p:cNvGrpSpPr/>
         <p:nvPr/>
       </p:nvGrpSpPr>
-      <p:grpSpPr/>
+      <p:grpSpPr>
+        <a:xfrm>
+          <a:off x="0" y="0"/>
+          <a:ext cx="0" cy="0"/>
+          <a:chOff x="0" y="0"/>
+          <a:chExt cx="0" cy="0"/>
+        </a:xfrm>
+      </p:grpSpPr>
       <p:sp>
         <p:nvSpPr>
           <p:cNvPr id="2" name="标题 1"/>
@@ -24887,6 +25052,7 @@
           <a:bodyPr anchor="ctr" anchorCtr="0">
             <a:noAutofit/>
           </a:bodyPr>
+          <a:lstStyle/>
           <a:p>
             <a:pPr algn="ctr">
               <a:lnSpc>
@@ -24951,7 +25117,14 @@
         <p:cNvGrpSpPr/>
         <p:nvPr/>
       </p:nvGrpSpPr>
-      <p:grpSpPr/>
+      <p:grpSpPr>
+        <a:xfrm>
+          <a:off x="0" y="0"/>
+          <a:ext cx="0" cy="0"/>
+          <a:chOff x="0" y="0"/>
+          <a:chExt cx="0" cy="0"/>
+        </a:xfrm>
+      </p:grpSpPr>
       <p:sp>
         <p:nvSpPr>
           <p:cNvPr id="2" name="标题 1"/>
@@ -24975,6 +25148,7 @@
           <a:bodyPr anchor="ctr" anchorCtr="0">
             <a:noAutofit/>
           </a:bodyPr>
+          <a:lstStyle/>
           <a:p>
             <a:pPr algn="ctr">
               <a:lnSpc>
@@ -25046,7 +25220,14 @@
         <p:cNvGrpSpPr/>
         <p:nvPr/>
       </p:nvGrpSpPr>
-      <p:grpSpPr/>
+      <p:grpSpPr>
+        <a:xfrm>
+          <a:off x="0" y="0"/>
+          <a:ext cx="0" cy="0"/>
+          <a:chOff x="0" y="0"/>
+          <a:chExt cx="0" cy="0"/>
+        </a:xfrm>
+      </p:grpSpPr>
       <p:sp>
         <p:nvSpPr>
           <p:cNvPr id="2" name="标题 1"/>
@@ -25070,6 +25251,7 @@
           <a:bodyPr anchor="ctr" anchorCtr="0">
             <a:noAutofit/>
           </a:bodyPr>
+          <a:lstStyle/>
           <a:p>
             <a:pPr algn="ctr">
               <a:lnSpc>
@@ -25255,6 +25437,7 @@
           <a:bodyPr wrap="none" rtlCol="0">
             <a:spAutoFit/>
           </a:bodyPr>
+          <a:lstStyle/>
           <a:p>
             <a:pPr algn="dist"/>
             <a:r>
@@ -25320,7 +25503,14 @@
         <p:cNvGrpSpPr/>
         <p:nvPr/>
       </p:nvGrpSpPr>
-      <p:grpSpPr/>
+      <p:grpSpPr>
+        <a:xfrm>
+          <a:off x="0" y="0"/>
+          <a:ext cx="0" cy="0"/>
+          <a:chOff x="0" y="0"/>
+          <a:chExt cx="0" cy="0"/>
+        </a:xfrm>
+      </p:grpSpPr>
       <p:sp>
         <p:nvSpPr>
           <p:cNvPr id="2" name="标题 1"/>
@@ -25344,6 +25534,7 @@
           <a:bodyPr anchor="ctr" anchorCtr="0">
             <a:noAutofit/>
           </a:bodyPr>
+          <a:lstStyle/>
           <a:p>
             <a:pPr algn="ctr">
               <a:lnSpc>
@@ -25389,7 +25580,14 @@
         <p:cNvGrpSpPr/>
         <p:nvPr/>
       </p:nvGrpSpPr>
-      <p:grpSpPr/>
+      <p:grpSpPr>
+        <a:xfrm>
+          <a:off x="0" y="0"/>
+          <a:ext cx="0" cy="0"/>
+          <a:chOff x="0" y="0"/>
+          <a:chExt cx="0" cy="0"/>
+        </a:xfrm>
+      </p:grpSpPr>
       <p:sp>
         <p:nvSpPr>
           <p:cNvPr id="2" name="标题 1"/>
@@ -25413,6 +25611,7 @@
           <a:bodyPr anchor="ctr" anchorCtr="0">
             <a:noAutofit/>
           </a:bodyPr>
+          <a:lstStyle/>
           <a:p>
             <a:pPr algn="ctr">
               <a:lnSpc>
@@ -25480,7 +25679,14 @@
         <p:cNvGrpSpPr/>
         <p:nvPr/>
       </p:nvGrpSpPr>
-      <p:grpSpPr/>
+      <p:grpSpPr>
+        <a:xfrm>
+          <a:off x="0" y="0"/>
+          <a:ext cx="0" cy="0"/>
+          <a:chOff x="0" y="0"/>
+          <a:chExt cx="0" cy="0"/>
+        </a:xfrm>
+      </p:grpSpPr>
       <p:sp>
         <p:nvSpPr>
           <p:cNvPr id="2" name="标题 1"/>
@@ -25504,6 +25710,7 @@
           <a:bodyPr anchor="ctr" anchorCtr="0">
             <a:noAutofit/>
           </a:bodyPr>
+          <a:lstStyle/>
           <a:p>
             <a:pPr algn="ctr">
               <a:lnSpc>
@@ -25571,7 +25778,14 @@
         <p:cNvGrpSpPr/>
         <p:nvPr/>
       </p:nvGrpSpPr>
-      <p:grpSpPr/>
+      <p:grpSpPr>
+        <a:xfrm>
+          <a:off x="0" y="0"/>
+          <a:ext cx="0" cy="0"/>
+          <a:chOff x="0" y="0"/>
+          <a:chExt cx="0" cy="0"/>
+        </a:xfrm>
+      </p:grpSpPr>
       <p:sp>
         <p:nvSpPr>
           <p:cNvPr id="2" name="标题 1"/>
@@ -25595,6 +25809,7 @@
           <a:bodyPr anchor="ctr" anchorCtr="0">
             <a:noAutofit/>
           </a:bodyPr>
+          <a:lstStyle/>
           <a:p>
             <a:pPr algn="ctr">
               <a:lnSpc>
@@ -25678,7 +25893,14 @@
         <p:cNvGrpSpPr/>
         <p:nvPr/>
       </p:nvGrpSpPr>
-      <p:grpSpPr/>
+      <p:grpSpPr>
+        <a:xfrm>
+          <a:off x="0" y="0"/>
+          <a:ext cx="0" cy="0"/>
+          <a:chOff x="0" y="0"/>
+          <a:chExt cx="0" cy="0"/>
+        </a:xfrm>
+      </p:grpSpPr>
       <p:sp>
         <p:nvSpPr>
           <p:cNvPr id="2" name="标题 1"/>
@@ -25702,6 +25924,7 @@
           <a:bodyPr anchor="ctr" anchorCtr="0">
             <a:noAutofit/>
           </a:bodyPr>
+          <a:lstStyle/>
           <a:p>
             <a:pPr algn="ctr">
               <a:lnSpc>
@@ -25736,6 +25959,7 @@
           <a:bodyPr wrap="none" rtlCol="0">
             <a:spAutoFit/>
           </a:bodyPr>
+          <a:lstStyle/>
           <a:p>
             <a:r>
               <a:rPr lang="zh-CN" altLang="en-US" sz="3600" b="1">
@@ -25789,6 +26013,7 @@
           <a:bodyPr wrap="none" rtlCol="0">
             <a:spAutoFit/>
           </a:bodyPr>
+          <a:lstStyle/>
           <a:p>
             <a:r>
               <a:rPr lang="zh-CN" altLang="en-US" sz="2000" b="1"/>
@@ -25818,6 +26043,7 @@
           <a:bodyPr wrap="none" rtlCol="0">
             <a:spAutoFit/>
           </a:bodyPr>
+          <a:lstStyle/>
           <a:p>
             <a:r>
               <a:rPr lang="zh-CN" altLang="en-US" sz="2000" b="1"/>
@@ -25847,6 +26073,7 @@
           <a:bodyPr wrap="none" rtlCol="0">
             <a:spAutoFit/>
           </a:bodyPr>
+          <a:lstStyle/>
           <a:p>
             <a:r>
               <a:rPr lang="zh-CN" altLang="en-US" sz="2000" b="1"/>
@@ -25876,6 +26103,7 @@
           <a:bodyPr wrap="none" rtlCol="0">
             <a:spAutoFit/>
           </a:bodyPr>
+          <a:lstStyle/>
           <a:p>
             <a:r>
               <a:rPr lang="zh-CN" altLang="en-US" sz="3600" b="1">
@@ -25929,6 +26157,7 @@
           <a:bodyPr wrap="none" rtlCol="0">
             <a:spAutoFit/>
           </a:bodyPr>
+          <a:lstStyle/>
           <a:p>
             <a:r>
               <a:rPr lang="zh-CN" altLang="en-US" sz="2000" b="1"/>
@@ -25966,6 +26195,7 @@
           <a:bodyPr wrap="none" rtlCol="0">
             <a:spAutoFit/>
           </a:bodyPr>
+          <a:lstStyle/>
           <a:p>
             <a:r>
               <a:rPr lang="zh-CN" altLang="en-US" sz="2000" b="1"/>
@@ -25995,6 +26225,7 @@
           <a:bodyPr wrap="none" rtlCol="0">
             <a:spAutoFit/>
           </a:bodyPr>
+          <a:lstStyle/>
           <a:p>
             <a:r>
               <a:rPr lang="zh-CN" altLang="en-US" sz="2000" b="1"/>
@@ -26054,7 +26285,14 @@
         <p:cNvGrpSpPr/>
         <p:nvPr/>
       </p:nvGrpSpPr>
-      <p:grpSpPr/>
+      <p:grpSpPr>
+        <a:xfrm>
+          <a:off x="0" y="0"/>
+          <a:ext cx="0" cy="0"/>
+          <a:chOff x="0" y="0"/>
+          <a:chExt cx="0" cy="0"/>
+        </a:xfrm>
+      </p:grpSpPr>
       <p:sp>
         <p:nvSpPr>
           <p:cNvPr id="2" name="标题 1"/>
@@ -26078,6 +26316,7 @@
           <a:bodyPr anchor="ctr" anchorCtr="0">
             <a:noAutofit/>
           </a:bodyPr>
+          <a:lstStyle/>
           <a:p>
             <a:pPr algn="ctr">
               <a:lnSpc>
@@ -26121,6 +26360,7 @@
           <a:bodyPr wrap="none" rtlCol="0">
             <a:spAutoFit/>
           </a:bodyPr>
+          <a:lstStyle/>
           <a:p>
             <a:r>
               <a:rPr lang="zh-CN" altLang="en-US"/>
@@ -26200,6 +26440,7 @@
           <a:bodyPr wrap="square" rtlCol="0">
             <a:spAutoFit/>
           </a:bodyPr>
+          <a:lstStyle/>
           <a:p>
             <a:r>
               <a:rPr lang="zh-CN" altLang="en-US"/>
@@ -26251,6 +26492,7 @@
           <a:bodyPr wrap="square" rtlCol="0">
             <a:spAutoFit/>
           </a:bodyPr>
+          <a:lstStyle/>
           <a:p>
             <a:r>
               <a:rPr lang="zh-CN" altLang="en-US"/>
@@ -26322,6 +26564,7 @@
           <a:bodyPr wrap="none" rtlCol="0">
             <a:spAutoFit/>
           </a:bodyPr>
+          <a:lstStyle/>
           <a:p>
             <a:r>
               <a:rPr lang="zh-CN" altLang="en-US"/>
@@ -26384,6 +26627,7 @@
           <a:bodyPr wrap="none" rtlCol="0">
             <a:spAutoFit/>
           </a:bodyPr>
+          <a:lstStyle/>
           <a:p>
             <a:r>
               <a:rPr lang="zh-CN" altLang="en-US"/>
@@ -26449,6 +26693,7 @@
           <a:bodyPr wrap="none" rtlCol="0">
             <a:spAutoFit/>
           </a:bodyPr>
+          <a:lstStyle/>
           <a:p>
             <a:r>
               <a:rPr lang="zh-CN" altLang="en-US">
@@ -26622,7 +26867,14 @@
         <p:cNvGrpSpPr/>
         <p:nvPr/>
       </p:nvGrpSpPr>
-      <p:grpSpPr/>
+      <p:grpSpPr>
+        <a:xfrm>
+          <a:off x="0" y="0"/>
+          <a:ext cx="0" cy="0"/>
+          <a:chOff x="0" y="0"/>
+          <a:chExt cx="0" cy="0"/>
+        </a:xfrm>
+      </p:grpSpPr>
       <p:sp>
         <p:nvSpPr>
           <p:cNvPr id="2" name="标题 1"/>
@@ -26646,6 +26898,7 @@
           <a:bodyPr anchor="ctr" anchorCtr="0">
             <a:noAutofit/>
           </a:bodyPr>
+          <a:lstStyle/>
           <a:p>
             <a:pPr algn="ctr">
               <a:lnSpc>
@@ -26721,7 +26974,14 @@
         <p:cNvGrpSpPr/>
         <p:nvPr/>
       </p:nvGrpSpPr>
-      <p:grpSpPr/>
+      <p:grpSpPr>
+        <a:xfrm>
+          <a:off x="0" y="0"/>
+          <a:ext cx="0" cy="0"/>
+          <a:chOff x="0" y="0"/>
+          <a:chExt cx="0" cy="0"/>
+        </a:xfrm>
+      </p:grpSpPr>
       <p:sp>
         <p:nvSpPr>
           <p:cNvPr id="2" name="标题 1"/>
@@ -26745,6 +27005,7 @@
           <a:bodyPr anchor="ctr" anchorCtr="0">
             <a:noAutofit/>
           </a:bodyPr>
+          <a:lstStyle/>
           <a:p>
             <a:pPr algn="ctr">
               <a:lnSpc>
@@ -26852,7 +27113,14 @@
         <p:cNvGrpSpPr/>
         <p:nvPr/>
       </p:nvGrpSpPr>
-      <p:grpSpPr/>
+      <p:grpSpPr>
+        <a:xfrm>
+          <a:off x="0" y="0"/>
+          <a:ext cx="0" cy="0"/>
+          <a:chOff x="0" y="0"/>
+          <a:chExt cx="0" cy="0"/>
+        </a:xfrm>
+      </p:grpSpPr>
       <p:sp>
         <p:nvSpPr>
           <p:cNvPr id="2" name="标题 1"/>
@@ -26876,6 +27144,7 @@
           <a:bodyPr anchor="ctr" anchorCtr="0">
             <a:noAutofit/>
           </a:bodyPr>
+          <a:lstStyle/>
           <a:p>
             <a:pPr algn="ctr">
               <a:lnSpc>
@@ -26963,7 +27232,14 @@
         <p:cNvGrpSpPr/>
         <p:nvPr/>
       </p:nvGrpSpPr>
-      <p:grpSpPr/>
+      <p:grpSpPr>
+        <a:xfrm>
+          <a:off x="0" y="0"/>
+          <a:ext cx="0" cy="0"/>
+          <a:chOff x="0" y="0"/>
+          <a:chExt cx="0" cy="0"/>
+        </a:xfrm>
+      </p:grpSpPr>
       <p:sp>
         <p:nvSpPr>
           <p:cNvPr id="2" name="标题 1"/>
@@ -26987,6 +27263,7 @@
           <a:bodyPr anchor="ctr" anchorCtr="0">
             <a:noAutofit/>
           </a:bodyPr>
+          <a:lstStyle/>
           <a:p>
             <a:pPr algn="ctr">
               <a:lnSpc>
@@ -27144,7 +27421,14 @@
         <p:cNvGrpSpPr/>
         <p:nvPr/>
       </p:nvGrpSpPr>
-      <p:grpSpPr/>
+      <p:grpSpPr>
+        <a:xfrm>
+          <a:off x="0" y="0"/>
+          <a:ext cx="0" cy="0"/>
+          <a:chOff x="0" y="0"/>
+          <a:chExt cx="0" cy="0"/>
+        </a:xfrm>
+      </p:grpSpPr>
       <p:sp>
         <p:nvSpPr>
           <p:cNvPr id="2" name="标题 1"/>
@@ -27168,6 +27452,7 @@
           <a:bodyPr anchor="ctr" anchorCtr="0">
             <a:noAutofit/>
           </a:bodyPr>
+          <a:lstStyle/>
           <a:p>
             <a:pPr algn="ctr">
               <a:lnSpc>
@@ -27209,7 +27494,14 @@
         <p:cNvGrpSpPr/>
         <p:nvPr/>
       </p:nvGrpSpPr>
-      <p:grpSpPr/>
+      <p:grpSpPr>
+        <a:xfrm>
+          <a:off x="0" y="0"/>
+          <a:ext cx="0" cy="0"/>
+          <a:chOff x="0" y="0"/>
+          <a:chExt cx="0" cy="0"/>
+        </a:xfrm>
+      </p:grpSpPr>
       <p:sp>
         <p:nvSpPr>
           <p:cNvPr id="2" name="矩形 1"/>
@@ -27241,6 +27533,7 @@
         </p:style>
         <p:txBody>
           <a:bodyPr rtlCol="0" anchor="ctr"/>
+          <a:lstStyle/>
           <a:p>
             <a:pPr algn="ctr"/>
             <a:r>
@@ -27282,6 +27575,7 @@
         </p:style>
         <p:txBody>
           <a:bodyPr rtlCol="0" anchor="ctr"/>
+          <a:lstStyle/>
           <a:p>
             <a:pPr algn="ctr"/>
             <a:r>
@@ -27323,6 +27617,7 @@
         </p:style>
         <p:txBody>
           <a:bodyPr rtlCol="0" anchor="ctr"/>
+          <a:lstStyle/>
           <a:p>
             <a:pPr algn="ctr"/>
             <a:r>
@@ -27364,6 +27659,7 @@
         </p:style>
         <p:txBody>
           <a:bodyPr rtlCol="0" anchor="ctr"/>
+          <a:lstStyle/>
           <a:p>
             <a:pPr algn="ctr"/>
             <a:r>
@@ -27405,6 +27701,7 @@
         </p:style>
         <p:txBody>
           <a:bodyPr rtlCol="0" anchor="ctr"/>
+          <a:lstStyle/>
           <a:p>
             <a:pPr algn="ctr"/>
             <a:r>
@@ -27446,6 +27743,7 @@
         </p:style>
         <p:txBody>
           <a:bodyPr rtlCol="0" anchor="ctr"/>
+          <a:lstStyle/>
           <a:p>
             <a:pPr algn="ctr"/>
             <a:r>
@@ -27487,6 +27785,7 @@
         </p:style>
         <p:txBody>
           <a:bodyPr rtlCol="0" anchor="ctr"/>
+          <a:lstStyle/>
           <a:p>
             <a:pPr algn="ctr"/>
             <a:r>
@@ -27528,6 +27827,7 @@
         </p:style>
         <p:txBody>
           <a:bodyPr rtlCol="0" anchor="ctr"/>
+          <a:lstStyle/>
           <a:p>
             <a:pPr algn="ctr"/>
             <a:r>
@@ -27569,6 +27869,7 @@
         </p:style>
         <p:txBody>
           <a:bodyPr rtlCol="0" anchor="ctr"/>
+          <a:lstStyle/>
           <a:p>
             <a:pPr algn="ctr"/>
             <a:r>
@@ -27610,6 +27911,7 @@
         </p:style>
         <p:txBody>
           <a:bodyPr rtlCol="0" anchor="ctr"/>
+          <a:lstStyle/>
           <a:p>
             <a:pPr algn="ctr"/>
             <a:r>
@@ -27651,6 +27953,7 @@
         </p:style>
         <p:txBody>
           <a:bodyPr rtlCol="0" anchor="ctr"/>
+          <a:lstStyle/>
           <a:p>
             <a:pPr algn="ctr"/>
             <a:r>
@@ -27700,6 +28003,7 @@
         </p:style>
         <p:txBody>
           <a:bodyPr rtlCol="0" anchor="ctr"/>
+          <a:lstStyle/>
           <a:p>
             <a:pPr algn="ctr"/>
             <a:r>
@@ -27749,6 +28053,7 @@
         </p:style>
         <p:txBody>
           <a:bodyPr rtlCol="0" anchor="ctr"/>
+          <a:lstStyle/>
           <a:p>
             <a:pPr algn="ctr"/>
             <a:r>
@@ -27787,6 +28092,7 @@
           <a:bodyPr wrap="none" rtlCol="0">
             <a:spAutoFit/>
           </a:bodyPr>
+          <a:lstStyle/>
           <a:p>
             <a:r>
               <a:rPr lang="zh-CN" altLang="en-US"/>
@@ -27816,6 +28122,7 @@
           <a:bodyPr wrap="none" rtlCol="0">
             <a:spAutoFit/>
           </a:bodyPr>
+          <a:lstStyle/>
           <a:p>
             <a:r>
               <a:rPr lang="zh-CN" altLang="en-US">
@@ -27853,6 +28160,7 @@
           <a:bodyPr wrap="none" rtlCol="0">
             <a:spAutoFit/>
           </a:bodyPr>
+          <a:lstStyle/>
           <a:p>
             <a:r>
               <a:rPr lang="en-US" altLang="zh-CN">
@@ -27914,6 +28222,7 @@
           <a:bodyPr wrap="none" rtlCol="0">
             <a:spAutoFit/>
           </a:bodyPr>
+          <a:lstStyle/>
           <a:p>
             <a:r>
               <a:rPr lang="zh-CN" altLang="en-US"/>
@@ -27947,6 +28256,7 @@
               <a:lightRig rig="threePt" dir="t"/>
             </a:scene3d>
           </a:bodyPr>
+          <a:lstStyle/>
           <a:p>
             <a:r>
               <a:rPr lang="en-US" altLang="zh-CN" sz="3600">
@@ -28037,6 +28347,7 @@
           <a:bodyPr wrap="square" rtlCol="0">
             <a:spAutoFit/>
           </a:bodyPr>
+          <a:lstStyle/>
           <a:p>
             <a:r>
               <a:rPr lang="en-US" altLang="zh-CN"/>
@@ -28290,7 +28601,14 @@
         <p:cNvGrpSpPr/>
         <p:nvPr/>
       </p:nvGrpSpPr>
-      <p:grpSpPr/>
+      <p:grpSpPr>
+        <a:xfrm>
+          <a:off x="0" y="0"/>
+          <a:ext cx="0" cy="0"/>
+          <a:chOff x="0" y="0"/>
+          <a:chExt cx="0" cy="0"/>
+        </a:xfrm>
+      </p:grpSpPr>
       <p:sp>
         <p:nvSpPr>
           <p:cNvPr id="2" name="标题 1"/>
@@ -28314,6 +28632,7 @@
           <a:bodyPr anchor="ctr" anchorCtr="0">
             <a:noAutofit/>
           </a:bodyPr>
+          <a:lstStyle/>
           <a:p>
             <a:pPr algn="ctr">
               <a:lnSpc>
@@ -28401,7 +28720,14 @@
         <p:cNvGrpSpPr/>
         <p:nvPr/>
       </p:nvGrpSpPr>
-      <p:grpSpPr/>
+      <p:grpSpPr>
+        <a:xfrm>
+          <a:off x="0" y="0"/>
+          <a:ext cx="0" cy="0"/>
+          <a:chOff x="0" y="0"/>
+          <a:chExt cx="0" cy="0"/>
+        </a:xfrm>
+      </p:grpSpPr>
       <p:sp>
         <p:nvSpPr>
           <p:cNvPr id="2" name="标题 1"/>
@@ -28425,6 +28751,7 @@
           <a:bodyPr anchor="ctr" anchorCtr="0">
             <a:noAutofit/>
           </a:bodyPr>
+          <a:lstStyle/>
           <a:p>
             <a:pPr algn="ctr">
               <a:lnSpc>
@@ -28506,7 +28833,14 @@
         <p:cNvGrpSpPr/>
         <p:nvPr/>
       </p:nvGrpSpPr>
-      <p:grpSpPr/>
+      <p:grpSpPr>
+        <a:xfrm>
+          <a:off x="0" y="0"/>
+          <a:ext cx="0" cy="0"/>
+          <a:chOff x="0" y="0"/>
+          <a:chExt cx="0" cy="0"/>
+        </a:xfrm>
+      </p:grpSpPr>
       <p:sp>
         <p:nvSpPr>
           <p:cNvPr id="2" name="标题 1"/>
@@ -28530,6 +28864,7 @@
           <a:bodyPr anchor="ctr" anchorCtr="0">
             <a:noAutofit/>
           </a:bodyPr>
+          <a:lstStyle/>
           <a:p>
             <a:pPr algn="ctr">
               <a:lnSpc>
@@ -28636,20 +28971,7 @@
                 <a:ea typeface="+mn-ea"/>
                 <a:cs typeface="+mn-ea"/>
               </a:rPr>
-              <a:t>来</a:t>
-            </a:r>
-            <a:r>
-              <a:rPr lang="zh-CN" altLang="en-US" sz="5400">
-                <a:solidFill>
-                  <a:schemeClr val="bg1">
-                    <a:lumMod val="95000"/>
-                  </a:schemeClr>
-                </a:solidFill>
-                <a:latin typeface="+mn-ea"/>
-                <a:ea typeface="+mn-ea"/>
-                <a:cs typeface="+mn-ea"/>
-              </a:rPr>
-              <a:t>搞定</a:t>
+              <a:t>来搞定</a:t>
             </a:r>
             <a:endParaRPr lang="zh-CN" altLang="en-US" sz="5400">
               <a:solidFill>
@@ -28695,7 +29017,14 @@
         <p:cNvGrpSpPr/>
         <p:nvPr/>
       </p:nvGrpSpPr>
-      <p:grpSpPr/>
+      <p:grpSpPr>
+        <a:xfrm>
+          <a:off x="0" y="0"/>
+          <a:ext cx="0" cy="0"/>
+          <a:chOff x="0" y="0"/>
+          <a:chExt cx="0" cy="0"/>
+        </a:xfrm>
+      </p:grpSpPr>
       <p:sp>
         <p:nvSpPr>
           <p:cNvPr id="2" name="标题 1"/>
@@ -28719,6 +29048,7 @@
           <a:bodyPr anchor="ctr" anchorCtr="0">
             <a:noAutofit/>
           </a:bodyPr>
+          <a:lstStyle/>
           <a:p>
             <a:pPr algn="ctr">
               <a:lnSpc>
@@ -28941,7 +29271,14 @@
         <p:cNvGrpSpPr/>
         <p:nvPr/>
       </p:nvGrpSpPr>
-      <p:grpSpPr/>
+      <p:grpSpPr>
+        <a:xfrm>
+          <a:off x="0" y="0"/>
+          <a:ext cx="0" cy="0"/>
+          <a:chOff x="0" y="0"/>
+          <a:chExt cx="0" cy="0"/>
+        </a:xfrm>
+      </p:grpSpPr>
       <p:sp>
         <p:nvSpPr>
           <p:cNvPr id="2" name="标题 1"/>
@@ -28965,6 +29302,7 @@
           <a:bodyPr anchor="ctr" anchorCtr="0">
             <a:noAutofit/>
           </a:bodyPr>
+          <a:lstStyle/>
           <a:p>
             <a:pPr algn="ctr">
               <a:lnSpc>
@@ -29084,7 +29422,14 @@
         <p:cNvGrpSpPr/>
         <p:nvPr/>
       </p:nvGrpSpPr>
-      <p:grpSpPr/>
+      <p:grpSpPr>
+        <a:xfrm>
+          <a:off x="0" y="0"/>
+          <a:ext cx="0" cy="0"/>
+          <a:chOff x="0" y="0"/>
+          <a:chExt cx="0" cy="0"/>
+        </a:xfrm>
+      </p:grpSpPr>
       <p:sp>
         <p:nvSpPr>
           <p:cNvPr id="2" name="标题 1"/>
@@ -29108,6 +29453,7 @@
           <a:bodyPr anchor="ctr" anchorCtr="0">
             <a:noAutofit/>
           </a:bodyPr>
+          <a:lstStyle/>
           <a:p>
             <a:pPr algn="ctr">
               <a:lnSpc>
@@ -29254,7 +29600,14 @@
         <p:cNvGrpSpPr/>
         <p:nvPr/>
       </p:nvGrpSpPr>
-      <p:grpSpPr/>
+      <p:grpSpPr>
+        <a:xfrm>
+          <a:off x="0" y="0"/>
+          <a:ext cx="0" cy="0"/>
+          <a:chOff x="0" y="0"/>
+          <a:chExt cx="0" cy="0"/>
+        </a:xfrm>
+      </p:grpSpPr>
       <p:sp>
         <p:nvSpPr>
           <p:cNvPr id="2" name="标题 1"/>
@@ -29278,6 +29631,7 @@
           <a:bodyPr anchor="ctr" anchorCtr="0">
             <a:noAutofit/>
           </a:bodyPr>
+          <a:lstStyle/>
           <a:p>
             <a:pPr algn="ctr">
               <a:lnSpc>
@@ -29436,7 +29790,14 @@
         <p:cNvGrpSpPr/>
         <p:nvPr/>
       </p:nvGrpSpPr>
-      <p:grpSpPr/>
+      <p:grpSpPr>
+        <a:xfrm>
+          <a:off x="0" y="0"/>
+          <a:ext cx="0" cy="0"/>
+          <a:chOff x="0" y="0"/>
+          <a:chExt cx="0" cy="0"/>
+        </a:xfrm>
+      </p:grpSpPr>
       <p:sp>
         <p:nvSpPr>
           <p:cNvPr id="2" name="标题 1"/>
@@ -29460,6 +29821,7 @@
           <a:bodyPr anchor="ctr" anchorCtr="0">
             <a:noAutofit/>
           </a:bodyPr>
+          <a:lstStyle/>
           <a:p>
             <a:pPr algn="ctr">
               <a:lnSpc>
@@ -29829,9 +30191,9 @@
                     <a:lumMod val="75000"/>
                   </a:schemeClr>
                 </a:solidFill>
-                <a:latin typeface="Arial" panose="020B0604020202020204" pitchFamily="34" charset="0"/>
+                <a:latin typeface="Arial" panose="020B0604020202090204" pitchFamily="34" charset="0"/>
                 <a:ea typeface="微软雅黑" panose="020B0503020204020204" charset="-122"/>
-                <a:cs typeface="Arial" panose="020B0604020202020204" pitchFamily="34" charset="0"/>
+                <a:cs typeface="Arial" panose="020B0604020202090204" pitchFamily="34" charset="0"/>
                 <a:sym typeface="+mn-lt"/>
               </a:rPr>
               <a:t>CONTENTS</a:t>
@@ -29842,9 +30204,9 @@
                   <a:lumMod val="75000"/>
                 </a:schemeClr>
               </a:solidFill>
-              <a:latin typeface="Arial" panose="020B0604020202020204" pitchFamily="34" charset="0"/>
+              <a:latin typeface="Arial" panose="020B0604020202090204" pitchFamily="34" charset="0"/>
               <a:ea typeface="微软雅黑" panose="020B0503020204020204" charset="-122"/>
-              <a:cs typeface="Arial" panose="020B0604020202020204" pitchFamily="34" charset="0"/>
+              <a:cs typeface="Arial" panose="020B0604020202090204" pitchFamily="34" charset="0"/>
               <a:sym typeface="+mn-lt"/>
             </a:endParaRPr>
           </a:p>
@@ -29890,7 +30252,7 @@
             </a:pPr>
             <a:r>
               <a:rPr lang="zh-CN" altLang="en-US" sz="5400" spc="150" dirty="0">
-                <a:latin typeface="Arial" panose="020B0604020202020204" pitchFamily="34" charset="0"/>
+                <a:latin typeface="Arial" panose="020B0604020202090204" pitchFamily="34" charset="0"/>
                 <a:ea typeface="汉仪旗黑-85S" panose="00020600040101010101" pitchFamily="18" charset="-122"/>
                 <a:cs typeface="Transitional 551 Std Medium" panose="02010600010101010101" charset="-122"/>
                 <a:sym typeface="+mn-lt"/>
@@ -29898,7 +30260,7 @@
               <a:t>目录</a:t>
             </a:r>
             <a:endParaRPr lang="zh-CN" altLang="en-US" sz="5400" spc="150" dirty="0">
-              <a:latin typeface="Arial" panose="020B0604020202020204" pitchFamily="34" charset="0"/>
+              <a:latin typeface="Arial" panose="020B0604020202090204" pitchFamily="34" charset="0"/>
               <a:ea typeface="汉仪旗黑-85S" panose="00020600040101010101" pitchFamily="18" charset="-122"/>
               <a:cs typeface="Transitional 551 Std Medium" panose="02010600010101010101" charset="-122"/>
               <a:sym typeface="+mn-lt"/>
@@ -29930,6 +30292,7 @@
           <a:bodyPr wrap="square" bIns="0" rtlCol="0" anchor="b" anchorCtr="0">
             <a:normAutofit/>
           </a:bodyPr>
+          <a:lstStyle/>
           <a:p>
             <a:pPr marL="0" indent="0" algn="l">
               <a:lnSpc>
@@ -29983,6 +30346,7 @@
           <a:bodyPr wrap="square" bIns="0" rtlCol="0" anchor="b" anchorCtr="0">
             <a:normAutofit/>
           </a:bodyPr>
+          <a:lstStyle/>
           <a:p>
             <a:pPr>
               <a:lnSpc>
@@ -30027,6 +30391,7 @@
           <a:bodyPr wrap="square" bIns="0" rtlCol="0" anchor="b" anchorCtr="0">
             <a:normAutofit/>
           </a:bodyPr>
+          <a:lstStyle/>
           <a:p>
             <a:pPr>
               <a:lnSpc>
@@ -30078,6 +30443,7 @@
           <a:bodyPr wrap="square" bIns="0" rtlCol="0" anchor="b" anchorCtr="0">
             <a:normAutofit/>
           </a:bodyPr>
+          <a:lstStyle/>
           <a:p>
             <a:pPr>
               <a:lnSpc>
@@ -32454,7 +32820,14 @@
         <p:cNvGrpSpPr/>
         <p:nvPr/>
       </p:nvGrpSpPr>
-      <p:grpSpPr/>
+      <p:grpSpPr>
+        <a:xfrm>
+          <a:off x="0" y="0"/>
+          <a:ext cx="0" cy="0"/>
+          <a:chOff x="0" y="0"/>
+          <a:chExt cx="0" cy="0"/>
+        </a:xfrm>
+      </p:grpSpPr>
       <p:sp>
         <p:nvSpPr>
           <p:cNvPr id="2" name="标题 1"/>
@@ -32478,6 +32851,7 @@
           <a:bodyPr anchor="ctr" anchorCtr="0">
             <a:noAutofit/>
           </a:bodyPr>
+          <a:lstStyle/>
           <a:p>
             <a:pPr algn="ctr">
               <a:lnSpc>
@@ -32602,7 +32976,14 @@
         <p:cNvGrpSpPr/>
         <p:nvPr/>
       </p:nvGrpSpPr>
-      <p:grpSpPr/>
+      <p:grpSpPr>
+        <a:xfrm>
+          <a:off x="0" y="0"/>
+          <a:ext cx="0" cy="0"/>
+          <a:chOff x="0" y="0"/>
+          <a:chExt cx="0" cy="0"/>
+        </a:xfrm>
+      </p:grpSpPr>
       <p:sp>
         <p:nvSpPr>
           <p:cNvPr id="2" name="标题 1"/>
@@ -32626,6 +33007,7 @@
           <a:bodyPr anchor="ctr" anchorCtr="0">
             <a:noAutofit/>
           </a:bodyPr>
+          <a:lstStyle/>
           <a:p>
             <a:pPr algn="ctr">
               <a:lnSpc>
@@ -32725,7 +33107,14 @@
         <p:cNvGrpSpPr/>
         <p:nvPr/>
       </p:nvGrpSpPr>
-      <p:grpSpPr/>
+      <p:grpSpPr>
+        <a:xfrm>
+          <a:off x="0" y="0"/>
+          <a:ext cx="0" cy="0"/>
+          <a:chOff x="0" y="0"/>
+          <a:chExt cx="0" cy="0"/>
+        </a:xfrm>
+      </p:grpSpPr>
       <p:sp>
         <p:nvSpPr>
           <p:cNvPr id="2" name="标题 1"/>
@@ -32749,6 +33138,7 @@
           <a:bodyPr anchor="ctr" anchorCtr="0">
             <a:noAutofit/>
           </a:bodyPr>
+          <a:lstStyle/>
           <a:p>
             <a:pPr algn="ctr">
               <a:lnSpc>
@@ -32861,7 +33251,14 @@
         <p:cNvGrpSpPr/>
         <p:nvPr/>
       </p:nvGrpSpPr>
-      <p:grpSpPr/>
+      <p:grpSpPr>
+        <a:xfrm>
+          <a:off x="0" y="0"/>
+          <a:ext cx="0" cy="0"/>
+          <a:chOff x="0" y="0"/>
+          <a:chExt cx="0" cy="0"/>
+        </a:xfrm>
+      </p:grpSpPr>
       <p:sp>
         <p:nvSpPr>
           <p:cNvPr id="2" name="标题 1"/>
@@ -32885,6 +33282,7 @@
           <a:bodyPr anchor="ctr" anchorCtr="0">
             <a:noAutofit/>
           </a:bodyPr>
+          <a:lstStyle/>
           <a:p>
             <a:pPr algn="ctr">
               <a:lnSpc>
@@ -33004,7 +33402,14 @@
         <p:cNvGrpSpPr/>
         <p:nvPr/>
       </p:nvGrpSpPr>
-      <p:grpSpPr/>
+      <p:grpSpPr>
+        <a:xfrm>
+          <a:off x="0" y="0"/>
+          <a:ext cx="0" cy="0"/>
+          <a:chOff x="0" y="0"/>
+          <a:chExt cx="0" cy="0"/>
+        </a:xfrm>
+      </p:grpSpPr>
       <p:pic>
         <p:nvPicPr>
           <p:cNvPr id="3" name="图片 2"/>
@@ -33097,6 +33502,7 @@
               <a:lightRig rig="threePt" dir="t"/>
             </a:scene3d>
           </a:bodyPr>
+          <a:lstStyle/>
           <a:p>
             <a:pPr algn="ctr"/>
             <a:r>
@@ -33252,7 +33658,9 @@
       <p:sp>
         <p:nvSpPr>
           <p:cNvPr id="2" name="标题 1"/>
-          <p:cNvSpPr/>
+          <p:cNvSpPr>
+            <a:spLocks noGrp="1"/>
+          </p:cNvSpPr>
           <p:nvPr>
             <p:ph type="title"/>
           </p:nvPr>
@@ -33265,6 +33673,7 @@
         </p:spPr>
         <p:txBody>
           <a:bodyPr/>
+          <a:lstStyle/>
           <a:p>
             <a:pPr algn="ctr">
               <a:lnSpc>
@@ -33455,7 +33864,14 @@
         <p:cNvGrpSpPr/>
         <p:nvPr/>
       </p:nvGrpSpPr>
-      <p:grpSpPr/>
+      <p:grpSpPr>
+        <a:xfrm>
+          <a:off x="0" y="0"/>
+          <a:ext cx="0" cy="0"/>
+          <a:chOff x="0" y="0"/>
+          <a:chExt cx="0" cy="0"/>
+        </a:xfrm>
+      </p:grpSpPr>
       <p:sp>
         <p:nvSpPr>
           <p:cNvPr id="2" name="文本框 1"/>
@@ -33476,6 +33892,7 @@
           <a:bodyPr wrap="square" rtlCol="0" anchor="t">
             <a:spAutoFit/>
           </a:bodyPr>
+          <a:lstStyle/>
           <a:p>
             <a:pPr algn="l">
               <a:lnSpc>
@@ -33524,6 +33941,7 @@
           <a:bodyPr wrap="none" rtlCol="0" anchor="t">
             <a:spAutoFit/>
           </a:bodyPr>
+          <a:lstStyle/>
           <a:p>
             <a:pPr algn="l">
               <a:lnSpc>
@@ -33708,7 +34126,14 @@
         <p:cNvGrpSpPr/>
         <p:nvPr/>
       </p:nvGrpSpPr>
-      <p:grpSpPr/>
+      <p:grpSpPr>
+        <a:xfrm>
+          <a:off x="0" y="0"/>
+          <a:ext cx="0" cy="0"/>
+          <a:chOff x="0" y="0"/>
+          <a:chExt cx="0" cy="0"/>
+        </a:xfrm>
+      </p:grpSpPr>
       <p:sp>
         <p:nvSpPr>
           <p:cNvPr id="3" name="文本框 2"/>
@@ -33729,6 +34154,7 @@
           <a:bodyPr wrap="none" rtlCol="0">
             <a:spAutoFit/>
           </a:bodyPr>
+          <a:lstStyle/>
           <a:p>
             <a:r>
               <a:rPr lang="zh-CN" altLang="en-US" sz="4000" b="1">
@@ -33783,6 +34209,7 @@
           <a:bodyPr wrap="none" rtlCol="0">
             <a:spAutoFit/>
           </a:bodyPr>
+          <a:lstStyle/>
           <a:p>
             <a:r>
               <a:rPr lang="zh-CN" altLang="en-US" sz="2800" b="1">
@@ -33860,6 +34287,7 @@
           <a:bodyPr wrap="none" rtlCol="0">
             <a:spAutoFit/>
           </a:bodyPr>
+          <a:lstStyle/>
           <a:p>
             <a:r>
               <a:rPr lang="zh-CN" sz="2800" b="1">
@@ -33927,6 +34355,7 @@
         </p:style>
         <p:txBody>
           <a:bodyPr rtlCol="0" anchor="ctr"/>
+          <a:lstStyle/>
           <a:p>
             <a:pPr algn="ctr"/>
             <a:r>
@@ -34036,6 +34465,7 @@
         </p:style>
         <p:txBody>
           <a:bodyPr rtlCol="0" anchor="ctr"/>
+          <a:lstStyle/>
           <a:p>
             <a:pPr algn="ctr"/>
             <a:r>
@@ -34147,6 +34577,7 @@
         </p:style>
         <p:txBody>
           <a:bodyPr rtlCol="0" anchor="ctr"/>
+          <a:lstStyle/>
           <a:p>
             <a:pPr algn="ctr"/>
             <a:r>
@@ -34229,9 +34660,10 @@
           <a:bodyPr wrap="none" rtlCol="0" anchor="t">
             <a:spAutoFit/>
           </a:bodyPr>
+          <a:lstStyle/>
           <a:p>
             <a:pPr indent="0" algn="ctr">
-              <a:buFont typeface="Arial" panose="020B0604020202020204" pitchFamily="34" charset="0"/>
+              <a:buFont typeface="Arial" panose="020B0604020202090204" pitchFamily="34" charset="0"/>
               <a:buNone/>
             </a:pPr>
             <a:r>
@@ -34294,7 +34726,7 @@
           </a:p>
           <a:p>
             <a:pPr indent="0" algn="ctr">
-              <a:buFont typeface="Arial" panose="020B0604020202020204" pitchFamily="34" charset="0"/>
+              <a:buFont typeface="Arial" panose="020B0604020202090204" pitchFamily="34" charset="0"/>
               <a:buNone/>
             </a:pPr>
             <a:r>
@@ -34333,6 +34765,7 @@
           <a:bodyPr wrap="none" rtlCol="0" anchor="t">
             <a:spAutoFit/>
           </a:bodyPr>
+          <a:lstStyle/>
           <a:p>
             <a:pPr algn="ctr"/>
             <a:r>
@@ -34419,6 +34852,7 @@
           <a:bodyPr wrap="none" rtlCol="0" anchor="t">
             <a:spAutoFit/>
           </a:bodyPr>
+          <a:lstStyle/>
           <a:p>
             <a:pPr algn="ctr"/>
             <a:r>
@@ -34443,19 +34877,7 @@
                 <a:cs typeface="+mj-ea"/>
                 <a:sym typeface="+mn-ea"/>
               </a:rPr>
-              <a:t>行数据：</a:t>
-            </a:r>
-            <a:r>
-              <a:rPr lang="zh-CN" altLang="en-US" b="1">
-                <a:solidFill>
-                  <a:srgbClr val="FFFF00"/>
-                </a:solidFill>
-                <a:latin typeface="+mj-ea"/>
-                <a:ea typeface="+mj-ea"/>
-                <a:cs typeface="+mj-ea"/>
-                <a:sym typeface="+mn-ea"/>
-              </a:rPr>
-              <a:t>1.01 s</a:t>
+              <a:t>行数据：1.01 s</a:t>
             </a:r>
             <a:endParaRPr lang="zh-CN" altLang="en-US">
               <a:solidFill>
@@ -34521,6 +34943,190 @@
     <p:custDataLst>
       <p:tags r:id="rId1"/>
     </p:custDataLst>
+  </p:cSld>
+  <p:clrMapOvr>
+    <a:masterClrMapping/>
+  </p:clrMapOvr>
+</p:sld>
+</file>
+
+<file path=ppt/slides/slide69.xml><?xml version="1.0" encoding="utf-8"?>
+<p:sld xmlns:a="http://schemas.openxmlformats.org/drawingml/2006/main" xmlns:r="http://schemas.openxmlformats.org/officeDocument/2006/relationships" xmlns:p="http://schemas.openxmlformats.org/presentationml/2006/main">
+  <p:cSld>
+    <p:spTree>
+      <p:nvGrpSpPr>
+        <p:cNvPr id="1" name=""/>
+        <p:cNvGrpSpPr/>
+        <p:nvPr/>
+      </p:nvGrpSpPr>
+      <p:grpSpPr>
+        <a:xfrm>
+          <a:off x="0" y="0"/>
+          <a:ext cx="0" cy="0"/>
+          <a:chOff x="0" y="0"/>
+          <a:chExt cx="0" cy="0"/>
+        </a:xfrm>
+      </p:grpSpPr>
+      <p:sp>
+        <p:nvSpPr>
+          <p:cNvPr id="2" name="内容占位符 1"/>
+          <p:cNvSpPr>
+            <a:spLocks noGrp="1"/>
+          </p:cNvSpPr>
+          <p:nvPr>
+            <p:ph sz="quarter" idx="13"/>
+          </p:nvPr>
+        </p:nvSpPr>
+        <p:spPr>
+          <a:xfrm>
+            <a:off x="1560043" y="1461909"/>
+            <a:ext cx="10045037" cy="3934182"/>
+          </a:xfrm>
+          <a:ln>
+            <a:noFill/>
+          </a:ln>
+        </p:spPr>
+        <p:txBody>
+          <a:bodyPr>
+            <a:normAutofit/>
+          </a:bodyPr>
+          <a:lstStyle/>
+          <a:p>
+            <a:pPr marL="0" indent="0">
+              <a:buNone/>
+            </a:pPr>
+            <a:r>
+              <a:rPr kumimoji="1" lang="en-US" altLang="zh-CN" sz="7800" b="1" dirty="0">
+                <a:solidFill>
+                  <a:srgbClr val="00B050"/>
+                </a:solidFill>
+                <a:latin typeface="+mj-ea"/>
+                <a:ea typeface="+mj-ea"/>
+              </a:rPr>
+              <a:t>Python</a:t>
+            </a:r>
+            <a:endParaRPr kumimoji="1" lang="en-US" altLang="zh-CN" sz="4700" b="1" dirty="0">
+              <a:solidFill>
+                <a:srgbClr val="00B050"/>
+              </a:solidFill>
+              <a:latin typeface="+mj-ea"/>
+              <a:ea typeface="+mj-ea"/>
+            </a:endParaRPr>
+          </a:p>
+          <a:p>
+            <a:pPr marL="0" indent="0">
+              <a:buNone/>
+            </a:pPr>
+            <a:r>
+              <a:rPr kumimoji="1" lang="zh-CN" altLang="en-US" sz="6500" spc="0" dirty="0">
+                <a:ln w="0"/>
+                <a:solidFill>
+                  <a:schemeClr val="tx1"/>
+                </a:solidFill>
+                <a:effectLst>
+                  <a:outerShdw blurRad="38100" dist="19050" dir="2700000" algn="tl" rotWithShape="0">
+                    <a:schemeClr val="dk1">
+                      <a:alpha val="40000"/>
+                    </a:schemeClr>
+                  </a:outerShdw>
+                </a:effectLst>
+                <a:latin typeface="+mj-ea"/>
+                <a:ea typeface="+mj-ea"/>
+              </a:rPr>
+              <a:t>批量合并多个</a:t>
+            </a:r>
+            <a:r>
+              <a:rPr kumimoji="1" lang="en-US" altLang="zh-CN" sz="6500" spc="0" dirty="0">
+                <a:ln w="0"/>
+                <a:solidFill>
+                  <a:schemeClr val="tx1"/>
+                </a:solidFill>
+                <a:effectLst>
+                  <a:outerShdw blurRad="38100" dist="19050" dir="2700000" algn="tl" rotWithShape="0">
+                    <a:schemeClr val="dk1">
+                      <a:alpha val="40000"/>
+                    </a:schemeClr>
+                  </a:outerShdw>
+                </a:effectLst>
+                <a:latin typeface="+mj-ea"/>
+                <a:ea typeface="+mj-ea"/>
+              </a:rPr>
+              <a:t>Excel</a:t>
+            </a:r>
+            <a:r>
+              <a:rPr kumimoji="1" lang="zh-CN" altLang="en-US" sz="6500" spc="0" dirty="0">
+                <a:ln w="0"/>
+                <a:solidFill>
+                  <a:schemeClr val="tx1"/>
+                </a:solidFill>
+                <a:effectLst>
+                  <a:outerShdw blurRad="38100" dist="19050" dir="2700000" algn="tl" rotWithShape="0">
+                    <a:schemeClr val="dk1">
+                      <a:alpha val="40000"/>
+                    </a:schemeClr>
+                  </a:outerShdw>
+                </a:effectLst>
+                <a:latin typeface="+mj-ea"/>
+                <a:ea typeface="+mj-ea"/>
+              </a:rPr>
+              <a:t>文件</a:t>
+            </a:r>
+            <a:endParaRPr kumimoji="1" lang="en-US" altLang="zh-CN" sz="6500" spc="0" dirty="0">
+              <a:ln w="0"/>
+              <a:solidFill>
+                <a:schemeClr val="tx1"/>
+              </a:solidFill>
+              <a:effectLst>
+                <a:outerShdw blurRad="38100" dist="19050" dir="2700000" algn="tl" rotWithShape="0">
+                  <a:schemeClr val="dk1">
+                    <a:alpha val="40000"/>
+                  </a:schemeClr>
+                </a:outerShdw>
+              </a:effectLst>
+              <a:latin typeface="+mj-ea"/>
+              <a:ea typeface="+mj-ea"/>
+            </a:endParaRPr>
+          </a:p>
+          <a:p>
+            <a:pPr marL="0" indent="0">
+              <a:buNone/>
+            </a:pPr>
+            <a:r>
+              <a:rPr kumimoji="1" lang="zh-CN" altLang="en-US" sz="3200" b="1" dirty="0">
+                <a:latin typeface="+mj-ea"/>
+                <a:ea typeface="+mj-ea"/>
+              </a:rPr>
+              <a:t>每个</a:t>
+            </a:r>
+            <a:r>
+              <a:rPr kumimoji="1" lang="en-US" altLang="zh-CN" sz="3200" b="1" dirty="0">
+                <a:latin typeface="+mj-ea"/>
+                <a:ea typeface="+mj-ea"/>
+              </a:rPr>
+              <a:t>Excel</a:t>
+            </a:r>
+            <a:r>
+              <a:rPr kumimoji="1" lang="zh-CN" altLang="en-US" sz="3200" b="1" dirty="0">
+                <a:latin typeface="+mj-ea"/>
+                <a:ea typeface="+mj-ea"/>
+              </a:rPr>
+              <a:t>文件包含多个</a:t>
+            </a:r>
+            <a:r>
+              <a:rPr kumimoji="1" lang="en-US" altLang="zh-CN" sz="3200" b="1" dirty="0">
+                <a:latin typeface="+mj-ea"/>
+                <a:ea typeface="+mj-ea"/>
+              </a:rPr>
+              <a:t>Sheet</a:t>
+            </a:r>
+            <a:endParaRPr kumimoji="1" lang="zh-CN" altLang="en-US" sz="3200" b="1" dirty="0">
+              <a:latin typeface="+mj-ea"/>
+              <a:ea typeface="+mj-ea"/>
+            </a:endParaRPr>
+          </a:p>
+        </p:txBody>
+      </p:sp>
+    </p:spTree>
   </p:cSld>
   <p:clrMapOvr>
     <a:masterClrMapping/>
@@ -34805,6 +35411,3776 @@
   <p:clrMapOvr>
     <a:masterClrMapping/>
   </p:clrMapOvr>
+</p:sld>
+</file>
+
+<file path=ppt/slides/slide70.xml><?xml version="1.0" encoding="utf-8"?>
+<p:sld xmlns:a="http://schemas.openxmlformats.org/drawingml/2006/main" xmlns:r="http://schemas.openxmlformats.org/officeDocument/2006/relationships" xmlns:p="http://schemas.openxmlformats.org/presentationml/2006/main">
+  <p:cSld>
+    <p:spTree>
+      <p:nvGrpSpPr>
+        <p:cNvPr id="1" name=""/>
+        <p:cNvGrpSpPr/>
+        <p:nvPr/>
+      </p:nvGrpSpPr>
+      <p:grpSpPr>
+        <a:xfrm>
+          <a:off x="0" y="0"/>
+          <a:ext cx="0" cy="0"/>
+          <a:chOff x="0" y="0"/>
+          <a:chExt cx="0" cy="0"/>
+        </a:xfrm>
+      </p:grpSpPr>
+      <p:pic>
+        <p:nvPicPr>
+          <p:cNvPr id="5" name="图片 4"/>
+          <p:cNvPicPr>
+            <a:picLocks noChangeAspect="1"/>
+          </p:cNvPicPr>
+          <p:nvPr/>
+        </p:nvPicPr>
+        <p:blipFill>
+          <a:blip r:embed="rId1"/>
+          <a:stretch>
+            <a:fillRect/>
+          </a:stretch>
+        </p:blipFill>
+        <p:spPr>
+          <a:xfrm>
+            <a:off x="73294" y="2692866"/>
+            <a:ext cx="5248795" cy="4165134"/>
+          </a:xfrm>
+          <a:prstGeom prst="rect">
+            <a:avLst/>
+          </a:prstGeom>
+          <a:ln>
+            <a:noFill/>
+          </a:ln>
+        </p:spPr>
+      </p:pic>
+      <p:pic>
+        <p:nvPicPr>
+          <p:cNvPr id="6" name="图片 5"/>
+          <p:cNvPicPr>
+            <a:picLocks noChangeAspect="1"/>
+          </p:cNvPicPr>
+          <p:nvPr/>
+        </p:nvPicPr>
+        <p:blipFill>
+          <a:blip r:embed="rId1"/>
+          <a:stretch>
+            <a:fillRect/>
+          </a:stretch>
+        </p:blipFill>
+        <p:spPr>
+          <a:xfrm>
+            <a:off x="594177" y="1788253"/>
+            <a:ext cx="5248795" cy="4165134"/>
+          </a:xfrm>
+          <a:prstGeom prst="rect">
+            <a:avLst/>
+          </a:prstGeom>
+          <a:ln>
+            <a:noFill/>
+          </a:ln>
+        </p:spPr>
+      </p:pic>
+      <p:pic>
+        <p:nvPicPr>
+          <p:cNvPr id="4" name="图片 3"/>
+          <p:cNvPicPr>
+            <a:picLocks noChangeAspect="1"/>
+          </p:cNvPicPr>
+          <p:nvPr/>
+        </p:nvPicPr>
+        <p:blipFill>
+          <a:blip r:embed="rId1"/>
+          <a:stretch>
+            <a:fillRect/>
+          </a:stretch>
+        </p:blipFill>
+        <p:spPr>
+          <a:xfrm>
+            <a:off x="1115060" y="883640"/>
+            <a:ext cx="5248795" cy="4165134"/>
+          </a:xfrm>
+          <a:prstGeom prst="rect">
+            <a:avLst/>
+          </a:prstGeom>
+          <a:ln>
+            <a:noFill/>
+          </a:ln>
+        </p:spPr>
+      </p:pic>
+      <p:pic>
+        <p:nvPicPr>
+          <p:cNvPr id="9" name="图片 8"/>
+          <p:cNvPicPr>
+            <a:picLocks noChangeAspect="1"/>
+          </p:cNvPicPr>
+          <p:nvPr/>
+        </p:nvPicPr>
+        <p:blipFill>
+          <a:blip r:embed="rId2"/>
+          <a:stretch>
+            <a:fillRect/>
+          </a:stretch>
+        </p:blipFill>
+        <p:spPr>
+          <a:xfrm>
+            <a:off x="7179404" y="2057630"/>
+            <a:ext cx="4783297" cy="4187973"/>
+          </a:xfrm>
+          <a:prstGeom prst="rect">
+            <a:avLst/>
+          </a:prstGeom>
+        </p:spPr>
+      </p:pic>
+      <p:sp>
+        <p:nvSpPr>
+          <p:cNvPr id="10" name="右箭头 9"/>
+          <p:cNvSpPr/>
+          <p:nvPr/>
+        </p:nvSpPr>
+        <p:spPr>
+          <a:xfrm>
+            <a:off x="6363855" y="3529668"/>
+            <a:ext cx="815549" cy="1059110"/>
+          </a:xfrm>
+          <a:prstGeom prst="rightArrow">
+            <a:avLst/>
+          </a:prstGeom>
+        </p:spPr>
+        <p:style>
+          <a:lnRef idx="2">
+            <a:schemeClr val="accent3">
+              <a:shade val="50000"/>
+            </a:schemeClr>
+          </a:lnRef>
+          <a:fillRef idx="1">
+            <a:schemeClr val="accent3"/>
+          </a:fillRef>
+          <a:effectRef idx="0">
+            <a:schemeClr val="accent3"/>
+          </a:effectRef>
+          <a:fontRef idx="minor">
+            <a:schemeClr val="lt1"/>
+          </a:fontRef>
+        </p:style>
+        <p:txBody>
+          <a:bodyPr rtlCol="0" anchor="ctr"/>
+          <a:lstStyle/>
+          <a:p>
+            <a:pPr algn="ctr"/>
+            <a:endParaRPr kumimoji="1" lang="zh-CN" altLang="en-US"/>
+          </a:p>
+        </p:txBody>
+      </p:sp>
+      <p:sp>
+        <p:nvSpPr>
+          <p:cNvPr id="11" name="文本框 10"/>
+          <p:cNvSpPr txBox="1"/>
+          <p:nvPr/>
+        </p:nvSpPr>
+        <p:spPr>
+          <a:xfrm>
+            <a:off x="133470" y="175072"/>
+            <a:ext cx="11925059" cy="584775"/>
+          </a:xfrm>
+          <a:prstGeom prst="rect">
+            <a:avLst/>
+          </a:prstGeom>
+          <a:solidFill>
+            <a:schemeClr val="bg1"/>
+          </a:solidFill>
+        </p:spPr>
+        <p:txBody>
+          <a:bodyPr wrap="none" rtlCol="0">
+            <a:spAutoFit/>
+          </a:bodyPr>
+          <a:lstStyle/>
+          <a:p>
+            <a:r>
+              <a:rPr kumimoji="1" lang="zh-CN" altLang="en-US" sz="3200" dirty="0"/>
+              <a:t>批量合并相同格式的多个</a:t>
+            </a:r>
+            <a:r>
+              <a:rPr kumimoji="1" lang="en-US" altLang="zh-CN" sz="3200" dirty="0"/>
+              <a:t>Excel</a:t>
+            </a:r>
+            <a:r>
+              <a:rPr kumimoji="1" lang="zh-CN" altLang="en-US" sz="3200" dirty="0"/>
+              <a:t>的</a:t>
+            </a:r>
+            <a:r>
+              <a:rPr kumimoji="1" lang="en-US" altLang="zh-CN" sz="3200" dirty="0"/>
+              <a:t>Sheet</a:t>
+            </a:r>
+            <a:r>
+              <a:rPr kumimoji="1" lang="zh-CN" altLang="en-US" sz="3200" dirty="0"/>
+              <a:t>生成最终的单个</a:t>
+            </a:r>
+            <a:r>
+              <a:rPr kumimoji="1" lang="en-US" altLang="zh-CN" sz="3200" dirty="0"/>
+              <a:t>Excel</a:t>
+            </a:r>
+            <a:r>
+              <a:rPr kumimoji="1" lang="zh-CN" altLang="en-US" sz="3200" dirty="0"/>
+              <a:t>文件</a:t>
+            </a:r>
+            <a:endParaRPr kumimoji="1" lang="zh-CN" altLang="en-US" sz="3200" dirty="0"/>
+          </a:p>
+        </p:txBody>
+      </p:sp>
+    </p:spTree>
+  </p:cSld>
+  <p:clrMapOvr>
+    <a:masterClrMapping/>
+  </p:clrMapOvr>
+</p:sld>
+</file>
+
+<file path=ppt/slides/slide71.xml><?xml version="1.0" encoding="utf-8"?>
+<p:sld xmlns:a="http://schemas.openxmlformats.org/drawingml/2006/main" xmlns:r="http://schemas.openxmlformats.org/officeDocument/2006/relationships" xmlns:p="http://schemas.openxmlformats.org/presentationml/2006/main">
+  <p:cSld>
+    <p:spTree>
+      <p:nvGrpSpPr>
+        <p:cNvPr id="1" name=""/>
+        <p:cNvGrpSpPr/>
+        <p:nvPr/>
+      </p:nvGrpSpPr>
+      <p:grpSpPr>
+        <a:xfrm>
+          <a:off x="0" y="0"/>
+          <a:ext cx="0" cy="0"/>
+          <a:chOff x="0" y="0"/>
+          <a:chExt cx="0" cy="0"/>
+        </a:xfrm>
+      </p:grpSpPr>
+      <p:sp>
+        <p:nvSpPr>
+          <p:cNvPr id="11" name="文本框 10"/>
+          <p:cNvSpPr txBox="1"/>
+          <p:nvPr/>
+        </p:nvSpPr>
+        <p:spPr>
+          <a:xfrm>
+            <a:off x="682305" y="450975"/>
+            <a:ext cx="10005269" cy="646331"/>
+          </a:xfrm>
+          <a:prstGeom prst="rect">
+            <a:avLst/>
+          </a:prstGeom>
+          <a:solidFill>
+            <a:schemeClr val="accent3">
+              <a:lumMod val="60000"/>
+              <a:lumOff val="40000"/>
+            </a:schemeClr>
+          </a:solidFill>
+        </p:spPr>
+        <p:txBody>
+          <a:bodyPr wrap="square" rtlCol="0">
+            <a:spAutoFit/>
+          </a:bodyPr>
+          <a:lstStyle>
+            <a:defPPr>
+              <a:defRPr lang="zh-CN"/>
+            </a:defPPr>
+            <a:lvl1pPr>
+              <a:defRPr kumimoji="1" sz="3600">
+                <a:solidFill>
+                  <a:schemeClr val="tx1">
+                    <a:lumMod val="95000"/>
+                    <a:lumOff val="5000"/>
+                  </a:schemeClr>
+                </a:solidFill>
+                <a:latin typeface="+mj-ea"/>
+                <a:ea typeface="+mj-ea"/>
+              </a:defRPr>
+            </a:lvl1pPr>
+          </a:lstStyle>
+          <a:p>
+            <a:r>
+              <a:rPr lang="en-US" altLang="zh-CN" dirty="0"/>
+              <a:t>Pandas</a:t>
+            </a:r>
+            <a:r>
+              <a:rPr lang="zh-CN" altLang="en-US" dirty="0"/>
+              <a:t>函数：</a:t>
+            </a:r>
+            <a:r>
+              <a:rPr lang="en-US" altLang="zh-CN" dirty="0" err="1"/>
+              <a:t>pd.read_excel</a:t>
+            </a:r>
+            <a:endParaRPr lang="zh-CN" altLang="en-US" dirty="0"/>
+          </a:p>
+        </p:txBody>
+      </p:sp>
+      <p:sp>
+        <p:nvSpPr>
+          <p:cNvPr id="2" name="矩形 1"/>
+          <p:cNvSpPr/>
+          <p:nvPr/>
+        </p:nvSpPr>
+        <p:spPr>
+          <a:xfrm>
+            <a:off x="682305" y="2026888"/>
+            <a:ext cx="4829262" cy="2862322"/>
+          </a:xfrm>
+          <a:prstGeom prst="rect">
+            <a:avLst/>
+          </a:prstGeom>
+        </p:spPr>
+        <p:txBody>
+          <a:bodyPr wrap="square">
+            <a:spAutoFit/>
+          </a:bodyPr>
+          <a:lstStyle/>
+          <a:p>
+            <a:r>
+              <a:rPr lang="en-GB" altLang="zh-CN" sz="3600" dirty="0" err="1"/>
+              <a:t>pd.read_excel</a:t>
+            </a:r>
+            <a:r>
+              <a:rPr lang="en-GB" altLang="zh-CN" sz="3600" dirty="0"/>
+              <a:t>(</a:t>
+            </a:r>
+            <a:br>
+              <a:rPr lang="en-GB" altLang="zh-CN" sz="3600" dirty="0"/>
+            </a:br>
+            <a:r>
+              <a:rPr lang="en-GB" altLang="zh-CN" sz="3600" dirty="0"/>
+              <a:t>    </a:t>
+            </a:r>
+            <a:r>
+              <a:rPr lang="en-GB" altLang="zh-CN" sz="3600" dirty="0" err="1"/>
+              <a:t>fname</a:t>
+            </a:r>
+            <a:r>
+              <a:rPr lang="en-GB" altLang="zh-CN" sz="3600" dirty="0"/>
+              <a:t>,</a:t>
+            </a:r>
+            <a:br>
+              <a:rPr lang="en-GB" altLang="zh-CN" sz="3600" dirty="0"/>
+            </a:br>
+            <a:r>
+              <a:rPr lang="en-GB" altLang="zh-CN" sz="3600" dirty="0"/>
+              <a:t>    </a:t>
+            </a:r>
+            <a:r>
+              <a:rPr lang="en-GB" altLang="zh-CN" sz="3600" dirty="0">
+                <a:solidFill>
+                  <a:srgbClr val="660099"/>
+                </a:solidFill>
+              </a:rPr>
+              <a:t>header</a:t>
+            </a:r>
+            <a:r>
+              <a:rPr lang="en-GB" altLang="zh-CN" sz="3600" dirty="0"/>
+              <a:t>=</a:t>
+            </a:r>
+            <a:r>
+              <a:rPr lang="en-GB" altLang="zh-CN" sz="3600" dirty="0">
+                <a:solidFill>
+                  <a:srgbClr val="0033B3"/>
+                </a:solidFill>
+              </a:rPr>
+              <a:t>None</a:t>
+            </a:r>
+            <a:r>
+              <a:rPr lang="en-GB" altLang="zh-CN" sz="3600" dirty="0"/>
+              <a:t>,</a:t>
+            </a:r>
+            <a:br>
+              <a:rPr lang="en-GB" altLang="zh-CN" sz="3600" dirty="0"/>
+            </a:br>
+            <a:r>
+              <a:rPr lang="en-GB" altLang="zh-CN" sz="3600" dirty="0"/>
+              <a:t>    </a:t>
+            </a:r>
+            <a:r>
+              <a:rPr lang="en-GB" altLang="zh-CN" sz="3600" dirty="0" err="1">
+                <a:solidFill>
+                  <a:srgbClr val="660099"/>
+                </a:solidFill>
+              </a:rPr>
+              <a:t>sheet_name</a:t>
+            </a:r>
+            <a:r>
+              <a:rPr lang="en-GB" altLang="zh-CN" sz="3600" dirty="0"/>
+              <a:t>=</a:t>
+            </a:r>
+            <a:r>
+              <a:rPr lang="en-GB" altLang="zh-CN" sz="3600" dirty="0">
+                <a:solidFill>
+                  <a:srgbClr val="0033B3"/>
+                </a:solidFill>
+              </a:rPr>
+              <a:t>None</a:t>
+            </a:r>
+            <a:br>
+              <a:rPr lang="en-GB" altLang="zh-CN" sz="3600" dirty="0">
+                <a:solidFill>
+                  <a:srgbClr val="0033B3"/>
+                </a:solidFill>
+              </a:rPr>
+            </a:br>
+            <a:r>
+              <a:rPr lang="en-GB" altLang="zh-CN" sz="3600" dirty="0"/>
+              <a:t>)</a:t>
+            </a:r>
+            <a:endParaRPr lang="zh-CN" altLang="en-US" sz="3600" dirty="0"/>
+          </a:p>
+        </p:txBody>
+      </p:sp>
+      <p:sp>
+        <p:nvSpPr>
+          <p:cNvPr id="3" name="文本框 2"/>
+          <p:cNvSpPr txBox="1"/>
+          <p:nvPr/>
+        </p:nvSpPr>
+        <p:spPr>
+          <a:xfrm>
+            <a:off x="6280558" y="1450577"/>
+            <a:ext cx="1672253" cy="369332"/>
+          </a:xfrm>
+          <a:prstGeom prst="rect">
+            <a:avLst/>
+          </a:prstGeom>
+          <a:noFill/>
+        </p:spPr>
+        <p:txBody>
+          <a:bodyPr wrap="none" rtlCol="0">
+            <a:spAutoFit/>
+          </a:bodyPr>
+          <a:lstStyle/>
+          <a:p>
+            <a:r>
+              <a:rPr kumimoji="1" lang="en-US" altLang="zh-CN" dirty="0">
+                <a:latin typeface="+mn-ea"/>
+              </a:rPr>
+              <a:t>Excel</a:t>
+            </a:r>
+            <a:r>
+              <a:rPr kumimoji="1" lang="zh-CN" altLang="en-US" dirty="0">
+                <a:latin typeface="+mn-ea"/>
+              </a:rPr>
+              <a:t>的文件名</a:t>
+            </a:r>
+            <a:endParaRPr kumimoji="1" lang="zh-CN" altLang="en-US" dirty="0">
+              <a:latin typeface="+mn-ea"/>
+            </a:endParaRPr>
+          </a:p>
+        </p:txBody>
+      </p:sp>
+      <p:cxnSp>
+        <p:nvCxnSpPr>
+          <p:cNvPr id="8" name="直线箭头连接符 7"/>
+          <p:cNvCxnSpPr/>
+          <p:nvPr/>
+        </p:nvCxnSpPr>
+        <p:spPr>
+          <a:xfrm flipH="1">
+            <a:off x="2827090" y="1710636"/>
+            <a:ext cx="3277299" cy="1189139"/>
+          </a:xfrm>
+          <a:prstGeom prst="straightConnector1">
+            <a:avLst/>
+          </a:prstGeom>
+          <a:ln>
+            <a:tailEnd type="triangle"/>
+          </a:ln>
+        </p:spPr>
+        <p:style>
+          <a:lnRef idx="3">
+            <a:schemeClr val="accent2"/>
+          </a:lnRef>
+          <a:fillRef idx="0">
+            <a:schemeClr val="accent2"/>
+          </a:fillRef>
+          <a:effectRef idx="2">
+            <a:schemeClr val="accent2"/>
+          </a:effectRef>
+          <a:fontRef idx="minor">
+            <a:schemeClr val="tx1"/>
+          </a:fontRef>
+        </p:style>
+      </p:cxnSp>
+      <p:sp>
+        <p:nvSpPr>
+          <p:cNvPr id="12" name="文本框 11"/>
+          <p:cNvSpPr txBox="1"/>
+          <p:nvPr/>
+        </p:nvSpPr>
+        <p:spPr>
+          <a:xfrm>
+            <a:off x="6820225" y="2586637"/>
+            <a:ext cx="4564070" cy="369332"/>
+          </a:xfrm>
+          <a:prstGeom prst="rect">
+            <a:avLst/>
+          </a:prstGeom>
+          <a:noFill/>
+        </p:spPr>
+        <p:txBody>
+          <a:bodyPr wrap="none" rtlCol="0">
+            <a:spAutoFit/>
+          </a:bodyPr>
+          <a:lstStyle/>
+          <a:p>
+            <a:r>
+              <a:rPr kumimoji="1" lang="zh-CN" altLang="en-US" dirty="0">
+                <a:latin typeface="+mn-ea"/>
+              </a:rPr>
+              <a:t>如果表格内容没有</a:t>
+            </a:r>
+            <a:r>
+              <a:rPr kumimoji="1" lang="en-US" altLang="zh-CN" dirty="0">
+                <a:latin typeface="+mn-ea"/>
+              </a:rPr>
+              <a:t>header</a:t>
+            </a:r>
+            <a:r>
+              <a:rPr kumimoji="1" lang="zh-CN" altLang="en-US" dirty="0">
+                <a:latin typeface="+mn-ea"/>
+              </a:rPr>
+              <a:t>，则设置为</a:t>
+            </a:r>
+            <a:r>
+              <a:rPr kumimoji="1" lang="en-US" altLang="zh-CN" dirty="0">
+                <a:latin typeface="+mn-ea"/>
+              </a:rPr>
+              <a:t>None</a:t>
+            </a:r>
+            <a:endParaRPr kumimoji="1" lang="zh-CN" altLang="en-US" dirty="0">
+              <a:latin typeface="+mn-ea"/>
+            </a:endParaRPr>
+          </a:p>
+        </p:txBody>
+      </p:sp>
+      <p:cxnSp>
+        <p:nvCxnSpPr>
+          <p:cNvPr id="13" name="直线箭头连接符 12"/>
+          <p:cNvCxnSpPr/>
+          <p:nvPr/>
+        </p:nvCxnSpPr>
+        <p:spPr>
+          <a:xfrm flipH="1">
+            <a:off x="4272107" y="2899775"/>
+            <a:ext cx="2425106" cy="558274"/>
+          </a:xfrm>
+          <a:prstGeom prst="straightConnector1">
+            <a:avLst/>
+          </a:prstGeom>
+          <a:ln>
+            <a:tailEnd type="triangle"/>
+          </a:ln>
+        </p:spPr>
+        <p:style>
+          <a:lnRef idx="3">
+            <a:schemeClr val="accent2"/>
+          </a:lnRef>
+          <a:fillRef idx="0">
+            <a:schemeClr val="accent2"/>
+          </a:fillRef>
+          <a:effectRef idx="2">
+            <a:schemeClr val="accent2"/>
+          </a:effectRef>
+          <a:fontRef idx="minor">
+            <a:schemeClr val="tx1"/>
+          </a:fontRef>
+        </p:style>
+      </p:cxnSp>
+      <p:sp>
+        <p:nvSpPr>
+          <p:cNvPr id="17" name="文本框 16"/>
+          <p:cNvSpPr txBox="1"/>
+          <p:nvPr/>
+        </p:nvSpPr>
+        <p:spPr>
+          <a:xfrm>
+            <a:off x="5962880" y="3828856"/>
+            <a:ext cx="6041813" cy="2031325"/>
+          </a:xfrm>
+          <a:prstGeom prst="rect">
+            <a:avLst/>
+          </a:prstGeom>
+          <a:noFill/>
+        </p:spPr>
+        <p:txBody>
+          <a:bodyPr wrap="square" rtlCol="0">
+            <a:spAutoFit/>
+          </a:bodyPr>
+          <a:lstStyle/>
+          <a:p>
+            <a:r>
+              <a:rPr kumimoji="1" lang="zh-CN" altLang="en-US" dirty="0">
+                <a:latin typeface="+mn-ea"/>
+              </a:rPr>
+              <a:t>用于读取多</a:t>
+            </a:r>
+            <a:r>
+              <a:rPr kumimoji="1" lang="en-US" altLang="zh-CN" dirty="0">
+                <a:latin typeface="+mn-ea"/>
+              </a:rPr>
+              <a:t>Sheet</a:t>
+            </a:r>
+            <a:r>
+              <a:rPr kumimoji="1" lang="zh-CN" altLang="en-US" dirty="0">
+                <a:latin typeface="+mn-ea"/>
+              </a:rPr>
+              <a:t>，有多种取值：</a:t>
+            </a:r>
+            <a:endParaRPr kumimoji="1" lang="en-US" altLang="zh-CN" dirty="0">
+              <a:latin typeface="+mn-ea"/>
+            </a:endParaRPr>
+          </a:p>
+          <a:p>
+            <a:pPr marL="342900" indent="-342900">
+              <a:buAutoNum type="arabicPeriod"/>
+            </a:pPr>
+            <a:r>
+              <a:rPr kumimoji="1" lang="zh-CN" altLang="en-US" dirty="0">
+                <a:latin typeface="+mn-ea"/>
+              </a:rPr>
+              <a:t>默认等于</a:t>
+            </a:r>
+            <a:r>
+              <a:rPr kumimoji="1" lang="en-US" altLang="zh-CN" dirty="0">
+                <a:latin typeface="+mn-ea"/>
+              </a:rPr>
+              <a:t>0</a:t>
+            </a:r>
+            <a:r>
+              <a:rPr kumimoji="1" lang="zh-CN" altLang="en-US" dirty="0">
+                <a:latin typeface="+mn-ea"/>
+              </a:rPr>
+              <a:t>，代表只读取第一个</a:t>
+            </a:r>
+            <a:r>
+              <a:rPr kumimoji="1" lang="en-US" altLang="zh-CN" dirty="0">
+                <a:latin typeface="+mn-ea"/>
+              </a:rPr>
+              <a:t>sheet</a:t>
+            </a:r>
+            <a:endParaRPr kumimoji="1" lang="en-US" altLang="zh-CN" dirty="0">
+              <a:latin typeface="+mn-ea"/>
+            </a:endParaRPr>
+          </a:p>
+          <a:p>
+            <a:pPr marL="342900" indent="-342900">
+              <a:buAutoNum type="arabicPeriod"/>
+            </a:pPr>
+            <a:r>
+              <a:rPr kumimoji="1" lang="zh-CN" altLang="en-US" dirty="0">
+                <a:latin typeface="+mn-ea"/>
+              </a:rPr>
+              <a:t>如果传字符串比如</a:t>
+            </a:r>
+            <a:r>
+              <a:rPr lang="en-GB" altLang="zh-CN" dirty="0"/>
+              <a:t>“Sheet1”</a:t>
+            </a:r>
+            <a:r>
+              <a:rPr lang="zh-CN" altLang="en-US" dirty="0"/>
+              <a:t>，则只读取这个</a:t>
+            </a:r>
+            <a:r>
+              <a:rPr lang="en-US" altLang="zh-CN" dirty="0"/>
+              <a:t>Sheet</a:t>
+            </a:r>
+            <a:endParaRPr lang="en-US" altLang="zh-CN" dirty="0"/>
+          </a:p>
+          <a:p>
+            <a:pPr marL="342900" indent="-342900">
+              <a:buAutoNum type="arabicPeriod"/>
+            </a:pPr>
+            <a:r>
+              <a:rPr kumimoji="1" lang="zh-CN" altLang="en-US" dirty="0">
+                <a:latin typeface="+mn-ea"/>
+              </a:rPr>
+              <a:t>如果是数字列表，比如</a:t>
+            </a:r>
+            <a:r>
+              <a:rPr kumimoji="1" lang="en-US" altLang="zh-CN" dirty="0">
+                <a:latin typeface="+mn-ea"/>
+              </a:rPr>
+              <a:t>[0,</a:t>
+            </a:r>
+            <a:r>
+              <a:rPr kumimoji="1" lang="zh-CN" altLang="en-US" dirty="0">
+                <a:latin typeface="+mn-ea"/>
+              </a:rPr>
+              <a:t> </a:t>
+            </a:r>
+            <a:r>
+              <a:rPr kumimoji="1" lang="en-US" altLang="zh-CN" dirty="0">
+                <a:latin typeface="+mn-ea"/>
+              </a:rPr>
+              <a:t>2]</a:t>
+            </a:r>
+            <a:r>
+              <a:rPr kumimoji="1" lang="zh-CN" altLang="en-US" dirty="0">
+                <a:latin typeface="+mn-ea"/>
+              </a:rPr>
+              <a:t>则读取这两个序号的</a:t>
+            </a:r>
+            <a:r>
+              <a:rPr kumimoji="1" lang="en-US" altLang="zh-CN" dirty="0">
+                <a:latin typeface="+mn-ea"/>
+              </a:rPr>
+              <a:t>Sheet</a:t>
+            </a:r>
+            <a:endParaRPr kumimoji="1" lang="en-US" altLang="zh-CN" dirty="0">
+              <a:latin typeface="+mn-ea"/>
+            </a:endParaRPr>
+          </a:p>
+          <a:p>
+            <a:pPr marL="342900" indent="-342900">
+              <a:buAutoNum type="arabicPeriod"/>
+            </a:pPr>
+            <a:r>
+              <a:rPr kumimoji="1" lang="zh-CN" altLang="en-US" dirty="0">
+                <a:latin typeface="+mn-ea"/>
+              </a:rPr>
+              <a:t>如果是字符串列表，比如</a:t>
+            </a:r>
+            <a:r>
+              <a:rPr kumimoji="1" lang="en-US" altLang="zh-CN" dirty="0">
+                <a:latin typeface="+mn-ea"/>
+              </a:rPr>
+              <a:t>[</a:t>
+            </a:r>
+            <a:r>
+              <a:rPr lang="en-GB" altLang="zh-CN" dirty="0"/>
+              <a:t>“a”, “b”</a:t>
+            </a:r>
+            <a:r>
+              <a:rPr kumimoji="1" lang="en-US" altLang="zh-CN" dirty="0">
+                <a:latin typeface="+mn-ea"/>
+              </a:rPr>
+              <a:t>]</a:t>
+            </a:r>
+            <a:r>
+              <a:rPr kumimoji="1" lang="zh-CN" altLang="en-US" dirty="0">
+                <a:latin typeface="+mn-ea"/>
+              </a:rPr>
+              <a:t>则读取这两个</a:t>
+            </a:r>
+            <a:r>
+              <a:rPr kumimoji="1" lang="en-US" altLang="zh-CN" dirty="0">
+                <a:latin typeface="+mn-ea"/>
+              </a:rPr>
+              <a:t>Sheet</a:t>
+            </a:r>
+            <a:endParaRPr kumimoji="1" lang="en-US" altLang="zh-CN" dirty="0">
+              <a:latin typeface="+mn-ea"/>
+            </a:endParaRPr>
+          </a:p>
+          <a:p>
+            <a:pPr marL="342900" indent="-342900">
+              <a:buAutoNum type="arabicPeriod"/>
+            </a:pPr>
+            <a:r>
+              <a:rPr kumimoji="1" lang="zh-CN" altLang="en-US" dirty="0">
+                <a:latin typeface="+mn-ea"/>
+              </a:rPr>
+              <a:t>如果为</a:t>
+            </a:r>
+            <a:r>
+              <a:rPr kumimoji="1" lang="en-US" altLang="zh-CN" dirty="0">
+                <a:latin typeface="+mn-ea"/>
+              </a:rPr>
+              <a:t>None</a:t>
+            </a:r>
+            <a:r>
+              <a:rPr kumimoji="1" lang="zh-CN" altLang="en-US" dirty="0">
+                <a:latin typeface="+mn-ea"/>
+              </a:rPr>
+              <a:t>则返回所有</a:t>
+            </a:r>
+            <a:r>
+              <a:rPr kumimoji="1" lang="en-US" altLang="zh-CN" dirty="0">
+                <a:latin typeface="+mn-ea"/>
+              </a:rPr>
+              <a:t>Sheet</a:t>
+            </a:r>
+            <a:r>
+              <a:rPr kumimoji="1" lang="zh-CN" altLang="en-US" dirty="0">
+                <a:latin typeface="+mn-ea"/>
+              </a:rPr>
+              <a:t>，形式为字典，</a:t>
+            </a:r>
+            <a:r>
+              <a:rPr kumimoji="1" lang="en-US" altLang="zh-CN" dirty="0">
+                <a:latin typeface="+mn-ea"/>
+              </a:rPr>
+              <a:t>key</a:t>
+            </a:r>
+            <a:r>
+              <a:rPr kumimoji="1" lang="zh-CN" altLang="en-US" dirty="0">
+                <a:latin typeface="+mn-ea"/>
+              </a:rPr>
+              <a:t>是</a:t>
+            </a:r>
+            <a:r>
+              <a:rPr kumimoji="1" lang="en-US" altLang="zh-CN" dirty="0" err="1">
+                <a:latin typeface="+mn-ea"/>
+              </a:rPr>
+              <a:t>sheet_name</a:t>
+            </a:r>
+            <a:r>
+              <a:rPr kumimoji="1" lang="zh-CN" altLang="en-US" dirty="0">
+                <a:latin typeface="+mn-ea"/>
+              </a:rPr>
+              <a:t>，</a:t>
+            </a:r>
+            <a:r>
+              <a:rPr kumimoji="1" lang="en-US" altLang="zh-CN" dirty="0">
+                <a:latin typeface="+mn-ea"/>
+              </a:rPr>
+              <a:t>value</a:t>
+            </a:r>
+            <a:r>
+              <a:rPr kumimoji="1" lang="zh-CN" altLang="en-US" dirty="0">
+                <a:latin typeface="+mn-ea"/>
+              </a:rPr>
+              <a:t>为</a:t>
+            </a:r>
+            <a:r>
+              <a:rPr kumimoji="1" lang="en-US" altLang="zh-CN" dirty="0" err="1">
+                <a:latin typeface="+mn-ea"/>
+              </a:rPr>
+              <a:t>dataframe</a:t>
+            </a:r>
+            <a:endParaRPr kumimoji="1" lang="zh-CN" altLang="en-US" dirty="0">
+              <a:latin typeface="+mn-ea"/>
+            </a:endParaRPr>
+          </a:p>
+        </p:txBody>
+      </p:sp>
+      <p:cxnSp>
+        <p:nvCxnSpPr>
+          <p:cNvPr id="18" name="直线箭头连接符 17"/>
+          <p:cNvCxnSpPr>
+            <a:stCxn id="17" idx="1"/>
+          </p:cNvCxnSpPr>
+          <p:nvPr/>
+        </p:nvCxnSpPr>
+        <p:spPr>
+          <a:xfrm flipH="1" flipV="1">
+            <a:off x="4263766" y="4330936"/>
+            <a:ext cx="1699114" cy="513583"/>
+          </a:xfrm>
+          <a:prstGeom prst="straightConnector1">
+            <a:avLst/>
+          </a:prstGeom>
+          <a:ln>
+            <a:tailEnd type="triangle"/>
+          </a:ln>
+        </p:spPr>
+        <p:style>
+          <a:lnRef idx="3">
+            <a:schemeClr val="accent2"/>
+          </a:lnRef>
+          <a:fillRef idx="0">
+            <a:schemeClr val="accent2"/>
+          </a:fillRef>
+          <a:effectRef idx="2">
+            <a:schemeClr val="accent2"/>
+          </a:effectRef>
+          <a:fontRef idx="minor">
+            <a:schemeClr val="tx1"/>
+          </a:fontRef>
+        </p:style>
+      </p:cxnSp>
+      <p:sp>
+        <p:nvSpPr>
+          <p:cNvPr id="21" name="文本框 20"/>
+          <p:cNvSpPr txBox="1"/>
+          <p:nvPr/>
+        </p:nvSpPr>
+        <p:spPr>
+          <a:xfrm>
+            <a:off x="682305" y="6010009"/>
+            <a:ext cx="10005269" cy="646331"/>
+          </a:xfrm>
+          <a:prstGeom prst="rect">
+            <a:avLst/>
+          </a:prstGeom>
+          <a:solidFill>
+            <a:schemeClr val="accent3">
+              <a:lumMod val="60000"/>
+              <a:lumOff val="40000"/>
+            </a:schemeClr>
+          </a:solidFill>
+        </p:spPr>
+        <p:txBody>
+          <a:bodyPr wrap="square" rtlCol="0">
+            <a:spAutoFit/>
+          </a:bodyPr>
+          <a:lstStyle/>
+          <a:p>
+            <a:r>
+              <a:rPr kumimoji="1" lang="en-US" altLang="zh-CN" sz="3600" dirty="0">
+                <a:solidFill>
+                  <a:schemeClr val="tx1">
+                    <a:lumMod val="95000"/>
+                    <a:lumOff val="5000"/>
+                  </a:schemeClr>
+                </a:solidFill>
+                <a:latin typeface="+mj-ea"/>
+                <a:ea typeface="+mj-ea"/>
+              </a:rPr>
+              <a:t>Pandas</a:t>
+            </a:r>
+            <a:r>
+              <a:rPr kumimoji="1" lang="zh-CN" altLang="en-US" sz="3600" dirty="0">
+                <a:solidFill>
+                  <a:schemeClr val="tx1">
+                    <a:lumMod val="95000"/>
+                    <a:lumOff val="5000"/>
+                  </a:schemeClr>
+                </a:solidFill>
+                <a:latin typeface="+mj-ea"/>
+                <a:ea typeface="+mj-ea"/>
+              </a:rPr>
+              <a:t>函数：</a:t>
+            </a:r>
+            <a:r>
+              <a:rPr kumimoji="1" lang="en-US" altLang="zh-CN" sz="3600" dirty="0" err="1">
+                <a:solidFill>
+                  <a:schemeClr val="tx1">
+                    <a:lumMod val="95000"/>
+                    <a:lumOff val="5000"/>
+                  </a:schemeClr>
+                </a:solidFill>
+                <a:latin typeface="+mj-ea"/>
+                <a:ea typeface="+mj-ea"/>
+              </a:rPr>
+              <a:t>pd.concat</a:t>
+            </a:r>
+            <a:r>
+              <a:rPr kumimoji="1" lang="zh-CN" altLang="en-US" sz="3600" dirty="0">
+                <a:solidFill>
+                  <a:schemeClr val="tx1">
+                    <a:lumMod val="95000"/>
+                    <a:lumOff val="5000"/>
+                  </a:schemeClr>
+                </a:solidFill>
+                <a:latin typeface="+mj-ea"/>
+                <a:ea typeface="+mj-ea"/>
+              </a:rPr>
+              <a:t>，合并多个</a:t>
+            </a:r>
+            <a:r>
+              <a:rPr kumimoji="1" lang="en-US" altLang="zh-CN" sz="3600" dirty="0" err="1">
+                <a:solidFill>
+                  <a:schemeClr val="tx1">
+                    <a:lumMod val="95000"/>
+                    <a:lumOff val="5000"/>
+                  </a:schemeClr>
+                </a:solidFill>
+                <a:latin typeface="+mj-ea"/>
+                <a:ea typeface="+mj-ea"/>
+              </a:rPr>
+              <a:t>DataFrame</a:t>
+            </a:r>
+            <a:endParaRPr kumimoji="1" lang="zh-CN" altLang="en-US" sz="3600" dirty="0">
+              <a:solidFill>
+                <a:schemeClr val="tx1">
+                  <a:lumMod val="95000"/>
+                  <a:lumOff val="5000"/>
+                </a:schemeClr>
+              </a:solidFill>
+              <a:latin typeface="+mj-ea"/>
+              <a:ea typeface="+mj-ea"/>
+            </a:endParaRPr>
+          </a:p>
+        </p:txBody>
+      </p:sp>
+    </p:spTree>
+  </p:cSld>
+  <p:clrMapOvr>
+    <a:masterClrMapping/>
+  </p:clrMapOvr>
+</p:sld>
+</file>
+
+<file path=ppt/slides/slide72.xml><?xml version="1.0" encoding="utf-8"?>
+<p:sld xmlns:a="http://schemas.openxmlformats.org/drawingml/2006/main" xmlns:r="http://schemas.openxmlformats.org/officeDocument/2006/relationships" xmlns:p="http://schemas.openxmlformats.org/presentationml/2006/main">
+  <p:cSld>
+    <p:spTree>
+      <p:nvGrpSpPr>
+        <p:cNvPr id="1" name=""/>
+        <p:cNvGrpSpPr/>
+        <p:nvPr/>
+      </p:nvGrpSpPr>
+      <p:grpSpPr>
+        <a:xfrm>
+          <a:off x="0" y="0"/>
+          <a:ext cx="0" cy="0"/>
+          <a:chOff x="0" y="0"/>
+          <a:chExt cx="0" cy="0"/>
+        </a:xfrm>
+      </p:grpSpPr>
+      <p:sp>
+        <p:nvSpPr>
+          <p:cNvPr id="2" name="内容占位符 1"/>
+          <p:cNvSpPr>
+            <a:spLocks noGrp="1"/>
+          </p:cNvSpPr>
+          <p:nvPr>
+            <p:ph sz="quarter" idx="13"/>
+          </p:nvPr>
+        </p:nvSpPr>
+        <p:spPr>
+          <a:xfrm>
+            <a:off x="1468755" y="840740"/>
+            <a:ext cx="10045065" cy="5175885"/>
+          </a:xfrm>
+          <a:ln>
+            <a:noFill/>
+          </a:ln>
+        </p:spPr>
+        <p:txBody>
+          <a:bodyPr>
+            <a:noAutofit/>
+          </a:bodyPr>
+          <a:lstStyle/>
+          <a:p>
+            <a:pPr marL="0" indent="0">
+              <a:buNone/>
+            </a:pPr>
+            <a:r>
+              <a:rPr kumimoji="1" lang="en-US" altLang="zh-CN" sz="9600" b="1" dirty="0">
+                <a:solidFill>
+                  <a:srgbClr val="00B050"/>
+                </a:solidFill>
+                <a:latin typeface="+mn-ea"/>
+                <a:ea typeface="+mn-ea"/>
+                <a:cs typeface="+mn-ea"/>
+              </a:rPr>
+              <a:t>Pandas</a:t>
+            </a:r>
+            <a:endParaRPr kumimoji="1" lang="en-US" altLang="zh-CN" sz="7200" b="1" dirty="0">
+              <a:solidFill>
+                <a:srgbClr val="00B050"/>
+              </a:solidFill>
+              <a:latin typeface="+mn-ea"/>
+              <a:ea typeface="+mn-ea"/>
+              <a:cs typeface="+mn-ea"/>
+            </a:endParaRPr>
+          </a:p>
+          <a:p>
+            <a:pPr marL="0" indent="0">
+              <a:buNone/>
+            </a:pPr>
+            <a:r>
+              <a:rPr kumimoji="1" sz="7200" spc="0" dirty="0">
+                <a:ln w="0"/>
+                <a:solidFill>
+                  <a:schemeClr val="tx1"/>
+                </a:solidFill>
+                <a:effectLst>
+                  <a:outerShdw blurRad="38100" dist="19050" dir="2700000" algn="tl" rotWithShape="0">
+                    <a:schemeClr val="dk1">
+                      <a:alpha val="40000"/>
+                    </a:schemeClr>
+                  </a:outerShdw>
+                </a:effectLst>
+                <a:latin typeface="+mn-ea"/>
+                <a:ea typeface="+mn-ea"/>
+                <a:cs typeface="+mn-ea"/>
+              </a:rPr>
+              <a:t>实现模糊匹配</a:t>
+            </a:r>
+            <a:endParaRPr kumimoji="1" sz="7200" spc="0" dirty="0">
+              <a:ln w="0"/>
+              <a:solidFill>
+                <a:schemeClr val="tx1"/>
+              </a:solidFill>
+              <a:effectLst>
+                <a:outerShdw blurRad="38100" dist="19050" dir="2700000" algn="tl" rotWithShape="0">
+                  <a:schemeClr val="dk1">
+                    <a:alpha val="40000"/>
+                  </a:schemeClr>
+                </a:outerShdw>
+              </a:effectLst>
+              <a:latin typeface="+mn-ea"/>
+              <a:ea typeface="+mn-ea"/>
+              <a:cs typeface="+mn-ea"/>
+            </a:endParaRPr>
+          </a:p>
+          <a:p>
+            <a:pPr marL="0" indent="0">
+              <a:buNone/>
+            </a:pPr>
+            <a:r>
+              <a:rPr kumimoji="1" sz="7200" spc="0" dirty="0">
+                <a:ln w="0"/>
+                <a:solidFill>
+                  <a:schemeClr val="tx1"/>
+                </a:solidFill>
+                <a:effectLst>
+                  <a:outerShdw blurRad="38100" dist="19050" dir="2700000" algn="tl" rotWithShape="0">
+                    <a:schemeClr val="dk1">
+                      <a:alpha val="40000"/>
+                    </a:schemeClr>
+                  </a:outerShdw>
+                </a:effectLst>
+                <a:latin typeface="+mn-ea"/>
+                <a:ea typeface="+mn-ea"/>
+                <a:cs typeface="+mn-ea"/>
+              </a:rPr>
+              <a:t>Merge数据的方法</a:t>
+            </a:r>
+            <a:endParaRPr kumimoji="1" sz="7200" spc="0" dirty="0">
+              <a:ln w="0"/>
+              <a:solidFill>
+                <a:schemeClr val="tx1"/>
+              </a:solidFill>
+              <a:effectLst>
+                <a:outerShdw blurRad="38100" dist="19050" dir="2700000" algn="tl" rotWithShape="0">
+                  <a:schemeClr val="dk1">
+                    <a:alpha val="40000"/>
+                  </a:schemeClr>
+                </a:outerShdw>
+              </a:effectLst>
+              <a:latin typeface="+mn-ea"/>
+              <a:ea typeface="+mn-ea"/>
+              <a:cs typeface="+mn-ea"/>
+            </a:endParaRPr>
+          </a:p>
+        </p:txBody>
+      </p:sp>
+    </p:spTree>
+  </p:cSld>
+  <p:clrMapOvr>
+    <a:masterClrMapping/>
+  </p:clrMapOvr>
+</p:sld>
+</file>
+
+<file path=ppt/slides/slide73.xml><?xml version="1.0" encoding="utf-8"?>
+<p:sld xmlns:a="http://schemas.openxmlformats.org/drawingml/2006/main" xmlns:r="http://schemas.openxmlformats.org/officeDocument/2006/relationships" xmlns:p="http://schemas.openxmlformats.org/presentationml/2006/main">
+  <p:cSld>
+    <p:spTree>
+      <p:nvGrpSpPr>
+        <p:cNvPr id="1" name=""/>
+        <p:cNvGrpSpPr/>
+        <p:nvPr/>
+      </p:nvGrpSpPr>
+      <p:grpSpPr>
+        <a:xfrm>
+          <a:off x="0" y="0"/>
+          <a:ext cx="0" cy="0"/>
+          <a:chOff x="0" y="0"/>
+          <a:chExt cx="0" cy="0"/>
+        </a:xfrm>
+      </p:grpSpPr>
+      <p:sp>
+        <p:nvSpPr>
+          <p:cNvPr id="4" name="文本框 3"/>
+          <p:cNvSpPr txBox="1"/>
+          <p:nvPr/>
+        </p:nvSpPr>
+        <p:spPr>
+          <a:xfrm>
+            <a:off x="711835" y="438785"/>
+            <a:ext cx="9834880" cy="706755"/>
+          </a:xfrm>
+          <a:prstGeom prst="rect">
+            <a:avLst/>
+          </a:prstGeom>
+          <a:noFill/>
+        </p:spPr>
+        <p:txBody>
+          <a:bodyPr wrap="none" rtlCol="0">
+            <a:spAutoFit/>
+            <a:scene3d>
+              <a:camera prst="orthographicFront"/>
+              <a:lightRig rig="threePt" dir="t"/>
+            </a:scene3d>
+          </a:bodyPr>
+          <a:p>
+            <a:r>
+              <a:rPr lang="zh-CN" altLang="en-US" sz="4000">
+                <a:ln/>
+                <a:solidFill>
+                  <a:schemeClr val="tx1"/>
+                </a:solidFill>
+                <a:effectLst>
+                  <a:outerShdw blurRad="38100" dist="19050" dir="2700000" algn="tl" rotWithShape="0">
+                    <a:schemeClr val="dk1">
+                      <a:alpha val="40000"/>
+                    </a:schemeClr>
+                  </a:outerShdw>
+                </a:effectLst>
+              </a:rPr>
+              <a:t>问题定义：两列不是相等匹配而是模糊匹配</a:t>
+            </a:r>
+            <a:endParaRPr lang="zh-CN" altLang="en-US" sz="4000">
+              <a:ln/>
+              <a:solidFill>
+                <a:schemeClr val="tx1"/>
+              </a:solidFill>
+              <a:effectLst>
+                <a:outerShdw blurRad="38100" dist="19050" dir="2700000" algn="tl" rotWithShape="0">
+                  <a:schemeClr val="dk1">
+                    <a:alpha val="40000"/>
+                  </a:schemeClr>
+                </a:outerShdw>
+              </a:effectLst>
+            </a:endParaRPr>
+          </a:p>
+        </p:txBody>
+      </p:sp>
+      <p:pic>
+        <p:nvPicPr>
+          <p:cNvPr id="5" name="图片 4"/>
+          <p:cNvPicPr>
+            <a:picLocks noChangeAspect="1"/>
+          </p:cNvPicPr>
+          <p:nvPr/>
+        </p:nvPicPr>
+        <p:blipFill>
+          <a:blip r:embed="rId1"/>
+          <a:stretch>
+            <a:fillRect/>
+          </a:stretch>
+        </p:blipFill>
+        <p:spPr>
+          <a:xfrm>
+            <a:off x="914400" y="3089910"/>
+            <a:ext cx="2105025" cy="2438400"/>
+          </a:xfrm>
+          <a:prstGeom prst="rect">
+            <a:avLst/>
+          </a:prstGeom>
+        </p:spPr>
+      </p:pic>
+      <p:pic>
+        <p:nvPicPr>
+          <p:cNvPr id="6" name="图片 5"/>
+          <p:cNvPicPr>
+            <a:picLocks noChangeAspect="1"/>
+          </p:cNvPicPr>
+          <p:nvPr/>
+        </p:nvPicPr>
+        <p:blipFill>
+          <a:blip r:embed="rId2"/>
+          <a:stretch>
+            <a:fillRect/>
+          </a:stretch>
+        </p:blipFill>
+        <p:spPr>
+          <a:xfrm>
+            <a:off x="6282055" y="2599690"/>
+            <a:ext cx="4733925" cy="3419475"/>
+          </a:xfrm>
+          <a:prstGeom prst="rect">
+            <a:avLst/>
+          </a:prstGeom>
+        </p:spPr>
+      </p:pic>
+      <p:sp>
+        <p:nvSpPr>
+          <p:cNvPr id="7" name="文本框 6"/>
+          <p:cNvSpPr txBox="1"/>
+          <p:nvPr/>
+        </p:nvSpPr>
+        <p:spPr>
+          <a:xfrm>
+            <a:off x="1417955" y="2599690"/>
+            <a:ext cx="1097280" cy="368300"/>
+          </a:xfrm>
+          <a:prstGeom prst="rect">
+            <a:avLst/>
+          </a:prstGeom>
+          <a:solidFill>
+            <a:schemeClr val="accent2"/>
+          </a:solidFill>
+        </p:spPr>
+        <p:txBody>
+          <a:bodyPr wrap="none" rtlCol="0">
+            <a:spAutoFit/>
+          </a:bodyPr>
+          <a:p>
+            <a:r>
+              <a:rPr lang="zh-CN" altLang="en-US">
+                <a:solidFill>
+                  <a:schemeClr val="bg1"/>
+                </a:solidFill>
+              </a:rPr>
+              <a:t>关键词表</a:t>
+            </a:r>
+            <a:endParaRPr lang="zh-CN" altLang="en-US">
+              <a:solidFill>
+                <a:schemeClr val="bg1"/>
+              </a:solidFill>
+            </a:endParaRPr>
+          </a:p>
+        </p:txBody>
+      </p:sp>
+      <p:sp>
+        <p:nvSpPr>
+          <p:cNvPr id="9" name="文本框 8"/>
+          <p:cNvSpPr txBox="1"/>
+          <p:nvPr/>
+        </p:nvSpPr>
+        <p:spPr>
+          <a:xfrm>
+            <a:off x="8359140" y="2127885"/>
+            <a:ext cx="868680" cy="368300"/>
+          </a:xfrm>
+          <a:prstGeom prst="rect">
+            <a:avLst/>
+          </a:prstGeom>
+          <a:solidFill>
+            <a:schemeClr val="accent2"/>
+          </a:solidFill>
+        </p:spPr>
+        <p:txBody>
+          <a:bodyPr wrap="none" rtlCol="0">
+            <a:spAutoFit/>
+          </a:bodyPr>
+          <a:p>
+            <a:r>
+              <a:rPr lang="zh-CN" altLang="en-US">
+                <a:solidFill>
+                  <a:schemeClr val="bg1"/>
+                </a:solidFill>
+              </a:rPr>
+              <a:t>句子表</a:t>
+            </a:r>
+            <a:endParaRPr lang="zh-CN" altLang="en-US">
+              <a:solidFill>
+                <a:schemeClr val="bg1"/>
+              </a:solidFill>
+            </a:endParaRPr>
+          </a:p>
+        </p:txBody>
+      </p:sp>
+      <p:cxnSp>
+        <p:nvCxnSpPr>
+          <p:cNvPr id="10" name="直接箭头连接符 9"/>
+          <p:cNvCxnSpPr/>
+          <p:nvPr/>
+        </p:nvCxnSpPr>
+        <p:spPr>
+          <a:xfrm>
+            <a:off x="3194685" y="4206875"/>
+            <a:ext cx="2667635" cy="0"/>
+          </a:xfrm>
+          <a:prstGeom prst="straightConnector1">
+            <a:avLst/>
+          </a:prstGeom>
+          <a:ln>
+            <a:headEnd type="arrow" w="med" len="med"/>
+            <a:tailEnd type="arrow" w="med" len="med"/>
+          </a:ln>
+        </p:spPr>
+        <p:style>
+          <a:lnRef idx="3">
+            <a:schemeClr val="accent1"/>
+          </a:lnRef>
+          <a:fillRef idx="0">
+            <a:schemeClr val="accent1"/>
+          </a:fillRef>
+          <a:effectRef idx="2">
+            <a:schemeClr val="accent1"/>
+          </a:effectRef>
+          <a:fontRef idx="minor">
+            <a:schemeClr val="tx1"/>
+          </a:fontRef>
+        </p:style>
+      </p:cxnSp>
+      <p:sp>
+        <p:nvSpPr>
+          <p:cNvPr id="14" name="文本框 13"/>
+          <p:cNvSpPr txBox="1"/>
+          <p:nvPr/>
+        </p:nvSpPr>
+        <p:spPr>
+          <a:xfrm>
+            <a:off x="3309620" y="3089910"/>
+            <a:ext cx="2552700" cy="922020"/>
+          </a:xfrm>
+          <a:prstGeom prst="rect">
+            <a:avLst/>
+          </a:prstGeom>
+          <a:noFill/>
+        </p:spPr>
+        <p:txBody>
+          <a:bodyPr wrap="none" rtlCol="0">
+            <a:spAutoFit/>
+          </a:bodyPr>
+          <a:p>
+            <a:pPr algn="ctr"/>
+            <a:r>
+              <a:rPr lang="zh-CN" altLang="en-US">
+                <a:solidFill>
+                  <a:srgbClr val="FF0000"/>
+                </a:solidFill>
+                <a:latin typeface="+mn-ea"/>
+                <a:cs typeface="+mn-ea"/>
+              </a:rPr>
+              <a:t>怎样实现</a:t>
+            </a:r>
+            <a:r>
+              <a:rPr lang="en-US" altLang="zh-CN">
+                <a:solidFill>
+                  <a:srgbClr val="FF0000"/>
+                </a:solidFill>
+                <a:latin typeface="+mn-ea"/>
+                <a:cs typeface="+mn-ea"/>
+              </a:rPr>
+              <a:t>keyword</a:t>
+            </a:r>
+            <a:endParaRPr lang="en-US" altLang="zh-CN">
+              <a:solidFill>
+                <a:srgbClr val="FF0000"/>
+              </a:solidFill>
+              <a:latin typeface="+mn-ea"/>
+              <a:cs typeface="+mn-ea"/>
+            </a:endParaRPr>
+          </a:p>
+          <a:p>
+            <a:pPr algn="ctr"/>
+            <a:r>
+              <a:rPr lang="zh-CN" altLang="en-US">
+                <a:solidFill>
+                  <a:srgbClr val="FF0000"/>
+                </a:solidFill>
+                <a:latin typeface="+mn-ea"/>
+                <a:cs typeface="+mn-ea"/>
+              </a:rPr>
+              <a:t>和</a:t>
+            </a:r>
+            <a:r>
+              <a:rPr lang="en-US" altLang="zh-CN">
+                <a:solidFill>
+                  <a:srgbClr val="FF0000"/>
+                </a:solidFill>
+                <a:latin typeface="+mn-ea"/>
+                <a:cs typeface="+mn-ea"/>
+              </a:rPr>
+              <a:t>sentence</a:t>
+            </a:r>
+            <a:r>
+              <a:rPr lang="zh-CN" altLang="en-US">
+                <a:solidFill>
+                  <a:srgbClr val="FF0000"/>
+                </a:solidFill>
+                <a:latin typeface="+mn-ea"/>
+                <a:cs typeface="+mn-ea"/>
+              </a:rPr>
+              <a:t>的模糊匹配</a:t>
+            </a:r>
+            <a:endParaRPr lang="zh-CN" altLang="en-US">
+              <a:solidFill>
+                <a:srgbClr val="FF0000"/>
+              </a:solidFill>
+              <a:latin typeface="+mn-ea"/>
+              <a:cs typeface="+mn-ea"/>
+            </a:endParaRPr>
+          </a:p>
+          <a:p>
+            <a:pPr algn="ctr"/>
+            <a:r>
+              <a:rPr lang="zh-CN" altLang="en-US">
+                <a:solidFill>
+                  <a:srgbClr val="FF0000"/>
+                </a:solidFill>
+                <a:latin typeface="+mn-ea"/>
+                <a:cs typeface="+mn-ea"/>
+              </a:rPr>
+              <a:t>实现关联</a:t>
+            </a:r>
+            <a:r>
+              <a:rPr lang="en-US" altLang="zh-CN">
+                <a:solidFill>
+                  <a:srgbClr val="FF0000"/>
+                </a:solidFill>
+                <a:latin typeface="+mn-ea"/>
+                <a:cs typeface="+mn-ea"/>
+              </a:rPr>
+              <a:t>?</a:t>
+            </a:r>
+            <a:endParaRPr lang="en-US" altLang="zh-CN">
+              <a:solidFill>
+                <a:srgbClr val="FF0000"/>
+              </a:solidFill>
+              <a:latin typeface="+mn-ea"/>
+              <a:cs typeface="+mn-ea"/>
+            </a:endParaRPr>
+          </a:p>
+        </p:txBody>
+      </p:sp>
+    </p:spTree>
+  </p:cSld>
+  <p:clrMapOvr>
+    <a:masterClrMapping/>
+  </p:clrMapOvr>
+</p:sld>
+</file>
+
+<file path=ppt/slides/slide74.xml><?xml version="1.0" encoding="utf-8"?>
+<p:sld xmlns:a="http://schemas.openxmlformats.org/drawingml/2006/main" xmlns:r="http://schemas.openxmlformats.org/officeDocument/2006/relationships" xmlns:p="http://schemas.openxmlformats.org/presentationml/2006/main">
+  <p:cSld>
+    <p:spTree>
+      <p:nvGrpSpPr>
+        <p:cNvPr id="1" name=""/>
+        <p:cNvGrpSpPr/>
+        <p:nvPr/>
+      </p:nvGrpSpPr>
+      <p:grpSpPr>
+        <a:xfrm>
+          <a:off x="0" y="0"/>
+          <a:ext cx="0" cy="0"/>
+          <a:chOff x="0" y="0"/>
+          <a:chExt cx="0" cy="0"/>
+        </a:xfrm>
+      </p:grpSpPr>
+      <p:sp>
+        <p:nvSpPr>
+          <p:cNvPr id="4" name="文本框 3"/>
+          <p:cNvSpPr txBox="1"/>
+          <p:nvPr/>
+        </p:nvSpPr>
+        <p:spPr>
+          <a:xfrm>
+            <a:off x="711835" y="438785"/>
+            <a:ext cx="6631940" cy="706755"/>
+          </a:xfrm>
+          <a:prstGeom prst="rect">
+            <a:avLst/>
+          </a:prstGeom>
+          <a:noFill/>
+        </p:spPr>
+        <p:txBody>
+          <a:bodyPr wrap="none" rtlCol="0">
+            <a:spAutoFit/>
+            <a:scene3d>
+              <a:camera prst="orthographicFront"/>
+              <a:lightRig rig="threePt" dir="t"/>
+            </a:scene3d>
+          </a:bodyPr>
+          <a:p>
+            <a:r>
+              <a:rPr lang="zh-CN" altLang="en-US" sz="4000">
+                <a:solidFill>
+                  <a:schemeClr val="tx1"/>
+                </a:solidFill>
+                <a:effectLst>
+                  <a:outerShdw blurRad="38100" dist="19050" dir="2700000" algn="tl" rotWithShape="0">
+                    <a:schemeClr val="dk1">
+                      <a:alpha val="40000"/>
+                    </a:schemeClr>
+                  </a:outerShdw>
+                </a:effectLst>
+              </a:rPr>
+              <a:t>方法</a:t>
+            </a:r>
+            <a:r>
+              <a:rPr lang="en-US" altLang="zh-CN" sz="4000">
+                <a:solidFill>
+                  <a:schemeClr val="tx1"/>
+                </a:solidFill>
+                <a:effectLst>
+                  <a:outerShdw blurRad="38100" dist="19050" dir="2700000" algn="tl" rotWithShape="0">
+                    <a:schemeClr val="dk1">
+                      <a:alpha val="40000"/>
+                    </a:schemeClr>
+                  </a:outerShdw>
+                </a:effectLst>
+              </a:rPr>
+              <a:t>1</a:t>
+            </a:r>
+            <a:r>
+              <a:rPr lang="zh-CN" altLang="en-US" sz="4000">
+                <a:solidFill>
+                  <a:schemeClr val="tx1"/>
+                </a:solidFill>
+                <a:effectLst>
+                  <a:outerShdw blurRad="38100" dist="19050" dir="2700000" algn="tl" rotWithShape="0">
+                    <a:schemeClr val="dk1">
+                      <a:alpha val="40000"/>
+                    </a:schemeClr>
+                  </a:outerShdw>
+                </a:effectLst>
+              </a:rPr>
+              <a:t>：暴力笛卡尔积 </a:t>
+            </a:r>
+            <a:r>
+              <a:rPr lang="en-US" altLang="zh-CN" sz="4000">
+                <a:solidFill>
+                  <a:schemeClr val="tx1"/>
+                </a:solidFill>
+                <a:effectLst>
+                  <a:outerShdw blurRad="38100" dist="19050" dir="2700000" algn="tl" rotWithShape="0">
+                    <a:schemeClr val="dk1">
+                      <a:alpha val="40000"/>
+                    </a:schemeClr>
+                  </a:outerShdw>
+                </a:effectLst>
+              </a:rPr>
+              <a:t>+ </a:t>
+            </a:r>
+            <a:r>
+              <a:rPr lang="zh-CN" altLang="en-US" sz="4000">
+                <a:solidFill>
+                  <a:schemeClr val="tx1"/>
+                </a:solidFill>
+                <a:effectLst>
+                  <a:outerShdw blurRad="38100" dist="19050" dir="2700000" algn="tl" rotWithShape="0">
+                    <a:schemeClr val="dk1">
+                      <a:alpha val="40000"/>
+                    </a:schemeClr>
+                  </a:outerShdw>
+                </a:effectLst>
+              </a:rPr>
+              <a:t>过滤</a:t>
+            </a:r>
+            <a:endParaRPr lang="zh-CN" altLang="en-US" sz="4000">
+              <a:solidFill>
+                <a:schemeClr val="tx1"/>
+              </a:solidFill>
+              <a:effectLst>
+                <a:outerShdw blurRad="38100" dist="19050" dir="2700000" algn="tl" rotWithShape="0">
+                  <a:schemeClr val="dk1">
+                    <a:alpha val="40000"/>
+                  </a:schemeClr>
+                </a:outerShdw>
+              </a:effectLst>
+            </a:endParaRPr>
+          </a:p>
+        </p:txBody>
+      </p:sp>
+      <p:pic>
+        <p:nvPicPr>
+          <p:cNvPr id="2" name="图片 1"/>
+          <p:cNvPicPr>
+            <a:picLocks noChangeAspect="1"/>
+          </p:cNvPicPr>
+          <p:nvPr/>
+        </p:nvPicPr>
+        <p:blipFill>
+          <a:blip r:embed="rId1"/>
+          <a:stretch>
+            <a:fillRect/>
+          </a:stretch>
+        </p:blipFill>
+        <p:spPr>
+          <a:xfrm>
+            <a:off x="1847850" y="1319530"/>
+            <a:ext cx="2847975" cy="2457450"/>
+          </a:xfrm>
+          <a:prstGeom prst="rect">
+            <a:avLst/>
+          </a:prstGeom>
+        </p:spPr>
+      </p:pic>
+      <p:sp>
+        <p:nvSpPr>
+          <p:cNvPr id="3" name="文本框 2"/>
+          <p:cNvSpPr txBox="1"/>
+          <p:nvPr/>
+        </p:nvSpPr>
+        <p:spPr>
+          <a:xfrm>
+            <a:off x="356235" y="1232535"/>
+            <a:ext cx="1808480" cy="368300"/>
+          </a:xfrm>
+          <a:prstGeom prst="rect">
+            <a:avLst/>
+          </a:prstGeom>
+          <a:solidFill>
+            <a:schemeClr val="accent2"/>
+          </a:solidFill>
+        </p:spPr>
+        <p:txBody>
+          <a:bodyPr wrap="none" rtlCol="0">
+            <a:spAutoFit/>
+          </a:bodyPr>
+          <a:p>
+            <a:pPr lvl="0" algn="l"/>
+            <a:r>
+              <a:rPr lang="en-US" altLang="zh-CN">
+                <a:solidFill>
+                  <a:schemeClr val="bg1"/>
+                </a:solidFill>
+                <a:sym typeface="+mn-ea"/>
+              </a:rPr>
+              <a:t>1</a:t>
+            </a:r>
+            <a:r>
+              <a:rPr lang="zh-CN" altLang="en-US">
+                <a:solidFill>
+                  <a:schemeClr val="bg1"/>
+                </a:solidFill>
+                <a:sym typeface="+mn-ea"/>
+              </a:rPr>
+              <a:t>、</a:t>
+            </a:r>
+            <a:r>
+              <a:rPr lang="zh-CN" altLang="en-US">
+                <a:solidFill>
+                  <a:schemeClr val="bg1"/>
+                </a:solidFill>
+                <a:sym typeface="+mn-ea"/>
+              </a:rPr>
+              <a:t>新增列全是</a:t>
+            </a:r>
+            <a:r>
+              <a:rPr lang="zh-CN" altLang="en-US">
+                <a:solidFill>
+                  <a:schemeClr val="bg1"/>
+                </a:solidFill>
+                <a:sym typeface="+mn-ea"/>
+              </a:rPr>
+              <a:t>1</a:t>
+            </a:r>
+            <a:endParaRPr lang="zh-CN" altLang="en-US">
+              <a:solidFill>
+                <a:schemeClr val="bg1"/>
+              </a:solidFill>
+              <a:sym typeface="+mn-ea"/>
+            </a:endParaRPr>
+          </a:p>
+        </p:txBody>
+      </p:sp>
+      <p:pic>
+        <p:nvPicPr>
+          <p:cNvPr id="8" name="图片 7"/>
+          <p:cNvPicPr>
+            <a:picLocks noChangeAspect="1"/>
+          </p:cNvPicPr>
+          <p:nvPr/>
+        </p:nvPicPr>
+        <p:blipFill>
+          <a:blip r:embed="rId2"/>
+          <a:stretch>
+            <a:fillRect/>
+          </a:stretch>
+        </p:blipFill>
+        <p:spPr>
+          <a:xfrm>
+            <a:off x="5485765" y="1319530"/>
+            <a:ext cx="4170680" cy="2512695"/>
+          </a:xfrm>
+          <a:prstGeom prst="rect">
+            <a:avLst/>
+          </a:prstGeom>
+        </p:spPr>
+      </p:pic>
+      <p:sp>
+        <p:nvSpPr>
+          <p:cNvPr id="11" name="文本框 10"/>
+          <p:cNvSpPr txBox="1"/>
+          <p:nvPr/>
+        </p:nvSpPr>
+        <p:spPr>
+          <a:xfrm>
+            <a:off x="9656445" y="1145540"/>
+            <a:ext cx="1808480" cy="368300"/>
+          </a:xfrm>
+          <a:prstGeom prst="rect">
+            <a:avLst/>
+          </a:prstGeom>
+          <a:solidFill>
+            <a:schemeClr val="accent2"/>
+          </a:solidFill>
+        </p:spPr>
+        <p:txBody>
+          <a:bodyPr wrap="none" rtlCol="0">
+            <a:spAutoFit/>
+          </a:bodyPr>
+          <a:p>
+            <a:pPr lvl="0" algn="l"/>
+            <a:r>
+              <a:rPr lang="en-US" altLang="zh-CN">
+                <a:solidFill>
+                  <a:schemeClr val="bg1"/>
+                </a:solidFill>
+                <a:sym typeface="+mn-ea"/>
+              </a:rPr>
+              <a:t>2</a:t>
+            </a:r>
+            <a:r>
+              <a:rPr lang="zh-CN" altLang="en-US">
+                <a:solidFill>
+                  <a:schemeClr val="bg1"/>
+                </a:solidFill>
+                <a:sym typeface="+mn-ea"/>
+              </a:rPr>
+              <a:t>、新增列全是1</a:t>
+            </a:r>
+            <a:endParaRPr lang="zh-CN" altLang="en-US">
+              <a:solidFill>
+                <a:schemeClr val="bg1"/>
+              </a:solidFill>
+              <a:sym typeface="+mn-ea"/>
+            </a:endParaRPr>
+          </a:p>
+        </p:txBody>
+      </p:sp>
+      <p:pic>
+        <p:nvPicPr>
+          <p:cNvPr id="12" name="图片 11"/>
+          <p:cNvPicPr>
+            <a:picLocks noChangeAspect="1"/>
+          </p:cNvPicPr>
+          <p:nvPr/>
+        </p:nvPicPr>
+        <p:blipFill>
+          <a:blip r:embed="rId3"/>
+          <a:stretch>
+            <a:fillRect/>
+          </a:stretch>
+        </p:blipFill>
+        <p:spPr>
+          <a:xfrm>
+            <a:off x="1911985" y="3832225"/>
+            <a:ext cx="4040505" cy="2757805"/>
+          </a:xfrm>
+          <a:prstGeom prst="rect">
+            <a:avLst/>
+          </a:prstGeom>
+        </p:spPr>
+      </p:pic>
+      <p:sp>
+        <p:nvSpPr>
+          <p:cNvPr id="13" name="文本框 12"/>
+          <p:cNvSpPr txBox="1"/>
+          <p:nvPr/>
+        </p:nvSpPr>
+        <p:spPr>
+          <a:xfrm>
+            <a:off x="356235" y="4476115"/>
+            <a:ext cx="1808480" cy="645160"/>
+          </a:xfrm>
+          <a:prstGeom prst="rect">
+            <a:avLst/>
+          </a:prstGeom>
+          <a:solidFill>
+            <a:schemeClr val="accent2"/>
+          </a:solidFill>
+        </p:spPr>
+        <p:txBody>
+          <a:bodyPr wrap="none" rtlCol="0">
+            <a:spAutoFit/>
+          </a:bodyPr>
+          <a:p>
+            <a:pPr lvl="0" algn="l"/>
+            <a:r>
+              <a:rPr lang="en-US" altLang="zh-CN">
+                <a:solidFill>
+                  <a:schemeClr val="bg1"/>
+                </a:solidFill>
+                <a:sym typeface="+mn-ea"/>
+              </a:rPr>
+              <a:t>3</a:t>
+            </a:r>
+            <a:r>
+              <a:rPr lang="zh-CN" altLang="en-US">
+                <a:solidFill>
+                  <a:schemeClr val="bg1"/>
+                </a:solidFill>
+                <a:sym typeface="+mn-ea"/>
+              </a:rPr>
+              <a:t>、用全是</a:t>
+            </a:r>
+            <a:r>
+              <a:rPr lang="en-US" altLang="zh-CN">
+                <a:solidFill>
+                  <a:schemeClr val="bg1"/>
+                </a:solidFill>
+                <a:sym typeface="+mn-ea"/>
+              </a:rPr>
+              <a:t>1</a:t>
+            </a:r>
+            <a:r>
+              <a:rPr lang="zh-CN" altLang="en-US">
+                <a:solidFill>
+                  <a:schemeClr val="bg1"/>
+                </a:solidFill>
+                <a:sym typeface="+mn-ea"/>
+              </a:rPr>
+              <a:t>的列</a:t>
+            </a:r>
+            <a:endParaRPr lang="zh-CN" altLang="en-US">
+              <a:solidFill>
+                <a:schemeClr val="bg1"/>
+              </a:solidFill>
+              <a:sym typeface="+mn-ea"/>
+            </a:endParaRPr>
+          </a:p>
+          <a:p>
+            <a:pPr lvl="0" algn="l"/>
+            <a:r>
+              <a:rPr lang="zh-CN" altLang="en-US">
+                <a:solidFill>
+                  <a:schemeClr val="bg1"/>
+                </a:solidFill>
+                <a:sym typeface="+mn-ea"/>
+              </a:rPr>
+              <a:t>做</a:t>
+            </a:r>
+            <a:r>
+              <a:rPr lang="en-US" altLang="zh-CN">
+                <a:solidFill>
+                  <a:schemeClr val="bg1"/>
+                </a:solidFill>
+                <a:sym typeface="+mn-ea"/>
+              </a:rPr>
+              <a:t>merge</a:t>
+            </a:r>
+            <a:endParaRPr lang="en-US" altLang="zh-CN">
+              <a:solidFill>
+                <a:schemeClr val="bg1"/>
+              </a:solidFill>
+              <a:sym typeface="+mn-ea"/>
+            </a:endParaRPr>
+          </a:p>
+        </p:txBody>
+      </p:sp>
+      <p:pic>
+        <p:nvPicPr>
+          <p:cNvPr id="15" name="图片 14"/>
+          <p:cNvPicPr>
+            <a:picLocks noChangeAspect="1"/>
+          </p:cNvPicPr>
+          <p:nvPr/>
+        </p:nvPicPr>
+        <p:blipFill>
+          <a:blip r:embed="rId4"/>
+          <a:stretch>
+            <a:fillRect/>
+          </a:stretch>
+        </p:blipFill>
+        <p:spPr>
+          <a:xfrm>
+            <a:off x="6352540" y="4246880"/>
+            <a:ext cx="4296410" cy="2448560"/>
+          </a:xfrm>
+          <a:prstGeom prst="rect">
+            <a:avLst/>
+          </a:prstGeom>
+        </p:spPr>
+      </p:pic>
+      <p:sp>
+        <p:nvSpPr>
+          <p:cNvPr id="16" name="文本框 15"/>
+          <p:cNvSpPr txBox="1"/>
+          <p:nvPr/>
+        </p:nvSpPr>
+        <p:spPr>
+          <a:xfrm>
+            <a:off x="7237730" y="3878580"/>
+            <a:ext cx="2595880" cy="368300"/>
+          </a:xfrm>
+          <a:prstGeom prst="rect">
+            <a:avLst/>
+          </a:prstGeom>
+          <a:solidFill>
+            <a:schemeClr val="accent2"/>
+          </a:solidFill>
+        </p:spPr>
+        <p:txBody>
+          <a:bodyPr wrap="none" rtlCol="0">
+            <a:spAutoFit/>
+          </a:bodyPr>
+          <a:p>
+            <a:pPr lvl="0" algn="l"/>
+            <a:r>
+              <a:rPr lang="en-US" altLang="zh-CN">
+                <a:solidFill>
+                  <a:schemeClr val="bg1"/>
+                </a:solidFill>
+                <a:sym typeface="+mn-ea"/>
+              </a:rPr>
+              <a:t>4</a:t>
+            </a:r>
+            <a:r>
+              <a:rPr lang="zh-CN" altLang="en-US">
+                <a:solidFill>
+                  <a:schemeClr val="bg1"/>
+                </a:solidFill>
+                <a:sym typeface="+mn-ea"/>
+              </a:rPr>
+              <a:t>、过滤出符合条件的行</a:t>
+            </a:r>
+            <a:endParaRPr lang="zh-CN" altLang="en-US">
+              <a:solidFill>
+                <a:schemeClr val="bg1"/>
+              </a:solidFill>
+              <a:sym typeface="+mn-ea"/>
+            </a:endParaRPr>
+          </a:p>
+        </p:txBody>
+      </p:sp>
+      <p:sp>
+        <p:nvSpPr>
+          <p:cNvPr id="17" name="文本框 16"/>
+          <p:cNvSpPr txBox="1"/>
+          <p:nvPr/>
+        </p:nvSpPr>
+        <p:spPr>
+          <a:xfrm>
+            <a:off x="9833610" y="2541270"/>
+            <a:ext cx="2240280" cy="922020"/>
+          </a:xfrm>
+          <a:prstGeom prst="rect">
+            <a:avLst/>
+          </a:prstGeom>
+          <a:solidFill>
+            <a:srgbClr val="FFC000"/>
+          </a:solidFill>
+        </p:spPr>
+        <p:txBody>
+          <a:bodyPr wrap="none" rtlCol="0">
+            <a:spAutoFit/>
+          </a:bodyPr>
+          <a:p>
+            <a:r>
+              <a:rPr lang="zh-CN" altLang="en-US"/>
+              <a:t>适用于：</a:t>
+            </a:r>
+            <a:endParaRPr lang="zh-CN" altLang="en-US"/>
+          </a:p>
+          <a:p>
+            <a:r>
+              <a:rPr lang="zh-CN" altLang="en-US"/>
+              <a:t>数据不大</a:t>
+            </a:r>
+            <a:endParaRPr lang="zh-CN" altLang="en-US"/>
+          </a:p>
+          <a:p>
+            <a:r>
+              <a:rPr lang="zh-CN" altLang="en-US"/>
+              <a:t>笛卡尔积能放到内存</a:t>
+            </a:r>
+            <a:endParaRPr lang="zh-CN" altLang="en-US"/>
+          </a:p>
+        </p:txBody>
+      </p:sp>
+    </p:spTree>
+  </p:cSld>
+  <p:clrMapOvr>
+    <a:masterClrMapping/>
+  </p:clrMapOvr>
+  <p:transition>
+    <p:cut/>
+  </p:transition>
+  <p:timing>
+    <p:tnLst>
+      <p:par>
+        <p:cTn id="1" dur="indefinite" restart="never" nodeType="tmRoot">
+          <p:childTnLst>
+            <p:seq concurrent="1" nextAc="seek">
+              <p:cTn id="2" dur="indefinite" nodeType="mainSeq">
+                <p:childTnLst>
+                  <p:par>
+                    <p:cTn id="3" fill="hold">
+                      <p:stCondLst>
+                        <p:cond delay="indefinite"/>
+                      </p:stCondLst>
+                      <p:childTnLst>
+                        <p:par>
+                          <p:cTn id="4" fill="hold">
+                            <p:stCondLst>
+                              <p:cond delay="0"/>
+                            </p:stCondLst>
+                            <p:childTnLst>
+                              <p:par>
+                                <p:cTn id="5" presetID="2" presetClass="entr" presetSubtype="4" fill="hold" grpId="0" nodeType="clickEffect">
+                                  <p:stCondLst>
+                                    <p:cond delay="0"/>
+                                  </p:stCondLst>
+                                  <p:childTnLst>
+                                    <p:set>
+                                      <p:cBhvr>
+                                        <p:cTn id="6" dur="1" fill="hold">
+                                          <p:stCondLst>
+                                            <p:cond delay="0"/>
+                                          </p:stCondLst>
+                                        </p:cTn>
+                                        <p:tgtEl>
+                                          <p:spTgt spid="11"/>
+                                        </p:tgtEl>
+                                        <p:attrNameLst>
+                                          <p:attrName>style.visibility</p:attrName>
+                                        </p:attrNameLst>
+                                      </p:cBhvr>
+                                      <p:to>
+                                        <p:strVal val="visible"/>
+                                      </p:to>
+                                    </p:set>
+                                    <p:anim calcmode="lin" valueType="num">
+                                      <p:cBhvr additive="base">
+                                        <p:cTn id="7" dur="500" fill="hold"/>
+                                        <p:tgtEl>
+                                          <p:spTgt spid="11"/>
+                                        </p:tgtEl>
+                                        <p:attrNameLst>
+                                          <p:attrName>ppt_x</p:attrName>
+                                        </p:attrNameLst>
+                                      </p:cBhvr>
+                                      <p:tavLst>
+                                        <p:tav tm="0">
+                                          <p:val>
+                                            <p:strVal val="#ppt_x"/>
+                                          </p:val>
+                                        </p:tav>
+                                        <p:tav tm="100000">
+                                          <p:val>
+                                            <p:strVal val="#ppt_x"/>
+                                          </p:val>
+                                        </p:tav>
+                                      </p:tavLst>
+                                    </p:anim>
+                                    <p:anim calcmode="lin" valueType="num">
+                                      <p:cBhvr additive="base">
+                                        <p:cTn id="8" dur="500" fill="hold"/>
+                                        <p:tgtEl>
+                                          <p:spTgt spid="11"/>
+                                        </p:tgtEl>
+                                        <p:attrNameLst>
+                                          <p:attrName>ppt_y</p:attrName>
+                                        </p:attrNameLst>
+                                      </p:cBhvr>
+                                      <p:tavLst>
+                                        <p:tav tm="0">
+                                          <p:val>
+                                            <p:strVal val="1+#ppt_h/2"/>
+                                          </p:val>
+                                        </p:tav>
+                                        <p:tav tm="100000">
+                                          <p:val>
+                                            <p:strVal val="#ppt_y"/>
+                                          </p:val>
+                                        </p:tav>
+                                      </p:tavLst>
+                                    </p:anim>
+                                  </p:childTnLst>
+                                </p:cTn>
+                              </p:par>
+                              <p:par>
+                                <p:cTn id="9" presetID="2" presetClass="entr" presetSubtype="4" fill="hold" nodeType="withEffect">
+                                  <p:stCondLst>
+                                    <p:cond delay="0"/>
+                                  </p:stCondLst>
+                                  <p:childTnLst>
+                                    <p:set>
+                                      <p:cBhvr>
+                                        <p:cTn id="10" dur="1" fill="hold">
+                                          <p:stCondLst>
+                                            <p:cond delay="0"/>
+                                          </p:stCondLst>
+                                        </p:cTn>
+                                        <p:tgtEl>
+                                          <p:spTgt spid="8"/>
+                                        </p:tgtEl>
+                                        <p:attrNameLst>
+                                          <p:attrName>style.visibility</p:attrName>
+                                        </p:attrNameLst>
+                                      </p:cBhvr>
+                                      <p:to>
+                                        <p:strVal val="visible"/>
+                                      </p:to>
+                                    </p:set>
+                                    <p:anim calcmode="lin" valueType="num">
+                                      <p:cBhvr additive="base">
+                                        <p:cTn id="11" dur="500" fill="hold"/>
+                                        <p:tgtEl>
+                                          <p:spTgt spid="8"/>
+                                        </p:tgtEl>
+                                        <p:attrNameLst>
+                                          <p:attrName>ppt_x</p:attrName>
+                                        </p:attrNameLst>
+                                      </p:cBhvr>
+                                      <p:tavLst>
+                                        <p:tav tm="0">
+                                          <p:val>
+                                            <p:strVal val="#ppt_x"/>
+                                          </p:val>
+                                        </p:tav>
+                                        <p:tav tm="100000">
+                                          <p:val>
+                                            <p:strVal val="#ppt_x"/>
+                                          </p:val>
+                                        </p:tav>
+                                      </p:tavLst>
+                                    </p:anim>
+                                    <p:anim calcmode="lin" valueType="num">
+                                      <p:cBhvr additive="base">
+                                        <p:cTn id="12" dur="500" fill="hold"/>
+                                        <p:tgtEl>
+                                          <p:spTgt spid="8"/>
+                                        </p:tgtEl>
+                                        <p:attrNameLst>
+                                          <p:attrName>ppt_y</p:attrName>
+                                        </p:attrNameLst>
+                                      </p:cBhvr>
+                                      <p:tavLst>
+                                        <p:tav tm="0">
+                                          <p:val>
+                                            <p:strVal val="1+#ppt_h/2"/>
+                                          </p:val>
+                                        </p:tav>
+                                        <p:tav tm="100000">
+                                          <p:val>
+                                            <p:strVal val="#ppt_y"/>
+                                          </p:val>
+                                        </p:tav>
+                                      </p:tavLst>
+                                    </p:anim>
+                                  </p:childTnLst>
+                                </p:cTn>
+                              </p:par>
+                            </p:childTnLst>
+                          </p:cTn>
+                        </p:par>
+                      </p:childTnLst>
+                    </p:cTn>
+                  </p:par>
+                  <p:par>
+                    <p:cTn id="13" fill="hold">
+                      <p:stCondLst>
+                        <p:cond delay="indefinite"/>
+                      </p:stCondLst>
+                      <p:childTnLst>
+                        <p:par>
+                          <p:cTn id="14" fill="hold">
+                            <p:stCondLst>
+                              <p:cond delay="0"/>
+                            </p:stCondLst>
+                            <p:childTnLst>
+                              <p:par>
+                                <p:cTn id="15" presetID="2" presetClass="entr" presetSubtype="4" fill="hold" grpId="0" nodeType="clickEffect">
+                                  <p:stCondLst>
+                                    <p:cond delay="0"/>
+                                  </p:stCondLst>
+                                  <p:childTnLst>
+                                    <p:set>
+                                      <p:cBhvr>
+                                        <p:cTn id="16" dur="1" fill="hold">
+                                          <p:stCondLst>
+                                            <p:cond delay="0"/>
+                                          </p:stCondLst>
+                                        </p:cTn>
+                                        <p:tgtEl>
+                                          <p:spTgt spid="13"/>
+                                        </p:tgtEl>
+                                        <p:attrNameLst>
+                                          <p:attrName>style.visibility</p:attrName>
+                                        </p:attrNameLst>
+                                      </p:cBhvr>
+                                      <p:to>
+                                        <p:strVal val="visible"/>
+                                      </p:to>
+                                    </p:set>
+                                    <p:anim calcmode="lin" valueType="num">
+                                      <p:cBhvr additive="base">
+                                        <p:cTn id="17" dur="500" fill="hold"/>
+                                        <p:tgtEl>
+                                          <p:spTgt spid="13"/>
+                                        </p:tgtEl>
+                                        <p:attrNameLst>
+                                          <p:attrName>ppt_x</p:attrName>
+                                        </p:attrNameLst>
+                                      </p:cBhvr>
+                                      <p:tavLst>
+                                        <p:tav tm="0">
+                                          <p:val>
+                                            <p:strVal val="#ppt_x"/>
+                                          </p:val>
+                                        </p:tav>
+                                        <p:tav tm="100000">
+                                          <p:val>
+                                            <p:strVal val="#ppt_x"/>
+                                          </p:val>
+                                        </p:tav>
+                                      </p:tavLst>
+                                    </p:anim>
+                                    <p:anim calcmode="lin" valueType="num">
+                                      <p:cBhvr additive="base">
+                                        <p:cTn id="18" dur="500" fill="hold"/>
+                                        <p:tgtEl>
+                                          <p:spTgt spid="13"/>
+                                        </p:tgtEl>
+                                        <p:attrNameLst>
+                                          <p:attrName>ppt_y</p:attrName>
+                                        </p:attrNameLst>
+                                      </p:cBhvr>
+                                      <p:tavLst>
+                                        <p:tav tm="0">
+                                          <p:val>
+                                            <p:strVal val="1+#ppt_h/2"/>
+                                          </p:val>
+                                        </p:tav>
+                                        <p:tav tm="100000">
+                                          <p:val>
+                                            <p:strVal val="#ppt_y"/>
+                                          </p:val>
+                                        </p:tav>
+                                      </p:tavLst>
+                                    </p:anim>
+                                  </p:childTnLst>
+                                </p:cTn>
+                              </p:par>
+                              <p:par>
+                                <p:cTn id="19" presetID="2" presetClass="entr" presetSubtype="4" fill="hold" nodeType="withEffect">
+                                  <p:stCondLst>
+                                    <p:cond delay="0"/>
+                                  </p:stCondLst>
+                                  <p:childTnLst>
+                                    <p:set>
+                                      <p:cBhvr>
+                                        <p:cTn id="20" dur="1" fill="hold">
+                                          <p:stCondLst>
+                                            <p:cond delay="0"/>
+                                          </p:stCondLst>
+                                        </p:cTn>
+                                        <p:tgtEl>
+                                          <p:spTgt spid="12"/>
+                                        </p:tgtEl>
+                                        <p:attrNameLst>
+                                          <p:attrName>style.visibility</p:attrName>
+                                        </p:attrNameLst>
+                                      </p:cBhvr>
+                                      <p:to>
+                                        <p:strVal val="visible"/>
+                                      </p:to>
+                                    </p:set>
+                                    <p:anim calcmode="lin" valueType="num">
+                                      <p:cBhvr additive="base">
+                                        <p:cTn id="21" dur="500" fill="hold"/>
+                                        <p:tgtEl>
+                                          <p:spTgt spid="12"/>
+                                        </p:tgtEl>
+                                        <p:attrNameLst>
+                                          <p:attrName>ppt_x</p:attrName>
+                                        </p:attrNameLst>
+                                      </p:cBhvr>
+                                      <p:tavLst>
+                                        <p:tav tm="0">
+                                          <p:val>
+                                            <p:strVal val="#ppt_x"/>
+                                          </p:val>
+                                        </p:tav>
+                                        <p:tav tm="100000">
+                                          <p:val>
+                                            <p:strVal val="#ppt_x"/>
+                                          </p:val>
+                                        </p:tav>
+                                      </p:tavLst>
+                                    </p:anim>
+                                    <p:anim calcmode="lin" valueType="num">
+                                      <p:cBhvr additive="base">
+                                        <p:cTn id="22" dur="500" fill="hold"/>
+                                        <p:tgtEl>
+                                          <p:spTgt spid="12"/>
+                                        </p:tgtEl>
+                                        <p:attrNameLst>
+                                          <p:attrName>ppt_y</p:attrName>
+                                        </p:attrNameLst>
+                                      </p:cBhvr>
+                                      <p:tavLst>
+                                        <p:tav tm="0">
+                                          <p:val>
+                                            <p:strVal val="1+#ppt_h/2"/>
+                                          </p:val>
+                                        </p:tav>
+                                        <p:tav tm="100000">
+                                          <p:val>
+                                            <p:strVal val="#ppt_y"/>
+                                          </p:val>
+                                        </p:tav>
+                                      </p:tavLst>
+                                    </p:anim>
+                                  </p:childTnLst>
+                                </p:cTn>
+                              </p:par>
+                            </p:childTnLst>
+                          </p:cTn>
+                        </p:par>
+                      </p:childTnLst>
+                    </p:cTn>
+                  </p:par>
+                  <p:par>
+                    <p:cTn id="23" fill="hold">
+                      <p:stCondLst>
+                        <p:cond delay="indefinite"/>
+                      </p:stCondLst>
+                      <p:childTnLst>
+                        <p:par>
+                          <p:cTn id="24" fill="hold">
+                            <p:stCondLst>
+                              <p:cond delay="0"/>
+                            </p:stCondLst>
+                            <p:childTnLst>
+                              <p:par>
+                                <p:cTn id="25" presetID="2" presetClass="entr" presetSubtype="4" fill="hold" nodeType="clickEffect">
+                                  <p:stCondLst>
+                                    <p:cond delay="0"/>
+                                  </p:stCondLst>
+                                  <p:childTnLst>
+                                    <p:set>
+                                      <p:cBhvr>
+                                        <p:cTn id="26" dur="1" fill="hold">
+                                          <p:stCondLst>
+                                            <p:cond delay="0"/>
+                                          </p:stCondLst>
+                                        </p:cTn>
+                                        <p:tgtEl>
+                                          <p:spTgt spid="15"/>
+                                        </p:tgtEl>
+                                        <p:attrNameLst>
+                                          <p:attrName>style.visibility</p:attrName>
+                                        </p:attrNameLst>
+                                      </p:cBhvr>
+                                      <p:to>
+                                        <p:strVal val="visible"/>
+                                      </p:to>
+                                    </p:set>
+                                    <p:anim calcmode="lin" valueType="num">
+                                      <p:cBhvr additive="base">
+                                        <p:cTn id="27" dur="500" fill="hold"/>
+                                        <p:tgtEl>
+                                          <p:spTgt spid="15"/>
+                                        </p:tgtEl>
+                                        <p:attrNameLst>
+                                          <p:attrName>ppt_x</p:attrName>
+                                        </p:attrNameLst>
+                                      </p:cBhvr>
+                                      <p:tavLst>
+                                        <p:tav tm="0">
+                                          <p:val>
+                                            <p:strVal val="#ppt_x"/>
+                                          </p:val>
+                                        </p:tav>
+                                        <p:tav tm="100000">
+                                          <p:val>
+                                            <p:strVal val="#ppt_x"/>
+                                          </p:val>
+                                        </p:tav>
+                                      </p:tavLst>
+                                    </p:anim>
+                                    <p:anim calcmode="lin" valueType="num">
+                                      <p:cBhvr additive="base">
+                                        <p:cTn id="28" dur="500" fill="hold"/>
+                                        <p:tgtEl>
+                                          <p:spTgt spid="15"/>
+                                        </p:tgtEl>
+                                        <p:attrNameLst>
+                                          <p:attrName>ppt_y</p:attrName>
+                                        </p:attrNameLst>
+                                      </p:cBhvr>
+                                      <p:tavLst>
+                                        <p:tav tm="0">
+                                          <p:val>
+                                            <p:strVal val="1+#ppt_h/2"/>
+                                          </p:val>
+                                        </p:tav>
+                                        <p:tav tm="100000">
+                                          <p:val>
+                                            <p:strVal val="#ppt_y"/>
+                                          </p:val>
+                                        </p:tav>
+                                      </p:tavLst>
+                                    </p:anim>
+                                  </p:childTnLst>
+                                </p:cTn>
+                              </p:par>
+                              <p:par>
+                                <p:cTn id="29" presetID="2" presetClass="entr" presetSubtype="4" fill="hold" grpId="0" nodeType="withEffect">
+                                  <p:stCondLst>
+                                    <p:cond delay="0"/>
+                                  </p:stCondLst>
+                                  <p:childTnLst>
+                                    <p:set>
+                                      <p:cBhvr>
+                                        <p:cTn id="30" dur="1" fill="hold">
+                                          <p:stCondLst>
+                                            <p:cond delay="0"/>
+                                          </p:stCondLst>
+                                        </p:cTn>
+                                        <p:tgtEl>
+                                          <p:spTgt spid="16"/>
+                                        </p:tgtEl>
+                                        <p:attrNameLst>
+                                          <p:attrName>style.visibility</p:attrName>
+                                        </p:attrNameLst>
+                                      </p:cBhvr>
+                                      <p:to>
+                                        <p:strVal val="visible"/>
+                                      </p:to>
+                                    </p:set>
+                                    <p:anim calcmode="lin" valueType="num">
+                                      <p:cBhvr additive="base">
+                                        <p:cTn id="31" dur="500" fill="hold"/>
+                                        <p:tgtEl>
+                                          <p:spTgt spid="16"/>
+                                        </p:tgtEl>
+                                        <p:attrNameLst>
+                                          <p:attrName>ppt_x</p:attrName>
+                                        </p:attrNameLst>
+                                      </p:cBhvr>
+                                      <p:tavLst>
+                                        <p:tav tm="0">
+                                          <p:val>
+                                            <p:strVal val="#ppt_x"/>
+                                          </p:val>
+                                        </p:tav>
+                                        <p:tav tm="100000">
+                                          <p:val>
+                                            <p:strVal val="#ppt_x"/>
+                                          </p:val>
+                                        </p:tav>
+                                      </p:tavLst>
+                                    </p:anim>
+                                    <p:anim calcmode="lin" valueType="num">
+                                      <p:cBhvr additive="base">
+                                        <p:cTn id="32" dur="500" fill="hold"/>
+                                        <p:tgtEl>
+                                          <p:spTgt spid="16"/>
+                                        </p:tgtEl>
+                                        <p:attrNameLst>
+                                          <p:attrName>ppt_y</p:attrName>
+                                        </p:attrNameLst>
+                                      </p:cBhvr>
+                                      <p:tavLst>
+                                        <p:tav tm="0">
+                                          <p:val>
+                                            <p:strVal val="1+#ppt_h/2"/>
+                                          </p:val>
+                                        </p:tav>
+                                        <p:tav tm="100000">
+                                          <p:val>
+                                            <p:strVal val="#ppt_y"/>
+                                          </p:val>
+                                        </p:tav>
+                                      </p:tavLst>
+                                    </p:anim>
+                                  </p:childTnLst>
+                                </p:cTn>
+                              </p:par>
+                            </p:childTnLst>
+                          </p:cTn>
+                        </p:par>
+                      </p:childTnLst>
+                    </p:cTn>
+                  </p:par>
+                  <p:par>
+                    <p:cTn id="33" fill="hold">
+                      <p:stCondLst>
+                        <p:cond delay="indefinite"/>
+                      </p:stCondLst>
+                      <p:childTnLst>
+                        <p:par>
+                          <p:cTn id="34" fill="hold">
+                            <p:stCondLst>
+                              <p:cond delay="0"/>
+                            </p:stCondLst>
+                            <p:childTnLst>
+                              <p:par>
+                                <p:cTn id="35" presetID="3" presetClass="entr" presetSubtype="10" fill="hold" grpId="0" nodeType="clickEffect">
+                                  <p:stCondLst>
+                                    <p:cond delay="0"/>
+                                  </p:stCondLst>
+                                  <p:childTnLst>
+                                    <p:set>
+                                      <p:cBhvr>
+                                        <p:cTn id="36" dur="1" fill="hold">
+                                          <p:stCondLst>
+                                            <p:cond delay="0"/>
+                                          </p:stCondLst>
+                                        </p:cTn>
+                                        <p:tgtEl>
+                                          <p:spTgt spid="17"/>
+                                        </p:tgtEl>
+                                        <p:attrNameLst>
+                                          <p:attrName>style.visibility</p:attrName>
+                                        </p:attrNameLst>
+                                      </p:cBhvr>
+                                      <p:to>
+                                        <p:strVal val="visible"/>
+                                      </p:to>
+                                    </p:set>
+                                    <p:animEffect transition="in" filter="blinds(horizontal)">
+                                      <p:cBhvr>
+                                        <p:cTn id="37" dur="500"/>
+                                        <p:tgtEl>
+                                          <p:spTgt spid="17"/>
+                                        </p:tgtEl>
+                                      </p:cBhvr>
+                                    </p:animEffect>
+                                  </p:childTnLst>
+                                </p:cTn>
+                              </p:par>
+                            </p:childTnLst>
+                          </p:cTn>
+                        </p:par>
+                      </p:childTnLst>
+                    </p:cTn>
+                  </p:par>
+                </p:childTnLst>
+              </p:cTn>
+              <p:prevCondLst>
+                <p:cond evt="onPrev" delay="0">
+                  <p:tgtEl>
+                    <p:sldTgt/>
+                  </p:tgtEl>
+                </p:cond>
+              </p:prevCondLst>
+              <p:nextCondLst>
+                <p:cond evt="onNext" delay="0">
+                  <p:tgtEl>
+                    <p:sldTgt/>
+                  </p:tgtEl>
+                </p:cond>
+              </p:nextCondLst>
+            </p:seq>
+          </p:childTnLst>
+        </p:cTn>
+      </p:par>
+    </p:tnLst>
+    <p:bldLst>
+      <p:bldP spid="11" grpId="0" animBg="1"/>
+      <p:bldP spid="13" grpId="0" animBg="1"/>
+      <p:bldP spid="16" grpId="0" animBg="1"/>
+      <p:bldP spid="17" grpId="0" animBg="1"/>
+    </p:bldLst>
+  </p:timing>
+</p:sld>
+</file>
+
+<file path=ppt/slides/slide75.xml><?xml version="1.0" encoding="utf-8"?>
+<p:sld xmlns:a="http://schemas.openxmlformats.org/drawingml/2006/main" xmlns:r="http://schemas.openxmlformats.org/officeDocument/2006/relationships" xmlns:p="http://schemas.openxmlformats.org/presentationml/2006/main">
+  <p:cSld>
+    <p:spTree>
+      <p:nvGrpSpPr>
+        <p:cNvPr id="1" name=""/>
+        <p:cNvGrpSpPr/>
+        <p:nvPr/>
+      </p:nvGrpSpPr>
+      <p:grpSpPr>
+        <a:xfrm>
+          <a:off x="0" y="0"/>
+          <a:ext cx="0" cy="0"/>
+          <a:chOff x="0" y="0"/>
+          <a:chExt cx="0" cy="0"/>
+        </a:xfrm>
+      </p:grpSpPr>
+      <p:sp>
+        <p:nvSpPr>
+          <p:cNvPr id="4" name="文本框 3"/>
+          <p:cNvSpPr txBox="1"/>
+          <p:nvPr/>
+        </p:nvSpPr>
+        <p:spPr>
+          <a:xfrm>
+            <a:off x="711835" y="438785"/>
+            <a:ext cx="9272905" cy="706755"/>
+          </a:xfrm>
+          <a:prstGeom prst="rect">
+            <a:avLst/>
+          </a:prstGeom>
+          <a:noFill/>
+        </p:spPr>
+        <p:txBody>
+          <a:bodyPr wrap="none" rtlCol="0">
+            <a:spAutoFit/>
+            <a:scene3d>
+              <a:camera prst="orthographicFront"/>
+              <a:lightRig rig="threePt" dir="t"/>
+            </a:scene3d>
+          </a:bodyPr>
+          <a:p>
+            <a:r>
+              <a:rPr lang="zh-CN" altLang="en-US" sz="4000">
+                <a:solidFill>
+                  <a:schemeClr val="tx1"/>
+                </a:solidFill>
+                <a:effectLst>
+                  <a:outerShdw blurRad="38100" dist="19050" dir="2700000" algn="tl" rotWithShape="0">
+                    <a:schemeClr val="dk1">
+                      <a:alpha val="40000"/>
+                    </a:schemeClr>
+                  </a:outerShdw>
+                </a:effectLst>
+              </a:rPr>
+              <a:t>方法</a:t>
+            </a:r>
+            <a:r>
+              <a:rPr lang="en-US" altLang="zh-CN" sz="4000">
+                <a:solidFill>
+                  <a:schemeClr val="tx1"/>
+                </a:solidFill>
+                <a:effectLst>
+                  <a:outerShdw blurRad="38100" dist="19050" dir="2700000" algn="tl" rotWithShape="0">
+                    <a:schemeClr val="dk1">
+                      <a:alpha val="40000"/>
+                    </a:schemeClr>
+                  </a:outerShdw>
+                </a:effectLst>
+              </a:rPr>
+              <a:t>2</a:t>
+            </a:r>
+            <a:r>
+              <a:rPr lang="zh-CN" altLang="en-US" sz="4000">
+                <a:solidFill>
+                  <a:schemeClr val="tx1"/>
+                </a:solidFill>
+                <a:effectLst>
+                  <a:outerShdw blurRad="38100" dist="19050" dir="2700000" algn="tl" rotWithShape="0">
+                    <a:schemeClr val="dk1">
+                      <a:alpha val="40000"/>
+                    </a:schemeClr>
+                  </a:outerShdw>
+                </a:effectLst>
+              </a:rPr>
+              <a:t>：小表变字典做</a:t>
+            </a:r>
+            <a:r>
+              <a:rPr lang="en-US" altLang="zh-CN" sz="4000">
+                <a:solidFill>
+                  <a:schemeClr val="tx1"/>
+                </a:solidFill>
+                <a:effectLst>
+                  <a:outerShdw blurRad="38100" dist="19050" dir="2700000" algn="tl" rotWithShape="0">
+                    <a:schemeClr val="dk1">
+                      <a:alpha val="40000"/>
+                    </a:schemeClr>
+                  </a:outerShdw>
+                </a:effectLst>
+              </a:rPr>
+              <a:t>merge</a:t>
+            </a:r>
+            <a:r>
+              <a:rPr lang="zh-CN" altLang="en-US" sz="4000">
+                <a:solidFill>
+                  <a:schemeClr val="tx1"/>
+                </a:solidFill>
+                <a:effectLst>
+                  <a:outerShdw blurRad="38100" dist="19050" dir="2700000" algn="tl" rotWithShape="0">
+                    <a:schemeClr val="dk1">
+                      <a:alpha val="40000"/>
+                    </a:schemeClr>
+                  </a:outerShdw>
+                </a:effectLst>
+              </a:rPr>
+              <a:t>最后</a:t>
+            </a:r>
+            <a:r>
+              <a:rPr lang="en-US" altLang="zh-CN" sz="4000">
+                <a:solidFill>
+                  <a:schemeClr val="tx1"/>
+                </a:solidFill>
+                <a:effectLst>
+                  <a:outerShdw blurRad="38100" dist="19050" dir="2700000" algn="tl" rotWithShape="0">
+                    <a:schemeClr val="dk1">
+                      <a:alpha val="40000"/>
+                    </a:schemeClr>
+                  </a:outerShdw>
+                </a:effectLst>
+              </a:rPr>
+              <a:t>explode</a:t>
+            </a:r>
+            <a:endParaRPr lang="en-US" altLang="zh-CN" sz="4000">
+              <a:solidFill>
+                <a:schemeClr val="tx1"/>
+              </a:solidFill>
+              <a:effectLst>
+                <a:outerShdw blurRad="38100" dist="19050" dir="2700000" algn="tl" rotWithShape="0">
+                  <a:schemeClr val="dk1">
+                    <a:alpha val="40000"/>
+                  </a:schemeClr>
+                </a:outerShdw>
+              </a:effectLst>
+            </a:endParaRPr>
+          </a:p>
+        </p:txBody>
+      </p:sp>
+      <p:pic>
+        <p:nvPicPr>
+          <p:cNvPr id="5" name="图片 4"/>
+          <p:cNvPicPr>
+            <a:picLocks noChangeAspect="1"/>
+          </p:cNvPicPr>
+          <p:nvPr/>
+        </p:nvPicPr>
+        <p:blipFill>
+          <a:blip r:embed="rId1"/>
+          <a:stretch>
+            <a:fillRect/>
+          </a:stretch>
+        </p:blipFill>
+        <p:spPr>
+          <a:xfrm>
+            <a:off x="711835" y="1546225"/>
+            <a:ext cx="9315450" cy="438150"/>
+          </a:xfrm>
+          <a:prstGeom prst="rect">
+            <a:avLst/>
+          </a:prstGeom>
+        </p:spPr>
+      </p:pic>
+      <p:sp>
+        <p:nvSpPr>
+          <p:cNvPr id="6" name="文本框 5"/>
+          <p:cNvSpPr txBox="1"/>
+          <p:nvPr/>
+        </p:nvSpPr>
+        <p:spPr>
+          <a:xfrm>
+            <a:off x="857885" y="1177925"/>
+            <a:ext cx="1681480" cy="368300"/>
+          </a:xfrm>
+          <a:prstGeom prst="rect">
+            <a:avLst/>
+          </a:prstGeom>
+          <a:solidFill>
+            <a:schemeClr val="accent2"/>
+          </a:solidFill>
+        </p:spPr>
+        <p:txBody>
+          <a:bodyPr wrap="none" rtlCol="0">
+            <a:spAutoFit/>
+          </a:bodyPr>
+          <a:p>
+            <a:pPr lvl="0" algn="l"/>
+            <a:r>
+              <a:rPr lang="en-US" altLang="zh-CN">
+                <a:solidFill>
+                  <a:schemeClr val="bg1"/>
+                </a:solidFill>
+                <a:sym typeface="+mn-ea"/>
+              </a:rPr>
+              <a:t>1</a:t>
+            </a:r>
+            <a:r>
+              <a:rPr lang="zh-CN" altLang="en-US">
+                <a:solidFill>
+                  <a:schemeClr val="bg1"/>
+                </a:solidFill>
+                <a:sym typeface="+mn-ea"/>
+              </a:rPr>
+              <a:t>、小表变字典</a:t>
+            </a:r>
+            <a:endParaRPr lang="zh-CN" altLang="en-US">
+              <a:solidFill>
+                <a:schemeClr val="bg1"/>
+              </a:solidFill>
+              <a:sym typeface="+mn-ea"/>
+            </a:endParaRPr>
+          </a:p>
+        </p:txBody>
+      </p:sp>
+      <p:pic>
+        <p:nvPicPr>
+          <p:cNvPr id="7" name="图片 6"/>
+          <p:cNvPicPr>
+            <a:picLocks noChangeAspect="1"/>
+          </p:cNvPicPr>
+          <p:nvPr/>
+        </p:nvPicPr>
+        <p:blipFill>
+          <a:blip r:embed="rId2"/>
+          <a:stretch>
+            <a:fillRect/>
+          </a:stretch>
+        </p:blipFill>
+        <p:spPr>
+          <a:xfrm>
+            <a:off x="711835" y="2458085"/>
+            <a:ext cx="4443730" cy="2694940"/>
+          </a:xfrm>
+          <a:prstGeom prst="rect">
+            <a:avLst/>
+          </a:prstGeom>
+        </p:spPr>
+      </p:pic>
+      <p:sp>
+        <p:nvSpPr>
+          <p:cNvPr id="9" name="文本框 8"/>
+          <p:cNvSpPr txBox="1"/>
+          <p:nvPr/>
+        </p:nvSpPr>
+        <p:spPr>
+          <a:xfrm>
+            <a:off x="711835" y="1984375"/>
+            <a:ext cx="2456180" cy="368300"/>
+          </a:xfrm>
+          <a:prstGeom prst="rect">
+            <a:avLst/>
+          </a:prstGeom>
+          <a:solidFill>
+            <a:schemeClr val="accent2"/>
+          </a:solidFill>
+        </p:spPr>
+        <p:txBody>
+          <a:bodyPr wrap="none" rtlCol="0">
+            <a:spAutoFit/>
+          </a:bodyPr>
+          <a:p>
+            <a:pPr lvl="0" algn="l"/>
+            <a:r>
+              <a:rPr lang="en-US" altLang="zh-CN">
+                <a:solidFill>
+                  <a:schemeClr val="bg1"/>
+                </a:solidFill>
+                <a:sym typeface="+mn-ea"/>
+              </a:rPr>
+              <a:t>2</a:t>
+            </a:r>
+            <a:r>
+              <a:rPr lang="zh-CN" altLang="en-US">
+                <a:solidFill>
+                  <a:schemeClr val="bg1"/>
+                </a:solidFill>
+                <a:sym typeface="+mn-ea"/>
+              </a:rPr>
+              <a:t>、大表</a:t>
+            </a:r>
+            <a:r>
+              <a:rPr lang="en-US" altLang="zh-CN">
+                <a:solidFill>
+                  <a:schemeClr val="bg1"/>
+                </a:solidFill>
+                <a:sym typeface="+mn-ea"/>
+              </a:rPr>
+              <a:t>apply</a:t>
+            </a:r>
+            <a:r>
+              <a:rPr lang="zh-CN" altLang="en-US">
+                <a:solidFill>
+                  <a:schemeClr val="bg1"/>
+                </a:solidFill>
+                <a:sym typeface="+mn-ea"/>
+              </a:rPr>
+              <a:t>按行查找</a:t>
+            </a:r>
+            <a:endParaRPr lang="zh-CN" altLang="en-US">
+              <a:solidFill>
+                <a:schemeClr val="bg1"/>
+              </a:solidFill>
+              <a:sym typeface="+mn-ea"/>
+            </a:endParaRPr>
+          </a:p>
+        </p:txBody>
+      </p:sp>
+      <p:pic>
+        <p:nvPicPr>
+          <p:cNvPr id="10" name="图片 9"/>
+          <p:cNvPicPr>
+            <a:picLocks noChangeAspect="1"/>
+          </p:cNvPicPr>
+          <p:nvPr/>
+        </p:nvPicPr>
+        <p:blipFill>
+          <a:blip r:embed="rId3"/>
+          <a:stretch>
+            <a:fillRect/>
+          </a:stretch>
+        </p:blipFill>
+        <p:spPr>
+          <a:xfrm>
+            <a:off x="5368290" y="2528570"/>
+            <a:ext cx="3917950" cy="2219960"/>
+          </a:xfrm>
+          <a:prstGeom prst="rect">
+            <a:avLst/>
+          </a:prstGeom>
+        </p:spPr>
+      </p:pic>
+      <p:sp>
+        <p:nvSpPr>
+          <p:cNvPr id="14" name="文本框 13"/>
+          <p:cNvSpPr txBox="1"/>
+          <p:nvPr/>
+        </p:nvSpPr>
+        <p:spPr>
+          <a:xfrm>
+            <a:off x="5495925" y="1984375"/>
+            <a:ext cx="2481580" cy="368300"/>
+          </a:xfrm>
+          <a:prstGeom prst="rect">
+            <a:avLst/>
+          </a:prstGeom>
+          <a:solidFill>
+            <a:schemeClr val="accent2"/>
+          </a:solidFill>
+        </p:spPr>
+        <p:txBody>
+          <a:bodyPr wrap="none" rtlCol="0">
+            <a:spAutoFit/>
+          </a:bodyPr>
+          <a:p>
+            <a:pPr lvl="0" algn="l"/>
+            <a:r>
+              <a:rPr lang="en-US">
+                <a:solidFill>
+                  <a:schemeClr val="bg1"/>
+                </a:solidFill>
+                <a:sym typeface="+mn-ea"/>
+              </a:rPr>
+              <a:t>3</a:t>
+            </a:r>
+            <a:r>
+              <a:rPr lang="zh-CN" altLang="en-US">
+                <a:solidFill>
+                  <a:schemeClr val="bg1"/>
+                </a:solidFill>
+                <a:sym typeface="+mn-ea"/>
+              </a:rPr>
+              <a:t>、大表做</a:t>
+            </a:r>
+            <a:r>
+              <a:rPr lang="en-US" altLang="zh-CN">
+                <a:solidFill>
+                  <a:schemeClr val="bg1"/>
+                </a:solidFill>
+                <a:sym typeface="+mn-ea"/>
+              </a:rPr>
+              <a:t>explode</a:t>
+            </a:r>
+            <a:r>
+              <a:rPr lang="zh-CN" altLang="en-US">
+                <a:solidFill>
+                  <a:schemeClr val="bg1"/>
+                </a:solidFill>
+                <a:sym typeface="+mn-ea"/>
+              </a:rPr>
+              <a:t>展开</a:t>
+            </a:r>
+            <a:endParaRPr lang="zh-CN" altLang="en-US">
+              <a:solidFill>
+                <a:schemeClr val="bg1"/>
+              </a:solidFill>
+              <a:sym typeface="+mn-ea"/>
+            </a:endParaRPr>
+          </a:p>
+        </p:txBody>
+      </p:sp>
+      <p:pic>
+        <p:nvPicPr>
+          <p:cNvPr id="17" name="图片 16"/>
+          <p:cNvPicPr>
+            <a:picLocks noChangeAspect="1"/>
+          </p:cNvPicPr>
+          <p:nvPr/>
+        </p:nvPicPr>
+        <p:blipFill>
+          <a:blip r:embed="rId4"/>
+          <a:stretch>
+            <a:fillRect/>
+          </a:stretch>
+        </p:blipFill>
+        <p:spPr>
+          <a:xfrm>
+            <a:off x="4908550" y="5329555"/>
+            <a:ext cx="4784725" cy="1463040"/>
+          </a:xfrm>
+          <a:prstGeom prst="rect">
+            <a:avLst/>
+          </a:prstGeom>
+        </p:spPr>
+      </p:pic>
+      <p:sp>
+        <p:nvSpPr>
+          <p:cNvPr id="18" name="文本框 17"/>
+          <p:cNvSpPr txBox="1"/>
+          <p:nvPr/>
+        </p:nvSpPr>
+        <p:spPr>
+          <a:xfrm>
+            <a:off x="5907405" y="4867910"/>
+            <a:ext cx="2786380" cy="368300"/>
+          </a:xfrm>
+          <a:prstGeom prst="rect">
+            <a:avLst/>
+          </a:prstGeom>
+          <a:solidFill>
+            <a:schemeClr val="accent2"/>
+          </a:solidFill>
+        </p:spPr>
+        <p:txBody>
+          <a:bodyPr wrap="none" rtlCol="0">
+            <a:spAutoFit/>
+          </a:bodyPr>
+          <a:p>
+            <a:pPr lvl="0" algn="l"/>
+            <a:r>
+              <a:rPr lang="en-US">
+                <a:solidFill>
+                  <a:schemeClr val="bg1"/>
+                </a:solidFill>
+                <a:sym typeface="+mn-ea"/>
+              </a:rPr>
+              <a:t>4</a:t>
+            </a:r>
+            <a:r>
+              <a:rPr lang="zh-CN" altLang="en-US">
+                <a:solidFill>
+                  <a:schemeClr val="bg1"/>
+                </a:solidFill>
+                <a:sym typeface="+mn-ea"/>
+              </a:rPr>
+              <a:t>、大表小表重新做</a:t>
+            </a:r>
+            <a:r>
+              <a:rPr lang="en-US" altLang="zh-CN">
+                <a:solidFill>
+                  <a:schemeClr val="bg1"/>
+                </a:solidFill>
+                <a:sym typeface="+mn-ea"/>
+              </a:rPr>
+              <a:t>merge</a:t>
+            </a:r>
+            <a:endParaRPr lang="en-US" altLang="zh-CN">
+              <a:solidFill>
+                <a:schemeClr val="bg1"/>
+              </a:solidFill>
+              <a:sym typeface="+mn-ea"/>
+            </a:endParaRPr>
+          </a:p>
+        </p:txBody>
+      </p:sp>
+      <p:sp>
+        <p:nvSpPr>
+          <p:cNvPr id="19" name="文本框 18"/>
+          <p:cNvSpPr txBox="1"/>
+          <p:nvPr/>
+        </p:nvSpPr>
+        <p:spPr>
+          <a:xfrm>
+            <a:off x="9533890" y="3177540"/>
+            <a:ext cx="2240280" cy="922020"/>
+          </a:xfrm>
+          <a:prstGeom prst="rect">
+            <a:avLst/>
+          </a:prstGeom>
+          <a:solidFill>
+            <a:srgbClr val="FFC000"/>
+          </a:solidFill>
+        </p:spPr>
+        <p:txBody>
+          <a:bodyPr wrap="none" rtlCol="0">
+            <a:spAutoFit/>
+          </a:bodyPr>
+          <a:p>
+            <a:r>
+              <a:rPr lang="zh-CN" altLang="en-US"/>
+              <a:t>适用于：</a:t>
+            </a:r>
+            <a:endParaRPr lang="zh-CN" altLang="en-US"/>
+          </a:p>
+          <a:p>
+            <a:r>
+              <a:rPr lang="zh-CN" altLang="en-US"/>
+              <a:t>数据很大</a:t>
+            </a:r>
+            <a:endParaRPr lang="zh-CN" altLang="en-US"/>
+          </a:p>
+          <a:p>
+            <a:r>
+              <a:rPr lang="zh-CN" altLang="en-US"/>
+              <a:t>笛卡尔积内存放不下</a:t>
+            </a:r>
+            <a:endParaRPr lang="zh-CN" altLang="en-US"/>
+          </a:p>
+        </p:txBody>
+      </p:sp>
+    </p:spTree>
+  </p:cSld>
+  <p:clrMapOvr>
+    <a:masterClrMapping/>
+  </p:clrMapOvr>
+  <p:timing>
+    <p:tnLst>
+      <p:par>
+        <p:cTn id="1" dur="indefinite" restart="never" nodeType="tmRoot">
+          <p:childTnLst>
+            <p:seq concurrent="1" nextAc="seek">
+              <p:cTn id="2" dur="indefinite" nodeType="mainSeq">
+                <p:childTnLst>
+                  <p:par>
+                    <p:cTn id="3" fill="hold">
+                      <p:stCondLst>
+                        <p:cond delay="indefinite"/>
+                      </p:stCondLst>
+                      <p:childTnLst>
+                        <p:par>
+                          <p:cTn id="4" fill="hold">
+                            <p:stCondLst>
+                              <p:cond delay="0"/>
+                            </p:stCondLst>
+                            <p:childTnLst>
+                              <p:par>
+                                <p:cTn id="5" presetID="2" presetClass="entr" presetSubtype="4" fill="hold" grpId="0" nodeType="clickEffect">
+                                  <p:stCondLst>
+                                    <p:cond delay="0"/>
+                                  </p:stCondLst>
+                                  <p:childTnLst>
+                                    <p:set>
+                                      <p:cBhvr>
+                                        <p:cTn id="6" dur="1" fill="hold">
+                                          <p:stCondLst>
+                                            <p:cond delay="0"/>
+                                          </p:stCondLst>
+                                        </p:cTn>
+                                        <p:tgtEl>
+                                          <p:spTgt spid="9"/>
+                                        </p:tgtEl>
+                                        <p:attrNameLst>
+                                          <p:attrName>style.visibility</p:attrName>
+                                        </p:attrNameLst>
+                                      </p:cBhvr>
+                                      <p:to>
+                                        <p:strVal val="visible"/>
+                                      </p:to>
+                                    </p:set>
+                                    <p:anim calcmode="lin" valueType="num">
+                                      <p:cBhvr additive="base">
+                                        <p:cTn id="7" dur="500" fill="hold"/>
+                                        <p:tgtEl>
+                                          <p:spTgt spid="9"/>
+                                        </p:tgtEl>
+                                        <p:attrNameLst>
+                                          <p:attrName>ppt_x</p:attrName>
+                                        </p:attrNameLst>
+                                      </p:cBhvr>
+                                      <p:tavLst>
+                                        <p:tav tm="0">
+                                          <p:val>
+                                            <p:strVal val="#ppt_x"/>
+                                          </p:val>
+                                        </p:tav>
+                                        <p:tav tm="100000">
+                                          <p:val>
+                                            <p:strVal val="#ppt_x"/>
+                                          </p:val>
+                                        </p:tav>
+                                      </p:tavLst>
+                                    </p:anim>
+                                    <p:anim calcmode="lin" valueType="num">
+                                      <p:cBhvr additive="base">
+                                        <p:cTn id="8" dur="500" fill="hold"/>
+                                        <p:tgtEl>
+                                          <p:spTgt spid="9"/>
+                                        </p:tgtEl>
+                                        <p:attrNameLst>
+                                          <p:attrName>ppt_y</p:attrName>
+                                        </p:attrNameLst>
+                                      </p:cBhvr>
+                                      <p:tavLst>
+                                        <p:tav tm="0">
+                                          <p:val>
+                                            <p:strVal val="1+#ppt_h/2"/>
+                                          </p:val>
+                                        </p:tav>
+                                        <p:tav tm="100000">
+                                          <p:val>
+                                            <p:strVal val="#ppt_y"/>
+                                          </p:val>
+                                        </p:tav>
+                                      </p:tavLst>
+                                    </p:anim>
+                                  </p:childTnLst>
+                                </p:cTn>
+                              </p:par>
+                              <p:par>
+                                <p:cTn id="9" presetID="2" presetClass="entr" presetSubtype="4" fill="hold" nodeType="withEffect">
+                                  <p:stCondLst>
+                                    <p:cond delay="0"/>
+                                  </p:stCondLst>
+                                  <p:childTnLst>
+                                    <p:set>
+                                      <p:cBhvr>
+                                        <p:cTn id="10" dur="1" fill="hold">
+                                          <p:stCondLst>
+                                            <p:cond delay="0"/>
+                                          </p:stCondLst>
+                                        </p:cTn>
+                                        <p:tgtEl>
+                                          <p:spTgt spid="7"/>
+                                        </p:tgtEl>
+                                        <p:attrNameLst>
+                                          <p:attrName>style.visibility</p:attrName>
+                                        </p:attrNameLst>
+                                      </p:cBhvr>
+                                      <p:to>
+                                        <p:strVal val="visible"/>
+                                      </p:to>
+                                    </p:set>
+                                    <p:anim calcmode="lin" valueType="num">
+                                      <p:cBhvr additive="base">
+                                        <p:cTn id="11" dur="500" fill="hold"/>
+                                        <p:tgtEl>
+                                          <p:spTgt spid="7"/>
+                                        </p:tgtEl>
+                                        <p:attrNameLst>
+                                          <p:attrName>ppt_x</p:attrName>
+                                        </p:attrNameLst>
+                                      </p:cBhvr>
+                                      <p:tavLst>
+                                        <p:tav tm="0">
+                                          <p:val>
+                                            <p:strVal val="#ppt_x"/>
+                                          </p:val>
+                                        </p:tav>
+                                        <p:tav tm="100000">
+                                          <p:val>
+                                            <p:strVal val="#ppt_x"/>
+                                          </p:val>
+                                        </p:tav>
+                                      </p:tavLst>
+                                    </p:anim>
+                                    <p:anim calcmode="lin" valueType="num">
+                                      <p:cBhvr additive="base">
+                                        <p:cTn id="12" dur="500" fill="hold"/>
+                                        <p:tgtEl>
+                                          <p:spTgt spid="7"/>
+                                        </p:tgtEl>
+                                        <p:attrNameLst>
+                                          <p:attrName>ppt_y</p:attrName>
+                                        </p:attrNameLst>
+                                      </p:cBhvr>
+                                      <p:tavLst>
+                                        <p:tav tm="0">
+                                          <p:val>
+                                            <p:strVal val="1+#ppt_h/2"/>
+                                          </p:val>
+                                        </p:tav>
+                                        <p:tav tm="100000">
+                                          <p:val>
+                                            <p:strVal val="#ppt_y"/>
+                                          </p:val>
+                                        </p:tav>
+                                      </p:tavLst>
+                                    </p:anim>
+                                  </p:childTnLst>
+                                </p:cTn>
+                              </p:par>
+                            </p:childTnLst>
+                          </p:cTn>
+                        </p:par>
+                      </p:childTnLst>
+                    </p:cTn>
+                  </p:par>
+                  <p:par>
+                    <p:cTn id="13" fill="hold">
+                      <p:stCondLst>
+                        <p:cond delay="indefinite"/>
+                      </p:stCondLst>
+                      <p:childTnLst>
+                        <p:par>
+                          <p:cTn id="14" fill="hold">
+                            <p:stCondLst>
+                              <p:cond delay="0"/>
+                            </p:stCondLst>
+                            <p:childTnLst>
+                              <p:par>
+                                <p:cTn id="15" presetID="2" presetClass="entr" presetSubtype="4" fill="hold" grpId="0" nodeType="clickEffect">
+                                  <p:stCondLst>
+                                    <p:cond delay="0"/>
+                                  </p:stCondLst>
+                                  <p:childTnLst>
+                                    <p:set>
+                                      <p:cBhvr>
+                                        <p:cTn id="16" dur="1" fill="hold">
+                                          <p:stCondLst>
+                                            <p:cond delay="0"/>
+                                          </p:stCondLst>
+                                        </p:cTn>
+                                        <p:tgtEl>
+                                          <p:spTgt spid="14"/>
+                                        </p:tgtEl>
+                                        <p:attrNameLst>
+                                          <p:attrName>style.visibility</p:attrName>
+                                        </p:attrNameLst>
+                                      </p:cBhvr>
+                                      <p:to>
+                                        <p:strVal val="visible"/>
+                                      </p:to>
+                                    </p:set>
+                                    <p:anim calcmode="lin" valueType="num">
+                                      <p:cBhvr additive="base">
+                                        <p:cTn id="17" dur="500" fill="hold"/>
+                                        <p:tgtEl>
+                                          <p:spTgt spid="14"/>
+                                        </p:tgtEl>
+                                        <p:attrNameLst>
+                                          <p:attrName>ppt_x</p:attrName>
+                                        </p:attrNameLst>
+                                      </p:cBhvr>
+                                      <p:tavLst>
+                                        <p:tav tm="0">
+                                          <p:val>
+                                            <p:strVal val="#ppt_x"/>
+                                          </p:val>
+                                        </p:tav>
+                                        <p:tav tm="100000">
+                                          <p:val>
+                                            <p:strVal val="#ppt_x"/>
+                                          </p:val>
+                                        </p:tav>
+                                      </p:tavLst>
+                                    </p:anim>
+                                    <p:anim calcmode="lin" valueType="num">
+                                      <p:cBhvr additive="base">
+                                        <p:cTn id="18" dur="500" fill="hold"/>
+                                        <p:tgtEl>
+                                          <p:spTgt spid="14"/>
+                                        </p:tgtEl>
+                                        <p:attrNameLst>
+                                          <p:attrName>ppt_y</p:attrName>
+                                        </p:attrNameLst>
+                                      </p:cBhvr>
+                                      <p:tavLst>
+                                        <p:tav tm="0">
+                                          <p:val>
+                                            <p:strVal val="1+#ppt_h/2"/>
+                                          </p:val>
+                                        </p:tav>
+                                        <p:tav tm="100000">
+                                          <p:val>
+                                            <p:strVal val="#ppt_y"/>
+                                          </p:val>
+                                        </p:tav>
+                                      </p:tavLst>
+                                    </p:anim>
+                                  </p:childTnLst>
+                                </p:cTn>
+                              </p:par>
+                              <p:par>
+                                <p:cTn id="19" presetID="2" presetClass="entr" presetSubtype="4" fill="hold" nodeType="withEffect">
+                                  <p:stCondLst>
+                                    <p:cond delay="0"/>
+                                  </p:stCondLst>
+                                  <p:childTnLst>
+                                    <p:set>
+                                      <p:cBhvr>
+                                        <p:cTn id="20" dur="1" fill="hold">
+                                          <p:stCondLst>
+                                            <p:cond delay="0"/>
+                                          </p:stCondLst>
+                                        </p:cTn>
+                                        <p:tgtEl>
+                                          <p:spTgt spid="10"/>
+                                        </p:tgtEl>
+                                        <p:attrNameLst>
+                                          <p:attrName>style.visibility</p:attrName>
+                                        </p:attrNameLst>
+                                      </p:cBhvr>
+                                      <p:to>
+                                        <p:strVal val="visible"/>
+                                      </p:to>
+                                    </p:set>
+                                    <p:anim calcmode="lin" valueType="num">
+                                      <p:cBhvr additive="base">
+                                        <p:cTn id="21" dur="500" fill="hold"/>
+                                        <p:tgtEl>
+                                          <p:spTgt spid="10"/>
+                                        </p:tgtEl>
+                                        <p:attrNameLst>
+                                          <p:attrName>ppt_x</p:attrName>
+                                        </p:attrNameLst>
+                                      </p:cBhvr>
+                                      <p:tavLst>
+                                        <p:tav tm="0">
+                                          <p:val>
+                                            <p:strVal val="#ppt_x"/>
+                                          </p:val>
+                                        </p:tav>
+                                        <p:tav tm="100000">
+                                          <p:val>
+                                            <p:strVal val="#ppt_x"/>
+                                          </p:val>
+                                        </p:tav>
+                                      </p:tavLst>
+                                    </p:anim>
+                                    <p:anim calcmode="lin" valueType="num">
+                                      <p:cBhvr additive="base">
+                                        <p:cTn id="22" dur="500" fill="hold"/>
+                                        <p:tgtEl>
+                                          <p:spTgt spid="10"/>
+                                        </p:tgtEl>
+                                        <p:attrNameLst>
+                                          <p:attrName>ppt_y</p:attrName>
+                                        </p:attrNameLst>
+                                      </p:cBhvr>
+                                      <p:tavLst>
+                                        <p:tav tm="0">
+                                          <p:val>
+                                            <p:strVal val="1+#ppt_h/2"/>
+                                          </p:val>
+                                        </p:tav>
+                                        <p:tav tm="100000">
+                                          <p:val>
+                                            <p:strVal val="#ppt_y"/>
+                                          </p:val>
+                                        </p:tav>
+                                      </p:tavLst>
+                                    </p:anim>
+                                  </p:childTnLst>
+                                </p:cTn>
+                              </p:par>
+                            </p:childTnLst>
+                          </p:cTn>
+                        </p:par>
+                      </p:childTnLst>
+                    </p:cTn>
+                  </p:par>
+                  <p:par>
+                    <p:cTn id="23" fill="hold">
+                      <p:stCondLst>
+                        <p:cond delay="indefinite"/>
+                      </p:stCondLst>
+                      <p:childTnLst>
+                        <p:par>
+                          <p:cTn id="24" fill="hold">
+                            <p:stCondLst>
+                              <p:cond delay="0"/>
+                            </p:stCondLst>
+                            <p:childTnLst>
+                              <p:par>
+                                <p:cTn id="25" presetID="2" presetClass="entr" presetSubtype="4" fill="hold" grpId="0" nodeType="clickEffect">
+                                  <p:stCondLst>
+                                    <p:cond delay="0"/>
+                                  </p:stCondLst>
+                                  <p:childTnLst>
+                                    <p:set>
+                                      <p:cBhvr>
+                                        <p:cTn id="26" dur="1" fill="hold">
+                                          <p:stCondLst>
+                                            <p:cond delay="0"/>
+                                          </p:stCondLst>
+                                        </p:cTn>
+                                        <p:tgtEl>
+                                          <p:spTgt spid="18"/>
+                                        </p:tgtEl>
+                                        <p:attrNameLst>
+                                          <p:attrName>style.visibility</p:attrName>
+                                        </p:attrNameLst>
+                                      </p:cBhvr>
+                                      <p:to>
+                                        <p:strVal val="visible"/>
+                                      </p:to>
+                                    </p:set>
+                                    <p:anim calcmode="lin" valueType="num">
+                                      <p:cBhvr additive="base">
+                                        <p:cTn id="27" dur="500" fill="hold"/>
+                                        <p:tgtEl>
+                                          <p:spTgt spid="18"/>
+                                        </p:tgtEl>
+                                        <p:attrNameLst>
+                                          <p:attrName>ppt_x</p:attrName>
+                                        </p:attrNameLst>
+                                      </p:cBhvr>
+                                      <p:tavLst>
+                                        <p:tav tm="0">
+                                          <p:val>
+                                            <p:strVal val="#ppt_x"/>
+                                          </p:val>
+                                        </p:tav>
+                                        <p:tav tm="100000">
+                                          <p:val>
+                                            <p:strVal val="#ppt_x"/>
+                                          </p:val>
+                                        </p:tav>
+                                      </p:tavLst>
+                                    </p:anim>
+                                    <p:anim calcmode="lin" valueType="num">
+                                      <p:cBhvr additive="base">
+                                        <p:cTn id="28" dur="500" fill="hold"/>
+                                        <p:tgtEl>
+                                          <p:spTgt spid="18"/>
+                                        </p:tgtEl>
+                                        <p:attrNameLst>
+                                          <p:attrName>ppt_y</p:attrName>
+                                        </p:attrNameLst>
+                                      </p:cBhvr>
+                                      <p:tavLst>
+                                        <p:tav tm="0">
+                                          <p:val>
+                                            <p:strVal val="1+#ppt_h/2"/>
+                                          </p:val>
+                                        </p:tav>
+                                        <p:tav tm="100000">
+                                          <p:val>
+                                            <p:strVal val="#ppt_y"/>
+                                          </p:val>
+                                        </p:tav>
+                                      </p:tavLst>
+                                    </p:anim>
+                                  </p:childTnLst>
+                                </p:cTn>
+                              </p:par>
+                              <p:par>
+                                <p:cTn id="29" presetID="2" presetClass="entr" presetSubtype="4" fill="hold" nodeType="withEffect">
+                                  <p:stCondLst>
+                                    <p:cond delay="0"/>
+                                  </p:stCondLst>
+                                  <p:childTnLst>
+                                    <p:set>
+                                      <p:cBhvr>
+                                        <p:cTn id="30" dur="1" fill="hold">
+                                          <p:stCondLst>
+                                            <p:cond delay="0"/>
+                                          </p:stCondLst>
+                                        </p:cTn>
+                                        <p:tgtEl>
+                                          <p:spTgt spid="17"/>
+                                        </p:tgtEl>
+                                        <p:attrNameLst>
+                                          <p:attrName>style.visibility</p:attrName>
+                                        </p:attrNameLst>
+                                      </p:cBhvr>
+                                      <p:to>
+                                        <p:strVal val="visible"/>
+                                      </p:to>
+                                    </p:set>
+                                    <p:anim calcmode="lin" valueType="num">
+                                      <p:cBhvr additive="base">
+                                        <p:cTn id="31" dur="500" fill="hold"/>
+                                        <p:tgtEl>
+                                          <p:spTgt spid="17"/>
+                                        </p:tgtEl>
+                                        <p:attrNameLst>
+                                          <p:attrName>ppt_x</p:attrName>
+                                        </p:attrNameLst>
+                                      </p:cBhvr>
+                                      <p:tavLst>
+                                        <p:tav tm="0">
+                                          <p:val>
+                                            <p:strVal val="#ppt_x"/>
+                                          </p:val>
+                                        </p:tav>
+                                        <p:tav tm="100000">
+                                          <p:val>
+                                            <p:strVal val="#ppt_x"/>
+                                          </p:val>
+                                        </p:tav>
+                                      </p:tavLst>
+                                    </p:anim>
+                                    <p:anim calcmode="lin" valueType="num">
+                                      <p:cBhvr additive="base">
+                                        <p:cTn id="32" dur="500" fill="hold"/>
+                                        <p:tgtEl>
+                                          <p:spTgt spid="17"/>
+                                        </p:tgtEl>
+                                        <p:attrNameLst>
+                                          <p:attrName>ppt_y</p:attrName>
+                                        </p:attrNameLst>
+                                      </p:cBhvr>
+                                      <p:tavLst>
+                                        <p:tav tm="0">
+                                          <p:val>
+                                            <p:strVal val="1+#ppt_h/2"/>
+                                          </p:val>
+                                        </p:tav>
+                                        <p:tav tm="100000">
+                                          <p:val>
+                                            <p:strVal val="#ppt_y"/>
+                                          </p:val>
+                                        </p:tav>
+                                      </p:tavLst>
+                                    </p:anim>
+                                  </p:childTnLst>
+                                </p:cTn>
+                              </p:par>
+                            </p:childTnLst>
+                          </p:cTn>
+                        </p:par>
+                      </p:childTnLst>
+                    </p:cTn>
+                  </p:par>
+                  <p:par>
+                    <p:cTn id="33" fill="hold">
+                      <p:stCondLst>
+                        <p:cond delay="indefinite"/>
+                      </p:stCondLst>
+                      <p:childTnLst>
+                        <p:par>
+                          <p:cTn id="34" fill="hold">
+                            <p:stCondLst>
+                              <p:cond delay="0"/>
+                            </p:stCondLst>
+                            <p:childTnLst>
+                              <p:par>
+                                <p:cTn id="35" presetID="3" presetClass="entr" presetSubtype="10" fill="hold" grpId="0" nodeType="clickEffect">
+                                  <p:stCondLst>
+                                    <p:cond delay="0"/>
+                                  </p:stCondLst>
+                                  <p:childTnLst>
+                                    <p:set>
+                                      <p:cBhvr>
+                                        <p:cTn id="36" dur="1" fill="hold">
+                                          <p:stCondLst>
+                                            <p:cond delay="0"/>
+                                          </p:stCondLst>
+                                        </p:cTn>
+                                        <p:tgtEl>
+                                          <p:spTgt spid="19"/>
+                                        </p:tgtEl>
+                                        <p:attrNameLst>
+                                          <p:attrName>style.visibility</p:attrName>
+                                        </p:attrNameLst>
+                                      </p:cBhvr>
+                                      <p:to>
+                                        <p:strVal val="visible"/>
+                                      </p:to>
+                                    </p:set>
+                                    <p:animEffect transition="in" filter="blinds(horizontal)">
+                                      <p:cBhvr>
+                                        <p:cTn id="37" dur="500"/>
+                                        <p:tgtEl>
+                                          <p:spTgt spid="19"/>
+                                        </p:tgtEl>
+                                      </p:cBhvr>
+                                    </p:animEffect>
+                                  </p:childTnLst>
+                                </p:cTn>
+                              </p:par>
+                            </p:childTnLst>
+                          </p:cTn>
+                        </p:par>
+                      </p:childTnLst>
+                    </p:cTn>
+                  </p:par>
+                </p:childTnLst>
+              </p:cTn>
+              <p:prevCondLst>
+                <p:cond evt="onPrev" delay="0">
+                  <p:tgtEl>
+                    <p:sldTgt/>
+                  </p:tgtEl>
+                </p:cond>
+              </p:prevCondLst>
+              <p:nextCondLst>
+                <p:cond evt="onNext" delay="0">
+                  <p:tgtEl>
+                    <p:sldTgt/>
+                  </p:tgtEl>
+                </p:cond>
+              </p:nextCondLst>
+            </p:seq>
+          </p:childTnLst>
+        </p:cTn>
+      </p:par>
+    </p:tnLst>
+    <p:bldLst>
+      <p:bldP spid="9" grpId="0" animBg="1"/>
+      <p:bldP spid="14" grpId="0" animBg="1"/>
+      <p:bldP spid="18" grpId="0" animBg="1"/>
+      <p:bldP spid="19" grpId="0" animBg="1"/>
+    </p:bldLst>
+  </p:timing>
 </p:sld>
 </file>
 

--- a/Python使用Pandas入门数据分析.pptx
+++ b/Python使用Pandas入门数据分析.pptx
@@ -36606,7 +36606,6 @@
           <a:p>
             <a:r>
               <a:rPr lang="zh-CN" altLang="en-US" sz="4000">
-                <a:ln/>
                 <a:solidFill>
                   <a:schemeClr val="tx1"/>
                 </a:solidFill>
@@ -36621,7 +36620,6 @@
               <a:t>问题定义：两列不是相等匹配而是模糊匹配</a:t>
             </a:r>
             <a:endParaRPr lang="zh-CN" altLang="en-US" sz="4000">
-              <a:ln/>
               <a:solidFill>
                 <a:schemeClr val="tx1"/>
               </a:solidFill>
@@ -36918,11 +36916,740 @@
           </a:p>
         </p:txBody>
       </p:sp>
+      <p:sp>
+        <p:nvSpPr>
+          <p:cNvPr id="2" name="矩形 1"/>
+          <p:cNvSpPr/>
+          <p:nvPr/>
+        </p:nvSpPr>
+        <p:spPr>
+          <a:xfrm>
+            <a:off x="5541010" y="5104765"/>
+            <a:ext cx="5525770" cy="369570"/>
+          </a:xfrm>
+          <a:prstGeom prst="rect">
+            <a:avLst/>
+          </a:prstGeom>
+          <a:noFill/>
+          <a:ln w="28575">
+            <a:prstDash val="dash"/>
+          </a:ln>
+          <a:extLst>
+            <a:ext uri="{909E8E84-426E-40DD-AFC4-6F175D3DCCD1}">
+              <a14:hiddenFill xmlns:a14="http://schemas.microsoft.com/office/drawing/2010/main">
+                <a:solidFill>
+                  <a:schemeClr val="accent1"/>
+                </a:solidFill>
+              </a14:hiddenFill>
+            </a:ext>
+          </a:extLst>
+        </p:spPr>
+        <p:style>
+          <a:lnRef idx="2">
+            <a:schemeClr val="accent1">
+              <a:shade val="50000"/>
+            </a:schemeClr>
+          </a:lnRef>
+          <a:fillRef idx="1">
+            <a:schemeClr val="accent1"/>
+          </a:fillRef>
+          <a:effectRef idx="0">
+            <a:schemeClr val="accent1"/>
+          </a:effectRef>
+          <a:fontRef idx="minor">
+            <a:schemeClr val="lt1"/>
+          </a:fontRef>
+        </p:style>
+        <p:txBody>
+          <a:bodyPr rtlCol="0" anchor="ctr"/>
+          <a:p>
+            <a:pPr algn="ctr"/>
+            <a:endParaRPr lang="zh-CN" altLang="en-US"/>
+          </a:p>
+        </p:txBody>
+      </p:sp>
+      <p:sp>
+        <p:nvSpPr>
+          <p:cNvPr id="3" name="文本框 2"/>
+          <p:cNvSpPr txBox="1"/>
+          <p:nvPr/>
+        </p:nvSpPr>
+        <p:spPr>
+          <a:xfrm>
+            <a:off x="5563235" y="6153150"/>
+            <a:ext cx="5212080" cy="368300"/>
+          </a:xfrm>
+          <a:prstGeom prst="rect">
+            <a:avLst/>
+          </a:prstGeom>
+          <a:noFill/>
+        </p:spPr>
+        <p:txBody>
+          <a:bodyPr wrap="none" rtlCol="0">
+            <a:spAutoFit/>
+          </a:bodyPr>
+          <a:p>
+            <a:r>
+              <a:rPr lang="zh-CN" altLang="en-US"/>
+              <a:t>注意：模糊匹配可能会出现一对多匹配成功的情况</a:t>
+            </a:r>
+            <a:endParaRPr lang="zh-CN" altLang="en-US"/>
+          </a:p>
+        </p:txBody>
+      </p:sp>
+      <p:cxnSp>
+        <p:nvCxnSpPr>
+          <p:cNvPr id="8" name="直接箭头连接符 7"/>
+          <p:cNvCxnSpPr/>
+          <p:nvPr/>
+        </p:nvCxnSpPr>
+        <p:spPr>
+          <a:xfrm flipV="1">
+            <a:off x="5798820" y="5490845"/>
+            <a:ext cx="137160" cy="584200"/>
+          </a:xfrm>
+          <a:prstGeom prst="straightConnector1">
+            <a:avLst/>
+          </a:prstGeom>
+          <a:ln>
+            <a:tailEnd type="arrow" w="med" len="med"/>
+          </a:ln>
+        </p:spPr>
+        <p:style>
+          <a:lnRef idx="3">
+            <a:schemeClr val="accent1"/>
+          </a:lnRef>
+          <a:fillRef idx="0">
+            <a:schemeClr val="accent1"/>
+          </a:fillRef>
+          <a:effectRef idx="2">
+            <a:schemeClr val="accent1"/>
+          </a:effectRef>
+          <a:fontRef idx="minor">
+            <a:schemeClr val="tx1"/>
+          </a:fontRef>
+        </p:style>
+      </p:cxnSp>
     </p:spTree>
   </p:cSld>
   <p:clrMapOvr>
     <a:masterClrMapping/>
   </p:clrMapOvr>
+  <p:timing>
+    <p:tnLst>
+      <p:par>
+        <p:cTn id="1" dur="indefinite" restart="never" nodeType="tmRoot">
+          <p:childTnLst>
+            <p:seq concurrent="1" nextAc="seek">
+              <p:cTn id="2" dur="indefinite" nodeType="mainSeq">
+                <p:childTnLst>
+                  <p:par>
+                    <p:cTn id="3" fill="hold">
+                      <p:stCondLst>
+                        <p:cond delay="indefinite"/>
+                      </p:stCondLst>
+                      <p:childTnLst>
+                        <p:par>
+                          <p:cTn id="4" fill="hold">
+                            <p:stCondLst>
+                              <p:cond delay="0"/>
+                            </p:stCondLst>
+                            <p:childTnLst>
+                              <p:par>
+                                <p:cTn id="5" presetID="3" presetClass="entr" presetSubtype="10" fill="hold" grpId="0" nodeType="clickEffect">
+                                  <p:stCondLst>
+                                    <p:cond delay="0"/>
+                                  </p:stCondLst>
+                                  <p:childTnLst>
+                                    <p:set>
+                                      <p:cBhvr>
+                                        <p:cTn id="6" dur="1" fill="hold">
+                                          <p:stCondLst>
+                                            <p:cond delay="0"/>
+                                          </p:stCondLst>
+                                        </p:cTn>
+                                        <p:tgtEl>
+                                          <p:spTgt spid="7"/>
+                                        </p:tgtEl>
+                                        <p:attrNameLst>
+                                          <p:attrName>style.visibility</p:attrName>
+                                        </p:attrNameLst>
+                                      </p:cBhvr>
+                                      <p:to>
+                                        <p:strVal val="visible"/>
+                                      </p:to>
+                                    </p:set>
+                                    <p:animEffect transition="in" filter="blinds(horizontal)">
+                                      <p:cBhvr>
+                                        <p:cTn id="7" dur="500"/>
+                                        <p:tgtEl>
+                                          <p:spTgt spid="7"/>
+                                        </p:tgtEl>
+                                      </p:cBhvr>
+                                    </p:animEffect>
+                                  </p:childTnLst>
+                                </p:cTn>
+                              </p:par>
+                              <p:par>
+                                <p:cTn id="8" presetID="3" presetClass="entr" presetSubtype="10" fill="hold" nodeType="withEffect">
+                                  <p:stCondLst>
+                                    <p:cond delay="0"/>
+                                  </p:stCondLst>
+                                  <p:childTnLst>
+                                    <p:set>
+                                      <p:cBhvr>
+                                        <p:cTn id="9" dur="1" fill="hold">
+                                          <p:stCondLst>
+                                            <p:cond delay="0"/>
+                                          </p:stCondLst>
+                                        </p:cTn>
+                                        <p:tgtEl>
+                                          <p:spTgt spid="5"/>
+                                        </p:tgtEl>
+                                        <p:attrNameLst>
+                                          <p:attrName>style.visibility</p:attrName>
+                                        </p:attrNameLst>
+                                      </p:cBhvr>
+                                      <p:to>
+                                        <p:strVal val="visible"/>
+                                      </p:to>
+                                    </p:set>
+                                    <p:animEffect transition="in" filter="blinds(horizontal)">
+                                      <p:cBhvr>
+                                        <p:cTn id="10" dur="500"/>
+                                        <p:tgtEl>
+                                          <p:spTgt spid="5"/>
+                                        </p:tgtEl>
+                                      </p:cBhvr>
+                                    </p:animEffect>
+                                  </p:childTnLst>
+                                </p:cTn>
+                              </p:par>
+                            </p:childTnLst>
+                          </p:cTn>
+                        </p:par>
+                      </p:childTnLst>
+                    </p:cTn>
+                  </p:par>
+                  <p:par>
+                    <p:cTn id="11" fill="hold">
+                      <p:stCondLst>
+                        <p:cond delay="indefinite"/>
+                      </p:stCondLst>
+                      <p:childTnLst>
+                        <p:par>
+                          <p:cTn id="12" fill="hold">
+                            <p:stCondLst>
+                              <p:cond delay="0"/>
+                            </p:stCondLst>
+                            <p:childTnLst>
+                              <p:par>
+                                <p:cTn id="13" presetID="2" presetClass="entr" presetSubtype="4" fill="hold" grpId="0" nodeType="clickEffect">
+                                  <p:stCondLst>
+                                    <p:cond delay="0"/>
+                                  </p:stCondLst>
+                                  <p:childTnLst>
+                                    <p:set>
+                                      <p:cBhvr>
+                                        <p:cTn id="14" dur="1" fill="hold">
+                                          <p:stCondLst>
+                                            <p:cond delay="0"/>
+                                          </p:stCondLst>
+                                        </p:cTn>
+                                        <p:tgtEl>
+                                          <p:spTgt spid="9"/>
+                                        </p:tgtEl>
+                                        <p:attrNameLst>
+                                          <p:attrName>style.visibility</p:attrName>
+                                        </p:attrNameLst>
+                                      </p:cBhvr>
+                                      <p:to>
+                                        <p:strVal val="visible"/>
+                                      </p:to>
+                                    </p:set>
+                                    <p:anim calcmode="lin" valueType="num">
+                                      <p:cBhvr additive="base">
+                                        <p:cTn id="15" dur="500" fill="hold"/>
+                                        <p:tgtEl>
+                                          <p:spTgt spid="9"/>
+                                        </p:tgtEl>
+                                        <p:attrNameLst>
+                                          <p:attrName>ppt_x</p:attrName>
+                                        </p:attrNameLst>
+                                      </p:cBhvr>
+                                      <p:tavLst>
+                                        <p:tav tm="0">
+                                          <p:val>
+                                            <p:strVal val="#ppt_x"/>
+                                          </p:val>
+                                        </p:tav>
+                                        <p:tav tm="100000">
+                                          <p:val>
+                                            <p:strVal val="#ppt_x"/>
+                                          </p:val>
+                                        </p:tav>
+                                      </p:tavLst>
+                                    </p:anim>
+                                    <p:anim calcmode="lin" valueType="num">
+                                      <p:cBhvr additive="base">
+                                        <p:cTn id="16" dur="500" fill="hold"/>
+                                        <p:tgtEl>
+                                          <p:spTgt spid="9"/>
+                                        </p:tgtEl>
+                                        <p:attrNameLst>
+                                          <p:attrName>ppt_y</p:attrName>
+                                        </p:attrNameLst>
+                                      </p:cBhvr>
+                                      <p:tavLst>
+                                        <p:tav tm="0">
+                                          <p:val>
+                                            <p:strVal val="1+#ppt_h/2"/>
+                                          </p:val>
+                                        </p:tav>
+                                        <p:tav tm="100000">
+                                          <p:val>
+                                            <p:strVal val="#ppt_y"/>
+                                          </p:val>
+                                        </p:tav>
+                                      </p:tavLst>
+                                    </p:anim>
+                                  </p:childTnLst>
+                                </p:cTn>
+                              </p:par>
+                              <p:par>
+                                <p:cTn id="17" presetID="2" presetClass="entr" presetSubtype="4" fill="hold" nodeType="withEffect">
+                                  <p:stCondLst>
+                                    <p:cond delay="0"/>
+                                  </p:stCondLst>
+                                  <p:childTnLst>
+                                    <p:set>
+                                      <p:cBhvr>
+                                        <p:cTn id="18" dur="1" fill="hold">
+                                          <p:stCondLst>
+                                            <p:cond delay="0"/>
+                                          </p:stCondLst>
+                                        </p:cTn>
+                                        <p:tgtEl>
+                                          <p:spTgt spid="6"/>
+                                        </p:tgtEl>
+                                        <p:attrNameLst>
+                                          <p:attrName>style.visibility</p:attrName>
+                                        </p:attrNameLst>
+                                      </p:cBhvr>
+                                      <p:to>
+                                        <p:strVal val="visible"/>
+                                      </p:to>
+                                    </p:set>
+                                    <p:anim calcmode="lin" valueType="num">
+                                      <p:cBhvr additive="base">
+                                        <p:cTn id="19" dur="500" fill="hold"/>
+                                        <p:tgtEl>
+                                          <p:spTgt spid="6"/>
+                                        </p:tgtEl>
+                                        <p:attrNameLst>
+                                          <p:attrName>ppt_x</p:attrName>
+                                        </p:attrNameLst>
+                                      </p:cBhvr>
+                                      <p:tavLst>
+                                        <p:tav tm="0">
+                                          <p:val>
+                                            <p:strVal val="#ppt_x"/>
+                                          </p:val>
+                                        </p:tav>
+                                        <p:tav tm="100000">
+                                          <p:val>
+                                            <p:strVal val="#ppt_x"/>
+                                          </p:val>
+                                        </p:tav>
+                                      </p:tavLst>
+                                    </p:anim>
+                                    <p:anim calcmode="lin" valueType="num">
+                                      <p:cBhvr additive="base">
+                                        <p:cTn id="20" dur="500" fill="hold"/>
+                                        <p:tgtEl>
+                                          <p:spTgt spid="6"/>
+                                        </p:tgtEl>
+                                        <p:attrNameLst>
+                                          <p:attrName>ppt_y</p:attrName>
+                                        </p:attrNameLst>
+                                      </p:cBhvr>
+                                      <p:tavLst>
+                                        <p:tav tm="0">
+                                          <p:val>
+                                            <p:strVal val="1+#ppt_h/2"/>
+                                          </p:val>
+                                        </p:tav>
+                                        <p:tav tm="100000">
+                                          <p:val>
+                                            <p:strVal val="#ppt_y"/>
+                                          </p:val>
+                                        </p:tav>
+                                      </p:tavLst>
+                                    </p:anim>
+                                  </p:childTnLst>
+                                </p:cTn>
+                              </p:par>
+                            </p:childTnLst>
+                          </p:cTn>
+                        </p:par>
+                      </p:childTnLst>
+                    </p:cTn>
+                  </p:par>
+                  <p:par>
+                    <p:cTn id="21" fill="hold">
+                      <p:stCondLst>
+                        <p:cond delay="indefinite"/>
+                      </p:stCondLst>
+                      <p:childTnLst>
+                        <p:par>
+                          <p:cTn id="22" fill="hold">
+                            <p:stCondLst>
+                              <p:cond delay="0"/>
+                            </p:stCondLst>
+                            <p:childTnLst>
+                              <p:par>
+                                <p:cTn id="23" presetID="16" presetClass="entr" presetSubtype="42" fill="hold" grpId="1" nodeType="clickEffect">
+                                  <p:stCondLst>
+                                    <p:cond delay="0"/>
+                                  </p:stCondLst>
+                                  <p:childTnLst>
+                                    <p:set>
+                                      <p:cBhvr>
+                                        <p:cTn id="24" dur="1" fill="hold">
+                                          <p:stCondLst>
+                                            <p:cond delay="0"/>
+                                          </p:stCondLst>
+                                        </p:cTn>
+                                        <p:tgtEl>
+                                          <p:spTgt spid="14"/>
+                                        </p:tgtEl>
+                                        <p:attrNameLst>
+                                          <p:attrName>style.visibility</p:attrName>
+                                        </p:attrNameLst>
+                                      </p:cBhvr>
+                                      <p:to>
+                                        <p:strVal val="visible"/>
+                                      </p:to>
+                                    </p:set>
+                                    <p:animEffect transition="in" filter="barn(outHorizontal)">
+                                      <p:cBhvr>
+                                        <p:cTn id="25" dur="500"/>
+                                        <p:tgtEl>
+                                          <p:spTgt spid="14"/>
+                                        </p:tgtEl>
+                                      </p:cBhvr>
+                                    </p:animEffect>
+                                  </p:childTnLst>
+                                </p:cTn>
+                              </p:par>
+                              <p:par>
+                                <p:cTn id="26" presetID="16" presetClass="entr" presetSubtype="42" fill="hold" nodeType="withEffect">
+                                  <p:stCondLst>
+                                    <p:cond delay="0"/>
+                                  </p:stCondLst>
+                                  <p:childTnLst>
+                                    <p:set>
+                                      <p:cBhvr>
+                                        <p:cTn id="27" dur="1" fill="hold">
+                                          <p:stCondLst>
+                                            <p:cond delay="0"/>
+                                          </p:stCondLst>
+                                        </p:cTn>
+                                        <p:tgtEl>
+                                          <p:spTgt spid="10"/>
+                                        </p:tgtEl>
+                                        <p:attrNameLst>
+                                          <p:attrName>style.visibility</p:attrName>
+                                        </p:attrNameLst>
+                                      </p:cBhvr>
+                                      <p:to>
+                                        <p:strVal val="visible"/>
+                                      </p:to>
+                                    </p:set>
+                                    <p:animEffect transition="in" filter="barn(outHorizontal)">
+                                      <p:cBhvr>
+                                        <p:cTn id="28" dur="500"/>
+                                        <p:tgtEl>
+                                          <p:spTgt spid="10"/>
+                                        </p:tgtEl>
+                                      </p:cBhvr>
+                                    </p:animEffect>
+                                  </p:childTnLst>
+                                </p:cTn>
+                              </p:par>
+                            </p:childTnLst>
+                          </p:cTn>
+                        </p:par>
+                      </p:childTnLst>
+                    </p:cTn>
+                  </p:par>
+                  <p:par>
+                    <p:cTn id="29" fill="hold">
+                      <p:stCondLst>
+                        <p:cond delay="indefinite"/>
+                      </p:stCondLst>
+                      <p:childTnLst>
+                        <p:par>
+                          <p:cTn id="30" fill="hold">
+                            <p:stCondLst>
+                              <p:cond delay="0"/>
+                            </p:stCondLst>
+                            <p:childTnLst>
+                              <p:par>
+                                <p:cTn id="31" presetID="2" presetClass="entr" presetSubtype="4" fill="hold" grpId="0" nodeType="clickEffect">
+                                  <p:stCondLst>
+                                    <p:cond delay="0"/>
+                                  </p:stCondLst>
+                                  <p:childTnLst>
+                                    <p:set>
+                                      <p:cBhvr>
+                                        <p:cTn id="32" dur="1" fill="hold">
+                                          <p:stCondLst>
+                                            <p:cond delay="0"/>
+                                          </p:stCondLst>
+                                        </p:cTn>
+                                        <p:tgtEl>
+                                          <p:spTgt spid="2"/>
+                                        </p:tgtEl>
+                                        <p:attrNameLst>
+                                          <p:attrName>style.visibility</p:attrName>
+                                        </p:attrNameLst>
+                                      </p:cBhvr>
+                                      <p:to>
+                                        <p:strVal val="visible"/>
+                                      </p:to>
+                                    </p:set>
+                                    <p:anim calcmode="lin" valueType="num">
+                                      <p:cBhvr additive="base">
+                                        <p:cTn id="33" dur="500" fill="hold"/>
+                                        <p:tgtEl>
+                                          <p:spTgt spid="2"/>
+                                        </p:tgtEl>
+                                        <p:attrNameLst>
+                                          <p:attrName>ppt_x</p:attrName>
+                                        </p:attrNameLst>
+                                      </p:cBhvr>
+                                      <p:tavLst>
+                                        <p:tav tm="0">
+                                          <p:val>
+                                            <p:strVal val="#ppt_x"/>
+                                          </p:val>
+                                        </p:tav>
+                                        <p:tav tm="100000">
+                                          <p:val>
+                                            <p:strVal val="#ppt_x"/>
+                                          </p:val>
+                                        </p:tav>
+                                      </p:tavLst>
+                                    </p:anim>
+                                    <p:anim calcmode="lin" valueType="num">
+                                      <p:cBhvr additive="base">
+                                        <p:cTn id="34" dur="500" fill="hold"/>
+                                        <p:tgtEl>
+                                          <p:spTgt spid="2"/>
+                                        </p:tgtEl>
+                                        <p:attrNameLst>
+                                          <p:attrName>ppt_y</p:attrName>
+                                        </p:attrNameLst>
+                                      </p:cBhvr>
+                                      <p:tavLst>
+                                        <p:tav tm="0">
+                                          <p:val>
+                                            <p:strVal val="1+#ppt_h/2"/>
+                                          </p:val>
+                                        </p:tav>
+                                        <p:tav tm="100000">
+                                          <p:val>
+                                            <p:strVal val="#ppt_y"/>
+                                          </p:val>
+                                        </p:tav>
+                                      </p:tavLst>
+                                    </p:anim>
+                                  </p:childTnLst>
+                                </p:cTn>
+                              </p:par>
+                              <p:par>
+                                <p:cTn id="35" presetID="2" presetClass="entr" presetSubtype="4" fill="hold" grpId="0" nodeType="withEffect">
+                                  <p:stCondLst>
+                                    <p:cond delay="0"/>
+                                  </p:stCondLst>
+                                  <p:childTnLst>
+                                    <p:set>
+                                      <p:cBhvr>
+                                        <p:cTn id="36" dur="1" fill="hold">
+                                          <p:stCondLst>
+                                            <p:cond delay="0"/>
+                                          </p:stCondLst>
+                                        </p:cTn>
+                                        <p:tgtEl>
+                                          <p:spTgt spid="3"/>
+                                        </p:tgtEl>
+                                        <p:attrNameLst>
+                                          <p:attrName>style.visibility</p:attrName>
+                                        </p:attrNameLst>
+                                      </p:cBhvr>
+                                      <p:to>
+                                        <p:strVal val="visible"/>
+                                      </p:to>
+                                    </p:set>
+                                    <p:anim calcmode="lin" valueType="num">
+                                      <p:cBhvr additive="base">
+                                        <p:cTn id="37" dur="500" fill="hold"/>
+                                        <p:tgtEl>
+                                          <p:spTgt spid="3"/>
+                                        </p:tgtEl>
+                                        <p:attrNameLst>
+                                          <p:attrName>ppt_x</p:attrName>
+                                        </p:attrNameLst>
+                                      </p:cBhvr>
+                                      <p:tavLst>
+                                        <p:tav tm="0">
+                                          <p:val>
+                                            <p:strVal val="#ppt_x"/>
+                                          </p:val>
+                                        </p:tav>
+                                        <p:tav tm="100000">
+                                          <p:val>
+                                            <p:strVal val="#ppt_x"/>
+                                          </p:val>
+                                        </p:tav>
+                                      </p:tavLst>
+                                    </p:anim>
+                                    <p:anim calcmode="lin" valueType="num">
+                                      <p:cBhvr additive="base">
+                                        <p:cTn id="38" dur="500" fill="hold"/>
+                                        <p:tgtEl>
+                                          <p:spTgt spid="3"/>
+                                        </p:tgtEl>
+                                        <p:attrNameLst>
+                                          <p:attrName>ppt_y</p:attrName>
+                                        </p:attrNameLst>
+                                      </p:cBhvr>
+                                      <p:tavLst>
+                                        <p:tav tm="0">
+                                          <p:val>
+                                            <p:strVal val="1+#ppt_h/2"/>
+                                          </p:val>
+                                        </p:tav>
+                                        <p:tav tm="100000">
+                                          <p:val>
+                                            <p:strVal val="#ppt_y"/>
+                                          </p:val>
+                                        </p:tav>
+                                      </p:tavLst>
+                                    </p:anim>
+                                  </p:childTnLst>
+                                </p:cTn>
+                              </p:par>
+                              <p:par>
+                                <p:cTn id="39" presetID="2" presetClass="entr" presetSubtype="4" fill="hold" nodeType="withEffect">
+                                  <p:stCondLst>
+                                    <p:cond delay="0"/>
+                                  </p:stCondLst>
+                                  <p:childTnLst>
+                                    <p:set>
+                                      <p:cBhvr>
+                                        <p:cTn id="40" dur="1" fill="hold">
+                                          <p:stCondLst>
+                                            <p:cond delay="0"/>
+                                          </p:stCondLst>
+                                        </p:cTn>
+                                        <p:tgtEl>
+                                          <p:spTgt spid="8"/>
+                                        </p:tgtEl>
+                                        <p:attrNameLst>
+                                          <p:attrName>style.visibility</p:attrName>
+                                        </p:attrNameLst>
+                                      </p:cBhvr>
+                                      <p:to>
+                                        <p:strVal val="visible"/>
+                                      </p:to>
+                                    </p:set>
+                                    <p:anim calcmode="lin" valueType="num">
+                                      <p:cBhvr additive="base">
+                                        <p:cTn id="41" dur="500" fill="hold"/>
+                                        <p:tgtEl>
+                                          <p:spTgt spid="8"/>
+                                        </p:tgtEl>
+                                        <p:attrNameLst>
+                                          <p:attrName>ppt_x</p:attrName>
+                                        </p:attrNameLst>
+                                      </p:cBhvr>
+                                      <p:tavLst>
+                                        <p:tav tm="0">
+                                          <p:val>
+                                            <p:strVal val="#ppt_x"/>
+                                          </p:val>
+                                        </p:tav>
+                                        <p:tav tm="100000">
+                                          <p:val>
+                                            <p:strVal val="#ppt_x"/>
+                                          </p:val>
+                                        </p:tav>
+                                      </p:tavLst>
+                                    </p:anim>
+                                    <p:anim calcmode="lin" valueType="num">
+                                      <p:cBhvr additive="base">
+                                        <p:cTn id="42" dur="500" fill="hold"/>
+                                        <p:tgtEl>
+                                          <p:spTgt spid="8"/>
+                                        </p:tgtEl>
+                                        <p:attrNameLst>
+                                          <p:attrName>ppt_y</p:attrName>
+                                        </p:attrNameLst>
+                                      </p:cBhvr>
+                                      <p:tavLst>
+                                        <p:tav tm="0">
+                                          <p:val>
+                                            <p:strVal val="1+#ppt_h/2"/>
+                                          </p:val>
+                                        </p:tav>
+                                        <p:tav tm="100000">
+                                          <p:val>
+                                            <p:strVal val="#ppt_y"/>
+                                          </p:val>
+                                        </p:tav>
+                                      </p:tavLst>
+                                    </p:anim>
+                                  </p:childTnLst>
+                                </p:cTn>
+                              </p:par>
+                            </p:childTnLst>
+                          </p:cTn>
+                        </p:par>
+                      </p:childTnLst>
+                    </p:cTn>
+                  </p:par>
+                </p:childTnLst>
+              </p:cTn>
+              <p:prevCondLst>
+                <p:cond evt="onPrev" delay="0">
+                  <p:tgtEl>
+                    <p:sldTgt/>
+                  </p:tgtEl>
+                </p:cond>
+              </p:prevCondLst>
+              <p:nextCondLst>
+                <p:cond evt="onNext" delay="0">
+                  <p:tgtEl>
+                    <p:sldTgt/>
+                  </p:tgtEl>
+                </p:cond>
+              </p:nextCondLst>
+            </p:seq>
+          </p:childTnLst>
+        </p:cTn>
+      </p:par>
+    </p:tnLst>
+    <p:bldLst>
+      <p:bldP spid="7" grpId="0" animBg="1"/>
+      <p:bldP spid="9" grpId="0" animBg="1"/>
+      <p:bldP spid="14" grpId="0"/>
+      <p:bldP spid="14" grpId="1"/>
+      <p:bldP spid="2" grpId="0" animBg="1"/>
+      <p:bldP spid="3" grpId="0"/>
+    </p:bldLst>
+  </p:timing>
 </p:sld>
 </file>
 
@@ -37122,25 +37849,7 @@
                 </a:solidFill>
                 <a:sym typeface="+mn-ea"/>
               </a:rPr>
-              <a:t>、</a:t>
-            </a:r>
-            <a:r>
-              <a:rPr lang="zh-CN" altLang="en-US">
-                <a:solidFill>
-                  <a:schemeClr val="bg1"/>
-                </a:solidFill>
-                <a:sym typeface="+mn-ea"/>
-              </a:rPr>
-              <a:t>新增列全是</a:t>
-            </a:r>
-            <a:r>
-              <a:rPr lang="zh-CN" altLang="en-US">
-                <a:solidFill>
-                  <a:schemeClr val="bg1"/>
-                </a:solidFill>
-                <a:sym typeface="+mn-ea"/>
-              </a:rPr>
-              <a:t>1</a:t>
+              <a:t>、新增列全是1</a:t>
             </a:r>
             <a:endParaRPr lang="zh-CN" altLang="en-US">
               <a:solidFill>
@@ -37495,7 +38204,7 @@
                             </p:stCondLst>
                             <p:childTnLst>
                               <p:par>
-                                <p:cTn id="5" presetID="2" presetClass="entr" presetSubtype="4" fill="hold" grpId="0" nodeType="clickEffect">
+                                <p:cTn id="5" presetID="3" presetClass="entr" presetSubtype="10" fill="hold" nodeType="clickEffect">
                                   <p:stCondLst>
                                     <p:cond delay="0"/>
                                   </p:stCondLst>
@@ -37503,6 +38212,94 @@
                                     <p:set>
                                       <p:cBhvr>
                                         <p:cTn id="6" dur="1" fill="hold">
+                                          <p:stCondLst>
+                                            <p:cond delay="0"/>
+                                          </p:stCondLst>
+                                        </p:cTn>
+                                        <p:tgtEl>
+                                          <p:spTgt spid="2"/>
+                                        </p:tgtEl>
+                                        <p:attrNameLst>
+                                          <p:attrName>style.visibility</p:attrName>
+                                        </p:attrNameLst>
+                                      </p:cBhvr>
+                                      <p:to>
+                                        <p:strVal val="visible"/>
+                                      </p:to>
+                                    </p:set>
+                                    <p:animEffect transition="in" filter="blinds(horizontal)">
+                                      <p:cBhvr>
+                                        <p:cTn id="7" dur="500"/>
+                                        <p:tgtEl>
+                                          <p:spTgt spid="2"/>
+                                        </p:tgtEl>
+                                      </p:cBhvr>
+                                    </p:animEffect>
+                                  </p:childTnLst>
+                                </p:cTn>
+                              </p:par>
+                              <p:par>
+                                <p:cTn id="8" presetID="3" presetClass="entr" presetSubtype="10" fill="hold" grpId="0" nodeType="withEffect">
+                                  <p:stCondLst>
+                                    <p:cond delay="0"/>
+                                  </p:stCondLst>
+                                  <p:childTnLst>
+                                    <p:set>
+                                      <p:cBhvr>
+                                        <p:cTn id="9" dur="1" fill="hold">
+                                          <p:stCondLst>
+                                            <p:cond delay="0"/>
+                                          </p:stCondLst>
+                                        </p:cTn>
+                                        <p:tgtEl>
+                                          <p:spTgt spid="3"/>
+                                        </p:tgtEl>
+                                        <p:attrNameLst>
+                                          <p:attrName>style.visibility</p:attrName>
+                                        </p:attrNameLst>
+                                      </p:cBhvr>
+                                      <p:to>
+                                        <p:strVal val="visible"/>
+                                      </p:to>
+                                    </p:set>
+                                    <p:animEffect transition="in" filter="blinds(horizontal)">
+                                      <p:cBhvr>
+                                        <p:cTn id="10" dur="500"/>
+                                        <p:tgtEl>
+                                          <p:spTgt spid="3"/>
+                                        </p:tgtEl>
+                                      </p:cBhvr>
+                                    </p:animEffect>
+                                  </p:childTnLst>
+                                </p:cTn>
+                              </p:par>
+                            </p:childTnLst>
+                          </p:cTn>
+                        </p:par>
+                      </p:childTnLst>
+                    </p:cTn>
+                  </p:par>
+                  <p:par>
+                    <p:cTn id="11" fill="hold">
+                      <p:stCondLst>
+                        <p:cond delay="indefinite"/>
+                      </p:stCondLst>
+                      <p:childTnLst>
+                        <p:par>
+                          <p:cTn id="12" fill="hold">
+                            <p:stCondLst>
+                              <p:cond delay="0"/>
+                            </p:stCondLst>
+                            <p:childTnLst>
+                              <p:par>
+                                <p:cTn id="13" presetID="2" presetClass="entr" presetSubtype="4" fill="hold" grpId="0" nodeType="clickEffect">
+                                  <p:stCondLst>
+                                    <p:cond delay="0"/>
+                                  </p:stCondLst>
+                                  <p:childTnLst>
+                                    <p:set>
+                                      <p:cBhvr>
+                                        <p:cTn id="14" dur="1" fill="hold">
                                           <p:stCondLst>
                                             <p:cond delay="0"/>
                                           </p:stCondLst>
@@ -37520,7 +38317,7 @@
                                     </p:set>
                                     <p:anim calcmode="lin" valueType="num">
                                       <p:cBhvr additive="base">
-                                        <p:cTn id="7" dur="500" fill="hold"/>
+                                        <p:cTn id="15" dur="500" fill="hold"/>
                                         <p:tgtEl>
                                           <p:spTgt spid="11"/>
                                         </p:tgtEl>
@@ -37543,9 +38340,1190 @@
                                     </p:anim>
                                     <p:anim calcmode="lin" valueType="num">
                                       <p:cBhvr additive="base">
+                                        <p:cTn id="16" dur="500" fill="hold"/>
+                                        <p:tgtEl>
+                                          <p:spTgt spid="11"/>
+                                        </p:tgtEl>
+                                        <p:attrNameLst>
+                                          <p:attrName>ppt_y</p:attrName>
+                                        </p:attrNameLst>
+                                      </p:cBhvr>
+                                      <p:tavLst>
+                                        <p:tav tm="0">
+                                          <p:val>
+                                            <p:strVal val="1+#ppt_h/2"/>
+                                          </p:val>
+                                        </p:tav>
+                                        <p:tav tm="100000">
+                                          <p:val>
+                                            <p:strVal val="#ppt_y"/>
+                                          </p:val>
+                                        </p:tav>
+                                      </p:tavLst>
+                                    </p:anim>
+                                  </p:childTnLst>
+                                </p:cTn>
+                              </p:par>
+                              <p:par>
+                                <p:cTn id="17" presetID="2" presetClass="entr" presetSubtype="4" fill="hold" nodeType="withEffect">
+                                  <p:stCondLst>
+                                    <p:cond delay="0"/>
+                                  </p:stCondLst>
+                                  <p:childTnLst>
+                                    <p:set>
+                                      <p:cBhvr>
+                                        <p:cTn id="18" dur="1" fill="hold">
+                                          <p:stCondLst>
+                                            <p:cond delay="0"/>
+                                          </p:stCondLst>
+                                        </p:cTn>
+                                        <p:tgtEl>
+                                          <p:spTgt spid="8"/>
+                                        </p:tgtEl>
+                                        <p:attrNameLst>
+                                          <p:attrName>style.visibility</p:attrName>
+                                        </p:attrNameLst>
+                                      </p:cBhvr>
+                                      <p:to>
+                                        <p:strVal val="visible"/>
+                                      </p:to>
+                                    </p:set>
+                                    <p:anim calcmode="lin" valueType="num">
+                                      <p:cBhvr additive="base">
+                                        <p:cTn id="19" dur="500" fill="hold"/>
+                                        <p:tgtEl>
+                                          <p:spTgt spid="8"/>
+                                        </p:tgtEl>
+                                        <p:attrNameLst>
+                                          <p:attrName>ppt_x</p:attrName>
+                                        </p:attrNameLst>
+                                      </p:cBhvr>
+                                      <p:tavLst>
+                                        <p:tav tm="0">
+                                          <p:val>
+                                            <p:strVal val="#ppt_x"/>
+                                          </p:val>
+                                        </p:tav>
+                                        <p:tav tm="100000">
+                                          <p:val>
+                                            <p:strVal val="#ppt_x"/>
+                                          </p:val>
+                                        </p:tav>
+                                      </p:tavLst>
+                                    </p:anim>
+                                    <p:anim calcmode="lin" valueType="num">
+                                      <p:cBhvr additive="base">
+                                        <p:cTn id="20" dur="500" fill="hold"/>
+                                        <p:tgtEl>
+                                          <p:spTgt spid="8"/>
+                                        </p:tgtEl>
+                                        <p:attrNameLst>
+                                          <p:attrName>ppt_y</p:attrName>
+                                        </p:attrNameLst>
+                                      </p:cBhvr>
+                                      <p:tavLst>
+                                        <p:tav tm="0">
+                                          <p:val>
+                                            <p:strVal val="1+#ppt_h/2"/>
+                                          </p:val>
+                                        </p:tav>
+                                        <p:tav tm="100000">
+                                          <p:val>
+                                            <p:strVal val="#ppt_y"/>
+                                          </p:val>
+                                        </p:tav>
+                                      </p:tavLst>
+                                    </p:anim>
+                                  </p:childTnLst>
+                                </p:cTn>
+                              </p:par>
+                            </p:childTnLst>
+                          </p:cTn>
+                        </p:par>
+                      </p:childTnLst>
+                    </p:cTn>
+                  </p:par>
+                  <p:par>
+                    <p:cTn id="21" fill="hold">
+                      <p:stCondLst>
+                        <p:cond delay="indefinite"/>
+                      </p:stCondLst>
+                      <p:childTnLst>
+                        <p:par>
+                          <p:cTn id="22" fill="hold">
+                            <p:stCondLst>
+                              <p:cond delay="0"/>
+                            </p:stCondLst>
+                            <p:childTnLst>
+                              <p:par>
+                                <p:cTn id="23" presetID="2" presetClass="entr" presetSubtype="4" fill="hold" grpId="0" nodeType="clickEffect">
+                                  <p:stCondLst>
+                                    <p:cond delay="0"/>
+                                  </p:stCondLst>
+                                  <p:childTnLst>
+                                    <p:set>
+                                      <p:cBhvr>
+                                        <p:cTn id="24" dur="1" fill="hold">
+                                          <p:stCondLst>
+                                            <p:cond delay="0"/>
+                                          </p:stCondLst>
+                                        </p:cTn>
+                                        <p:tgtEl>
+                                          <p:spTgt spid="13"/>
+                                        </p:tgtEl>
+                                        <p:attrNameLst>
+                                          <p:attrName>style.visibility</p:attrName>
+                                        </p:attrNameLst>
+                                      </p:cBhvr>
+                                      <p:to>
+                                        <p:strVal val="visible"/>
+                                      </p:to>
+                                    </p:set>
+                                    <p:anim calcmode="lin" valueType="num">
+                                      <p:cBhvr additive="base">
+                                        <p:cTn id="25" dur="500" fill="hold"/>
+                                        <p:tgtEl>
+                                          <p:spTgt spid="13"/>
+                                        </p:tgtEl>
+                                        <p:attrNameLst>
+                                          <p:attrName>ppt_x</p:attrName>
+                                        </p:attrNameLst>
+                                      </p:cBhvr>
+                                      <p:tavLst>
+                                        <p:tav tm="0">
+                                          <p:val>
+                                            <p:strVal val="#ppt_x"/>
+                                          </p:val>
+                                        </p:tav>
+                                        <p:tav tm="100000">
+                                          <p:val>
+                                            <p:strVal val="#ppt_x"/>
+                                          </p:val>
+                                        </p:tav>
+                                      </p:tavLst>
+                                    </p:anim>
+                                    <p:anim calcmode="lin" valueType="num">
+                                      <p:cBhvr additive="base">
+                                        <p:cTn id="26" dur="500" fill="hold"/>
+                                        <p:tgtEl>
+                                          <p:spTgt spid="13"/>
+                                        </p:tgtEl>
+                                        <p:attrNameLst>
+                                          <p:attrName>ppt_y</p:attrName>
+                                        </p:attrNameLst>
+                                      </p:cBhvr>
+                                      <p:tavLst>
+                                        <p:tav tm="0">
+                                          <p:val>
+                                            <p:strVal val="1+#ppt_h/2"/>
+                                          </p:val>
+                                        </p:tav>
+                                        <p:tav tm="100000">
+                                          <p:val>
+                                            <p:strVal val="#ppt_y"/>
+                                          </p:val>
+                                        </p:tav>
+                                      </p:tavLst>
+                                    </p:anim>
+                                  </p:childTnLst>
+                                </p:cTn>
+                              </p:par>
+                              <p:par>
+                                <p:cTn id="27" presetID="2" presetClass="entr" presetSubtype="4" fill="hold" nodeType="withEffect">
+                                  <p:stCondLst>
+                                    <p:cond delay="0"/>
+                                  </p:stCondLst>
+                                  <p:childTnLst>
+                                    <p:set>
+                                      <p:cBhvr>
+                                        <p:cTn id="28" dur="1" fill="hold">
+                                          <p:stCondLst>
+                                            <p:cond delay="0"/>
+                                          </p:stCondLst>
+                                        </p:cTn>
+                                        <p:tgtEl>
+                                          <p:spTgt spid="12"/>
+                                        </p:tgtEl>
+                                        <p:attrNameLst>
+                                          <p:attrName>style.visibility</p:attrName>
+                                        </p:attrNameLst>
+                                      </p:cBhvr>
+                                      <p:to>
+                                        <p:strVal val="visible"/>
+                                      </p:to>
+                                    </p:set>
+                                    <p:anim calcmode="lin" valueType="num">
+                                      <p:cBhvr additive="base">
+                                        <p:cTn id="29" dur="500" fill="hold"/>
+                                        <p:tgtEl>
+                                          <p:spTgt spid="12"/>
+                                        </p:tgtEl>
+                                        <p:attrNameLst>
+                                          <p:attrName>ppt_x</p:attrName>
+                                        </p:attrNameLst>
+                                      </p:cBhvr>
+                                      <p:tavLst>
+                                        <p:tav tm="0">
+                                          <p:val>
+                                            <p:strVal val="#ppt_x"/>
+                                          </p:val>
+                                        </p:tav>
+                                        <p:tav tm="100000">
+                                          <p:val>
+                                            <p:strVal val="#ppt_x"/>
+                                          </p:val>
+                                        </p:tav>
+                                      </p:tavLst>
+                                    </p:anim>
+                                    <p:anim calcmode="lin" valueType="num">
+                                      <p:cBhvr additive="base">
+                                        <p:cTn id="30" dur="500" fill="hold"/>
+                                        <p:tgtEl>
+                                          <p:spTgt spid="12"/>
+                                        </p:tgtEl>
+                                        <p:attrNameLst>
+                                          <p:attrName>ppt_y</p:attrName>
+                                        </p:attrNameLst>
+                                      </p:cBhvr>
+                                      <p:tavLst>
+                                        <p:tav tm="0">
+                                          <p:val>
+                                            <p:strVal val="1+#ppt_h/2"/>
+                                          </p:val>
+                                        </p:tav>
+                                        <p:tav tm="100000">
+                                          <p:val>
+                                            <p:strVal val="#ppt_y"/>
+                                          </p:val>
+                                        </p:tav>
+                                      </p:tavLst>
+                                    </p:anim>
+                                  </p:childTnLst>
+                                </p:cTn>
+                              </p:par>
+                            </p:childTnLst>
+                          </p:cTn>
+                        </p:par>
+                      </p:childTnLst>
+                    </p:cTn>
+                  </p:par>
+                  <p:par>
+                    <p:cTn id="31" fill="hold">
+                      <p:stCondLst>
+                        <p:cond delay="indefinite"/>
+                      </p:stCondLst>
+                      <p:childTnLst>
+                        <p:par>
+                          <p:cTn id="32" fill="hold">
+                            <p:stCondLst>
+                              <p:cond delay="0"/>
+                            </p:stCondLst>
+                            <p:childTnLst>
+                              <p:par>
+                                <p:cTn id="33" presetID="2" presetClass="entr" presetSubtype="4" fill="hold" nodeType="clickEffect">
+                                  <p:stCondLst>
+                                    <p:cond delay="0"/>
+                                  </p:stCondLst>
+                                  <p:childTnLst>
+                                    <p:set>
+                                      <p:cBhvr>
+                                        <p:cTn id="34" dur="1" fill="hold">
+                                          <p:stCondLst>
+                                            <p:cond delay="0"/>
+                                          </p:stCondLst>
+                                        </p:cTn>
+                                        <p:tgtEl>
+                                          <p:spTgt spid="15"/>
+                                        </p:tgtEl>
+                                        <p:attrNameLst>
+                                          <p:attrName>style.visibility</p:attrName>
+                                        </p:attrNameLst>
+                                      </p:cBhvr>
+                                      <p:to>
+                                        <p:strVal val="visible"/>
+                                      </p:to>
+                                    </p:set>
+                                    <p:anim calcmode="lin" valueType="num">
+                                      <p:cBhvr additive="base">
+                                        <p:cTn id="35" dur="500" fill="hold"/>
+                                        <p:tgtEl>
+                                          <p:spTgt spid="15"/>
+                                        </p:tgtEl>
+                                        <p:attrNameLst>
+                                          <p:attrName>ppt_x</p:attrName>
+                                        </p:attrNameLst>
+                                      </p:cBhvr>
+                                      <p:tavLst>
+                                        <p:tav tm="0">
+                                          <p:val>
+                                            <p:strVal val="#ppt_x"/>
+                                          </p:val>
+                                        </p:tav>
+                                        <p:tav tm="100000">
+                                          <p:val>
+                                            <p:strVal val="#ppt_x"/>
+                                          </p:val>
+                                        </p:tav>
+                                      </p:tavLst>
+                                    </p:anim>
+                                    <p:anim calcmode="lin" valueType="num">
+                                      <p:cBhvr additive="base">
+                                        <p:cTn id="36" dur="500" fill="hold"/>
+                                        <p:tgtEl>
+                                          <p:spTgt spid="15"/>
+                                        </p:tgtEl>
+                                        <p:attrNameLst>
+                                          <p:attrName>ppt_y</p:attrName>
+                                        </p:attrNameLst>
+                                      </p:cBhvr>
+                                      <p:tavLst>
+                                        <p:tav tm="0">
+                                          <p:val>
+                                            <p:strVal val="1+#ppt_h/2"/>
+                                          </p:val>
+                                        </p:tav>
+                                        <p:tav tm="100000">
+                                          <p:val>
+                                            <p:strVal val="#ppt_y"/>
+                                          </p:val>
+                                        </p:tav>
+                                      </p:tavLst>
+                                    </p:anim>
+                                  </p:childTnLst>
+                                </p:cTn>
+                              </p:par>
+                              <p:par>
+                                <p:cTn id="37" presetID="2" presetClass="entr" presetSubtype="4" fill="hold" grpId="0" nodeType="withEffect">
+                                  <p:stCondLst>
+                                    <p:cond delay="0"/>
+                                  </p:stCondLst>
+                                  <p:childTnLst>
+                                    <p:set>
+                                      <p:cBhvr>
+                                        <p:cTn id="38" dur="1" fill="hold">
+                                          <p:stCondLst>
+                                            <p:cond delay="0"/>
+                                          </p:stCondLst>
+                                        </p:cTn>
+                                        <p:tgtEl>
+                                          <p:spTgt spid="16"/>
+                                        </p:tgtEl>
+                                        <p:attrNameLst>
+                                          <p:attrName>style.visibility</p:attrName>
+                                        </p:attrNameLst>
+                                      </p:cBhvr>
+                                      <p:to>
+                                        <p:strVal val="visible"/>
+                                      </p:to>
+                                    </p:set>
+                                    <p:anim calcmode="lin" valueType="num">
+                                      <p:cBhvr additive="base">
+                                        <p:cTn id="39" dur="500" fill="hold"/>
+                                        <p:tgtEl>
+                                          <p:spTgt spid="16"/>
+                                        </p:tgtEl>
+                                        <p:attrNameLst>
+                                          <p:attrName>ppt_x</p:attrName>
+                                        </p:attrNameLst>
+                                      </p:cBhvr>
+                                      <p:tavLst>
+                                        <p:tav tm="0">
+                                          <p:val>
+                                            <p:strVal val="#ppt_x"/>
+                                          </p:val>
+                                        </p:tav>
+                                        <p:tav tm="100000">
+                                          <p:val>
+                                            <p:strVal val="#ppt_x"/>
+                                          </p:val>
+                                        </p:tav>
+                                      </p:tavLst>
+                                    </p:anim>
+                                    <p:anim calcmode="lin" valueType="num">
+                                      <p:cBhvr additive="base">
+                                        <p:cTn id="40" dur="500" fill="hold"/>
+                                        <p:tgtEl>
+                                          <p:spTgt spid="16"/>
+                                        </p:tgtEl>
+                                        <p:attrNameLst>
+                                          <p:attrName>ppt_y</p:attrName>
+                                        </p:attrNameLst>
+                                      </p:cBhvr>
+                                      <p:tavLst>
+                                        <p:tav tm="0">
+                                          <p:val>
+                                            <p:strVal val="1+#ppt_h/2"/>
+                                          </p:val>
+                                        </p:tav>
+                                        <p:tav tm="100000">
+                                          <p:val>
+                                            <p:strVal val="#ppt_y"/>
+                                          </p:val>
+                                        </p:tav>
+                                      </p:tavLst>
+                                    </p:anim>
+                                  </p:childTnLst>
+                                </p:cTn>
+                              </p:par>
+                            </p:childTnLst>
+                          </p:cTn>
+                        </p:par>
+                      </p:childTnLst>
+                    </p:cTn>
+                  </p:par>
+                  <p:par>
+                    <p:cTn id="41" fill="hold">
+                      <p:stCondLst>
+                        <p:cond delay="indefinite"/>
+                      </p:stCondLst>
+                      <p:childTnLst>
+                        <p:par>
+                          <p:cTn id="42" fill="hold">
+                            <p:stCondLst>
+                              <p:cond delay="0"/>
+                            </p:stCondLst>
+                            <p:childTnLst>
+                              <p:par>
+                                <p:cTn id="43" presetID="3" presetClass="entr" presetSubtype="10" fill="hold" grpId="0" nodeType="clickEffect">
+                                  <p:stCondLst>
+                                    <p:cond delay="0"/>
+                                  </p:stCondLst>
+                                  <p:childTnLst>
+                                    <p:set>
+                                      <p:cBhvr>
+                                        <p:cTn id="44" dur="1" fill="hold">
+                                          <p:stCondLst>
+                                            <p:cond delay="0"/>
+                                          </p:stCondLst>
+                                        </p:cTn>
+                                        <p:tgtEl>
+                                          <p:spTgt spid="17"/>
+                                        </p:tgtEl>
+                                        <p:attrNameLst>
+                                          <p:attrName>style.visibility</p:attrName>
+                                        </p:attrNameLst>
+                                      </p:cBhvr>
+                                      <p:to>
+                                        <p:strVal val="visible"/>
+                                      </p:to>
+                                    </p:set>
+                                    <p:animEffect transition="in" filter="blinds(horizontal)">
+                                      <p:cBhvr>
+                                        <p:cTn id="45" dur="500"/>
+                                        <p:tgtEl>
+                                          <p:spTgt spid="17"/>
+                                        </p:tgtEl>
+                                      </p:cBhvr>
+                                    </p:animEffect>
+                                  </p:childTnLst>
+                                </p:cTn>
+                              </p:par>
+                            </p:childTnLst>
+                          </p:cTn>
+                        </p:par>
+                      </p:childTnLst>
+                    </p:cTn>
+                  </p:par>
+                </p:childTnLst>
+              </p:cTn>
+              <p:prevCondLst>
+                <p:cond evt="onPrev" delay="0">
+                  <p:tgtEl>
+                    <p:sldTgt/>
+                  </p:tgtEl>
+                </p:cond>
+              </p:prevCondLst>
+              <p:nextCondLst>
+                <p:cond evt="onNext" delay="0">
+                  <p:tgtEl>
+                    <p:sldTgt/>
+                  </p:tgtEl>
+                </p:cond>
+              </p:nextCondLst>
+            </p:seq>
+          </p:childTnLst>
+        </p:cTn>
+      </p:par>
+    </p:tnLst>
+    <p:bldLst>
+      <p:bldP spid="11" grpId="0" animBg="1"/>
+      <p:bldP spid="13" grpId="0" animBg="1"/>
+      <p:bldP spid="16" grpId="0" animBg="1"/>
+      <p:bldP spid="17" grpId="0" animBg="1"/>
+      <p:bldP spid="3" grpId="0" animBg="1"/>
+    </p:bldLst>
+  </p:timing>
+</p:sld>
+</file>
+
+<file path=ppt/slides/slide75.xml><?xml version="1.0" encoding="utf-8"?>
+<p:sld xmlns:a="http://schemas.openxmlformats.org/drawingml/2006/main" xmlns:r="http://schemas.openxmlformats.org/officeDocument/2006/relationships" xmlns:p="http://schemas.openxmlformats.org/presentationml/2006/main">
+  <p:cSld>
+    <p:spTree>
+      <p:nvGrpSpPr>
+        <p:cNvPr id="1" name=""/>
+        <p:cNvGrpSpPr/>
+        <p:nvPr/>
+      </p:nvGrpSpPr>
+      <p:grpSpPr>
+        <a:xfrm>
+          <a:off x="0" y="0"/>
+          <a:ext cx="0" cy="0"/>
+          <a:chOff x="0" y="0"/>
+          <a:chExt cx="0" cy="0"/>
+        </a:xfrm>
+      </p:grpSpPr>
+      <p:sp>
+        <p:nvSpPr>
+          <p:cNvPr id="4" name="文本框 3"/>
+          <p:cNvSpPr txBox="1"/>
+          <p:nvPr/>
+        </p:nvSpPr>
+        <p:spPr>
+          <a:xfrm>
+            <a:off x="711835" y="438785"/>
+            <a:ext cx="9272905" cy="706755"/>
+          </a:xfrm>
+          <a:prstGeom prst="rect">
+            <a:avLst/>
+          </a:prstGeom>
+          <a:noFill/>
+        </p:spPr>
+        <p:txBody>
+          <a:bodyPr wrap="none" rtlCol="0">
+            <a:spAutoFit/>
+            <a:scene3d>
+              <a:camera prst="orthographicFront"/>
+              <a:lightRig rig="threePt" dir="t"/>
+            </a:scene3d>
+          </a:bodyPr>
+          <a:p>
+            <a:r>
+              <a:rPr lang="zh-CN" altLang="en-US" sz="4000">
+                <a:solidFill>
+                  <a:schemeClr val="tx1"/>
+                </a:solidFill>
+                <a:effectLst>
+                  <a:outerShdw blurRad="38100" dist="19050" dir="2700000" algn="tl" rotWithShape="0">
+                    <a:schemeClr val="dk1">
+                      <a:alpha val="40000"/>
+                    </a:schemeClr>
+                  </a:outerShdw>
+                </a:effectLst>
+              </a:rPr>
+              <a:t>方法</a:t>
+            </a:r>
+            <a:r>
+              <a:rPr lang="en-US" altLang="zh-CN" sz="4000">
+                <a:solidFill>
+                  <a:schemeClr val="tx1"/>
+                </a:solidFill>
+                <a:effectLst>
+                  <a:outerShdw blurRad="38100" dist="19050" dir="2700000" algn="tl" rotWithShape="0">
+                    <a:schemeClr val="dk1">
+                      <a:alpha val="40000"/>
+                    </a:schemeClr>
+                  </a:outerShdw>
+                </a:effectLst>
+              </a:rPr>
+              <a:t>2</a:t>
+            </a:r>
+            <a:r>
+              <a:rPr lang="zh-CN" altLang="en-US" sz="4000">
+                <a:solidFill>
+                  <a:schemeClr val="tx1"/>
+                </a:solidFill>
+                <a:effectLst>
+                  <a:outerShdw blurRad="38100" dist="19050" dir="2700000" algn="tl" rotWithShape="0">
+                    <a:schemeClr val="dk1">
+                      <a:alpha val="40000"/>
+                    </a:schemeClr>
+                  </a:outerShdw>
+                </a:effectLst>
+              </a:rPr>
+              <a:t>：小表变字典做</a:t>
+            </a:r>
+            <a:r>
+              <a:rPr lang="en-US" altLang="zh-CN" sz="4000">
+                <a:solidFill>
+                  <a:schemeClr val="tx1"/>
+                </a:solidFill>
+                <a:effectLst>
+                  <a:outerShdw blurRad="38100" dist="19050" dir="2700000" algn="tl" rotWithShape="0">
+                    <a:schemeClr val="dk1">
+                      <a:alpha val="40000"/>
+                    </a:schemeClr>
+                  </a:outerShdw>
+                </a:effectLst>
+              </a:rPr>
+              <a:t>merge</a:t>
+            </a:r>
+            <a:r>
+              <a:rPr lang="zh-CN" altLang="en-US" sz="4000">
+                <a:solidFill>
+                  <a:schemeClr val="tx1"/>
+                </a:solidFill>
+                <a:effectLst>
+                  <a:outerShdw blurRad="38100" dist="19050" dir="2700000" algn="tl" rotWithShape="0">
+                    <a:schemeClr val="dk1">
+                      <a:alpha val="40000"/>
+                    </a:schemeClr>
+                  </a:outerShdw>
+                </a:effectLst>
+              </a:rPr>
+              <a:t>最后</a:t>
+            </a:r>
+            <a:r>
+              <a:rPr lang="en-US" altLang="zh-CN" sz="4000">
+                <a:solidFill>
+                  <a:schemeClr val="tx1"/>
+                </a:solidFill>
+                <a:effectLst>
+                  <a:outerShdw blurRad="38100" dist="19050" dir="2700000" algn="tl" rotWithShape="0">
+                    <a:schemeClr val="dk1">
+                      <a:alpha val="40000"/>
+                    </a:schemeClr>
+                  </a:outerShdw>
+                </a:effectLst>
+              </a:rPr>
+              <a:t>explode</a:t>
+            </a:r>
+            <a:endParaRPr lang="en-US" altLang="zh-CN" sz="4000">
+              <a:solidFill>
+                <a:schemeClr val="tx1"/>
+              </a:solidFill>
+              <a:effectLst>
+                <a:outerShdw blurRad="38100" dist="19050" dir="2700000" algn="tl" rotWithShape="0">
+                  <a:schemeClr val="dk1">
+                    <a:alpha val="40000"/>
+                  </a:schemeClr>
+                </a:outerShdw>
+              </a:effectLst>
+            </a:endParaRPr>
+          </a:p>
+        </p:txBody>
+      </p:sp>
+      <p:pic>
+        <p:nvPicPr>
+          <p:cNvPr id="5" name="图片 4"/>
+          <p:cNvPicPr>
+            <a:picLocks noChangeAspect="1"/>
+          </p:cNvPicPr>
+          <p:nvPr/>
+        </p:nvPicPr>
+        <p:blipFill>
+          <a:blip r:embed="rId1"/>
+          <a:stretch>
+            <a:fillRect/>
+          </a:stretch>
+        </p:blipFill>
+        <p:spPr>
+          <a:xfrm>
+            <a:off x="711835" y="1546225"/>
+            <a:ext cx="9315450" cy="438150"/>
+          </a:xfrm>
+          <a:prstGeom prst="rect">
+            <a:avLst/>
+          </a:prstGeom>
+        </p:spPr>
+      </p:pic>
+      <p:sp>
+        <p:nvSpPr>
+          <p:cNvPr id="6" name="文本框 5"/>
+          <p:cNvSpPr txBox="1"/>
+          <p:nvPr/>
+        </p:nvSpPr>
+        <p:spPr>
+          <a:xfrm>
+            <a:off x="857885" y="1177925"/>
+            <a:ext cx="6558280" cy="368300"/>
+          </a:xfrm>
+          <a:prstGeom prst="rect">
+            <a:avLst/>
+          </a:prstGeom>
+          <a:solidFill>
+            <a:schemeClr val="accent2"/>
+          </a:solidFill>
+        </p:spPr>
+        <p:txBody>
+          <a:bodyPr wrap="none" rtlCol="0">
+            <a:spAutoFit/>
+          </a:bodyPr>
+          <a:p>
+            <a:pPr lvl="0" algn="l"/>
+            <a:r>
+              <a:rPr lang="en-US" altLang="zh-CN">
+                <a:solidFill>
+                  <a:schemeClr val="bg1"/>
+                </a:solidFill>
+                <a:sym typeface="+mn-ea"/>
+              </a:rPr>
+              <a:t>1</a:t>
+            </a:r>
+            <a:r>
+              <a:rPr lang="zh-CN" altLang="en-US">
+                <a:solidFill>
+                  <a:schemeClr val="bg1"/>
+                </a:solidFill>
+                <a:sym typeface="+mn-ea"/>
+              </a:rPr>
+              <a:t>、小表变字典，</a:t>
+            </a:r>
+            <a:r>
+              <a:rPr lang="en-US" altLang="zh-CN">
+                <a:solidFill>
+                  <a:schemeClr val="bg1"/>
+                </a:solidFill>
+                <a:sym typeface="+mn-ea"/>
+              </a:rPr>
+              <a:t>key</a:t>
+            </a:r>
+            <a:r>
+              <a:rPr lang="zh-CN" altLang="en-US">
+                <a:solidFill>
+                  <a:schemeClr val="bg1"/>
+                </a:solidFill>
+                <a:sym typeface="+mn-ea"/>
+              </a:rPr>
+              <a:t>是匹配列，</a:t>
+            </a:r>
+            <a:r>
+              <a:rPr lang="en-US" altLang="zh-CN">
+                <a:solidFill>
+                  <a:schemeClr val="bg1"/>
+                </a:solidFill>
+                <a:sym typeface="+mn-ea"/>
+              </a:rPr>
+              <a:t>value</a:t>
+            </a:r>
+            <a:r>
+              <a:rPr lang="zh-CN" altLang="en-US">
+                <a:solidFill>
+                  <a:schemeClr val="bg1"/>
+                </a:solidFill>
+                <a:sym typeface="+mn-ea"/>
+              </a:rPr>
+              <a:t>是主键列（可以用</a:t>
+            </a:r>
+            <a:r>
+              <a:rPr lang="en-US" altLang="zh-CN">
+                <a:solidFill>
+                  <a:schemeClr val="bg1"/>
+                </a:solidFill>
+                <a:sym typeface="+mn-ea"/>
+              </a:rPr>
+              <a:t>index</a:t>
+            </a:r>
+            <a:r>
+              <a:rPr lang="zh-CN" altLang="en-US">
+                <a:solidFill>
+                  <a:schemeClr val="bg1"/>
+                </a:solidFill>
+                <a:sym typeface="+mn-ea"/>
+              </a:rPr>
+              <a:t>）</a:t>
+            </a:r>
+            <a:endParaRPr lang="zh-CN" altLang="en-US">
+              <a:solidFill>
+                <a:schemeClr val="bg1"/>
+              </a:solidFill>
+              <a:sym typeface="+mn-ea"/>
+            </a:endParaRPr>
+          </a:p>
+        </p:txBody>
+      </p:sp>
+      <p:pic>
+        <p:nvPicPr>
+          <p:cNvPr id="7" name="图片 6"/>
+          <p:cNvPicPr>
+            <a:picLocks noChangeAspect="1"/>
+          </p:cNvPicPr>
+          <p:nvPr/>
+        </p:nvPicPr>
+        <p:blipFill>
+          <a:blip r:embed="rId2"/>
+          <a:stretch>
+            <a:fillRect/>
+          </a:stretch>
+        </p:blipFill>
+        <p:spPr>
+          <a:xfrm>
+            <a:off x="711835" y="2458085"/>
+            <a:ext cx="4443730" cy="2694940"/>
+          </a:xfrm>
+          <a:prstGeom prst="rect">
+            <a:avLst/>
+          </a:prstGeom>
+        </p:spPr>
+      </p:pic>
+      <p:sp>
+        <p:nvSpPr>
+          <p:cNvPr id="9" name="文本框 8"/>
+          <p:cNvSpPr txBox="1"/>
+          <p:nvPr/>
+        </p:nvSpPr>
+        <p:spPr>
+          <a:xfrm>
+            <a:off x="711835" y="1984375"/>
+            <a:ext cx="2456180" cy="368300"/>
+          </a:xfrm>
+          <a:prstGeom prst="rect">
+            <a:avLst/>
+          </a:prstGeom>
+          <a:solidFill>
+            <a:schemeClr val="accent2"/>
+          </a:solidFill>
+        </p:spPr>
+        <p:txBody>
+          <a:bodyPr wrap="none" rtlCol="0">
+            <a:spAutoFit/>
+          </a:bodyPr>
+          <a:p>
+            <a:pPr lvl="0" algn="l"/>
+            <a:r>
+              <a:rPr lang="en-US" altLang="zh-CN">
+                <a:solidFill>
+                  <a:schemeClr val="bg1"/>
+                </a:solidFill>
+                <a:sym typeface="+mn-ea"/>
+              </a:rPr>
+              <a:t>2</a:t>
+            </a:r>
+            <a:r>
+              <a:rPr lang="zh-CN" altLang="en-US">
+                <a:solidFill>
+                  <a:schemeClr val="bg1"/>
+                </a:solidFill>
+                <a:sym typeface="+mn-ea"/>
+              </a:rPr>
+              <a:t>、大表</a:t>
+            </a:r>
+            <a:r>
+              <a:rPr lang="en-US" altLang="zh-CN">
+                <a:solidFill>
+                  <a:schemeClr val="bg1"/>
+                </a:solidFill>
+                <a:sym typeface="+mn-ea"/>
+              </a:rPr>
+              <a:t>apply</a:t>
+            </a:r>
+            <a:r>
+              <a:rPr lang="zh-CN" altLang="en-US">
+                <a:solidFill>
+                  <a:schemeClr val="bg1"/>
+                </a:solidFill>
+                <a:sym typeface="+mn-ea"/>
+              </a:rPr>
+              <a:t>按行查找</a:t>
+            </a:r>
+            <a:endParaRPr lang="zh-CN" altLang="en-US">
+              <a:solidFill>
+                <a:schemeClr val="bg1"/>
+              </a:solidFill>
+              <a:sym typeface="+mn-ea"/>
+            </a:endParaRPr>
+          </a:p>
+        </p:txBody>
+      </p:sp>
+      <p:pic>
+        <p:nvPicPr>
+          <p:cNvPr id="10" name="图片 9"/>
+          <p:cNvPicPr>
+            <a:picLocks noChangeAspect="1"/>
+          </p:cNvPicPr>
+          <p:nvPr/>
+        </p:nvPicPr>
+        <p:blipFill>
+          <a:blip r:embed="rId3"/>
+          <a:stretch>
+            <a:fillRect/>
+          </a:stretch>
+        </p:blipFill>
+        <p:spPr>
+          <a:xfrm>
+            <a:off x="5368290" y="2528570"/>
+            <a:ext cx="3917950" cy="2219960"/>
+          </a:xfrm>
+          <a:prstGeom prst="rect">
+            <a:avLst/>
+          </a:prstGeom>
+        </p:spPr>
+      </p:pic>
+      <p:sp>
+        <p:nvSpPr>
+          <p:cNvPr id="14" name="文本框 13"/>
+          <p:cNvSpPr txBox="1"/>
+          <p:nvPr/>
+        </p:nvSpPr>
+        <p:spPr>
+          <a:xfrm>
+            <a:off x="5495925" y="1984375"/>
+            <a:ext cx="2481580" cy="368300"/>
+          </a:xfrm>
+          <a:prstGeom prst="rect">
+            <a:avLst/>
+          </a:prstGeom>
+          <a:solidFill>
+            <a:schemeClr val="accent2"/>
+          </a:solidFill>
+        </p:spPr>
+        <p:txBody>
+          <a:bodyPr wrap="none" rtlCol="0">
+            <a:spAutoFit/>
+          </a:bodyPr>
+          <a:p>
+            <a:pPr lvl="0" algn="l"/>
+            <a:r>
+              <a:rPr lang="en-US">
+                <a:solidFill>
+                  <a:schemeClr val="bg1"/>
+                </a:solidFill>
+                <a:sym typeface="+mn-ea"/>
+              </a:rPr>
+              <a:t>3</a:t>
+            </a:r>
+            <a:r>
+              <a:rPr lang="zh-CN" altLang="en-US">
+                <a:solidFill>
+                  <a:schemeClr val="bg1"/>
+                </a:solidFill>
+                <a:sym typeface="+mn-ea"/>
+              </a:rPr>
+              <a:t>、大表做</a:t>
+            </a:r>
+            <a:r>
+              <a:rPr lang="en-US" altLang="zh-CN">
+                <a:solidFill>
+                  <a:schemeClr val="bg1"/>
+                </a:solidFill>
+                <a:sym typeface="+mn-ea"/>
+              </a:rPr>
+              <a:t>explode</a:t>
+            </a:r>
+            <a:r>
+              <a:rPr lang="zh-CN" altLang="en-US">
+                <a:solidFill>
+                  <a:schemeClr val="bg1"/>
+                </a:solidFill>
+                <a:sym typeface="+mn-ea"/>
+              </a:rPr>
+              <a:t>展开</a:t>
+            </a:r>
+            <a:endParaRPr lang="zh-CN" altLang="en-US">
+              <a:solidFill>
+                <a:schemeClr val="bg1"/>
+              </a:solidFill>
+              <a:sym typeface="+mn-ea"/>
+            </a:endParaRPr>
+          </a:p>
+        </p:txBody>
+      </p:sp>
+      <p:pic>
+        <p:nvPicPr>
+          <p:cNvPr id="17" name="图片 16"/>
+          <p:cNvPicPr>
+            <a:picLocks noChangeAspect="1"/>
+          </p:cNvPicPr>
+          <p:nvPr/>
+        </p:nvPicPr>
+        <p:blipFill>
+          <a:blip r:embed="rId4"/>
+          <a:stretch>
+            <a:fillRect/>
+          </a:stretch>
+        </p:blipFill>
+        <p:spPr>
+          <a:xfrm>
+            <a:off x="4908550" y="5329555"/>
+            <a:ext cx="4784725" cy="1463040"/>
+          </a:xfrm>
+          <a:prstGeom prst="rect">
+            <a:avLst/>
+          </a:prstGeom>
+        </p:spPr>
+      </p:pic>
+      <p:sp>
+        <p:nvSpPr>
+          <p:cNvPr id="18" name="文本框 17"/>
+          <p:cNvSpPr txBox="1"/>
+          <p:nvPr/>
+        </p:nvSpPr>
+        <p:spPr>
+          <a:xfrm>
+            <a:off x="5907405" y="4867910"/>
+            <a:ext cx="2786380" cy="368300"/>
+          </a:xfrm>
+          <a:prstGeom prst="rect">
+            <a:avLst/>
+          </a:prstGeom>
+          <a:solidFill>
+            <a:schemeClr val="accent2"/>
+          </a:solidFill>
+        </p:spPr>
+        <p:txBody>
+          <a:bodyPr wrap="none" rtlCol="0">
+            <a:spAutoFit/>
+          </a:bodyPr>
+          <a:p>
+            <a:pPr lvl="0" algn="l"/>
+            <a:r>
+              <a:rPr lang="en-US">
+                <a:solidFill>
+                  <a:schemeClr val="bg1"/>
+                </a:solidFill>
+                <a:sym typeface="+mn-ea"/>
+              </a:rPr>
+              <a:t>4</a:t>
+            </a:r>
+            <a:r>
+              <a:rPr lang="zh-CN" altLang="en-US">
+                <a:solidFill>
+                  <a:schemeClr val="bg1"/>
+                </a:solidFill>
+                <a:sym typeface="+mn-ea"/>
+              </a:rPr>
+              <a:t>、大表小表重新做</a:t>
+            </a:r>
+            <a:r>
+              <a:rPr lang="en-US" altLang="zh-CN">
+                <a:solidFill>
+                  <a:schemeClr val="bg1"/>
+                </a:solidFill>
+                <a:sym typeface="+mn-ea"/>
+              </a:rPr>
+              <a:t>merge</a:t>
+            </a:r>
+            <a:endParaRPr lang="en-US" altLang="zh-CN">
+              <a:solidFill>
+                <a:schemeClr val="bg1"/>
+              </a:solidFill>
+              <a:sym typeface="+mn-ea"/>
+            </a:endParaRPr>
+          </a:p>
+        </p:txBody>
+      </p:sp>
+      <p:sp>
+        <p:nvSpPr>
+          <p:cNvPr id="19" name="文本框 18"/>
+          <p:cNvSpPr txBox="1"/>
+          <p:nvPr/>
+        </p:nvSpPr>
+        <p:spPr>
+          <a:xfrm>
+            <a:off x="9533890" y="3177540"/>
+            <a:ext cx="2240280" cy="922020"/>
+          </a:xfrm>
+          <a:prstGeom prst="rect">
+            <a:avLst/>
+          </a:prstGeom>
+          <a:solidFill>
+            <a:srgbClr val="FFC000"/>
+          </a:solidFill>
+        </p:spPr>
+        <p:txBody>
+          <a:bodyPr wrap="none" rtlCol="0">
+            <a:spAutoFit/>
+          </a:bodyPr>
+          <a:p>
+            <a:r>
+              <a:rPr lang="zh-CN" altLang="en-US"/>
+              <a:t>适用于：</a:t>
+            </a:r>
+            <a:endParaRPr lang="zh-CN" altLang="en-US"/>
+          </a:p>
+          <a:p>
+            <a:r>
+              <a:rPr lang="zh-CN" altLang="en-US"/>
+              <a:t>数据很大</a:t>
+            </a:r>
+            <a:endParaRPr lang="zh-CN" altLang="en-US"/>
+          </a:p>
+          <a:p>
+            <a:r>
+              <a:rPr lang="zh-CN" altLang="en-US"/>
+              <a:t>笛卡尔积内存放不下</a:t>
+            </a:r>
+            <a:endParaRPr lang="zh-CN" altLang="en-US"/>
+          </a:p>
+        </p:txBody>
+      </p:sp>
+    </p:spTree>
+  </p:cSld>
+  <p:clrMapOvr>
+    <a:masterClrMapping/>
+  </p:clrMapOvr>
+  <p:timing>
+    <p:tnLst>
+      <p:par>
+        <p:cTn id="1" dur="indefinite" restart="never" nodeType="tmRoot">
+          <p:childTnLst>
+            <p:seq concurrent="1" nextAc="seek">
+              <p:cTn id="2" dur="indefinite" nodeType="mainSeq">
+                <p:childTnLst>
+                  <p:par>
+                    <p:cTn id="3" fill="hold">
+                      <p:stCondLst>
+                        <p:cond delay="indefinite"/>
+                      </p:stCondLst>
+                      <p:childTnLst>
+                        <p:par>
+                          <p:cTn id="4" fill="hold">
+                            <p:stCondLst>
+                              <p:cond delay="0"/>
+                            </p:stCondLst>
+                            <p:childTnLst>
+                              <p:par>
+                                <p:cTn id="5" presetID="2" presetClass="entr" presetSubtype="4" fill="hold" grpId="0" nodeType="clickEffect">
+                                  <p:stCondLst>
+                                    <p:cond delay="0"/>
+                                  </p:stCondLst>
+                                  <p:childTnLst>
+                                    <p:set>
+                                      <p:cBhvr>
+                                        <p:cTn id="6" dur="1" fill="hold">
+                                          <p:stCondLst>
+                                            <p:cond delay="0"/>
+                                          </p:stCondLst>
+                                        </p:cTn>
+                                        <p:tgtEl>
+                                          <p:spTgt spid="6"/>
+                                        </p:tgtEl>
+                                        <p:attrNameLst>
+                                          <p:attrName>style.visibility</p:attrName>
+                                        </p:attrNameLst>
+                                      </p:cBhvr>
+                                      <p:to>
+                                        <p:strVal val="visible"/>
+                                      </p:to>
+                                    </p:set>
+                                    <p:anim calcmode="lin" valueType="num">
+                                      <p:cBhvr additive="base">
+                                        <p:cTn id="7" dur="500" fill="hold"/>
+                                        <p:tgtEl>
+                                          <p:spTgt spid="6"/>
+                                        </p:tgtEl>
+                                        <p:attrNameLst>
+                                          <p:attrName>ppt_x</p:attrName>
+                                        </p:attrNameLst>
+                                      </p:cBhvr>
+                                      <p:tavLst>
+                                        <p:tav tm="0">
+                                          <p:val>
+                                            <p:strVal val="#ppt_x"/>
+                                          </p:val>
+                                        </p:tav>
+                                        <p:tav tm="100000">
+                                          <p:val>
+                                            <p:strVal val="#ppt_x"/>
+                                          </p:val>
+                                        </p:tav>
+                                      </p:tavLst>
+                                    </p:anim>
+                                    <p:anim calcmode="lin" valueType="num">
+                                      <p:cBhvr additive="base">
                                         <p:cTn id="8" dur="500" fill="hold"/>
                                         <p:tgtEl>
-                                          <p:spTgt spid="11"/>
+                                          <p:spTgt spid="6"/>
                                         </p:tgtEl>
                                         <p:attrNameLst>
                                           <p:attrName>ppt_y</p:attrName>
@@ -37581,7 +39559,7 @@
                                           </p:stCondLst>
                                         </p:cTn>
                                         <p:tgtEl>
-                                          <p:spTgt spid="8"/>
+                                          <p:spTgt spid="5"/>
                                         </p:tgtEl>
                                         <p:attrNameLst>
                                           <p:attrName>style.visibility</p:attrName>
@@ -37595,7 +39573,7 @@
                                       <p:cBhvr additive="base">
                                         <p:cTn id="11" dur="500" fill="hold"/>
                                         <p:tgtEl>
-                                          <p:spTgt spid="8"/>
+                                          <p:spTgt spid="5"/>
                                         </p:tgtEl>
                                         <p:attrNameLst>
                                           <p:attrName>ppt_x</p:attrName>
@@ -37618,7 +39596,7 @@
                                       <p:cBhvr additive="base">
                                         <p:cTn id="12" dur="500" fill="hold"/>
                                         <p:tgtEl>
-                                          <p:spTgt spid="8"/>
+                                          <p:spTgt spid="5"/>
                                         </p:tgtEl>
                                         <p:attrNameLst>
                                           <p:attrName>ppt_y</p:attrName>
@@ -37672,7 +39650,7 @@
                                           </p:stCondLst>
                                         </p:cTn>
                                         <p:tgtEl>
-                                          <p:spTgt spid="13"/>
+                                          <p:spTgt spid="9"/>
                                         </p:tgtEl>
                                         <p:attrNameLst>
                                           <p:attrName>style.visibility</p:attrName>
@@ -37686,7 +39664,7 @@
                                       <p:cBhvr additive="base">
                                         <p:cTn id="17" dur="500" fill="hold"/>
                                         <p:tgtEl>
-                                          <p:spTgt spid="13"/>
+                                          <p:spTgt spid="9"/>
                                         </p:tgtEl>
                                         <p:attrNameLst>
                                           <p:attrName>ppt_x</p:attrName>
@@ -37709,7 +39687,7 @@
                                       <p:cBhvr additive="base">
                                         <p:cTn id="18" dur="500" fill="hold"/>
                                         <p:tgtEl>
-                                          <p:spTgt spid="13"/>
+                                          <p:spTgt spid="9"/>
                                         </p:tgtEl>
                                         <p:attrNameLst>
                                           <p:attrName>ppt_y</p:attrName>
@@ -37745,7 +39723,7 @@
                                           </p:stCondLst>
                                         </p:cTn>
                                         <p:tgtEl>
-                                          <p:spTgt spid="12"/>
+                                          <p:spTgt spid="7"/>
                                         </p:tgtEl>
                                         <p:attrNameLst>
                                           <p:attrName>style.visibility</p:attrName>
@@ -37759,7 +39737,7 @@
                                       <p:cBhvr additive="base">
                                         <p:cTn id="21" dur="500" fill="hold"/>
                                         <p:tgtEl>
-                                          <p:spTgt spid="12"/>
+                                          <p:spTgt spid="7"/>
                                         </p:tgtEl>
                                         <p:attrNameLst>
                                           <p:attrName>ppt_x</p:attrName>
@@ -37782,1133 +39760,7 @@
                                       <p:cBhvr additive="base">
                                         <p:cTn id="22" dur="500" fill="hold"/>
                                         <p:tgtEl>
-                                          <p:spTgt spid="12"/>
-                                        </p:tgtEl>
-                                        <p:attrNameLst>
-                                          <p:attrName>ppt_y</p:attrName>
-                                        </p:attrNameLst>
-                                      </p:cBhvr>
-                                      <p:tavLst>
-                                        <p:tav tm="0">
-                                          <p:val>
-                                            <p:strVal val="1+#ppt_h/2"/>
-                                          </p:val>
-                                        </p:tav>
-                                        <p:tav tm="100000">
-                                          <p:val>
-                                            <p:strVal val="#ppt_y"/>
-                                          </p:val>
-                                        </p:tav>
-                                      </p:tavLst>
-                                    </p:anim>
-                                  </p:childTnLst>
-                                </p:cTn>
-                              </p:par>
-                            </p:childTnLst>
-                          </p:cTn>
-                        </p:par>
-                      </p:childTnLst>
-                    </p:cTn>
-                  </p:par>
-                  <p:par>
-                    <p:cTn id="23" fill="hold">
-                      <p:stCondLst>
-                        <p:cond delay="indefinite"/>
-                      </p:stCondLst>
-                      <p:childTnLst>
-                        <p:par>
-                          <p:cTn id="24" fill="hold">
-                            <p:stCondLst>
-                              <p:cond delay="0"/>
-                            </p:stCondLst>
-                            <p:childTnLst>
-                              <p:par>
-                                <p:cTn id="25" presetID="2" presetClass="entr" presetSubtype="4" fill="hold" nodeType="clickEffect">
-                                  <p:stCondLst>
-                                    <p:cond delay="0"/>
-                                  </p:stCondLst>
-                                  <p:childTnLst>
-                                    <p:set>
-                                      <p:cBhvr>
-                                        <p:cTn id="26" dur="1" fill="hold">
-                                          <p:stCondLst>
-                                            <p:cond delay="0"/>
-                                          </p:stCondLst>
-                                        </p:cTn>
-                                        <p:tgtEl>
-                                          <p:spTgt spid="15"/>
-                                        </p:tgtEl>
-                                        <p:attrNameLst>
-                                          <p:attrName>style.visibility</p:attrName>
-                                        </p:attrNameLst>
-                                      </p:cBhvr>
-                                      <p:to>
-                                        <p:strVal val="visible"/>
-                                      </p:to>
-                                    </p:set>
-                                    <p:anim calcmode="lin" valueType="num">
-                                      <p:cBhvr additive="base">
-                                        <p:cTn id="27" dur="500" fill="hold"/>
-                                        <p:tgtEl>
-                                          <p:spTgt spid="15"/>
-                                        </p:tgtEl>
-                                        <p:attrNameLst>
-                                          <p:attrName>ppt_x</p:attrName>
-                                        </p:attrNameLst>
-                                      </p:cBhvr>
-                                      <p:tavLst>
-                                        <p:tav tm="0">
-                                          <p:val>
-                                            <p:strVal val="#ppt_x"/>
-                                          </p:val>
-                                        </p:tav>
-                                        <p:tav tm="100000">
-                                          <p:val>
-                                            <p:strVal val="#ppt_x"/>
-                                          </p:val>
-                                        </p:tav>
-                                      </p:tavLst>
-                                    </p:anim>
-                                    <p:anim calcmode="lin" valueType="num">
-                                      <p:cBhvr additive="base">
-                                        <p:cTn id="28" dur="500" fill="hold"/>
-                                        <p:tgtEl>
-                                          <p:spTgt spid="15"/>
-                                        </p:tgtEl>
-                                        <p:attrNameLst>
-                                          <p:attrName>ppt_y</p:attrName>
-                                        </p:attrNameLst>
-                                      </p:cBhvr>
-                                      <p:tavLst>
-                                        <p:tav tm="0">
-                                          <p:val>
-                                            <p:strVal val="1+#ppt_h/2"/>
-                                          </p:val>
-                                        </p:tav>
-                                        <p:tav tm="100000">
-                                          <p:val>
-                                            <p:strVal val="#ppt_y"/>
-                                          </p:val>
-                                        </p:tav>
-                                      </p:tavLst>
-                                    </p:anim>
-                                  </p:childTnLst>
-                                </p:cTn>
-                              </p:par>
-                              <p:par>
-                                <p:cTn id="29" presetID="2" presetClass="entr" presetSubtype="4" fill="hold" grpId="0" nodeType="withEffect">
-                                  <p:stCondLst>
-                                    <p:cond delay="0"/>
-                                  </p:stCondLst>
-                                  <p:childTnLst>
-                                    <p:set>
-                                      <p:cBhvr>
-                                        <p:cTn id="30" dur="1" fill="hold">
-                                          <p:stCondLst>
-                                            <p:cond delay="0"/>
-                                          </p:stCondLst>
-                                        </p:cTn>
-                                        <p:tgtEl>
-                                          <p:spTgt spid="16"/>
-                                        </p:tgtEl>
-                                        <p:attrNameLst>
-                                          <p:attrName>style.visibility</p:attrName>
-                                        </p:attrNameLst>
-                                      </p:cBhvr>
-                                      <p:to>
-                                        <p:strVal val="visible"/>
-                                      </p:to>
-                                    </p:set>
-                                    <p:anim calcmode="lin" valueType="num">
-                                      <p:cBhvr additive="base">
-                                        <p:cTn id="31" dur="500" fill="hold"/>
-                                        <p:tgtEl>
-                                          <p:spTgt spid="16"/>
-                                        </p:tgtEl>
-                                        <p:attrNameLst>
-                                          <p:attrName>ppt_x</p:attrName>
-                                        </p:attrNameLst>
-                                      </p:cBhvr>
-                                      <p:tavLst>
-                                        <p:tav tm="0">
-                                          <p:val>
-                                            <p:strVal val="#ppt_x"/>
-                                          </p:val>
-                                        </p:tav>
-                                        <p:tav tm="100000">
-                                          <p:val>
-                                            <p:strVal val="#ppt_x"/>
-                                          </p:val>
-                                        </p:tav>
-                                      </p:tavLst>
-                                    </p:anim>
-                                    <p:anim calcmode="lin" valueType="num">
-                                      <p:cBhvr additive="base">
-                                        <p:cTn id="32" dur="500" fill="hold"/>
-                                        <p:tgtEl>
-                                          <p:spTgt spid="16"/>
-                                        </p:tgtEl>
-                                        <p:attrNameLst>
-                                          <p:attrName>ppt_y</p:attrName>
-                                        </p:attrNameLst>
-                                      </p:cBhvr>
-                                      <p:tavLst>
-                                        <p:tav tm="0">
-                                          <p:val>
-                                            <p:strVal val="1+#ppt_h/2"/>
-                                          </p:val>
-                                        </p:tav>
-                                        <p:tav tm="100000">
-                                          <p:val>
-                                            <p:strVal val="#ppt_y"/>
-                                          </p:val>
-                                        </p:tav>
-                                      </p:tavLst>
-                                    </p:anim>
-                                  </p:childTnLst>
-                                </p:cTn>
-                              </p:par>
-                            </p:childTnLst>
-                          </p:cTn>
-                        </p:par>
-                      </p:childTnLst>
-                    </p:cTn>
-                  </p:par>
-                  <p:par>
-                    <p:cTn id="33" fill="hold">
-                      <p:stCondLst>
-                        <p:cond delay="indefinite"/>
-                      </p:stCondLst>
-                      <p:childTnLst>
-                        <p:par>
-                          <p:cTn id="34" fill="hold">
-                            <p:stCondLst>
-                              <p:cond delay="0"/>
-                            </p:stCondLst>
-                            <p:childTnLst>
-                              <p:par>
-                                <p:cTn id="35" presetID="3" presetClass="entr" presetSubtype="10" fill="hold" grpId="0" nodeType="clickEffect">
-                                  <p:stCondLst>
-                                    <p:cond delay="0"/>
-                                  </p:stCondLst>
-                                  <p:childTnLst>
-                                    <p:set>
-                                      <p:cBhvr>
-                                        <p:cTn id="36" dur="1" fill="hold">
-                                          <p:stCondLst>
-                                            <p:cond delay="0"/>
-                                          </p:stCondLst>
-                                        </p:cTn>
-                                        <p:tgtEl>
-                                          <p:spTgt spid="17"/>
-                                        </p:tgtEl>
-                                        <p:attrNameLst>
-                                          <p:attrName>style.visibility</p:attrName>
-                                        </p:attrNameLst>
-                                      </p:cBhvr>
-                                      <p:to>
-                                        <p:strVal val="visible"/>
-                                      </p:to>
-                                    </p:set>
-                                    <p:animEffect transition="in" filter="blinds(horizontal)">
-                                      <p:cBhvr>
-                                        <p:cTn id="37" dur="500"/>
-                                        <p:tgtEl>
-                                          <p:spTgt spid="17"/>
-                                        </p:tgtEl>
-                                      </p:cBhvr>
-                                    </p:animEffect>
-                                  </p:childTnLst>
-                                </p:cTn>
-                              </p:par>
-                            </p:childTnLst>
-                          </p:cTn>
-                        </p:par>
-                      </p:childTnLst>
-                    </p:cTn>
-                  </p:par>
-                </p:childTnLst>
-              </p:cTn>
-              <p:prevCondLst>
-                <p:cond evt="onPrev" delay="0">
-                  <p:tgtEl>
-                    <p:sldTgt/>
-                  </p:tgtEl>
-                </p:cond>
-              </p:prevCondLst>
-              <p:nextCondLst>
-                <p:cond evt="onNext" delay="0">
-                  <p:tgtEl>
-                    <p:sldTgt/>
-                  </p:tgtEl>
-                </p:cond>
-              </p:nextCondLst>
-            </p:seq>
-          </p:childTnLst>
-        </p:cTn>
-      </p:par>
-    </p:tnLst>
-    <p:bldLst>
-      <p:bldP spid="11" grpId="0" animBg="1"/>
-      <p:bldP spid="13" grpId="0" animBg="1"/>
-      <p:bldP spid="16" grpId="0" animBg="1"/>
-      <p:bldP spid="17" grpId="0" animBg="1"/>
-    </p:bldLst>
-  </p:timing>
-</p:sld>
-</file>
-
-<file path=ppt/slides/slide75.xml><?xml version="1.0" encoding="utf-8"?>
-<p:sld xmlns:a="http://schemas.openxmlformats.org/drawingml/2006/main" xmlns:r="http://schemas.openxmlformats.org/officeDocument/2006/relationships" xmlns:p="http://schemas.openxmlformats.org/presentationml/2006/main">
-  <p:cSld>
-    <p:spTree>
-      <p:nvGrpSpPr>
-        <p:cNvPr id="1" name=""/>
-        <p:cNvGrpSpPr/>
-        <p:nvPr/>
-      </p:nvGrpSpPr>
-      <p:grpSpPr>
-        <a:xfrm>
-          <a:off x="0" y="0"/>
-          <a:ext cx="0" cy="0"/>
-          <a:chOff x="0" y="0"/>
-          <a:chExt cx="0" cy="0"/>
-        </a:xfrm>
-      </p:grpSpPr>
-      <p:sp>
-        <p:nvSpPr>
-          <p:cNvPr id="4" name="文本框 3"/>
-          <p:cNvSpPr txBox="1"/>
-          <p:nvPr/>
-        </p:nvSpPr>
-        <p:spPr>
-          <a:xfrm>
-            <a:off x="711835" y="438785"/>
-            <a:ext cx="9272905" cy="706755"/>
-          </a:xfrm>
-          <a:prstGeom prst="rect">
-            <a:avLst/>
-          </a:prstGeom>
-          <a:noFill/>
-        </p:spPr>
-        <p:txBody>
-          <a:bodyPr wrap="none" rtlCol="0">
-            <a:spAutoFit/>
-            <a:scene3d>
-              <a:camera prst="orthographicFront"/>
-              <a:lightRig rig="threePt" dir="t"/>
-            </a:scene3d>
-          </a:bodyPr>
-          <a:p>
-            <a:r>
-              <a:rPr lang="zh-CN" altLang="en-US" sz="4000">
-                <a:solidFill>
-                  <a:schemeClr val="tx1"/>
-                </a:solidFill>
-                <a:effectLst>
-                  <a:outerShdw blurRad="38100" dist="19050" dir="2700000" algn="tl" rotWithShape="0">
-                    <a:schemeClr val="dk1">
-                      <a:alpha val="40000"/>
-                    </a:schemeClr>
-                  </a:outerShdw>
-                </a:effectLst>
-              </a:rPr>
-              <a:t>方法</a:t>
-            </a:r>
-            <a:r>
-              <a:rPr lang="en-US" altLang="zh-CN" sz="4000">
-                <a:solidFill>
-                  <a:schemeClr val="tx1"/>
-                </a:solidFill>
-                <a:effectLst>
-                  <a:outerShdw blurRad="38100" dist="19050" dir="2700000" algn="tl" rotWithShape="0">
-                    <a:schemeClr val="dk1">
-                      <a:alpha val="40000"/>
-                    </a:schemeClr>
-                  </a:outerShdw>
-                </a:effectLst>
-              </a:rPr>
-              <a:t>2</a:t>
-            </a:r>
-            <a:r>
-              <a:rPr lang="zh-CN" altLang="en-US" sz="4000">
-                <a:solidFill>
-                  <a:schemeClr val="tx1"/>
-                </a:solidFill>
-                <a:effectLst>
-                  <a:outerShdw blurRad="38100" dist="19050" dir="2700000" algn="tl" rotWithShape="0">
-                    <a:schemeClr val="dk1">
-                      <a:alpha val="40000"/>
-                    </a:schemeClr>
-                  </a:outerShdw>
-                </a:effectLst>
-              </a:rPr>
-              <a:t>：小表变字典做</a:t>
-            </a:r>
-            <a:r>
-              <a:rPr lang="en-US" altLang="zh-CN" sz="4000">
-                <a:solidFill>
-                  <a:schemeClr val="tx1"/>
-                </a:solidFill>
-                <a:effectLst>
-                  <a:outerShdw blurRad="38100" dist="19050" dir="2700000" algn="tl" rotWithShape="0">
-                    <a:schemeClr val="dk1">
-                      <a:alpha val="40000"/>
-                    </a:schemeClr>
-                  </a:outerShdw>
-                </a:effectLst>
-              </a:rPr>
-              <a:t>merge</a:t>
-            </a:r>
-            <a:r>
-              <a:rPr lang="zh-CN" altLang="en-US" sz="4000">
-                <a:solidFill>
-                  <a:schemeClr val="tx1"/>
-                </a:solidFill>
-                <a:effectLst>
-                  <a:outerShdw blurRad="38100" dist="19050" dir="2700000" algn="tl" rotWithShape="0">
-                    <a:schemeClr val="dk1">
-                      <a:alpha val="40000"/>
-                    </a:schemeClr>
-                  </a:outerShdw>
-                </a:effectLst>
-              </a:rPr>
-              <a:t>最后</a:t>
-            </a:r>
-            <a:r>
-              <a:rPr lang="en-US" altLang="zh-CN" sz="4000">
-                <a:solidFill>
-                  <a:schemeClr val="tx1"/>
-                </a:solidFill>
-                <a:effectLst>
-                  <a:outerShdw blurRad="38100" dist="19050" dir="2700000" algn="tl" rotWithShape="0">
-                    <a:schemeClr val="dk1">
-                      <a:alpha val="40000"/>
-                    </a:schemeClr>
-                  </a:outerShdw>
-                </a:effectLst>
-              </a:rPr>
-              <a:t>explode</a:t>
-            </a:r>
-            <a:endParaRPr lang="en-US" altLang="zh-CN" sz="4000">
-              <a:solidFill>
-                <a:schemeClr val="tx1"/>
-              </a:solidFill>
-              <a:effectLst>
-                <a:outerShdw blurRad="38100" dist="19050" dir="2700000" algn="tl" rotWithShape="0">
-                  <a:schemeClr val="dk1">
-                    <a:alpha val="40000"/>
-                  </a:schemeClr>
-                </a:outerShdw>
-              </a:effectLst>
-            </a:endParaRPr>
-          </a:p>
-        </p:txBody>
-      </p:sp>
-      <p:pic>
-        <p:nvPicPr>
-          <p:cNvPr id="5" name="图片 4"/>
-          <p:cNvPicPr>
-            <a:picLocks noChangeAspect="1"/>
-          </p:cNvPicPr>
-          <p:nvPr/>
-        </p:nvPicPr>
-        <p:blipFill>
-          <a:blip r:embed="rId1"/>
-          <a:stretch>
-            <a:fillRect/>
-          </a:stretch>
-        </p:blipFill>
-        <p:spPr>
-          <a:xfrm>
-            <a:off x="711835" y="1546225"/>
-            <a:ext cx="9315450" cy="438150"/>
-          </a:xfrm>
-          <a:prstGeom prst="rect">
-            <a:avLst/>
-          </a:prstGeom>
-        </p:spPr>
-      </p:pic>
-      <p:sp>
-        <p:nvSpPr>
-          <p:cNvPr id="6" name="文本框 5"/>
-          <p:cNvSpPr txBox="1"/>
-          <p:nvPr/>
-        </p:nvSpPr>
-        <p:spPr>
-          <a:xfrm>
-            <a:off x="857885" y="1177925"/>
-            <a:ext cx="1681480" cy="368300"/>
-          </a:xfrm>
-          <a:prstGeom prst="rect">
-            <a:avLst/>
-          </a:prstGeom>
-          <a:solidFill>
-            <a:schemeClr val="accent2"/>
-          </a:solidFill>
-        </p:spPr>
-        <p:txBody>
-          <a:bodyPr wrap="none" rtlCol="0">
-            <a:spAutoFit/>
-          </a:bodyPr>
-          <a:p>
-            <a:pPr lvl="0" algn="l"/>
-            <a:r>
-              <a:rPr lang="en-US" altLang="zh-CN">
-                <a:solidFill>
-                  <a:schemeClr val="bg1"/>
-                </a:solidFill>
-                <a:sym typeface="+mn-ea"/>
-              </a:rPr>
-              <a:t>1</a:t>
-            </a:r>
-            <a:r>
-              <a:rPr lang="zh-CN" altLang="en-US">
-                <a:solidFill>
-                  <a:schemeClr val="bg1"/>
-                </a:solidFill>
-                <a:sym typeface="+mn-ea"/>
-              </a:rPr>
-              <a:t>、小表变字典</a:t>
-            </a:r>
-            <a:endParaRPr lang="zh-CN" altLang="en-US">
-              <a:solidFill>
-                <a:schemeClr val="bg1"/>
-              </a:solidFill>
-              <a:sym typeface="+mn-ea"/>
-            </a:endParaRPr>
-          </a:p>
-        </p:txBody>
-      </p:sp>
-      <p:pic>
-        <p:nvPicPr>
-          <p:cNvPr id="7" name="图片 6"/>
-          <p:cNvPicPr>
-            <a:picLocks noChangeAspect="1"/>
-          </p:cNvPicPr>
-          <p:nvPr/>
-        </p:nvPicPr>
-        <p:blipFill>
-          <a:blip r:embed="rId2"/>
-          <a:stretch>
-            <a:fillRect/>
-          </a:stretch>
-        </p:blipFill>
-        <p:spPr>
-          <a:xfrm>
-            <a:off x="711835" y="2458085"/>
-            <a:ext cx="4443730" cy="2694940"/>
-          </a:xfrm>
-          <a:prstGeom prst="rect">
-            <a:avLst/>
-          </a:prstGeom>
-        </p:spPr>
-      </p:pic>
-      <p:sp>
-        <p:nvSpPr>
-          <p:cNvPr id="9" name="文本框 8"/>
-          <p:cNvSpPr txBox="1"/>
-          <p:nvPr/>
-        </p:nvSpPr>
-        <p:spPr>
-          <a:xfrm>
-            <a:off x="711835" y="1984375"/>
-            <a:ext cx="2456180" cy="368300"/>
-          </a:xfrm>
-          <a:prstGeom prst="rect">
-            <a:avLst/>
-          </a:prstGeom>
-          <a:solidFill>
-            <a:schemeClr val="accent2"/>
-          </a:solidFill>
-        </p:spPr>
-        <p:txBody>
-          <a:bodyPr wrap="none" rtlCol="0">
-            <a:spAutoFit/>
-          </a:bodyPr>
-          <a:p>
-            <a:pPr lvl="0" algn="l"/>
-            <a:r>
-              <a:rPr lang="en-US" altLang="zh-CN">
-                <a:solidFill>
-                  <a:schemeClr val="bg1"/>
-                </a:solidFill>
-                <a:sym typeface="+mn-ea"/>
-              </a:rPr>
-              <a:t>2</a:t>
-            </a:r>
-            <a:r>
-              <a:rPr lang="zh-CN" altLang="en-US">
-                <a:solidFill>
-                  <a:schemeClr val="bg1"/>
-                </a:solidFill>
-                <a:sym typeface="+mn-ea"/>
-              </a:rPr>
-              <a:t>、大表</a:t>
-            </a:r>
-            <a:r>
-              <a:rPr lang="en-US" altLang="zh-CN">
-                <a:solidFill>
-                  <a:schemeClr val="bg1"/>
-                </a:solidFill>
-                <a:sym typeface="+mn-ea"/>
-              </a:rPr>
-              <a:t>apply</a:t>
-            </a:r>
-            <a:r>
-              <a:rPr lang="zh-CN" altLang="en-US">
-                <a:solidFill>
-                  <a:schemeClr val="bg1"/>
-                </a:solidFill>
-                <a:sym typeface="+mn-ea"/>
-              </a:rPr>
-              <a:t>按行查找</a:t>
-            </a:r>
-            <a:endParaRPr lang="zh-CN" altLang="en-US">
-              <a:solidFill>
-                <a:schemeClr val="bg1"/>
-              </a:solidFill>
-              <a:sym typeface="+mn-ea"/>
-            </a:endParaRPr>
-          </a:p>
-        </p:txBody>
-      </p:sp>
-      <p:pic>
-        <p:nvPicPr>
-          <p:cNvPr id="10" name="图片 9"/>
-          <p:cNvPicPr>
-            <a:picLocks noChangeAspect="1"/>
-          </p:cNvPicPr>
-          <p:nvPr/>
-        </p:nvPicPr>
-        <p:blipFill>
-          <a:blip r:embed="rId3"/>
-          <a:stretch>
-            <a:fillRect/>
-          </a:stretch>
-        </p:blipFill>
-        <p:spPr>
-          <a:xfrm>
-            <a:off x="5368290" y="2528570"/>
-            <a:ext cx="3917950" cy="2219960"/>
-          </a:xfrm>
-          <a:prstGeom prst="rect">
-            <a:avLst/>
-          </a:prstGeom>
-        </p:spPr>
-      </p:pic>
-      <p:sp>
-        <p:nvSpPr>
-          <p:cNvPr id="14" name="文本框 13"/>
-          <p:cNvSpPr txBox="1"/>
-          <p:nvPr/>
-        </p:nvSpPr>
-        <p:spPr>
-          <a:xfrm>
-            <a:off x="5495925" y="1984375"/>
-            <a:ext cx="2481580" cy="368300"/>
-          </a:xfrm>
-          <a:prstGeom prst="rect">
-            <a:avLst/>
-          </a:prstGeom>
-          <a:solidFill>
-            <a:schemeClr val="accent2"/>
-          </a:solidFill>
-        </p:spPr>
-        <p:txBody>
-          <a:bodyPr wrap="none" rtlCol="0">
-            <a:spAutoFit/>
-          </a:bodyPr>
-          <a:p>
-            <a:pPr lvl="0" algn="l"/>
-            <a:r>
-              <a:rPr lang="en-US">
-                <a:solidFill>
-                  <a:schemeClr val="bg1"/>
-                </a:solidFill>
-                <a:sym typeface="+mn-ea"/>
-              </a:rPr>
-              <a:t>3</a:t>
-            </a:r>
-            <a:r>
-              <a:rPr lang="zh-CN" altLang="en-US">
-                <a:solidFill>
-                  <a:schemeClr val="bg1"/>
-                </a:solidFill>
-                <a:sym typeface="+mn-ea"/>
-              </a:rPr>
-              <a:t>、大表做</a:t>
-            </a:r>
-            <a:r>
-              <a:rPr lang="en-US" altLang="zh-CN">
-                <a:solidFill>
-                  <a:schemeClr val="bg1"/>
-                </a:solidFill>
-                <a:sym typeface="+mn-ea"/>
-              </a:rPr>
-              <a:t>explode</a:t>
-            </a:r>
-            <a:r>
-              <a:rPr lang="zh-CN" altLang="en-US">
-                <a:solidFill>
-                  <a:schemeClr val="bg1"/>
-                </a:solidFill>
-                <a:sym typeface="+mn-ea"/>
-              </a:rPr>
-              <a:t>展开</a:t>
-            </a:r>
-            <a:endParaRPr lang="zh-CN" altLang="en-US">
-              <a:solidFill>
-                <a:schemeClr val="bg1"/>
-              </a:solidFill>
-              <a:sym typeface="+mn-ea"/>
-            </a:endParaRPr>
-          </a:p>
-        </p:txBody>
-      </p:sp>
-      <p:pic>
-        <p:nvPicPr>
-          <p:cNvPr id="17" name="图片 16"/>
-          <p:cNvPicPr>
-            <a:picLocks noChangeAspect="1"/>
-          </p:cNvPicPr>
-          <p:nvPr/>
-        </p:nvPicPr>
-        <p:blipFill>
-          <a:blip r:embed="rId4"/>
-          <a:stretch>
-            <a:fillRect/>
-          </a:stretch>
-        </p:blipFill>
-        <p:spPr>
-          <a:xfrm>
-            <a:off x="4908550" y="5329555"/>
-            <a:ext cx="4784725" cy="1463040"/>
-          </a:xfrm>
-          <a:prstGeom prst="rect">
-            <a:avLst/>
-          </a:prstGeom>
-        </p:spPr>
-      </p:pic>
-      <p:sp>
-        <p:nvSpPr>
-          <p:cNvPr id="18" name="文本框 17"/>
-          <p:cNvSpPr txBox="1"/>
-          <p:nvPr/>
-        </p:nvSpPr>
-        <p:spPr>
-          <a:xfrm>
-            <a:off x="5907405" y="4867910"/>
-            <a:ext cx="2786380" cy="368300"/>
-          </a:xfrm>
-          <a:prstGeom prst="rect">
-            <a:avLst/>
-          </a:prstGeom>
-          <a:solidFill>
-            <a:schemeClr val="accent2"/>
-          </a:solidFill>
-        </p:spPr>
-        <p:txBody>
-          <a:bodyPr wrap="none" rtlCol="0">
-            <a:spAutoFit/>
-          </a:bodyPr>
-          <a:p>
-            <a:pPr lvl="0" algn="l"/>
-            <a:r>
-              <a:rPr lang="en-US">
-                <a:solidFill>
-                  <a:schemeClr val="bg1"/>
-                </a:solidFill>
-                <a:sym typeface="+mn-ea"/>
-              </a:rPr>
-              <a:t>4</a:t>
-            </a:r>
-            <a:r>
-              <a:rPr lang="zh-CN" altLang="en-US">
-                <a:solidFill>
-                  <a:schemeClr val="bg1"/>
-                </a:solidFill>
-                <a:sym typeface="+mn-ea"/>
-              </a:rPr>
-              <a:t>、大表小表重新做</a:t>
-            </a:r>
-            <a:r>
-              <a:rPr lang="en-US" altLang="zh-CN">
-                <a:solidFill>
-                  <a:schemeClr val="bg1"/>
-                </a:solidFill>
-                <a:sym typeface="+mn-ea"/>
-              </a:rPr>
-              <a:t>merge</a:t>
-            </a:r>
-            <a:endParaRPr lang="en-US" altLang="zh-CN">
-              <a:solidFill>
-                <a:schemeClr val="bg1"/>
-              </a:solidFill>
-              <a:sym typeface="+mn-ea"/>
-            </a:endParaRPr>
-          </a:p>
-        </p:txBody>
-      </p:sp>
-      <p:sp>
-        <p:nvSpPr>
-          <p:cNvPr id="19" name="文本框 18"/>
-          <p:cNvSpPr txBox="1"/>
-          <p:nvPr/>
-        </p:nvSpPr>
-        <p:spPr>
-          <a:xfrm>
-            <a:off x="9533890" y="3177540"/>
-            <a:ext cx="2240280" cy="922020"/>
-          </a:xfrm>
-          <a:prstGeom prst="rect">
-            <a:avLst/>
-          </a:prstGeom>
-          <a:solidFill>
-            <a:srgbClr val="FFC000"/>
-          </a:solidFill>
-        </p:spPr>
-        <p:txBody>
-          <a:bodyPr wrap="none" rtlCol="0">
-            <a:spAutoFit/>
-          </a:bodyPr>
-          <a:p>
-            <a:r>
-              <a:rPr lang="zh-CN" altLang="en-US"/>
-              <a:t>适用于：</a:t>
-            </a:r>
-            <a:endParaRPr lang="zh-CN" altLang="en-US"/>
-          </a:p>
-          <a:p>
-            <a:r>
-              <a:rPr lang="zh-CN" altLang="en-US"/>
-              <a:t>数据很大</a:t>
-            </a:r>
-            <a:endParaRPr lang="zh-CN" altLang="en-US"/>
-          </a:p>
-          <a:p>
-            <a:r>
-              <a:rPr lang="zh-CN" altLang="en-US"/>
-              <a:t>笛卡尔积内存放不下</a:t>
-            </a:r>
-            <a:endParaRPr lang="zh-CN" altLang="en-US"/>
-          </a:p>
-        </p:txBody>
-      </p:sp>
-    </p:spTree>
-  </p:cSld>
-  <p:clrMapOvr>
-    <a:masterClrMapping/>
-  </p:clrMapOvr>
-  <p:timing>
-    <p:tnLst>
-      <p:par>
-        <p:cTn id="1" dur="indefinite" restart="never" nodeType="tmRoot">
-          <p:childTnLst>
-            <p:seq concurrent="1" nextAc="seek">
-              <p:cTn id="2" dur="indefinite" nodeType="mainSeq">
-                <p:childTnLst>
-                  <p:par>
-                    <p:cTn id="3" fill="hold">
-                      <p:stCondLst>
-                        <p:cond delay="indefinite"/>
-                      </p:stCondLst>
-                      <p:childTnLst>
-                        <p:par>
-                          <p:cTn id="4" fill="hold">
-                            <p:stCondLst>
-                              <p:cond delay="0"/>
-                            </p:stCondLst>
-                            <p:childTnLst>
-                              <p:par>
-                                <p:cTn id="5" presetID="2" presetClass="entr" presetSubtype="4" fill="hold" grpId="0" nodeType="clickEffect">
-                                  <p:stCondLst>
-                                    <p:cond delay="0"/>
-                                  </p:stCondLst>
-                                  <p:childTnLst>
-                                    <p:set>
-                                      <p:cBhvr>
-                                        <p:cTn id="6" dur="1" fill="hold">
-                                          <p:stCondLst>
-                                            <p:cond delay="0"/>
-                                          </p:stCondLst>
-                                        </p:cTn>
-                                        <p:tgtEl>
-                                          <p:spTgt spid="9"/>
-                                        </p:tgtEl>
-                                        <p:attrNameLst>
-                                          <p:attrName>style.visibility</p:attrName>
-                                        </p:attrNameLst>
-                                      </p:cBhvr>
-                                      <p:to>
-                                        <p:strVal val="visible"/>
-                                      </p:to>
-                                    </p:set>
-                                    <p:anim calcmode="lin" valueType="num">
-                                      <p:cBhvr additive="base">
-                                        <p:cTn id="7" dur="500" fill="hold"/>
-                                        <p:tgtEl>
-                                          <p:spTgt spid="9"/>
-                                        </p:tgtEl>
-                                        <p:attrNameLst>
-                                          <p:attrName>ppt_x</p:attrName>
-                                        </p:attrNameLst>
-                                      </p:cBhvr>
-                                      <p:tavLst>
-                                        <p:tav tm="0">
-                                          <p:val>
-                                            <p:strVal val="#ppt_x"/>
-                                          </p:val>
-                                        </p:tav>
-                                        <p:tav tm="100000">
-                                          <p:val>
-                                            <p:strVal val="#ppt_x"/>
-                                          </p:val>
-                                        </p:tav>
-                                      </p:tavLst>
-                                    </p:anim>
-                                    <p:anim calcmode="lin" valueType="num">
-                                      <p:cBhvr additive="base">
-                                        <p:cTn id="8" dur="500" fill="hold"/>
-                                        <p:tgtEl>
-                                          <p:spTgt spid="9"/>
-                                        </p:tgtEl>
-                                        <p:attrNameLst>
-                                          <p:attrName>ppt_y</p:attrName>
-                                        </p:attrNameLst>
-                                      </p:cBhvr>
-                                      <p:tavLst>
-                                        <p:tav tm="0">
-                                          <p:val>
-                                            <p:strVal val="1+#ppt_h/2"/>
-                                          </p:val>
-                                        </p:tav>
-                                        <p:tav tm="100000">
-                                          <p:val>
-                                            <p:strVal val="#ppt_y"/>
-                                          </p:val>
-                                        </p:tav>
-                                      </p:tavLst>
-                                    </p:anim>
-                                  </p:childTnLst>
-                                </p:cTn>
-                              </p:par>
-                              <p:par>
-                                <p:cTn id="9" presetID="2" presetClass="entr" presetSubtype="4" fill="hold" nodeType="withEffect">
-                                  <p:stCondLst>
-                                    <p:cond delay="0"/>
-                                  </p:stCondLst>
-                                  <p:childTnLst>
-                                    <p:set>
-                                      <p:cBhvr>
-                                        <p:cTn id="10" dur="1" fill="hold">
-                                          <p:stCondLst>
-                                            <p:cond delay="0"/>
-                                          </p:stCondLst>
-                                        </p:cTn>
-                                        <p:tgtEl>
                                           <p:spTgt spid="7"/>
-                                        </p:tgtEl>
-                                        <p:attrNameLst>
-                                          <p:attrName>style.visibility</p:attrName>
-                                        </p:attrNameLst>
-                                      </p:cBhvr>
-                                      <p:to>
-                                        <p:strVal val="visible"/>
-                                      </p:to>
-                                    </p:set>
-                                    <p:anim calcmode="lin" valueType="num">
-                                      <p:cBhvr additive="base">
-                                        <p:cTn id="11" dur="500" fill="hold"/>
-                                        <p:tgtEl>
-                                          <p:spTgt spid="7"/>
-                                        </p:tgtEl>
-                                        <p:attrNameLst>
-                                          <p:attrName>ppt_x</p:attrName>
-                                        </p:attrNameLst>
-                                      </p:cBhvr>
-                                      <p:tavLst>
-                                        <p:tav tm="0">
-                                          <p:val>
-                                            <p:strVal val="#ppt_x"/>
-                                          </p:val>
-                                        </p:tav>
-                                        <p:tav tm="100000">
-                                          <p:val>
-                                            <p:strVal val="#ppt_x"/>
-                                          </p:val>
-                                        </p:tav>
-                                      </p:tavLst>
-                                    </p:anim>
-                                    <p:anim calcmode="lin" valueType="num">
-                                      <p:cBhvr additive="base">
-                                        <p:cTn id="12" dur="500" fill="hold"/>
-                                        <p:tgtEl>
-                                          <p:spTgt spid="7"/>
-                                        </p:tgtEl>
-                                        <p:attrNameLst>
-                                          <p:attrName>ppt_y</p:attrName>
-                                        </p:attrNameLst>
-                                      </p:cBhvr>
-                                      <p:tavLst>
-                                        <p:tav tm="0">
-                                          <p:val>
-                                            <p:strVal val="1+#ppt_h/2"/>
-                                          </p:val>
-                                        </p:tav>
-                                        <p:tav tm="100000">
-                                          <p:val>
-                                            <p:strVal val="#ppt_y"/>
-                                          </p:val>
-                                        </p:tav>
-                                      </p:tavLst>
-                                    </p:anim>
-                                  </p:childTnLst>
-                                </p:cTn>
-                              </p:par>
-                            </p:childTnLst>
-                          </p:cTn>
-                        </p:par>
-                      </p:childTnLst>
-                    </p:cTn>
-                  </p:par>
-                  <p:par>
-                    <p:cTn id="13" fill="hold">
-                      <p:stCondLst>
-                        <p:cond delay="indefinite"/>
-                      </p:stCondLst>
-                      <p:childTnLst>
-                        <p:par>
-                          <p:cTn id="14" fill="hold">
-                            <p:stCondLst>
-                              <p:cond delay="0"/>
-                            </p:stCondLst>
-                            <p:childTnLst>
-                              <p:par>
-                                <p:cTn id="15" presetID="2" presetClass="entr" presetSubtype="4" fill="hold" grpId="0" nodeType="clickEffect">
-                                  <p:stCondLst>
-                                    <p:cond delay="0"/>
-                                  </p:stCondLst>
-                                  <p:childTnLst>
-                                    <p:set>
-                                      <p:cBhvr>
-                                        <p:cTn id="16" dur="1" fill="hold">
-                                          <p:stCondLst>
-                                            <p:cond delay="0"/>
-                                          </p:stCondLst>
-                                        </p:cTn>
-                                        <p:tgtEl>
-                                          <p:spTgt spid="14"/>
-                                        </p:tgtEl>
-                                        <p:attrNameLst>
-                                          <p:attrName>style.visibility</p:attrName>
-                                        </p:attrNameLst>
-                                      </p:cBhvr>
-                                      <p:to>
-                                        <p:strVal val="visible"/>
-                                      </p:to>
-                                    </p:set>
-                                    <p:anim calcmode="lin" valueType="num">
-                                      <p:cBhvr additive="base">
-                                        <p:cTn id="17" dur="500" fill="hold"/>
-                                        <p:tgtEl>
-                                          <p:spTgt spid="14"/>
-                                        </p:tgtEl>
-                                        <p:attrNameLst>
-                                          <p:attrName>ppt_x</p:attrName>
-                                        </p:attrNameLst>
-                                      </p:cBhvr>
-                                      <p:tavLst>
-                                        <p:tav tm="0">
-                                          <p:val>
-                                            <p:strVal val="#ppt_x"/>
-                                          </p:val>
-                                        </p:tav>
-                                        <p:tav tm="100000">
-                                          <p:val>
-                                            <p:strVal val="#ppt_x"/>
-                                          </p:val>
-                                        </p:tav>
-                                      </p:tavLst>
-                                    </p:anim>
-                                    <p:anim calcmode="lin" valueType="num">
-                                      <p:cBhvr additive="base">
-                                        <p:cTn id="18" dur="500" fill="hold"/>
-                                        <p:tgtEl>
-                                          <p:spTgt spid="14"/>
-                                        </p:tgtEl>
-                                        <p:attrNameLst>
-                                          <p:attrName>ppt_y</p:attrName>
-                                        </p:attrNameLst>
-                                      </p:cBhvr>
-                                      <p:tavLst>
-                                        <p:tav tm="0">
-                                          <p:val>
-                                            <p:strVal val="1+#ppt_h/2"/>
-                                          </p:val>
-                                        </p:tav>
-                                        <p:tav tm="100000">
-                                          <p:val>
-                                            <p:strVal val="#ppt_y"/>
-                                          </p:val>
-                                        </p:tav>
-                                      </p:tavLst>
-                                    </p:anim>
-                                  </p:childTnLst>
-                                </p:cTn>
-                              </p:par>
-                              <p:par>
-                                <p:cTn id="19" presetID="2" presetClass="entr" presetSubtype="4" fill="hold" nodeType="withEffect">
-                                  <p:stCondLst>
-                                    <p:cond delay="0"/>
-                                  </p:stCondLst>
-                                  <p:childTnLst>
-                                    <p:set>
-                                      <p:cBhvr>
-                                        <p:cTn id="20" dur="1" fill="hold">
-                                          <p:stCondLst>
-                                            <p:cond delay="0"/>
-                                          </p:stCondLst>
-                                        </p:cTn>
-                                        <p:tgtEl>
-                                          <p:spTgt spid="10"/>
-                                        </p:tgtEl>
-                                        <p:attrNameLst>
-                                          <p:attrName>style.visibility</p:attrName>
-                                        </p:attrNameLst>
-                                      </p:cBhvr>
-                                      <p:to>
-                                        <p:strVal val="visible"/>
-                                      </p:to>
-                                    </p:set>
-                                    <p:anim calcmode="lin" valueType="num">
-                                      <p:cBhvr additive="base">
-                                        <p:cTn id="21" dur="500" fill="hold"/>
-                                        <p:tgtEl>
-                                          <p:spTgt spid="10"/>
-                                        </p:tgtEl>
-                                        <p:attrNameLst>
-                                          <p:attrName>ppt_x</p:attrName>
-                                        </p:attrNameLst>
-                                      </p:cBhvr>
-                                      <p:tavLst>
-                                        <p:tav tm="0">
-                                          <p:val>
-                                            <p:strVal val="#ppt_x"/>
-                                          </p:val>
-                                        </p:tav>
-                                        <p:tav tm="100000">
-                                          <p:val>
-                                            <p:strVal val="#ppt_x"/>
-                                          </p:val>
-                                        </p:tav>
-                                      </p:tavLst>
-                                    </p:anim>
-                                    <p:anim calcmode="lin" valueType="num">
-                                      <p:cBhvr additive="base">
-                                        <p:cTn id="22" dur="500" fill="hold"/>
-                                        <p:tgtEl>
-                                          <p:spTgt spid="10"/>
                                         </p:tgtEl>
                                         <p:attrNameLst>
                                           <p:attrName>ppt_y</p:attrName>
@@ -38962,7 +39814,7 @@
                                           </p:stCondLst>
                                         </p:cTn>
                                         <p:tgtEl>
-                                          <p:spTgt spid="18"/>
+                                          <p:spTgt spid="14"/>
                                         </p:tgtEl>
                                         <p:attrNameLst>
                                           <p:attrName>style.visibility</p:attrName>
@@ -38976,7 +39828,7 @@
                                       <p:cBhvr additive="base">
                                         <p:cTn id="27" dur="500" fill="hold"/>
                                         <p:tgtEl>
-                                          <p:spTgt spid="18"/>
+                                          <p:spTgt spid="14"/>
                                         </p:tgtEl>
                                         <p:attrNameLst>
                                           <p:attrName>ppt_x</p:attrName>
@@ -38999,7 +39851,7 @@
                                       <p:cBhvr additive="base">
                                         <p:cTn id="28" dur="500" fill="hold"/>
                                         <p:tgtEl>
-                                          <p:spTgt spid="18"/>
+                                          <p:spTgt spid="14"/>
                                         </p:tgtEl>
                                         <p:attrNameLst>
                                           <p:attrName>ppt_y</p:attrName>
@@ -39035,7 +39887,7 @@
                                           </p:stCondLst>
                                         </p:cTn>
                                         <p:tgtEl>
-                                          <p:spTgt spid="17"/>
+                                          <p:spTgt spid="10"/>
                                         </p:tgtEl>
                                         <p:attrNameLst>
                                           <p:attrName>style.visibility</p:attrName>
@@ -39049,7 +39901,7 @@
                                       <p:cBhvr additive="base">
                                         <p:cTn id="31" dur="500" fill="hold"/>
                                         <p:tgtEl>
-                                          <p:spTgt spid="17"/>
+                                          <p:spTgt spid="10"/>
                                         </p:tgtEl>
                                         <p:attrNameLst>
                                           <p:attrName>ppt_x</p:attrName>
@@ -39072,7 +39924,7 @@
                                       <p:cBhvr additive="base">
                                         <p:cTn id="32" dur="500" fill="hold"/>
                                         <p:tgtEl>
-                                          <p:spTgt spid="17"/>
+                                          <p:spTgt spid="10"/>
                                         </p:tgtEl>
                                         <p:attrNameLst>
                                           <p:attrName>ppt_y</p:attrName>
@@ -39113,7 +39965,7 @@
                             </p:stCondLst>
                             <p:childTnLst>
                               <p:par>
-                                <p:cTn id="35" presetID="3" presetClass="entr" presetSubtype="10" fill="hold" grpId="0" nodeType="clickEffect">
+                                <p:cTn id="35" presetID="2" presetClass="entr" presetSubtype="4" fill="hold" grpId="0" nodeType="clickEffect">
                                   <p:stCondLst>
                                     <p:cond delay="0"/>
                                   </p:stCondLst>
@@ -39121,6 +39973,170 @@
                                     <p:set>
                                       <p:cBhvr>
                                         <p:cTn id="36" dur="1" fill="hold">
+                                          <p:stCondLst>
+                                            <p:cond delay="0"/>
+                                          </p:stCondLst>
+                                        </p:cTn>
+                                        <p:tgtEl>
+                                          <p:spTgt spid="18"/>
+                                        </p:tgtEl>
+                                        <p:attrNameLst>
+                                          <p:attrName>style.visibility</p:attrName>
+                                        </p:attrNameLst>
+                                      </p:cBhvr>
+                                      <p:to>
+                                        <p:strVal val="visible"/>
+                                      </p:to>
+                                    </p:set>
+                                    <p:anim calcmode="lin" valueType="num">
+                                      <p:cBhvr additive="base">
+                                        <p:cTn id="37" dur="500" fill="hold"/>
+                                        <p:tgtEl>
+                                          <p:spTgt spid="18"/>
+                                        </p:tgtEl>
+                                        <p:attrNameLst>
+                                          <p:attrName>ppt_x</p:attrName>
+                                        </p:attrNameLst>
+                                      </p:cBhvr>
+                                      <p:tavLst>
+                                        <p:tav tm="0">
+                                          <p:val>
+                                            <p:strVal val="#ppt_x"/>
+                                          </p:val>
+                                        </p:tav>
+                                        <p:tav tm="100000">
+                                          <p:val>
+                                            <p:strVal val="#ppt_x"/>
+                                          </p:val>
+                                        </p:tav>
+                                      </p:tavLst>
+                                    </p:anim>
+                                    <p:anim calcmode="lin" valueType="num">
+                                      <p:cBhvr additive="base">
+                                        <p:cTn id="38" dur="500" fill="hold"/>
+                                        <p:tgtEl>
+                                          <p:spTgt spid="18"/>
+                                        </p:tgtEl>
+                                        <p:attrNameLst>
+                                          <p:attrName>ppt_y</p:attrName>
+                                        </p:attrNameLst>
+                                      </p:cBhvr>
+                                      <p:tavLst>
+                                        <p:tav tm="0">
+                                          <p:val>
+                                            <p:strVal val="1+#ppt_h/2"/>
+                                          </p:val>
+                                        </p:tav>
+                                        <p:tav tm="100000">
+                                          <p:val>
+                                            <p:strVal val="#ppt_y"/>
+                                          </p:val>
+                                        </p:tav>
+                                      </p:tavLst>
+                                    </p:anim>
+                                  </p:childTnLst>
+                                </p:cTn>
+                              </p:par>
+                              <p:par>
+                                <p:cTn id="39" presetID="2" presetClass="entr" presetSubtype="4" fill="hold" nodeType="withEffect">
+                                  <p:stCondLst>
+                                    <p:cond delay="0"/>
+                                  </p:stCondLst>
+                                  <p:childTnLst>
+                                    <p:set>
+                                      <p:cBhvr>
+                                        <p:cTn id="40" dur="1" fill="hold">
+                                          <p:stCondLst>
+                                            <p:cond delay="0"/>
+                                          </p:stCondLst>
+                                        </p:cTn>
+                                        <p:tgtEl>
+                                          <p:spTgt spid="17"/>
+                                        </p:tgtEl>
+                                        <p:attrNameLst>
+                                          <p:attrName>style.visibility</p:attrName>
+                                        </p:attrNameLst>
+                                      </p:cBhvr>
+                                      <p:to>
+                                        <p:strVal val="visible"/>
+                                      </p:to>
+                                    </p:set>
+                                    <p:anim calcmode="lin" valueType="num">
+                                      <p:cBhvr additive="base">
+                                        <p:cTn id="41" dur="500" fill="hold"/>
+                                        <p:tgtEl>
+                                          <p:spTgt spid="17"/>
+                                        </p:tgtEl>
+                                        <p:attrNameLst>
+                                          <p:attrName>ppt_x</p:attrName>
+                                        </p:attrNameLst>
+                                      </p:cBhvr>
+                                      <p:tavLst>
+                                        <p:tav tm="0">
+                                          <p:val>
+                                            <p:strVal val="#ppt_x"/>
+                                          </p:val>
+                                        </p:tav>
+                                        <p:tav tm="100000">
+                                          <p:val>
+                                            <p:strVal val="#ppt_x"/>
+                                          </p:val>
+                                        </p:tav>
+                                      </p:tavLst>
+                                    </p:anim>
+                                    <p:anim calcmode="lin" valueType="num">
+                                      <p:cBhvr additive="base">
+                                        <p:cTn id="42" dur="500" fill="hold"/>
+                                        <p:tgtEl>
+                                          <p:spTgt spid="17"/>
+                                        </p:tgtEl>
+                                        <p:attrNameLst>
+                                          <p:attrName>ppt_y</p:attrName>
+                                        </p:attrNameLst>
+                                      </p:cBhvr>
+                                      <p:tavLst>
+                                        <p:tav tm="0">
+                                          <p:val>
+                                            <p:strVal val="1+#ppt_h/2"/>
+                                          </p:val>
+                                        </p:tav>
+                                        <p:tav tm="100000">
+                                          <p:val>
+                                            <p:strVal val="#ppt_y"/>
+                                          </p:val>
+                                        </p:tav>
+                                      </p:tavLst>
+                                    </p:anim>
+                                  </p:childTnLst>
+                                </p:cTn>
+                              </p:par>
+                            </p:childTnLst>
+                          </p:cTn>
+                        </p:par>
+                      </p:childTnLst>
+                    </p:cTn>
+                  </p:par>
+                  <p:par>
+                    <p:cTn id="43" fill="hold">
+                      <p:stCondLst>
+                        <p:cond delay="indefinite"/>
+                      </p:stCondLst>
+                      <p:childTnLst>
+                        <p:par>
+                          <p:cTn id="44" fill="hold">
+                            <p:stCondLst>
+                              <p:cond delay="0"/>
+                            </p:stCondLst>
+                            <p:childTnLst>
+                              <p:par>
+                                <p:cTn id="45" presetID="3" presetClass="entr" presetSubtype="10" fill="hold" grpId="0" nodeType="clickEffect">
+                                  <p:stCondLst>
+                                    <p:cond delay="0"/>
+                                  </p:stCondLst>
+                                  <p:childTnLst>
+                                    <p:set>
+                                      <p:cBhvr>
+                                        <p:cTn id="46" dur="1" fill="hold">
                                           <p:stCondLst>
                                             <p:cond delay="0"/>
                                           </p:stCondLst>
@@ -39138,7 +40154,7 @@
                                     </p:set>
                                     <p:animEffect transition="in" filter="blinds(horizontal)">
                                       <p:cBhvr>
-                                        <p:cTn id="37" dur="500"/>
+                                        <p:cTn id="47" dur="500"/>
                                         <p:tgtEl>
                                           <p:spTgt spid="19"/>
                                         </p:tgtEl>
@@ -39179,6 +40195,7 @@
       <p:bldP spid="14" grpId="0" animBg="1"/>
       <p:bldP spid="18" grpId="0" animBg="1"/>
       <p:bldP spid="19" grpId="0" animBg="1"/>
+      <p:bldP spid="6" grpId="0" animBg="1"/>
     </p:bldLst>
   </p:timing>
 </p:sld>

--- a/Python使用Pandas入门数据分析.pptx
+++ b/Python使用Pandas入门数据分析.pptx
@@ -36436,8 +36436,8 @@
         </p:nvSpPr>
         <p:spPr>
           <a:xfrm>
-            <a:off x="1468755" y="840740"/>
-            <a:ext cx="10045065" cy="5175885"/>
+            <a:off x="1239520" y="1994535"/>
+            <a:ext cx="10045065" cy="3908425"/>
           </a:xfrm>
           <a:ln>
             <a:noFill/>
@@ -36450,6 +36450,9 @@
           <a:lstStyle/>
           <a:p>
             <a:pPr marL="0" indent="0">
+              <a:lnSpc>
+                <a:spcPct val="100000"/>
+              </a:lnSpc>
               <a:buNone/>
             </a:pPr>
             <a:r>
@@ -36474,6 +36477,9 @@
           </a:p>
           <a:p>
             <a:pPr marL="0" indent="0">
+              <a:lnSpc>
+                <a:spcPct val="100000"/>
+              </a:lnSpc>
               <a:buNone/>
             </a:pPr>
             <a:r>
@@ -36514,6 +36520,9 @@
           </a:p>
           <a:p>
             <a:pPr marL="0" indent="0">
+              <a:lnSpc>
+                <a:spcPct val="100000"/>
+              </a:lnSpc>
               <a:buNone/>
             </a:pPr>
             <a:r>
@@ -36551,6 +36560,46 @@
               <a:ea typeface="+mn-ea"/>
               <a:cs typeface="+mn-ea"/>
             </a:endParaRPr>
+          </a:p>
+        </p:txBody>
+      </p:sp>
+      <p:sp>
+        <p:nvSpPr>
+          <p:cNvPr id="3" name="文本框 2"/>
+          <p:cNvSpPr txBox="1"/>
+          <p:nvPr/>
+        </p:nvSpPr>
+        <p:spPr>
+          <a:xfrm>
+            <a:off x="1355725" y="866775"/>
+            <a:ext cx="9193530" cy="1127760"/>
+          </a:xfrm>
+          <a:prstGeom prst="rect">
+            <a:avLst/>
+          </a:prstGeom>
+          <a:solidFill>
+            <a:srgbClr val="FFC000"/>
+          </a:solidFill>
+        </p:spPr>
+        <p:txBody>
+          <a:bodyPr wrap="square" rtlCol="0" anchor="ctr" anchorCtr="0">
+            <a:noAutofit/>
+          </a:bodyPr>
+          <a:p>
+            <a:pPr algn="ctr">
+              <a:lnSpc>
+                <a:spcPct val="110000"/>
+              </a:lnSpc>
+            </a:pPr>
+            <a:r>
+              <a:rPr lang="en-US" altLang="zh-CN" sz="4400" b="1"/>
+              <a:t>Python</a:t>
+            </a:r>
+            <a:r>
+              <a:rPr lang="zh-CN" altLang="en-US" sz="4400" b="1"/>
+              <a:t>数据分析视频系列</a:t>
+            </a:r>
+            <a:endParaRPr lang="zh-CN" altLang="en-US" sz="4400" b="1"/>
           </a:p>
         </p:txBody>
       </p:sp>

--- a/Python使用Pandas入门数据分析.pptx
+++ b/Python使用Pandas入门数据分析.pptx
@@ -9,7 +9,7 @@
     <p:notesMasterId r:id="rId5"/>
   </p:notesMasterIdLst>
   <p:handoutMasterIdLst>
-    <p:handoutMasterId r:id="rId80"/>
+    <p:handoutMasterId r:id="rId83"/>
   </p:handoutMasterIdLst>
   <p:sldIdLst>
     <p:sldId id="256" r:id="rId4"/>
@@ -87,6 +87,9 @@
     <p:sldId id="447" r:id="rId77"/>
     <p:sldId id="448" r:id="rId78"/>
     <p:sldId id="449" r:id="rId79"/>
+    <p:sldId id="450" r:id="rId80"/>
+    <p:sldId id="451" r:id="rId81"/>
+    <p:sldId id="452" r:id="rId82"/>
   </p:sldIdLst>
   <p:sldSz cx="12192000" cy="6858000"/>
   <p:notesSz cx="6858000" cy="9144000"/>
@@ -40247,6 +40250,645 @@
       <p:bldP spid="6" grpId="0" animBg="1"/>
     </p:bldLst>
   </p:timing>
+</p:sld>
+</file>
+
+<file path=ppt/slides/slide76.xml><?xml version="1.0" encoding="utf-8"?>
+<p:sld xmlns:a="http://schemas.openxmlformats.org/drawingml/2006/main" xmlns:r="http://schemas.openxmlformats.org/officeDocument/2006/relationships" xmlns:p="http://schemas.openxmlformats.org/presentationml/2006/main">
+  <p:cSld>
+    <p:spTree>
+      <p:nvGrpSpPr>
+        <p:cNvPr id="1" name=""/>
+        <p:cNvGrpSpPr/>
+        <p:nvPr/>
+      </p:nvGrpSpPr>
+      <p:grpSpPr>
+        <a:xfrm>
+          <a:off x="0" y="0"/>
+          <a:ext cx="0" cy="0"/>
+          <a:chOff x="0" y="0"/>
+          <a:chExt cx="0" cy="0"/>
+        </a:xfrm>
+      </p:grpSpPr>
+      <p:sp>
+        <p:nvSpPr>
+          <p:cNvPr id="2" name="内容占位符 1"/>
+          <p:cNvSpPr>
+            <a:spLocks noGrp="1"/>
+          </p:cNvSpPr>
+          <p:nvPr>
+            <p:ph sz="quarter" idx="13"/>
+          </p:nvPr>
+        </p:nvSpPr>
+        <p:spPr>
+          <a:xfrm>
+            <a:off x="-14605" y="1207135"/>
+            <a:ext cx="12221210" cy="4827905"/>
+          </a:xfrm>
+          <a:solidFill>
+            <a:srgbClr val="FFC000"/>
+          </a:solidFill>
+          <a:ln>
+            <a:noFill/>
+          </a:ln>
+        </p:spPr>
+        <p:txBody>
+          <a:bodyPr anchor="ctr" anchorCtr="0">
+            <a:noAutofit/>
+          </a:bodyPr>
+          <a:lstStyle/>
+          <a:p>
+            <a:pPr marL="0" indent="0" algn="ctr">
+              <a:lnSpc>
+                <a:spcPct val="150000"/>
+              </a:lnSpc>
+              <a:buNone/>
+            </a:pPr>
+            <a:r>
+              <a:rPr lang="en-US" altLang="zh-CN" sz="6000" b="1">
+                <a:solidFill>
+                  <a:schemeClr val="tx1">
+                    <a:lumMod val="95000"/>
+                    <a:lumOff val="5000"/>
+                  </a:schemeClr>
+                </a:solidFill>
+                <a:sym typeface="+mn-ea"/>
+              </a:rPr>
+              <a:t>Python - Pandas</a:t>
+            </a:r>
+            <a:r>
+              <a:rPr lang="zh-CN" altLang="en-US" sz="6000" b="1">
+                <a:solidFill>
+                  <a:schemeClr val="tx1">
+                    <a:lumMod val="95000"/>
+                    <a:lumOff val="5000"/>
+                  </a:schemeClr>
+                </a:solidFill>
+                <a:sym typeface="+mn-ea"/>
+              </a:rPr>
+              <a:t>数据分析系列</a:t>
+            </a:r>
+            <a:endParaRPr kumimoji="1" lang="zh-CN" sz="6000" b="1" dirty="0">
+              <a:solidFill>
+                <a:schemeClr val="tx1">
+                  <a:lumMod val="95000"/>
+                  <a:lumOff val="5000"/>
+                </a:schemeClr>
+              </a:solidFill>
+              <a:latin typeface="+mn-ea"/>
+              <a:ea typeface="+mn-ea"/>
+              <a:cs typeface="+mn-ea"/>
+            </a:endParaRPr>
+          </a:p>
+          <a:p>
+            <a:pPr marL="0" indent="0">
+              <a:lnSpc>
+                <a:spcPct val="150000"/>
+              </a:lnSpc>
+              <a:buNone/>
+            </a:pPr>
+            <a:r>
+              <a:rPr kumimoji="1" lang="zh-CN" sz="6000" b="1" dirty="0">
+                <a:solidFill>
+                  <a:schemeClr val="tx1">
+                    <a:lumMod val="95000"/>
+                    <a:lumOff val="5000"/>
+                  </a:schemeClr>
+                </a:solidFill>
+                <a:latin typeface="+mn-ea"/>
+                <a:ea typeface="+mn-ea"/>
+                <a:cs typeface="+mn-ea"/>
+              </a:rPr>
+              <a:t>  实际案例：</a:t>
+            </a:r>
+            <a:endParaRPr kumimoji="1" lang="zh-CN" sz="6000" dirty="0">
+              <a:solidFill>
+                <a:schemeClr val="tx1">
+                  <a:lumMod val="95000"/>
+                  <a:lumOff val="5000"/>
+                </a:schemeClr>
+              </a:solidFill>
+              <a:latin typeface="+mn-ea"/>
+              <a:ea typeface="+mn-ea"/>
+              <a:cs typeface="+mn-ea"/>
+            </a:endParaRPr>
+          </a:p>
+          <a:p>
+            <a:pPr marL="0" indent="0">
+              <a:lnSpc>
+                <a:spcPct val="150000"/>
+              </a:lnSpc>
+              <a:buNone/>
+            </a:pPr>
+            <a:r>
+              <a:rPr kumimoji="1" lang="en-US" altLang="zh-CN" sz="6000" dirty="0">
+                <a:solidFill>
+                  <a:schemeClr val="tx1">
+                    <a:lumMod val="95000"/>
+                    <a:lumOff val="5000"/>
+                  </a:schemeClr>
+                </a:solidFill>
+                <a:latin typeface="+mn-ea"/>
+                <a:ea typeface="+mn-ea"/>
+                <a:cs typeface="+mn-ea"/>
+              </a:rPr>
+              <a:t>	</a:t>
+            </a:r>
+            <a:r>
+              <a:rPr kumimoji="1" lang="zh-CN" sz="4800" dirty="0">
+                <a:solidFill>
+                  <a:schemeClr val="tx1">
+                    <a:lumMod val="95000"/>
+                    <a:lumOff val="5000"/>
+                  </a:schemeClr>
+                </a:solidFill>
+                <a:latin typeface="+mn-ea"/>
+                <a:ea typeface="+mn-ea"/>
+                <a:cs typeface="+mn-ea"/>
+              </a:rPr>
+              <a:t>计算每个学生成绩最相近的</a:t>
+            </a:r>
+            <a:r>
+              <a:rPr kumimoji="1" lang="en-US" altLang="zh-CN" sz="4800" dirty="0">
+                <a:solidFill>
+                  <a:schemeClr val="tx1">
+                    <a:lumMod val="95000"/>
+                    <a:lumOff val="5000"/>
+                  </a:schemeClr>
+                </a:solidFill>
+                <a:latin typeface="+mn-ea"/>
+                <a:ea typeface="+mn-ea"/>
+                <a:cs typeface="+mn-ea"/>
+              </a:rPr>
+              <a:t>10</a:t>
+            </a:r>
+            <a:r>
+              <a:rPr kumimoji="1" lang="zh-CN" altLang="en-US" sz="4800" dirty="0">
+                <a:solidFill>
+                  <a:schemeClr val="tx1">
+                    <a:lumMod val="95000"/>
+                    <a:lumOff val="5000"/>
+                  </a:schemeClr>
+                </a:solidFill>
+                <a:latin typeface="+mn-ea"/>
+                <a:ea typeface="+mn-ea"/>
+                <a:cs typeface="+mn-ea"/>
+              </a:rPr>
+              <a:t>个学生</a:t>
+            </a:r>
+            <a:endParaRPr kumimoji="1" lang="zh-CN" altLang="en-US" sz="4800" dirty="0">
+              <a:solidFill>
+                <a:schemeClr val="tx1">
+                  <a:lumMod val="95000"/>
+                  <a:lumOff val="5000"/>
+                </a:schemeClr>
+              </a:solidFill>
+              <a:latin typeface="+mn-ea"/>
+              <a:ea typeface="+mn-ea"/>
+              <a:cs typeface="+mn-ea"/>
+            </a:endParaRPr>
+          </a:p>
+        </p:txBody>
+      </p:sp>
+    </p:spTree>
+  </p:cSld>
+  <p:clrMapOvr>
+    <a:masterClrMapping/>
+  </p:clrMapOvr>
+</p:sld>
+</file>
+
+<file path=ppt/slides/slide77.xml><?xml version="1.0" encoding="utf-8"?>
+<p:sld xmlns:a="http://schemas.openxmlformats.org/drawingml/2006/main" xmlns:r="http://schemas.openxmlformats.org/officeDocument/2006/relationships" xmlns:p="http://schemas.openxmlformats.org/presentationml/2006/main">
+  <p:cSld>
+    <p:spTree>
+      <p:nvGrpSpPr>
+        <p:cNvPr id="1" name=""/>
+        <p:cNvGrpSpPr/>
+        <p:nvPr/>
+      </p:nvGrpSpPr>
+      <p:grpSpPr/>
+      <p:sp>
+        <p:nvSpPr>
+          <p:cNvPr id="2" name="标题 1"/>
+          <p:cNvSpPr>
+            <a:spLocks noGrp="1"/>
+          </p:cNvSpPr>
+          <p:nvPr>
+            <p:ph type="title"/>
+          </p:nvPr>
+        </p:nvSpPr>
+        <p:spPr/>
+        <p:txBody>
+          <a:bodyPr/>
+          <a:p>
+            <a:r>
+              <a:rPr lang="zh-CN" altLang="en-US" sz="4400"/>
+              <a:t>数据处理需求</a:t>
+            </a:r>
+            <a:endParaRPr lang="zh-CN" altLang="en-US" sz="4400"/>
+          </a:p>
+        </p:txBody>
+      </p:sp>
+      <p:pic>
+        <p:nvPicPr>
+          <p:cNvPr id="4" name="图片 3"/>
+          <p:cNvPicPr>
+            <a:picLocks noChangeAspect="1"/>
+          </p:cNvPicPr>
+          <p:nvPr/>
+        </p:nvPicPr>
+        <p:blipFill>
+          <a:blip r:embed="rId1"/>
+          <a:stretch>
+            <a:fillRect/>
+          </a:stretch>
+        </p:blipFill>
+        <p:spPr>
+          <a:xfrm>
+            <a:off x="669925" y="1548765"/>
+            <a:ext cx="7620000" cy="4491355"/>
+          </a:xfrm>
+          <a:prstGeom prst="rect">
+            <a:avLst/>
+          </a:prstGeom>
+        </p:spPr>
+      </p:pic>
+      <p:sp>
+        <p:nvSpPr>
+          <p:cNvPr id="5" name="文本框 4"/>
+          <p:cNvSpPr txBox="1"/>
+          <p:nvPr/>
+        </p:nvSpPr>
+        <p:spPr>
+          <a:xfrm>
+            <a:off x="8542655" y="1532890"/>
+            <a:ext cx="3421380" cy="4523105"/>
+          </a:xfrm>
+          <a:prstGeom prst="rect">
+            <a:avLst/>
+          </a:prstGeom>
+          <a:noFill/>
+        </p:spPr>
+        <p:txBody>
+          <a:bodyPr wrap="square" rtlCol="0">
+            <a:spAutoFit/>
+          </a:bodyPr>
+          <a:p>
+            <a:pPr algn="l"/>
+            <a:r>
+              <a:rPr lang="zh-CN" altLang="en-US" b="1">
+                <a:solidFill>
+                  <a:srgbClr val="FF0000"/>
+                </a:solidFill>
+              </a:rPr>
+              <a:t>要求算出：</a:t>
+            </a:r>
+            <a:endParaRPr lang="zh-CN" altLang="en-US"/>
+          </a:p>
+          <a:p>
+            <a:pPr algn="l"/>
+            <a:endParaRPr lang="zh-CN" altLang="en-US"/>
+          </a:p>
+          <a:p>
+            <a:pPr algn="l"/>
+            <a:r>
+              <a:rPr lang="zh-CN" altLang="en-US"/>
+              <a:t>每个学生  成绩最相似</a:t>
+            </a:r>
+            <a:endParaRPr lang="zh-CN" altLang="en-US"/>
+          </a:p>
+          <a:p>
+            <a:pPr algn="l"/>
+            <a:r>
+              <a:rPr lang="zh-CN" altLang="en-US"/>
+              <a:t>的另外</a:t>
+            </a:r>
+            <a:r>
+              <a:rPr lang="en-US" altLang="zh-CN"/>
+              <a:t>10</a:t>
+            </a:r>
+            <a:r>
+              <a:rPr lang="zh-CN" altLang="en-US"/>
+              <a:t>个学生</a:t>
+            </a:r>
+            <a:endParaRPr lang="zh-CN" altLang="en-US"/>
+          </a:p>
+          <a:p>
+            <a:pPr algn="l"/>
+            <a:endParaRPr lang="zh-CN" altLang="en-US"/>
+          </a:p>
+          <a:p>
+            <a:pPr algn="l"/>
+            <a:endParaRPr lang="zh-CN" altLang="en-US"/>
+          </a:p>
+          <a:p>
+            <a:pPr algn="l"/>
+            <a:r>
+              <a:rPr lang="zh-CN" altLang="en-US" b="1">
+                <a:solidFill>
+                  <a:srgbClr val="FF0000"/>
+                </a:solidFill>
+              </a:rPr>
+              <a:t>相似计算公式：</a:t>
+            </a:r>
+            <a:endParaRPr lang="zh-CN" altLang="en-US"/>
+          </a:p>
+          <a:p>
+            <a:pPr algn="l"/>
+            <a:r>
+              <a:rPr lang="zh-CN" altLang="en-US"/>
+              <a:t>Student1(83，83,83,83,83,83,84)；</a:t>
+            </a:r>
+            <a:endParaRPr lang="zh-CN" altLang="en-US"/>
+          </a:p>
+          <a:p>
+            <a:pPr algn="l"/>
+            <a:endParaRPr lang="zh-CN" altLang="en-US"/>
+          </a:p>
+          <a:p>
+            <a:pPr algn="l"/>
+            <a:r>
+              <a:rPr lang="zh-CN" altLang="en-US"/>
+              <a:t>Student2(83，83,83,83,83,83,84)</a:t>
+            </a:r>
+            <a:endParaRPr lang="zh-CN" altLang="en-US"/>
+          </a:p>
+          <a:p>
+            <a:pPr algn="l"/>
+            <a:endParaRPr lang="zh-CN" altLang="en-US"/>
+          </a:p>
+          <a:p>
+            <a:pPr algn="l"/>
+            <a:r>
+              <a:rPr lang="zh-CN" altLang="en-US"/>
+              <a:t>Distance(Student1,Student2)=|83-83|+|83-83|+|83-83|+|83-83|+|83-83|+|84-84|=0;</a:t>
+            </a:r>
+            <a:endParaRPr lang="zh-CN" altLang="en-US"/>
+          </a:p>
+        </p:txBody>
+      </p:sp>
+      <p:sp>
+        <p:nvSpPr>
+          <p:cNvPr id="6" name="文本框 5"/>
+          <p:cNvSpPr txBox="1"/>
+          <p:nvPr/>
+        </p:nvSpPr>
+        <p:spPr>
+          <a:xfrm>
+            <a:off x="5598795" y="6246495"/>
+            <a:ext cx="6278880" cy="368300"/>
+          </a:xfrm>
+          <a:prstGeom prst="rect">
+            <a:avLst/>
+          </a:prstGeom>
+          <a:solidFill>
+            <a:srgbClr val="FFC000"/>
+          </a:solidFill>
+        </p:spPr>
+        <p:txBody>
+          <a:bodyPr wrap="none" rtlCol="0">
+            <a:spAutoFit/>
+          </a:bodyPr>
+          <a:p>
+            <a:r>
+              <a:rPr lang="zh-CN" altLang="en-US"/>
+              <a:t>难点：怎样让每个学生  和  其他所有学生  关联起来做计算？</a:t>
+            </a:r>
+            <a:endParaRPr lang="zh-CN" altLang="en-US"/>
+          </a:p>
+        </p:txBody>
+      </p:sp>
+    </p:spTree>
+  </p:cSld>
+  <p:clrMapOvr>
+    <a:masterClrMapping/>
+  </p:clrMapOvr>
+  <p:timing>
+    <p:tnLst>
+      <p:par>
+        <p:cTn id="1" dur="indefinite" restart="never" nodeType="tmRoot">
+          <p:childTnLst>
+            <p:seq concurrent="1" nextAc="seek">
+              <p:cTn id="2" dur="indefinite" nodeType="mainSeq">
+                <p:childTnLst>
+                  <p:par>
+                    <p:cTn id="3" fill="hold">
+                      <p:stCondLst>
+                        <p:cond delay="indefinite"/>
+                      </p:stCondLst>
+                      <p:childTnLst>
+                        <p:par>
+                          <p:cTn id="4" fill="hold">
+                            <p:stCondLst>
+                              <p:cond delay="0"/>
+                            </p:stCondLst>
+                            <p:childTnLst>
+                              <p:par>
+                                <p:cTn id="5" presetID="22" presetClass="entr" presetSubtype="4" fill="hold" grpId="0" nodeType="clickEffect">
+                                  <p:stCondLst>
+                                    <p:cond delay="0"/>
+                                  </p:stCondLst>
+                                  <p:childTnLst>
+                                    <p:set>
+                                      <p:cBhvr>
+                                        <p:cTn id="6" dur="1" fill="hold">
+                                          <p:stCondLst>
+                                            <p:cond delay="0"/>
+                                          </p:stCondLst>
+                                        </p:cTn>
+                                        <p:tgtEl>
+                                          <p:spTgt spid="6"/>
+                                        </p:tgtEl>
+                                        <p:attrNameLst>
+                                          <p:attrName>style.visibility</p:attrName>
+                                        </p:attrNameLst>
+                                      </p:cBhvr>
+                                      <p:to>
+                                        <p:strVal val="visible"/>
+                                      </p:to>
+                                    </p:set>
+                                    <p:animEffect transition="in" filter="wipe(down)">
+                                      <p:cBhvr>
+                                        <p:cTn id="7" dur="500"/>
+                                        <p:tgtEl>
+                                          <p:spTgt spid="6"/>
+                                        </p:tgtEl>
+                                      </p:cBhvr>
+                                    </p:animEffect>
+                                  </p:childTnLst>
+                                </p:cTn>
+                              </p:par>
+                            </p:childTnLst>
+                          </p:cTn>
+                        </p:par>
+                      </p:childTnLst>
+                    </p:cTn>
+                  </p:par>
+                </p:childTnLst>
+              </p:cTn>
+              <p:prevCondLst>
+                <p:cond evt="onPrev" delay="0">
+                  <p:tgtEl>
+                    <p:sldTgt/>
+                  </p:tgtEl>
+                </p:cond>
+              </p:prevCondLst>
+              <p:nextCondLst>
+                <p:cond evt="onNext" delay="0">
+                  <p:tgtEl>
+                    <p:sldTgt/>
+                  </p:tgtEl>
+                </p:cond>
+              </p:nextCondLst>
+            </p:seq>
+          </p:childTnLst>
+        </p:cTn>
+      </p:par>
+    </p:tnLst>
+    <p:bldLst>
+      <p:bldP spid="6" grpId="0" animBg="1"/>
+    </p:bldLst>
+  </p:timing>
+</p:sld>
+</file>
+
+<file path=ppt/slides/slide78.xml><?xml version="1.0" encoding="utf-8"?>
+<p:sld xmlns:a="http://schemas.openxmlformats.org/drawingml/2006/main" xmlns:r="http://schemas.openxmlformats.org/officeDocument/2006/relationships" xmlns:p="http://schemas.openxmlformats.org/presentationml/2006/main">
+  <p:cSld>
+    <p:spTree>
+      <p:nvGrpSpPr>
+        <p:cNvPr id="1" name=""/>
+        <p:cNvGrpSpPr/>
+        <p:nvPr/>
+      </p:nvGrpSpPr>
+      <p:grpSpPr/>
+      <p:sp>
+        <p:nvSpPr>
+          <p:cNvPr id="2" name="标题 1"/>
+          <p:cNvSpPr>
+            <a:spLocks noGrp="1"/>
+          </p:cNvSpPr>
+          <p:nvPr>
+            <p:ph type="title"/>
+          </p:nvPr>
+        </p:nvSpPr>
+        <p:spPr/>
+        <p:txBody>
+          <a:bodyPr/>
+          <a:p>
+            <a:r>
+              <a:rPr sz="4400"/>
+              <a:t>解题思路</a:t>
+            </a:r>
+            <a:endParaRPr sz="4400"/>
+          </a:p>
+        </p:txBody>
+      </p:sp>
+      <p:sp>
+        <p:nvSpPr>
+          <p:cNvPr id="3" name="文本框 2"/>
+          <p:cNvSpPr txBox="1"/>
+          <p:nvPr/>
+        </p:nvSpPr>
+        <p:spPr>
+          <a:xfrm>
+            <a:off x="976630" y="2193290"/>
+            <a:ext cx="9523095" cy="2676525"/>
+          </a:xfrm>
+          <a:prstGeom prst="rect">
+            <a:avLst/>
+          </a:prstGeom>
+          <a:noFill/>
+        </p:spPr>
+        <p:txBody>
+          <a:bodyPr wrap="none" rtlCol="0">
+            <a:spAutoFit/>
+          </a:bodyPr>
+          <a:p>
+            <a:r>
+              <a:rPr lang="en-US" altLang="zh-CN" sz="2400"/>
+              <a:t>Pandas</a:t>
+            </a:r>
+            <a:r>
+              <a:rPr lang="zh-CN" altLang="en-US" sz="2400"/>
+              <a:t>解题思路：</a:t>
+            </a:r>
+            <a:endParaRPr lang="en-US" altLang="zh-CN" sz="2400"/>
+          </a:p>
+          <a:p>
+            <a:endParaRPr lang="en-US" altLang="zh-CN" sz="2400"/>
+          </a:p>
+          <a:p>
+            <a:r>
+              <a:rPr lang="en-US" altLang="zh-CN" sz="2400"/>
+              <a:t>1</a:t>
+            </a:r>
+            <a:r>
+              <a:rPr lang="zh-CN" altLang="en-US" sz="2400"/>
+              <a:t>、使用笛卡尔积的方式，得到 每个学生 和 另外所有学生的 关联行</a:t>
+            </a:r>
+            <a:endParaRPr lang="zh-CN" altLang="en-US" sz="2400"/>
+          </a:p>
+          <a:p>
+            <a:endParaRPr lang="en-US" altLang="zh-CN" sz="2400"/>
+          </a:p>
+          <a:p>
+            <a:r>
+              <a:rPr lang="en-US" altLang="zh-CN" sz="2400"/>
+              <a:t>2</a:t>
+            </a:r>
+            <a:r>
+              <a:rPr lang="zh-CN" altLang="en-US" sz="2400"/>
+              <a:t>、对于关联行，使用</a:t>
+            </a:r>
+            <a:r>
+              <a:rPr lang="en-US" altLang="zh-CN" sz="2400"/>
+              <a:t>df.apply(function)</a:t>
+            </a:r>
+            <a:r>
+              <a:rPr lang="zh-CN" altLang="en-US" sz="2400"/>
+              <a:t>的方法，计算两两相似度；</a:t>
+            </a:r>
+            <a:endParaRPr lang="zh-CN" altLang="en-US" sz="2400"/>
+          </a:p>
+          <a:p>
+            <a:endParaRPr lang="zh-CN" altLang="en-US" sz="2400"/>
+          </a:p>
+          <a:p>
+            <a:r>
+              <a:rPr lang="en-US" altLang="zh-CN" sz="2400"/>
+              <a:t>3</a:t>
+            </a:r>
+            <a:r>
+              <a:rPr lang="zh-CN" altLang="en-US" sz="2400"/>
+              <a:t>、使用</a:t>
+            </a:r>
+            <a:r>
+              <a:rPr lang="en-US" altLang="zh-CN" sz="2400"/>
+              <a:t>groupby + top n</a:t>
+            </a:r>
+            <a:r>
+              <a:rPr lang="zh-CN" altLang="en-US" sz="2400"/>
+              <a:t>的方式，计算每个学生成绩最相近的</a:t>
+            </a:r>
+            <a:r>
+              <a:rPr lang="en-US" altLang="zh-CN" sz="2400"/>
+              <a:t>10</a:t>
+            </a:r>
+            <a:r>
+              <a:rPr lang="zh-CN" altLang="en-US" sz="2400"/>
+              <a:t>个学生</a:t>
+            </a:r>
+            <a:endParaRPr lang="zh-CN" altLang="en-US" sz="2400"/>
+          </a:p>
+        </p:txBody>
+      </p:sp>
+    </p:spTree>
+  </p:cSld>
+  <p:clrMapOvr>
+    <a:masterClrMapping/>
+  </p:clrMapOvr>
 </p:sld>
 </file>
 
